--- a/MCS7103-MachineLearning/Presentation.pptx
+++ b/MCS7103-MachineLearning/Presentation.pptx
@@ -5,7 +5,7 @@
     <p:sldMasterId id="2147483659" r:id="rId1"/>
   </p:sldMasterIdLst>
   <p:notesMasterIdLst>
-    <p:notesMasterId r:id="rId21"/>
+    <p:notesMasterId r:id="rId26"/>
   </p:notesMasterIdLst>
   <p:sldIdLst>
     <p:sldId id="256" r:id="rId2"/>
@@ -20,23 +20,35 @@
     <p:sldId id="265" r:id="rId11"/>
     <p:sldId id="266" r:id="rId12"/>
     <p:sldId id="267" r:id="rId13"/>
-    <p:sldId id="268" r:id="rId14"/>
-    <p:sldId id="269" r:id="rId15"/>
-    <p:sldId id="270" r:id="rId16"/>
-    <p:sldId id="271" r:id="rId17"/>
-    <p:sldId id="272" r:id="rId18"/>
-    <p:sldId id="273" r:id="rId19"/>
-    <p:sldId id="274" r:id="rId20"/>
+    <p:sldId id="280" r:id="rId14"/>
+    <p:sldId id="268" r:id="rId15"/>
+    <p:sldId id="278" r:id="rId16"/>
+    <p:sldId id="270" r:id="rId17"/>
+    <p:sldId id="275" r:id="rId18"/>
+    <p:sldId id="279" r:id="rId19"/>
+    <p:sldId id="277" r:id="rId20"/>
+    <p:sldId id="281" r:id="rId21"/>
+    <p:sldId id="282" r:id="rId22"/>
+    <p:sldId id="269" r:id="rId23"/>
+    <p:sldId id="273" r:id="rId24"/>
+    <p:sldId id="274" r:id="rId25"/>
   </p:sldIdLst>
   <p:sldSz cx="9144000" cy="6858000" type="screen4x3"/>
   <p:notesSz cx="6858000" cy="9144000"/>
   <p:embeddedFontLst>
     <p:embeddedFont>
       <p:font typeface="Lato" panose="020F0502020204030203" pitchFamily="34" charset="0"/>
-      <p:regular r:id="rId22"/>
-      <p:bold r:id="rId23"/>
-      <p:italic r:id="rId24"/>
-      <p:boldItalic r:id="rId25"/>
+      <p:regular r:id="rId27"/>
+      <p:bold r:id="rId28"/>
+      <p:italic r:id="rId29"/>
+      <p:boldItalic r:id="rId30"/>
+    </p:embeddedFont>
+    <p:embeddedFont>
+      <p:font typeface="Roboto" panose="02000000000000000000" pitchFamily="2" charset="0"/>
+      <p:regular r:id="rId31"/>
+      <p:bold r:id="rId32"/>
+      <p:italic r:id="rId33"/>
+      <p:boldItalic r:id="rId34"/>
     </p:embeddedFont>
   </p:embeddedFontLst>
   <p:defaultTextStyle>
@@ -1945,6 +1957,768 @@
           </a:bodyPr>
           <a:lstStyle/>
           <a:p>
+            <a:pPr algn="l"/>
+            <a:r>
+              <a:rPr lang="en-US" b="1" i="0" dirty="0">
+                <a:solidFill>
+                  <a:srgbClr val="212121"/>
+                </a:solidFill>
+                <a:effectLst/>
+                <a:highlight>
+                  <a:srgbClr val="FFFFFF"/>
+                </a:highlight>
+                <a:latin typeface="Roboto" panose="02000000000000000000" pitchFamily="2" charset="0"/>
+              </a:rPr>
+              <a:t>Risk factor</a:t>
+            </a:r>
+            <a:r>
+              <a:rPr lang="en-US" b="0" i="0" dirty="0">
+                <a:solidFill>
+                  <a:srgbClr val="212121"/>
+                </a:solidFill>
+                <a:effectLst/>
+                <a:highlight>
+                  <a:srgbClr val="FFFFFF"/>
+                </a:highlight>
+                <a:latin typeface="Roboto" panose="02000000000000000000" pitchFamily="2" charset="0"/>
+              </a:rPr>
+              <a:t>: Description - Data type (Values)</a:t>
+            </a:r>
+          </a:p>
+          <a:p>
+            <a:pPr algn="l">
+              <a:buFont typeface="+mj-lt"/>
+              <a:buAutoNum type="arabicPeriod"/>
+            </a:pPr>
+            <a:r>
+              <a:rPr lang="en-US" b="1" i="0" dirty="0">
+                <a:solidFill>
+                  <a:srgbClr val="212121"/>
+                </a:solidFill>
+                <a:effectLst/>
+                <a:highlight>
+                  <a:srgbClr val="FFFFFF"/>
+                </a:highlight>
+                <a:latin typeface="Roboto" panose="02000000000000000000" pitchFamily="2" charset="0"/>
+              </a:rPr>
+              <a:t>age</a:t>
+            </a:r>
+            <a:r>
+              <a:rPr lang="en-US" b="0" i="0" dirty="0">
+                <a:solidFill>
+                  <a:srgbClr val="212121"/>
+                </a:solidFill>
+                <a:effectLst/>
+                <a:highlight>
+                  <a:srgbClr val="FFFFFF"/>
+                </a:highlight>
+                <a:latin typeface="Roboto" panose="02000000000000000000" pitchFamily="2" charset="0"/>
+              </a:rPr>
+              <a:t>: Patient's age - Quantitative ( 20 - 90)</a:t>
+            </a:r>
+          </a:p>
+          <a:p>
+            <a:pPr algn="l">
+              <a:buFont typeface="+mj-lt"/>
+              <a:buAutoNum type="arabicPeriod"/>
+            </a:pPr>
+            <a:r>
+              <a:rPr lang="en-US" b="1" i="0" dirty="0">
+                <a:solidFill>
+                  <a:srgbClr val="212121"/>
+                </a:solidFill>
+                <a:effectLst/>
+                <a:highlight>
+                  <a:srgbClr val="FFFFFF"/>
+                </a:highlight>
+                <a:latin typeface="Roboto" panose="02000000000000000000" pitchFamily="2" charset="0"/>
+              </a:rPr>
+              <a:t>menarche</a:t>
+            </a:r>
+            <a:r>
+              <a:rPr lang="en-US" b="0" i="0" dirty="0">
+                <a:solidFill>
+                  <a:srgbClr val="212121"/>
+                </a:solidFill>
+                <a:effectLst/>
+                <a:highlight>
+                  <a:srgbClr val="FFFFFF"/>
+                </a:highlight>
+                <a:latin typeface="Roboto" panose="02000000000000000000" pitchFamily="2" charset="0"/>
+              </a:rPr>
+              <a:t>: Age of menarche - Quantitative ( 8 - 17)</a:t>
+            </a:r>
+          </a:p>
+          <a:p>
+            <a:pPr algn="l">
+              <a:buFont typeface="+mj-lt"/>
+              <a:buAutoNum type="arabicPeriod"/>
+            </a:pPr>
+            <a:r>
+              <a:rPr lang="en-US" b="1" i="0" dirty="0">
+                <a:solidFill>
+                  <a:srgbClr val="212121"/>
+                </a:solidFill>
+                <a:effectLst/>
+                <a:highlight>
+                  <a:srgbClr val="FFFFFF"/>
+                </a:highlight>
+                <a:latin typeface="Roboto" panose="02000000000000000000" pitchFamily="2" charset="0"/>
+              </a:rPr>
+              <a:t>menopause</a:t>
+            </a:r>
+            <a:r>
+              <a:rPr lang="en-US" b="0" i="0" dirty="0">
+                <a:solidFill>
+                  <a:srgbClr val="212121"/>
+                </a:solidFill>
+                <a:effectLst/>
+                <a:highlight>
+                  <a:srgbClr val="FFFFFF"/>
+                </a:highlight>
+                <a:latin typeface="Roboto" panose="02000000000000000000" pitchFamily="2" charset="0"/>
+              </a:rPr>
+              <a:t>: Age of menopause - Quantitative ( 0, 30 - 60)</a:t>
+            </a:r>
+          </a:p>
+          <a:p>
+            <a:pPr algn="l">
+              <a:buFont typeface="+mj-lt"/>
+              <a:buAutoNum type="arabicPeriod"/>
+            </a:pPr>
+            <a:r>
+              <a:rPr lang="en-US" b="1" i="0" dirty="0" err="1">
+                <a:solidFill>
+                  <a:srgbClr val="212121"/>
+                </a:solidFill>
+                <a:effectLst/>
+                <a:highlight>
+                  <a:srgbClr val="FFFFFF"/>
+                </a:highlight>
+                <a:latin typeface="Roboto" panose="02000000000000000000" pitchFamily="2" charset="0"/>
+              </a:rPr>
+              <a:t>agefirst</a:t>
+            </a:r>
+            <a:r>
+              <a:rPr lang="en-US" b="0" i="0" dirty="0">
+                <a:solidFill>
+                  <a:srgbClr val="212121"/>
+                </a:solidFill>
+                <a:effectLst/>
+                <a:highlight>
+                  <a:srgbClr val="FFFFFF"/>
+                </a:highlight>
+                <a:latin typeface="Roboto" panose="02000000000000000000" pitchFamily="2" charset="0"/>
+              </a:rPr>
+              <a:t>: Age at first successful delivery - Quantitative ( 0, 9 - 46)</a:t>
+            </a:r>
+          </a:p>
+          <a:p>
+            <a:pPr algn="l">
+              <a:buFont typeface="+mj-lt"/>
+              <a:buAutoNum type="arabicPeriod"/>
+            </a:pPr>
+            <a:r>
+              <a:rPr lang="en-US" b="1" i="0" dirty="0">
+                <a:solidFill>
+                  <a:srgbClr val="212121"/>
+                </a:solidFill>
+                <a:effectLst/>
+                <a:highlight>
+                  <a:srgbClr val="FFFFFF"/>
+                </a:highlight>
+                <a:latin typeface="Roboto" panose="02000000000000000000" pitchFamily="2" charset="0"/>
+              </a:rPr>
+              <a:t>children</a:t>
+            </a:r>
+            <a:r>
+              <a:rPr lang="en-US" b="0" i="0" dirty="0">
+                <a:solidFill>
+                  <a:srgbClr val="212121"/>
+                </a:solidFill>
+                <a:effectLst/>
+                <a:highlight>
+                  <a:srgbClr val="FFFFFF"/>
+                </a:highlight>
+                <a:latin typeface="Roboto" panose="02000000000000000000" pitchFamily="2" charset="0"/>
+              </a:rPr>
+              <a:t>: Number of children born alive - ( 0 - 6)</a:t>
+            </a:r>
+          </a:p>
+          <a:p>
+            <a:pPr algn="l">
+              <a:buFont typeface="+mj-lt"/>
+              <a:buAutoNum type="arabicPeriod"/>
+            </a:pPr>
+            <a:r>
+              <a:rPr lang="en-US" b="1" i="0" dirty="0">
+                <a:solidFill>
+                  <a:srgbClr val="212121"/>
+                </a:solidFill>
+                <a:effectLst/>
+                <a:highlight>
+                  <a:srgbClr val="FFFFFF"/>
+                </a:highlight>
+                <a:latin typeface="Roboto" panose="02000000000000000000" pitchFamily="2" charset="0"/>
+              </a:rPr>
+              <a:t>breastfeeding</a:t>
+            </a:r>
+            <a:r>
+              <a:rPr lang="en-US" b="0" i="0" dirty="0">
+                <a:solidFill>
+                  <a:srgbClr val="212121"/>
+                </a:solidFill>
+                <a:effectLst/>
+                <a:highlight>
+                  <a:srgbClr val="FFFFFF"/>
+                </a:highlight>
+                <a:latin typeface="Roboto" panose="02000000000000000000" pitchFamily="2" charset="0"/>
+              </a:rPr>
+              <a:t>: Time breastfed in months - Quantitative ( 0 - 72(months))</a:t>
+            </a:r>
+          </a:p>
+          <a:p>
+            <a:pPr algn="l">
+              <a:buFont typeface="+mj-lt"/>
+              <a:buAutoNum type="arabicPeriod"/>
+            </a:pPr>
+            <a:r>
+              <a:rPr lang="en-US" b="1" i="0" dirty="0" err="1">
+                <a:solidFill>
+                  <a:srgbClr val="212121"/>
+                </a:solidFill>
+                <a:effectLst/>
+                <a:highlight>
+                  <a:srgbClr val="FFFFFF"/>
+                </a:highlight>
+                <a:latin typeface="Roboto" panose="02000000000000000000" pitchFamily="2" charset="0"/>
+              </a:rPr>
+              <a:t>nrelbc</a:t>
+            </a:r>
+            <a:r>
+              <a:rPr lang="en-US" b="0" i="0" dirty="0">
+                <a:solidFill>
+                  <a:srgbClr val="212121"/>
+                </a:solidFill>
+                <a:effectLst/>
+                <a:highlight>
+                  <a:srgbClr val="FFFFFF"/>
+                </a:highlight>
+                <a:latin typeface="Roboto" panose="02000000000000000000" pitchFamily="2" charset="0"/>
+              </a:rPr>
+              <a:t>: Number of first-degree relatives with breast cancer - Quantitative ( 0 - 2)</a:t>
+            </a:r>
+          </a:p>
+          <a:p>
+            <a:pPr algn="l">
+              <a:buFont typeface="+mj-lt"/>
+              <a:buAutoNum type="arabicPeriod"/>
+            </a:pPr>
+            <a:r>
+              <a:rPr lang="en-US" b="1" i="0" dirty="0">
+                <a:solidFill>
+                  <a:srgbClr val="212121"/>
+                </a:solidFill>
+                <a:effectLst/>
+                <a:highlight>
+                  <a:srgbClr val="FFFFFF"/>
+                </a:highlight>
+                <a:latin typeface="Roboto" panose="02000000000000000000" pitchFamily="2" charset="0"/>
+              </a:rPr>
+              <a:t>biopsies</a:t>
+            </a:r>
+            <a:r>
+              <a:rPr lang="en-US" b="0" i="0" dirty="0">
+                <a:solidFill>
+                  <a:srgbClr val="212121"/>
+                </a:solidFill>
+                <a:effectLst/>
+                <a:highlight>
+                  <a:srgbClr val="FFFFFF"/>
+                </a:highlight>
+                <a:latin typeface="Roboto" panose="02000000000000000000" pitchFamily="2" charset="0"/>
+              </a:rPr>
+              <a:t>: Number of breast biopsies - Quantitative ( 0 - 5)</a:t>
+            </a:r>
+          </a:p>
+          <a:p>
+            <a:pPr algn="l">
+              <a:buFont typeface="+mj-lt"/>
+              <a:buAutoNum type="arabicPeriod"/>
+            </a:pPr>
+            <a:r>
+              <a:rPr lang="en-US" b="1" i="0" dirty="0">
+                <a:solidFill>
+                  <a:srgbClr val="212121"/>
+                </a:solidFill>
+                <a:effectLst/>
+                <a:highlight>
+                  <a:srgbClr val="FFFFFF"/>
+                </a:highlight>
+                <a:latin typeface="Roboto" panose="02000000000000000000" pitchFamily="2" charset="0"/>
+              </a:rPr>
+              <a:t>hyperplasia</a:t>
+            </a:r>
+            <a:r>
+              <a:rPr lang="en-US" b="0" i="0" dirty="0">
+                <a:solidFill>
+                  <a:srgbClr val="212121"/>
+                </a:solidFill>
+                <a:effectLst/>
+                <a:highlight>
+                  <a:srgbClr val="FFFFFF"/>
+                </a:highlight>
+                <a:latin typeface="Roboto" panose="02000000000000000000" pitchFamily="2" charset="0"/>
+              </a:rPr>
+              <a:t>: Atypical hyperplasia - Qualitative ( no, yes)</a:t>
+            </a:r>
+          </a:p>
+          <a:p>
+            <a:pPr algn="l">
+              <a:buFont typeface="+mj-lt"/>
+              <a:buAutoNum type="arabicPeriod"/>
+            </a:pPr>
+            <a:r>
+              <a:rPr lang="en-US" b="1" i="0" dirty="0">
+                <a:solidFill>
+                  <a:srgbClr val="212121"/>
+                </a:solidFill>
+                <a:effectLst/>
+                <a:highlight>
+                  <a:srgbClr val="FFFFFF"/>
+                </a:highlight>
+                <a:latin typeface="Roboto" panose="02000000000000000000" pitchFamily="2" charset="0"/>
+              </a:rPr>
+              <a:t>race</a:t>
+            </a:r>
+            <a:r>
+              <a:rPr lang="en-US" b="0" i="0" dirty="0">
+                <a:solidFill>
+                  <a:srgbClr val="212121"/>
+                </a:solidFill>
+                <a:effectLst/>
+                <a:highlight>
+                  <a:srgbClr val="FFFFFF"/>
+                </a:highlight>
+                <a:latin typeface="Roboto" panose="02000000000000000000" pitchFamily="2" charset="0"/>
+              </a:rPr>
+              <a:t>: Race - Quantitative ( white, mixed, black)</a:t>
+            </a:r>
+          </a:p>
+          <a:p>
+            <a:pPr algn="l">
+              <a:buFont typeface="+mj-lt"/>
+              <a:buAutoNum type="arabicPeriod"/>
+            </a:pPr>
+            <a:r>
+              <a:rPr lang="en-US" b="1" i="0" dirty="0">
+                <a:solidFill>
+                  <a:srgbClr val="212121"/>
+                </a:solidFill>
+                <a:effectLst/>
+                <a:highlight>
+                  <a:srgbClr val="FFFFFF"/>
+                </a:highlight>
+                <a:latin typeface="Roboto" panose="02000000000000000000" pitchFamily="2" charset="0"/>
+              </a:rPr>
+              <a:t>year</a:t>
+            </a:r>
+            <a:r>
+              <a:rPr lang="en-US" b="0" i="0" dirty="0">
+                <a:solidFill>
+                  <a:srgbClr val="212121"/>
+                </a:solidFill>
+                <a:effectLst/>
+                <a:highlight>
+                  <a:srgbClr val="FFFFFF"/>
+                </a:highlight>
+                <a:latin typeface="Roboto" panose="02000000000000000000" pitchFamily="2" charset="0"/>
+              </a:rPr>
+              <a:t>:</a:t>
+            </a:r>
+          </a:p>
+          <a:p>
+            <a:pPr algn="l">
+              <a:buFont typeface="+mj-lt"/>
+              <a:buAutoNum type="arabicPeriod"/>
+            </a:pPr>
+            <a:r>
+              <a:rPr lang="en-US" b="1" i="0" dirty="0" err="1">
+                <a:solidFill>
+                  <a:srgbClr val="212121"/>
+                </a:solidFill>
+                <a:effectLst/>
+                <a:highlight>
+                  <a:srgbClr val="FFFFFF"/>
+                </a:highlight>
+                <a:latin typeface="Roboto" panose="02000000000000000000" pitchFamily="2" charset="0"/>
+              </a:rPr>
+              <a:t>imc</a:t>
+            </a:r>
+            <a:r>
+              <a:rPr lang="en-US" b="0" i="0" dirty="0">
+                <a:solidFill>
+                  <a:srgbClr val="212121"/>
+                </a:solidFill>
+                <a:effectLst/>
+                <a:highlight>
+                  <a:srgbClr val="FFFFFF"/>
+                </a:highlight>
+                <a:latin typeface="Roboto" panose="02000000000000000000" pitchFamily="2" charset="0"/>
+              </a:rPr>
+              <a:t>:</a:t>
+            </a:r>
+          </a:p>
+          <a:p>
+            <a:pPr algn="l">
+              <a:buFont typeface="+mj-lt"/>
+              <a:buAutoNum type="arabicPeriod"/>
+            </a:pPr>
+            <a:r>
+              <a:rPr lang="en-US" b="1" i="0" dirty="0">
+                <a:solidFill>
+                  <a:srgbClr val="212121"/>
+                </a:solidFill>
+                <a:effectLst/>
+                <a:highlight>
+                  <a:srgbClr val="FFFFFF"/>
+                </a:highlight>
+                <a:latin typeface="Roboto" panose="02000000000000000000" pitchFamily="2" charset="0"/>
+              </a:rPr>
+              <a:t>weight</a:t>
+            </a:r>
+            <a:r>
+              <a:rPr lang="en-US" b="0" i="0" dirty="0">
+                <a:solidFill>
+                  <a:srgbClr val="212121"/>
+                </a:solidFill>
+                <a:effectLst/>
+                <a:highlight>
+                  <a:srgbClr val="FFFFFF"/>
+                </a:highlight>
+                <a:latin typeface="Roboto" panose="02000000000000000000" pitchFamily="2" charset="0"/>
+              </a:rPr>
+              <a:t>: Patients weight at screening - Quantitative - Kgs</a:t>
+            </a:r>
+          </a:p>
+          <a:p>
+            <a:pPr algn="l">
+              <a:buFont typeface="+mj-lt"/>
+              <a:buAutoNum type="arabicPeriod"/>
+            </a:pPr>
+            <a:r>
+              <a:rPr lang="en-US" b="1" i="0" dirty="0">
+                <a:solidFill>
+                  <a:srgbClr val="212121"/>
+                </a:solidFill>
+                <a:effectLst/>
+                <a:highlight>
+                  <a:srgbClr val="FFFFFF"/>
+                </a:highlight>
+                <a:latin typeface="Roboto" panose="02000000000000000000" pitchFamily="2" charset="0"/>
+              </a:rPr>
+              <a:t>exercise</a:t>
+            </a:r>
+            <a:r>
+              <a:rPr lang="en-US" b="0" i="0" dirty="0">
+                <a:solidFill>
+                  <a:srgbClr val="212121"/>
+                </a:solidFill>
+                <a:effectLst/>
+                <a:highlight>
+                  <a:srgbClr val="FFFFFF"/>
+                </a:highlight>
+                <a:latin typeface="Roboto" panose="02000000000000000000" pitchFamily="2" charset="0"/>
+              </a:rPr>
+              <a:t>: Weekly physical activity - Quantitative ( 0 - 7)</a:t>
+            </a:r>
+          </a:p>
+          <a:p>
+            <a:pPr algn="l">
+              <a:buFont typeface="+mj-lt"/>
+              <a:buAutoNum type="arabicPeriod"/>
+            </a:pPr>
+            <a:r>
+              <a:rPr lang="en-US" b="1" i="0" dirty="0">
+                <a:solidFill>
+                  <a:srgbClr val="212121"/>
+                </a:solidFill>
+                <a:effectLst/>
+                <a:highlight>
+                  <a:srgbClr val="FFFFFF"/>
+                </a:highlight>
+                <a:latin typeface="Roboto" panose="02000000000000000000" pitchFamily="2" charset="0"/>
+              </a:rPr>
+              <a:t>alcohol</a:t>
+            </a:r>
+            <a:r>
+              <a:rPr lang="en-US" b="0" i="0" dirty="0">
+                <a:solidFill>
+                  <a:srgbClr val="212121"/>
+                </a:solidFill>
+                <a:effectLst/>
+                <a:highlight>
+                  <a:srgbClr val="FFFFFF"/>
+                </a:highlight>
+                <a:latin typeface="Roboto" panose="02000000000000000000" pitchFamily="2" charset="0"/>
+              </a:rPr>
+              <a:t>: Alcohol consumption - Qualitative ( no, yes)</a:t>
+            </a:r>
+          </a:p>
+          <a:p>
+            <a:pPr algn="l">
+              <a:buFont typeface="+mj-lt"/>
+              <a:buAutoNum type="arabicPeriod"/>
+            </a:pPr>
+            <a:r>
+              <a:rPr lang="en-US" b="1" i="0" dirty="0">
+                <a:solidFill>
+                  <a:srgbClr val="212121"/>
+                </a:solidFill>
+                <a:effectLst/>
+                <a:highlight>
+                  <a:srgbClr val="FFFFFF"/>
+                </a:highlight>
+                <a:latin typeface="Roboto" panose="02000000000000000000" pitchFamily="2" charset="0"/>
+              </a:rPr>
+              <a:t>tobacco</a:t>
+            </a:r>
+            <a:r>
+              <a:rPr lang="en-US" b="0" i="0" dirty="0">
+                <a:solidFill>
+                  <a:srgbClr val="212121"/>
+                </a:solidFill>
+                <a:effectLst/>
+                <a:highlight>
+                  <a:srgbClr val="FFFFFF"/>
+                </a:highlight>
+                <a:latin typeface="Roboto" panose="02000000000000000000" pitchFamily="2" charset="0"/>
+              </a:rPr>
+              <a:t>: Tobacco consumption - Qualitative ( no, yes)</a:t>
+            </a:r>
+          </a:p>
+          <a:p>
+            <a:pPr algn="l">
+              <a:buFont typeface="+mj-lt"/>
+              <a:buAutoNum type="arabicPeriod"/>
+            </a:pPr>
+            <a:r>
+              <a:rPr lang="en-US" b="1" i="0" dirty="0">
+                <a:solidFill>
+                  <a:srgbClr val="212121"/>
+                </a:solidFill>
+                <a:effectLst/>
+                <a:highlight>
+                  <a:srgbClr val="FFFFFF"/>
+                </a:highlight>
+                <a:latin typeface="Roboto" panose="02000000000000000000" pitchFamily="2" charset="0"/>
+              </a:rPr>
+              <a:t>allergies</a:t>
+            </a:r>
+            <a:r>
+              <a:rPr lang="en-US" b="0" i="0" dirty="0">
+                <a:solidFill>
+                  <a:srgbClr val="212121"/>
+                </a:solidFill>
+                <a:effectLst/>
+                <a:highlight>
+                  <a:srgbClr val="FFFFFF"/>
+                </a:highlight>
+                <a:latin typeface="Roboto" panose="02000000000000000000" pitchFamily="2" charset="0"/>
+              </a:rPr>
+              <a:t>: Number of allergies suffered - Qualitative ( no, dermatitis, laryngitis, medications, other)</a:t>
+            </a:r>
+          </a:p>
+          <a:p>
+            <a:pPr algn="l">
+              <a:buFont typeface="+mj-lt"/>
+              <a:buAutoNum type="arabicPeriod"/>
+            </a:pPr>
+            <a:r>
+              <a:rPr lang="en-US" b="1" i="0" dirty="0">
+                <a:solidFill>
+                  <a:srgbClr val="212121"/>
+                </a:solidFill>
+                <a:effectLst/>
+                <a:highlight>
+                  <a:srgbClr val="FFFFFF"/>
+                </a:highlight>
+                <a:latin typeface="Roboto" panose="02000000000000000000" pitchFamily="2" charset="0"/>
+              </a:rPr>
+              <a:t>emotional</a:t>
+            </a:r>
+            <a:r>
+              <a:rPr lang="en-US" b="0" i="0" dirty="0">
+                <a:solidFill>
+                  <a:srgbClr val="212121"/>
+                </a:solidFill>
+                <a:effectLst/>
+                <a:highlight>
+                  <a:srgbClr val="FFFFFF"/>
+                </a:highlight>
+                <a:latin typeface="Roboto" panose="02000000000000000000" pitchFamily="2" charset="0"/>
+              </a:rPr>
+              <a:t>:</a:t>
+            </a:r>
+          </a:p>
+          <a:p>
+            <a:pPr algn="l">
+              <a:buFont typeface="+mj-lt"/>
+              <a:buAutoNum type="arabicPeriod"/>
+            </a:pPr>
+            <a:r>
+              <a:rPr lang="en-US" b="1" i="0" dirty="0">
+                <a:solidFill>
+                  <a:srgbClr val="212121"/>
+                </a:solidFill>
+                <a:effectLst/>
+                <a:highlight>
+                  <a:srgbClr val="FFFFFF"/>
+                </a:highlight>
+                <a:latin typeface="Roboto" panose="02000000000000000000" pitchFamily="2" charset="0"/>
+              </a:rPr>
+              <a:t>depressive</a:t>
+            </a:r>
+            <a:r>
+              <a:rPr lang="en-US" b="0" i="0" dirty="0">
+                <a:solidFill>
+                  <a:srgbClr val="212121"/>
+                </a:solidFill>
+                <a:effectLst/>
+                <a:highlight>
+                  <a:srgbClr val="FFFFFF"/>
+                </a:highlight>
+                <a:latin typeface="Roboto" panose="02000000000000000000" pitchFamily="2" charset="0"/>
+              </a:rPr>
+              <a:t>: Whether a patient is depressed or not - </a:t>
+            </a:r>
+            <a:r>
+              <a:rPr lang="en-US" b="0" i="0" dirty="0" err="1">
+                <a:solidFill>
+                  <a:srgbClr val="212121"/>
+                </a:solidFill>
+                <a:effectLst/>
+                <a:highlight>
+                  <a:srgbClr val="FFFFFF"/>
+                </a:highlight>
+                <a:latin typeface="Roboto" panose="02000000000000000000" pitchFamily="2" charset="0"/>
+              </a:rPr>
+              <a:t>Qaulitative</a:t>
+            </a:r>
+            <a:r>
+              <a:rPr lang="en-US" b="0" i="0" dirty="0">
+                <a:solidFill>
+                  <a:srgbClr val="212121"/>
+                </a:solidFill>
+                <a:effectLst/>
+                <a:highlight>
+                  <a:srgbClr val="FFFFFF"/>
+                </a:highlight>
+                <a:latin typeface="Roboto" panose="02000000000000000000" pitchFamily="2" charset="0"/>
+              </a:rPr>
+              <a:t> (yes, no)</a:t>
+            </a:r>
+          </a:p>
+          <a:p>
+            <a:pPr algn="l">
+              <a:buFont typeface="+mj-lt"/>
+              <a:buAutoNum type="arabicPeriod"/>
+            </a:pPr>
+            <a:r>
+              <a:rPr lang="en-US" b="1" i="0" dirty="0" err="1">
+                <a:solidFill>
+                  <a:srgbClr val="212121"/>
+                </a:solidFill>
+                <a:effectLst/>
+                <a:highlight>
+                  <a:srgbClr val="FFFFFF"/>
+                </a:highlight>
+                <a:latin typeface="Roboto" panose="02000000000000000000" pitchFamily="2" charset="0"/>
+              </a:rPr>
+              <a:t>histologicalclass</a:t>
+            </a:r>
+            <a:r>
+              <a:rPr lang="en-US" b="0" i="0" dirty="0">
+                <a:solidFill>
+                  <a:srgbClr val="212121"/>
+                </a:solidFill>
+                <a:effectLst/>
+                <a:highlight>
+                  <a:srgbClr val="FFFFFF"/>
+                </a:highlight>
+                <a:latin typeface="Roboto" panose="02000000000000000000" pitchFamily="2" charset="0"/>
+              </a:rPr>
+              <a:t>:</a:t>
+            </a:r>
+          </a:p>
+          <a:p>
+            <a:pPr algn="l">
+              <a:buFont typeface="+mj-lt"/>
+              <a:buAutoNum type="arabicPeriod"/>
+            </a:pPr>
+            <a:r>
+              <a:rPr lang="en-US" b="1" i="0" dirty="0" err="1">
+                <a:solidFill>
+                  <a:srgbClr val="212121"/>
+                </a:solidFill>
+                <a:effectLst/>
+                <a:highlight>
+                  <a:srgbClr val="FFFFFF"/>
+                </a:highlight>
+                <a:latin typeface="Roboto" panose="02000000000000000000" pitchFamily="2" charset="0"/>
+              </a:rPr>
+              <a:t>birads</a:t>
+            </a:r>
+            <a:r>
+              <a:rPr lang="en-US" b="0" i="0" dirty="0">
+                <a:solidFill>
+                  <a:srgbClr val="212121"/>
+                </a:solidFill>
+                <a:effectLst/>
+                <a:highlight>
+                  <a:srgbClr val="FFFFFF"/>
+                </a:highlight>
+                <a:latin typeface="Roboto" panose="02000000000000000000" pitchFamily="2" charset="0"/>
+              </a:rPr>
+              <a:t>: Breast Imaging-Reporting and Data System (BI-RADS) (0,1,2,3,4,5,6 broken into A,B and C)</a:t>
+            </a:r>
+          </a:p>
+          <a:p>
+            <a:pPr algn="l">
+              <a:buFont typeface="+mj-lt"/>
+              <a:buAutoNum type="arabicPeriod"/>
+            </a:pPr>
+            <a:r>
+              <a:rPr lang="en-US" b="1" i="0" dirty="0">
+                <a:solidFill>
+                  <a:srgbClr val="212121"/>
+                </a:solidFill>
+                <a:effectLst/>
+                <a:highlight>
+                  <a:srgbClr val="FFFFFF"/>
+                </a:highlight>
+                <a:latin typeface="Roboto" panose="02000000000000000000" pitchFamily="2" charset="0"/>
+              </a:rPr>
+              <a:t>cancer</a:t>
+            </a:r>
+            <a:r>
+              <a:rPr lang="en-US" b="0" i="0" dirty="0">
+                <a:solidFill>
+                  <a:srgbClr val="212121"/>
+                </a:solidFill>
+                <a:effectLst/>
+                <a:highlight>
+                  <a:srgbClr val="FFFFFF"/>
+                </a:highlight>
+                <a:latin typeface="Roboto" panose="02000000000000000000" pitchFamily="2" charset="0"/>
+              </a:rPr>
+              <a:t>: Breast cancer diagnosis - Qualitative ( no, yes)</a:t>
+            </a:r>
+          </a:p>
+          <a:p>
+            <a:endParaRPr lang="en-US" dirty="0"/>
+          </a:p>
+          <a:p>
             <a:pPr marL="0" lvl="0" indent="0" algn="l" rtl="0">
               <a:spcBef>
                 <a:spcPts val="0"/>
@@ -1954,7 +2728,7 @@
               </a:spcAft>
               <a:buNone/>
             </a:pPr>
-            <a:endParaRPr/>
+            <a:endParaRPr dirty="0"/>
           </a:p>
         </p:txBody>
       </p:sp>
@@ -2256,7 +3030,7 @@
               </a:spcAft>
               <a:buNone/>
             </a:pPr>
-            <a:endParaRPr/>
+            <a:endParaRPr dirty="0"/>
           </a:p>
         </p:txBody>
       </p:sp>
@@ -2311,6 +3085,157 @@
 </file>
 
 <file path=ppt/notesSlides/notesSlide13.xml><?xml version="1.0" encoding="utf-8"?>
+<p:notes xmlns:a="http://schemas.openxmlformats.org/drawingml/2006/main" xmlns:r="http://schemas.openxmlformats.org/officeDocument/2006/relationships" xmlns:p="http://schemas.openxmlformats.org/presentationml/2006/main" showMasterSp="0" showMasterPhAnim="0">
+  <p:cSld>
+    <p:spTree>
+      <p:nvGrpSpPr>
+        <p:cNvPr id="1" name="Shape 168"/>
+        <p:cNvGrpSpPr/>
+        <p:nvPr/>
+      </p:nvGrpSpPr>
+      <p:grpSpPr>
+        <a:xfrm>
+          <a:off x="0" y="0"/>
+          <a:ext cx="0" cy="0"/>
+          <a:chOff x="0" y="0"/>
+          <a:chExt cx="0" cy="0"/>
+        </a:xfrm>
+      </p:grpSpPr>
+      <p:sp>
+        <p:nvSpPr>
+          <p:cNvPr id="169" name="Google Shape;169;g30c19dbd783_0_36:notes"/>
+          <p:cNvSpPr>
+            <a:spLocks noGrp="1" noRot="1" noChangeAspect="1"/>
+          </p:cNvSpPr>
+          <p:nvPr>
+            <p:ph type="sldImg" idx="2"/>
+          </p:nvPr>
+        </p:nvSpPr>
+        <p:spPr>
+          <a:xfrm>
+            <a:off x="1371600" y="1143000"/>
+            <a:ext cx="4114800" cy="3086100"/>
+          </a:xfrm>
+          <a:custGeom>
+            <a:avLst/>
+            <a:gdLst/>
+            <a:ahLst/>
+            <a:cxnLst/>
+            <a:rect l="l" t="t" r="r" b="b"/>
+            <a:pathLst>
+              <a:path w="120000" h="120000" extrusionOk="0">
+                <a:moveTo>
+                  <a:pt x="0" y="0"/>
+                </a:moveTo>
+                <a:lnTo>
+                  <a:pt x="120000" y="0"/>
+                </a:lnTo>
+                <a:lnTo>
+                  <a:pt x="120000" y="120000"/>
+                </a:lnTo>
+                <a:lnTo>
+                  <a:pt x="0" y="120000"/>
+                </a:lnTo>
+                <a:close/>
+              </a:path>
+            </a:pathLst>
+          </a:custGeom>
+        </p:spPr>
+      </p:sp>
+      <p:sp>
+        <p:nvSpPr>
+          <p:cNvPr id="170" name="Google Shape;170;g30c19dbd783_0_36:notes"/>
+          <p:cNvSpPr txBox="1">
+            <a:spLocks noGrp="1"/>
+          </p:cNvSpPr>
+          <p:nvPr>
+            <p:ph type="body" idx="1"/>
+          </p:nvPr>
+        </p:nvSpPr>
+        <p:spPr>
+          <a:xfrm>
+            <a:off x="685800" y="4400550"/>
+            <a:ext cx="5486400" cy="3600600"/>
+          </a:xfrm>
+          <a:prstGeom prst="rect">
+            <a:avLst/>
+          </a:prstGeom>
+        </p:spPr>
+        <p:txBody>
+          <a:bodyPr spcFirstLastPara="1" wrap="square" lIns="91425" tIns="45700" rIns="91425" bIns="45700" anchor="t" anchorCtr="0">
+            <a:noAutofit/>
+          </a:bodyPr>
+          <a:lstStyle/>
+          <a:p>
+            <a:pPr marL="0" lvl="0" indent="0" algn="l" rtl="0">
+              <a:spcBef>
+                <a:spcPts val="0"/>
+              </a:spcBef>
+              <a:spcAft>
+                <a:spcPts val="0"/>
+              </a:spcAft>
+              <a:buNone/>
+            </a:pPr>
+            <a:endParaRPr dirty="0"/>
+          </a:p>
+        </p:txBody>
+      </p:sp>
+      <p:sp>
+        <p:nvSpPr>
+          <p:cNvPr id="171" name="Google Shape;171;g30c19dbd783_0_36:notes"/>
+          <p:cNvSpPr txBox="1">
+            <a:spLocks noGrp="1"/>
+          </p:cNvSpPr>
+          <p:nvPr>
+            <p:ph type="sldNum" idx="12"/>
+          </p:nvPr>
+        </p:nvSpPr>
+        <p:spPr>
+          <a:xfrm>
+            <a:off x="3884613" y="8685213"/>
+            <a:ext cx="2971800" cy="458700"/>
+          </a:xfrm>
+          <a:prstGeom prst="rect">
+            <a:avLst/>
+          </a:prstGeom>
+        </p:spPr>
+        <p:txBody>
+          <a:bodyPr spcFirstLastPara="1" wrap="square" lIns="91425" tIns="45700" rIns="91425" bIns="45700" anchor="b" anchorCtr="0">
+            <a:noAutofit/>
+          </a:bodyPr>
+          <a:lstStyle/>
+          <a:p>
+            <a:pPr marL="0" lvl="0" indent="0" algn="r" rtl="0">
+              <a:spcBef>
+                <a:spcPts val="0"/>
+              </a:spcBef>
+              <a:spcAft>
+                <a:spcPts val="0"/>
+              </a:spcAft>
+              <a:buNone/>
+            </a:pPr>
+            <a:fld id="{00000000-1234-1234-1234-123412341234}" type="slidenum">
+              <a:rPr lang="en-US"/>
+              <a:t>13</a:t>
+            </a:fld>
+            <a:endParaRPr/>
+          </a:p>
+        </p:txBody>
+      </p:sp>
+    </p:spTree>
+    <p:extLst>
+      <p:ext uri="{BB962C8B-B14F-4D97-AF65-F5344CB8AC3E}">
+        <p14:creationId xmlns:p14="http://schemas.microsoft.com/office/powerpoint/2010/main" val="1939014232"/>
+      </p:ext>
+    </p:extLst>
+  </p:cSld>
+  <p:clrMapOvr>
+    <a:masterClrMapping/>
+  </p:clrMapOvr>
+</p:notes>
+</file>
+
+<file path=ppt/notesSlides/notesSlide14.xml><?xml version="1.0" encoding="utf-8"?>
 <p:notes xmlns:a="http://schemas.openxmlformats.org/drawingml/2006/main" xmlns:r="http://schemas.openxmlformats.org/officeDocument/2006/relationships" xmlns:p="http://schemas.openxmlformats.org/presentationml/2006/main" showMasterSp="0" showMasterPhAnim="0">
   <p:cSld>
     <p:spTree>
@@ -2442,7 +3367,7 @@
             </a:pPr>
             <a:fld id="{00000000-1234-1234-1234-123412341234}" type="slidenum">
               <a:rPr lang="en-US"/>
-              <a:t>13</a:t>
+              <a:t>14</a:t>
             </a:fld>
             <a:endParaRPr/>
           </a:p>
@@ -2456,12 +3381,12 @@
 </p:notes>
 </file>
 
-<file path=ppt/notesSlides/notesSlide14.xml><?xml version="1.0" encoding="utf-8"?>
+<file path=ppt/notesSlides/notesSlide15.xml><?xml version="1.0" encoding="utf-8"?>
 <p:notes xmlns:a="http://schemas.openxmlformats.org/drawingml/2006/main" xmlns:r="http://schemas.openxmlformats.org/officeDocument/2006/relationships" xmlns:p="http://schemas.openxmlformats.org/presentationml/2006/main" showMasterSp="0" showMasterPhAnim="0">
   <p:cSld>
     <p:spTree>
       <p:nvGrpSpPr>
-        <p:cNvPr id="1" name="Shape 182"/>
+        <p:cNvPr id="1" name="Shape 175"/>
         <p:cNvGrpSpPr/>
         <p:nvPr/>
       </p:nvGrpSpPr>
@@ -2475,7 +3400,7 @@
       </p:grpSpPr>
       <p:sp>
         <p:nvSpPr>
-          <p:cNvPr id="183" name="Google Shape;183;g3ce602f12df2b9a9_36:notes"/>
+          <p:cNvPr id="176" name="Google Shape;176;g30c19dbd783_0_42:notes"/>
           <p:cNvSpPr>
             <a:spLocks noGrp="1" noRot="1" noChangeAspect="1"/>
           </p:cNvSpPr>
@@ -2516,7 +3441,7 @@
       </p:sp>
       <p:sp>
         <p:nvSpPr>
-          <p:cNvPr id="184" name="Google Shape;184;g3ce602f12df2b9a9_36:notes"/>
+          <p:cNvPr id="177" name="Google Shape;177;g30c19dbd783_0_42:notes"/>
           <p:cNvSpPr txBox="1">
             <a:spLocks noGrp="1"/>
           </p:cNvSpPr>
@@ -2548,17 +3473,13 @@
               </a:spcAft>
               <a:buNone/>
             </a:pPr>
-            <a:r>
-              <a:rPr lang="en-US"/>
-              <a:t>Link: https://sorry.vse.cz/~berka/challenge/PAST/</a:t>
-            </a:r>
             <a:endParaRPr/>
           </a:p>
         </p:txBody>
       </p:sp>
       <p:sp>
         <p:nvSpPr>
-          <p:cNvPr id="185" name="Google Shape;185;g3ce602f12df2b9a9_36:notes"/>
+          <p:cNvPr id="178" name="Google Shape;178;g30c19dbd783_0_42:notes"/>
           <p:cNvSpPr txBox="1">
             <a:spLocks noGrp="1"/>
           </p:cNvSpPr>
@@ -2588,22 +3509,22 @@
               <a:spcAft>
                 <a:spcPts val="0"/>
               </a:spcAft>
-              <a:buClr>
-                <a:srgbClr val="000000"/>
-              </a:buClr>
-              <a:buSzPts val="1200"/>
-              <a:buFont typeface="Arial"/>
               <a:buNone/>
             </a:pPr>
             <a:fld id="{00000000-1234-1234-1234-123412341234}" type="slidenum">
               <a:rPr lang="en-US"/>
-              <a:t>14</a:t>
+              <a:t>15</a:t>
             </a:fld>
             <a:endParaRPr/>
           </a:p>
         </p:txBody>
       </p:sp>
     </p:spTree>
+    <p:extLst>
+      <p:ext uri="{BB962C8B-B14F-4D97-AF65-F5344CB8AC3E}">
+        <p14:creationId xmlns:p14="http://schemas.microsoft.com/office/powerpoint/2010/main" val="247994536"/>
+      </p:ext>
+    </p:extLst>
   </p:cSld>
   <p:clrMapOvr>
     <a:masterClrMapping/>
@@ -2611,7 +3532,7 @@
 </p:notes>
 </file>
 
-<file path=ppt/notesSlides/notesSlide15.xml><?xml version="1.0" encoding="utf-8"?>
+<file path=ppt/notesSlides/notesSlide16.xml><?xml version="1.0" encoding="utf-8"?>
 <p:notes xmlns:a="http://schemas.openxmlformats.org/drawingml/2006/main" xmlns:r="http://schemas.openxmlformats.org/officeDocument/2006/relationships" xmlns:p="http://schemas.openxmlformats.org/presentationml/2006/main" showMasterSp="0" showMasterPhAnim="0">
   <p:cSld>
     <p:spTree>
@@ -2704,10 +3625,10 @@
               <a:buNone/>
             </a:pPr>
             <a:r>
-              <a:rPr lang="en-US"/>
+              <a:rPr lang="en-US" dirty="0"/>
               <a:t>Link: https://www.kaggle.com/datasets/santoshd3/bank-customers</a:t>
             </a:r>
-            <a:endParaRPr/>
+            <a:endParaRPr dirty="0"/>
           </a:p>
         </p:txBody>
       </p:sp>
@@ -2752,7 +3673,7 @@
             </a:pPr>
             <a:fld id="{00000000-1234-1234-1234-123412341234}" type="slidenum">
               <a:rPr lang="en-US"/>
-              <a:t>15</a:t>
+              <a:t>16</a:t>
             </a:fld>
             <a:endParaRPr/>
           </a:p>
@@ -2766,12 +3687,12 @@
 </p:notes>
 </file>
 
-<file path=ppt/notesSlides/notesSlide16.xml><?xml version="1.0" encoding="utf-8"?>
+<file path=ppt/notesSlides/notesSlide17.xml><?xml version="1.0" encoding="utf-8"?>
 <p:notes xmlns:a="http://schemas.openxmlformats.org/drawingml/2006/main" xmlns:r="http://schemas.openxmlformats.org/officeDocument/2006/relationships" xmlns:p="http://schemas.openxmlformats.org/presentationml/2006/main" showMasterSp="0" showMasterPhAnim="0">
   <p:cSld>
     <p:spTree>
       <p:nvGrpSpPr>
-        <p:cNvPr id="1" name="Shape 196"/>
+        <p:cNvPr id="1" name="Shape 175"/>
         <p:cNvGrpSpPr/>
         <p:nvPr/>
       </p:nvGrpSpPr>
@@ -2785,7 +3706,7 @@
       </p:grpSpPr>
       <p:sp>
         <p:nvSpPr>
-          <p:cNvPr id="197" name="Google Shape;197;g30c19dbd783_0_48:notes"/>
+          <p:cNvPr id="176" name="Google Shape;176;g30c19dbd783_0_42:notes"/>
           <p:cNvSpPr>
             <a:spLocks noGrp="1" noRot="1" noChangeAspect="1"/>
           </p:cNvSpPr>
@@ -2826,7 +3747,7 @@
       </p:sp>
       <p:sp>
         <p:nvSpPr>
-          <p:cNvPr id="198" name="Google Shape;198;g30c19dbd783_0_48:notes"/>
+          <p:cNvPr id="177" name="Google Shape;177;g30c19dbd783_0_42:notes"/>
           <p:cNvSpPr txBox="1">
             <a:spLocks noGrp="1"/>
           </p:cNvSpPr>
@@ -2858,17 +3779,13 @@
               </a:spcAft>
               <a:buNone/>
             </a:pPr>
-            <a:r>
-              <a:rPr lang="en-US"/>
-              <a:t>Link: https://www.kaggle.com/datasets/santoshd3/bank-customers</a:t>
-            </a:r>
             <a:endParaRPr/>
           </a:p>
         </p:txBody>
       </p:sp>
       <p:sp>
         <p:nvSpPr>
-          <p:cNvPr id="199" name="Google Shape;199;g30c19dbd783_0_48:notes"/>
+          <p:cNvPr id="178" name="Google Shape;178;g30c19dbd783_0_42:notes"/>
           <p:cNvSpPr txBox="1">
             <a:spLocks noGrp="1"/>
           </p:cNvSpPr>
@@ -2898,22 +3815,22 @@
               <a:spcAft>
                 <a:spcPts val="0"/>
               </a:spcAft>
-              <a:buClr>
-                <a:srgbClr val="000000"/>
-              </a:buClr>
-              <a:buSzPts val="1200"/>
-              <a:buFont typeface="Arial"/>
               <a:buNone/>
             </a:pPr>
             <a:fld id="{00000000-1234-1234-1234-123412341234}" type="slidenum">
               <a:rPr lang="en-US"/>
-              <a:t>16</a:t>
+              <a:t>17</a:t>
             </a:fld>
             <a:endParaRPr/>
           </a:p>
         </p:txBody>
       </p:sp>
     </p:spTree>
+    <p:extLst>
+      <p:ext uri="{BB962C8B-B14F-4D97-AF65-F5344CB8AC3E}">
+        <p14:creationId xmlns:p14="http://schemas.microsoft.com/office/powerpoint/2010/main" val="2949851421"/>
+      </p:ext>
+    </p:extLst>
   </p:cSld>
   <p:clrMapOvr>
     <a:masterClrMapping/>
@@ -2921,12 +3838,12 @@
 </p:notes>
 </file>
 
-<file path=ppt/notesSlides/notesSlide17.xml><?xml version="1.0" encoding="utf-8"?>
+<file path=ppt/notesSlides/notesSlide18.xml><?xml version="1.0" encoding="utf-8"?>
 <p:notes xmlns:a="http://schemas.openxmlformats.org/drawingml/2006/main" xmlns:r="http://schemas.openxmlformats.org/officeDocument/2006/relationships" xmlns:p="http://schemas.openxmlformats.org/presentationml/2006/main" showMasterSp="0" showMasterPhAnim="0">
   <p:cSld>
     <p:spTree>
       <p:nvGrpSpPr>
-        <p:cNvPr id="1" name="Shape 203"/>
+        <p:cNvPr id="1" name="Shape 175"/>
         <p:cNvGrpSpPr/>
         <p:nvPr/>
       </p:nvGrpSpPr>
@@ -2940,7 +3857,7 @@
       </p:grpSpPr>
       <p:sp>
         <p:nvSpPr>
-          <p:cNvPr id="204" name="Google Shape;204;g30c19dbd783_0_54:notes"/>
+          <p:cNvPr id="176" name="Google Shape;176;g30c19dbd783_0_42:notes"/>
           <p:cNvSpPr>
             <a:spLocks noGrp="1" noRot="1" noChangeAspect="1"/>
           </p:cNvSpPr>
@@ -2981,7 +3898,7 @@
       </p:sp>
       <p:sp>
         <p:nvSpPr>
-          <p:cNvPr id="205" name="Google Shape;205;g30c19dbd783_0_54:notes"/>
+          <p:cNvPr id="177" name="Google Shape;177;g30c19dbd783_0_42:notes"/>
           <p:cNvSpPr txBox="1">
             <a:spLocks noGrp="1"/>
           </p:cNvSpPr>
@@ -3013,17 +3930,13 @@
               </a:spcAft>
               <a:buNone/>
             </a:pPr>
-            <a:r>
-              <a:rPr lang="en-US"/>
-              <a:t>Link: https://www.kaggle.com/datasets/santoshd3/bank-customers</a:t>
-            </a:r>
             <a:endParaRPr/>
           </a:p>
         </p:txBody>
       </p:sp>
       <p:sp>
         <p:nvSpPr>
-          <p:cNvPr id="206" name="Google Shape;206;g30c19dbd783_0_54:notes"/>
+          <p:cNvPr id="178" name="Google Shape;178;g30c19dbd783_0_42:notes"/>
           <p:cNvSpPr txBox="1">
             <a:spLocks noGrp="1"/>
           </p:cNvSpPr>
@@ -3053,22 +3966,22 @@
               <a:spcAft>
                 <a:spcPts val="0"/>
               </a:spcAft>
-              <a:buClr>
-                <a:srgbClr val="000000"/>
-              </a:buClr>
-              <a:buSzPts val="1200"/>
-              <a:buFont typeface="Arial"/>
               <a:buNone/>
             </a:pPr>
             <a:fld id="{00000000-1234-1234-1234-123412341234}" type="slidenum">
               <a:rPr lang="en-US"/>
-              <a:t>17</a:t>
+              <a:t>18</a:t>
             </a:fld>
             <a:endParaRPr/>
           </a:p>
         </p:txBody>
       </p:sp>
     </p:spTree>
+    <p:extLst>
+      <p:ext uri="{BB962C8B-B14F-4D97-AF65-F5344CB8AC3E}">
+        <p14:creationId xmlns:p14="http://schemas.microsoft.com/office/powerpoint/2010/main" val="2706288835"/>
+      </p:ext>
+    </p:extLst>
   </p:cSld>
   <p:clrMapOvr>
     <a:masterClrMapping/>
@@ -3076,12 +3989,12 @@
 </p:notes>
 </file>
 
-<file path=ppt/notesSlides/notesSlide18.xml><?xml version="1.0" encoding="utf-8"?>
+<file path=ppt/notesSlides/notesSlide19.xml><?xml version="1.0" encoding="utf-8"?>
 <p:notes xmlns:a="http://schemas.openxmlformats.org/drawingml/2006/main" xmlns:r="http://schemas.openxmlformats.org/officeDocument/2006/relationships" xmlns:p="http://schemas.openxmlformats.org/presentationml/2006/main" showMasterSp="0" showMasterPhAnim="0">
   <p:cSld>
     <p:spTree>
       <p:nvGrpSpPr>
-        <p:cNvPr id="1" name="Shape 210"/>
+        <p:cNvPr id="1" name="Shape 175"/>
         <p:cNvGrpSpPr/>
         <p:nvPr/>
       </p:nvGrpSpPr>
@@ -3095,7 +4008,7 @@
       </p:grpSpPr>
       <p:sp>
         <p:nvSpPr>
-          <p:cNvPr id="211" name="Google Shape;211;g30c19dbd783_0_60:notes"/>
+          <p:cNvPr id="176" name="Google Shape;176;g30c19dbd783_0_42:notes"/>
           <p:cNvSpPr>
             <a:spLocks noGrp="1" noRot="1" noChangeAspect="1"/>
           </p:cNvSpPr>
@@ -3136,7 +4049,7 @@
       </p:sp>
       <p:sp>
         <p:nvSpPr>
-          <p:cNvPr id="212" name="Google Shape;212;g30c19dbd783_0_60:notes"/>
+          <p:cNvPr id="177" name="Google Shape;177;g30c19dbd783_0_42:notes"/>
           <p:cNvSpPr txBox="1">
             <a:spLocks noGrp="1"/>
           </p:cNvSpPr>
@@ -3174,7 +4087,7 @@
       </p:sp>
       <p:sp>
         <p:nvSpPr>
-          <p:cNvPr id="213" name="Google Shape;213;g30c19dbd783_0_60:notes"/>
+          <p:cNvPr id="178" name="Google Shape;178;g30c19dbd783_0_42:notes"/>
           <p:cNvSpPr txBox="1">
             <a:spLocks noGrp="1"/>
           </p:cNvSpPr>
@@ -3204,162 +4117,6 @@
               <a:spcAft>
                 <a:spcPts val="0"/>
               </a:spcAft>
-              <a:buClr>
-                <a:srgbClr val="000000"/>
-              </a:buClr>
-              <a:buSzPts val="1200"/>
-              <a:buFont typeface="Arial"/>
-              <a:buNone/>
-            </a:pPr>
-            <a:fld id="{00000000-1234-1234-1234-123412341234}" type="slidenum">
-              <a:rPr lang="en-US"/>
-              <a:t>18</a:t>
-            </a:fld>
-            <a:endParaRPr/>
-          </a:p>
-        </p:txBody>
-      </p:sp>
-    </p:spTree>
-  </p:cSld>
-  <p:clrMapOvr>
-    <a:masterClrMapping/>
-  </p:clrMapOvr>
-</p:notes>
-</file>
-
-<file path=ppt/notesSlides/notesSlide19.xml><?xml version="1.0" encoding="utf-8"?>
-<p:notes xmlns:a="http://schemas.openxmlformats.org/drawingml/2006/main" xmlns:r="http://schemas.openxmlformats.org/officeDocument/2006/relationships" xmlns:p="http://schemas.openxmlformats.org/presentationml/2006/main" showMasterSp="0" showMasterPhAnim="0">
-  <p:cSld>
-    <p:spTree>
-      <p:nvGrpSpPr>
-        <p:cNvPr id="1" name="Shape 217"/>
-        <p:cNvGrpSpPr/>
-        <p:nvPr/>
-      </p:nvGrpSpPr>
-      <p:grpSpPr>
-        <a:xfrm>
-          <a:off x="0" y="0"/>
-          <a:ext cx="0" cy="0"/>
-          <a:chOff x="0" y="0"/>
-          <a:chExt cx="0" cy="0"/>
-        </a:xfrm>
-      </p:grpSpPr>
-      <p:sp>
-        <p:nvSpPr>
-          <p:cNvPr id="218" name="Google Shape;218;g3ce602f12df2b9a9_60:notes"/>
-          <p:cNvSpPr>
-            <a:spLocks noGrp="1" noRot="1" noChangeAspect="1"/>
-          </p:cNvSpPr>
-          <p:nvPr>
-            <p:ph type="sldImg" idx="2"/>
-          </p:nvPr>
-        </p:nvSpPr>
-        <p:spPr>
-          <a:xfrm>
-            <a:off x="1371600" y="1143000"/>
-            <a:ext cx="4114800" cy="3086100"/>
-          </a:xfrm>
-          <a:custGeom>
-            <a:avLst/>
-            <a:gdLst/>
-            <a:ahLst/>
-            <a:cxnLst/>
-            <a:rect l="l" t="t" r="r" b="b"/>
-            <a:pathLst>
-              <a:path w="120000" h="120000" extrusionOk="0">
-                <a:moveTo>
-                  <a:pt x="0" y="0"/>
-                </a:moveTo>
-                <a:lnTo>
-                  <a:pt x="120000" y="0"/>
-                </a:lnTo>
-                <a:lnTo>
-                  <a:pt x="120000" y="120000"/>
-                </a:lnTo>
-                <a:lnTo>
-                  <a:pt x="0" y="120000"/>
-                </a:lnTo>
-                <a:close/>
-              </a:path>
-            </a:pathLst>
-          </a:custGeom>
-        </p:spPr>
-      </p:sp>
-      <p:sp>
-        <p:nvSpPr>
-          <p:cNvPr id="219" name="Google Shape;219;g3ce602f12df2b9a9_60:notes"/>
-          <p:cNvSpPr txBox="1">
-            <a:spLocks noGrp="1"/>
-          </p:cNvSpPr>
-          <p:nvPr>
-            <p:ph type="body" idx="1"/>
-          </p:nvPr>
-        </p:nvSpPr>
-        <p:spPr>
-          <a:xfrm>
-            <a:off x="685800" y="4400550"/>
-            <a:ext cx="5486400" cy="3600600"/>
-          </a:xfrm>
-          <a:prstGeom prst="rect">
-            <a:avLst/>
-          </a:prstGeom>
-        </p:spPr>
-        <p:txBody>
-          <a:bodyPr spcFirstLastPara="1" wrap="square" lIns="91425" tIns="45700" rIns="91425" bIns="45700" anchor="t" anchorCtr="0">
-            <a:noAutofit/>
-          </a:bodyPr>
-          <a:lstStyle/>
-          <a:p>
-            <a:pPr marL="0" lvl="0" indent="0" algn="l" rtl="0">
-              <a:spcBef>
-                <a:spcPts val="0"/>
-              </a:spcBef>
-              <a:spcAft>
-                <a:spcPts val="0"/>
-              </a:spcAft>
-              <a:buNone/>
-            </a:pPr>
-            <a:endParaRPr/>
-          </a:p>
-        </p:txBody>
-      </p:sp>
-      <p:sp>
-        <p:nvSpPr>
-          <p:cNvPr id="220" name="Google Shape;220;g3ce602f12df2b9a9_60:notes"/>
-          <p:cNvSpPr txBox="1">
-            <a:spLocks noGrp="1"/>
-          </p:cNvSpPr>
-          <p:nvPr>
-            <p:ph type="sldNum" idx="12"/>
-          </p:nvPr>
-        </p:nvSpPr>
-        <p:spPr>
-          <a:xfrm>
-            <a:off x="3884613" y="8685213"/>
-            <a:ext cx="2971800" cy="458700"/>
-          </a:xfrm>
-          <a:prstGeom prst="rect">
-            <a:avLst/>
-          </a:prstGeom>
-        </p:spPr>
-        <p:txBody>
-          <a:bodyPr spcFirstLastPara="1" wrap="square" lIns="91425" tIns="45700" rIns="91425" bIns="45700" anchor="b" anchorCtr="0">
-            <a:noAutofit/>
-          </a:bodyPr>
-          <a:lstStyle/>
-          <a:p>
-            <a:pPr marL="0" lvl="0" indent="0" algn="r" rtl="0">
-              <a:spcBef>
-                <a:spcPts val="0"/>
-              </a:spcBef>
-              <a:spcAft>
-                <a:spcPts val="0"/>
-              </a:spcAft>
-              <a:buClr>
-                <a:srgbClr val="000000"/>
-              </a:buClr>
-              <a:buSzPts val="1200"/>
-              <a:buFont typeface="Arial"/>
               <a:buNone/>
             </a:pPr>
             <a:fld id="{00000000-1234-1234-1234-123412341234}" type="slidenum">
@@ -3371,6 +4128,11 @@
         </p:txBody>
       </p:sp>
     </p:spTree>
+    <p:extLst>
+      <p:ext uri="{BB962C8B-B14F-4D97-AF65-F5344CB8AC3E}">
+        <p14:creationId xmlns:p14="http://schemas.microsoft.com/office/powerpoint/2010/main" val="3388002304"/>
+      </p:ext>
+    </p:extLst>
   </p:cSld>
   <p:clrMapOvr>
     <a:masterClrMapping/>
@@ -3461,6 +4223,31 @@
           </a:bodyPr>
           <a:lstStyle/>
           <a:p>
+            <a:pPr marL="0" marR="0" lvl="0" indent="0" algn="l" defTabSz="914400" rtl="0" eaLnBrk="1" fontAlgn="auto" latinLnBrk="0" hangingPunct="1">
+              <a:lnSpc>
+                <a:spcPct val="100000"/>
+              </a:lnSpc>
+              <a:spcBef>
+                <a:spcPts val="0"/>
+              </a:spcBef>
+              <a:spcAft>
+                <a:spcPts val="0"/>
+              </a:spcAft>
+              <a:buClr>
+                <a:srgbClr val="000000"/>
+              </a:buClr>
+              <a:buSzPts val="1400"/>
+              <a:buFont typeface="Arial"/>
+              <a:buNone/>
+              <a:tabLst/>
+              <a:defRPr/>
+            </a:pPr>
+            <a:r>
+              <a:rPr lang="en-US" dirty="0"/>
+              <a:t>This report presents an analysis of breast cancer risk factors in Cuban women, employing machine learning algorithms to improve early detection and treatment planning. </a:t>
+            </a:r>
+          </a:p>
+          <a:p>
             <a:pPr marL="0" lvl="0" indent="0" algn="l" rtl="0">
               <a:spcBef>
                 <a:spcPts val="0"/>
@@ -3470,7 +4257,7 @@
               </a:spcAft>
               <a:buNone/>
             </a:pPr>
-            <a:endParaRPr/>
+            <a:endParaRPr lang="en-US" dirty="0"/>
           </a:p>
         </p:txBody>
       </p:sp>
@@ -3516,6 +4303,765 @@
             <a:fld id="{00000000-1234-1234-1234-123412341234}" type="slidenum">
               <a:rPr lang="en-US"/>
               <a:t>2</a:t>
+            </a:fld>
+            <a:endParaRPr/>
+          </a:p>
+        </p:txBody>
+      </p:sp>
+    </p:spTree>
+  </p:cSld>
+  <p:clrMapOvr>
+    <a:masterClrMapping/>
+  </p:clrMapOvr>
+</p:notes>
+</file>
+
+<file path=ppt/notesSlides/notesSlide20.xml><?xml version="1.0" encoding="utf-8"?>
+<p:notes xmlns:a="http://schemas.openxmlformats.org/drawingml/2006/main" xmlns:r="http://schemas.openxmlformats.org/officeDocument/2006/relationships" xmlns:p="http://schemas.openxmlformats.org/presentationml/2006/main" showMasterSp="0" showMasterPhAnim="0">
+  <p:cSld>
+    <p:spTree>
+      <p:nvGrpSpPr>
+        <p:cNvPr id="1" name="Shape 175"/>
+        <p:cNvGrpSpPr/>
+        <p:nvPr/>
+      </p:nvGrpSpPr>
+      <p:grpSpPr>
+        <a:xfrm>
+          <a:off x="0" y="0"/>
+          <a:ext cx="0" cy="0"/>
+          <a:chOff x="0" y="0"/>
+          <a:chExt cx="0" cy="0"/>
+        </a:xfrm>
+      </p:grpSpPr>
+      <p:sp>
+        <p:nvSpPr>
+          <p:cNvPr id="176" name="Google Shape;176;g30c19dbd783_0_42:notes"/>
+          <p:cNvSpPr>
+            <a:spLocks noGrp="1" noRot="1" noChangeAspect="1"/>
+          </p:cNvSpPr>
+          <p:nvPr>
+            <p:ph type="sldImg" idx="2"/>
+          </p:nvPr>
+        </p:nvSpPr>
+        <p:spPr>
+          <a:xfrm>
+            <a:off x="1371600" y="1143000"/>
+            <a:ext cx="4114800" cy="3086100"/>
+          </a:xfrm>
+          <a:custGeom>
+            <a:avLst/>
+            <a:gdLst/>
+            <a:ahLst/>
+            <a:cxnLst/>
+            <a:rect l="l" t="t" r="r" b="b"/>
+            <a:pathLst>
+              <a:path w="120000" h="120000" extrusionOk="0">
+                <a:moveTo>
+                  <a:pt x="0" y="0"/>
+                </a:moveTo>
+                <a:lnTo>
+                  <a:pt x="120000" y="0"/>
+                </a:lnTo>
+                <a:lnTo>
+                  <a:pt x="120000" y="120000"/>
+                </a:lnTo>
+                <a:lnTo>
+                  <a:pt x="0" y="120000"/>
+                </a:lnTo>
+                <a:close/>
+              </a:path>
+            </a:pathLst>
+          </a:custGeom>
+        </p:spPr>
+      </p:sp>
+      <p:sp>
+        <p:nvSpPr>
+          <p:cNvPr id="177" name="Google Shape;177;g30c19dbd783_0_42:notes"/>
+          <p:cNvSpPr txBox="1">
+            <a:spLocks noGrp="1"/>
+          </p:cNvSpPr>
+          <p:nvPr>
+            <p:ph type="body" idx="1"/>
+          </p:nvPr>
+        </p:nvSpPr>
+        <p:spPr>
+          <a:xfrm>
+            <a:off x="685800" y="4400550"/>
+            <a:ext cx="5486400" cy="3600600"/>
+          </a:xfrm>
+          <a:prstGeom prst="rect">
+            <a:avLst/>
+          </a:prstGeom>
+        </p:spPr>
+        <p:txBody>
+          <a:bodyPr spcFirstLastPara="1" wrap="square" lIns="91425" tIns="45700" rIns="91425" bIns="45700" anchor="t" anchorCtr="0">
+            <a:noAutofit/>
+          </a:bodyPr>
+          <a:lstStyle/>
+          <a:p>
+            <a:pPr marL="0" lvl="0" indent="0" algn="l" rtl="0">
+              <a:spcBef>
+                <a:spcPts val="0"/>
+              </a:spcBef>
+              <a:spcAft>
+                <a:spcPts val="0"/>
+              </a:spcAft>
+              <a:buNone/>
+            </a:pPr>
+            <a:endParaRPr/>
+          </a:p>
+        </p:txBody>
+      </p:sp>
+      <p:sp>
+        <p:nvSpPr>
+          <p:cNvPr id="178" name="Google Shape;178;g30c19dbd783_0_42:notes"/>
+          <p:cNvSpPr txBox="1">
+            <a:spLocks noGrp="1"/>
+          </p:cNvSpPr>
+          <p:nvPr>
+            <p:ph type="sldNum" idx="12"/>
+          </p:nvPr>
+        </p:nvSpPr>
+        <p:spPr>
+          <a:xfrm>
+            <a:off x="3884613" y="8685213"/>
+            <a:ext cx="2971800" cy="458700"/>
+          </a:xfrm>
+          <a:prstGeom prst="rect">
+            <a:avLst/>
+          </a:prstGeom>
+        </p:spPr>
+        <p:txBody>
+          <a:bodyPr spcFirstLastPara="1" wrap="square" lIns="91425" tIns="45700" rIns="91425" bIns="45700" anchor="b" anchorCtr="0">
+            <a:noAutofit/>
+          </a:bodyPr>
+          <a:lstStyle/>
+          <a:p>
+            <a:pPr marL="0" lvl="0" indent="0" algn="r" rtl="0">
+              <a:spcBef>
+                <a:spcPts val="0"/>
+              </a:spcBef>
+              <a:spcAft>
+                <a:spcPts val="0"/>
+              </a:spcAft>
+              <a:buNone/>
+            </a:pPr>
+            <a:fld id="{00000000-1234-1234-1234-123412341234}" type="slidenum">
+              <a:rPr lang="en-US"/>
+              <a:t>20</a:t>
+            </a:fld>
+            <a:endParaRPr/>
+          </a:p>
+        </p:txBody>
+      </p:sp>
+    </p:spTree>
+    <p:extLst>
+      <p:ext uri="{BB962C8B-B14F-4D97-AF65-F5344CB8AC3E}">
+        <p14:creationId xmlns:p14="http://schemas.microsoft.com/office/powerpoint/2010/main" val="3757344368"/>
+      </p:ext>
+    </p:extLst>
+  </p:cSld>
+  <p:clrMapOvr>
+    <a:masterClrMapping/>
+  </p:clrMapOvr>
+</p:notes>
+</file>
+
+<file path=ppt/notesSlides/notesSlide21.xml><?xml version="1.0" encoding="utf-8"?>
+<p:notes xmlns:a="http://schemas.openxmlformats.org/drawingml/2006/main" xmlns:r="http://schemas.openxmlformats.org/officeDocument/2006/relationships" xmlns:p="http://schemas.openxmlformats.org/presentationml/2006/main" showMasterSp="0" showMasterPhAnim="0">
+  <p:cSld>
+    <p:spTree>
+      <p:nvGrpSpPr>
+        <p:cNvPr id="1" name="Shape 175"/>
+        <p:cNvGrpSpPr/>
+        <p:nvPr/>
+      </p:nvGrpSpPr>
+      <p:grpSpPr>
+        <a:xfrm>
+          <a:off x="0" y="0"/>
+          <a:ext cx="0" cy="0"/>
+          <a:chOff x="0" y="0"/>
+          <a:chExt cx="0" cy="0"/>
+        </a:xfrm>
+      </p:grpSpPr>
+      <p:sp>
+        <p:nvSpPr>
+          <p:cNvPr id="176" name="Google Shape;176;g30c19dbd783_0_42:notes"/>
+          <p:cNvSpPr>
+            <a:spLocks noGrp="1" noRot="1" noChangeAspect="1"/>
+          </p:cNvSpPr>
+          <p:nvPr>
+            <p:ph type="sldImg" idx="2"/>
+          </p:nvPr>
+        </p:nvSpPr>
+        <p:spPr>
+          <a:xfrm>
+            <a:off x="1371600" y="1143000"/>
+            <a:ext cx="4114800" cy="3086100"/>
+          </a:xfrm>
+          <a:custGeom>
+            <a:avLst/>
+            <a:gdLst/>
+            <a:ahLst/>
+            <a:cxnLst/>
+            <a:rect l="l" t="t" r="r" b="b"/>
+            <a:pathLst>
+              <a:path w="120000" h="120000" extrusionOk="0">
+                <a:moveTo>
+                  <a:pt x="0" y="0"/>
+                </a:moveTo>
+                <a:lnTo>
+                  <a:pt x="120000" y="0"/>
+                </a:lnTo>
+                <a:lnTo>
+                  <a:pt x="120000" y="120000"/>
+                </a:lnTo>
+                <a:lnTo>
+                  <a:pt x="0" y="120000"/>
+                </a:lnTo>
+                <a:close/>
+              </a:path>
+            </a:pathLst>
+          </a:custGeom>
+        </p:spPr>
+      </p:sp>
+      <p:sp>
+        <p:nvSpPr>
+          <p:cNvPr id="177" name="Google Shape;177;g30c19dbd783_0_42:notes"/>
+          <p:cNvSpPr txBox="1">
+            <a:spLocks noGrp="1"/>
+          </p:cNvSpPr>
+          <p:nvPr>
+            <p:ph type="body" idx="1"/>
+          </p:nvPr>
+        </p:nvSpPr>
+        <p:spPr>
+          <a:xfrm>
+            <a:off x="685800" y="4400550"/>
+            <a:ext cx="5486400" cy="3600600"/>
+          </a:xfrm>
+          <a:prstGeom prst="rect">
+            <a:avLst/>
+          </a:prstGeom>
+        </p:spPr>
+        <p:txBody>
+          <a:bodyPr spcFirstLastPara="1" wrap="square" lIns="91425" tIns="45700" rIns="91425" bIns="45700" anchor="t" anchorCtr="0">
+            <a:noAutofit/>
+          </a:bodyPr>
+          <a:lstStyle/>
+          <a:p>
+            <a:pPr marL="0" lvl="0" indent="0" algn="l" rtl="0">
+              <a:spcBef>
+                <a:spcPts val="0"/>
+              </a:spcBef>
+              <a:spcAft>
+                <a:spcPts val="0"/>
+              </a:spcAft>
+              <a:buNone/>
+            </a:pPr>
+            <a:endParaRPr/>
+          </a:p>
+        </p:txBody>
+      </p:sp>
+      <p:sp>
+        <p:nvSpPr>
+          <p:cNvPr id="178" name="Google Shape;178;g30c19dbd783_0_42:notes"/>
+          <p:cNvSpPr txBox="1">
+            <a:spLocks noGrp="1"/>
+          </p:cNvSpPr>
+          <p:nvPr>
+            <p:ph type="sldNum" idx="12"/>
+          </p:nvPr>
+        </p:nvSpPr>
+        <p:spPr>
+          <a:xfrm>
+            <a:off x="3884613" y="8685213"/>
+            <a:ext cx="2971800" cy="458700"/>
+          </a:xfrm>
+          <a:prstGeom prst="rect">
+            <a:avLst/>
+          </a:prstGeom>
+        </p:spPr>
+        <p:txBody>
+          <a:bodyPr spcFirstLastPara="1" wrap="square" lIns="91425" tIns="45700" rIns="91425" bIns="45700" anchor="b" anchorCtr="0">
+            <a:noAutofit/>
+          </a:bodyPr>
+          <a:lstStyle/>
+          <a:p>
+            <a:pPr marL="0" lvl="0" indent="0" algn="r" rtl="0">
+              <a:spcBef>
+                <a:spcPts val="0"/>
+              </a:spcBef>
+              <a:spcAft>
+                <a:spcPts val="0"/>
+              </a:spcAft>
+              <a:buNone/>
+            </a:pPr>
+            <a:fld id="{00000000-1234-1234-1234-123412341234}" type="slidenum">
+              <a:rPr lang="en-US"/>
+              <a:t>21</a:t>
+            </a:fld>
+            <a:endParaRPr/>
+          </a:p>
+        </p:txBody>
+      </p:sp>
+    </p:spTree>
+    <p:extLst>
+      <p:ext uri="{BB962C8B-B14F-4D97-AF65-F5344CB8AC3E}">
+        <p14:creationId xmlns:p14="http://schemas.microsoft.com/office/powerpoint/2010/main" val="2959792057"/>
+      </p:ext>
+    </p:extLst>
+  </p:cSld>
+  <p:clrMapOvr>
+    <a:masterClrMapping/>
+  </p:clrMapOvr>
+</p:notes>
+</file>
+
+<file path=ppt/notesSlides/notesSlide22.xml><?xml version="1.0" encoding="utf-8"?>
+<p:notes xmlns:a="http://schemas.openxmlformats.org/drawingml/2006/main" xmlns:r="http://schemas.openxmlformats.org/officeDocument/2006/relationships" xmlns:p="http://schemas.openxmlformats.org/presentationml/2006/main" showMasterSp="0" showMasterPhAnim="0">
+  <p:cSld>
+    <p:spTree>
+      <p:nvGrpSpPr>
+        <p:cNvPr id="1" name="Shape 182"/>
+        <p:cNvGrpSpPr/>
+        <p:nvPr/>
+      </p:nvGrpSpPr>
+      <p:grpSpPr>
+        <a:xfrm>
+          <a:off x="0" y="0"/>
+          <a:ext cx="0" cy="0"/>
+          <a:chOff x="0" y="0"/>
+          <a:chExt cx="0" cy="0"/>
+        </a:xfrm>
+      </p:grpSpPr>
+      <p:sp>
+        <p:nvSpPr>
+          <p:cNvPr id="183" name="Google Shape;183;g3ce602f12df2b9a9_36:notes"/>
+          <p:cNvSpPr>
+            <a:spLocks noGrp="1" noRot="1" noChangeAspect="1"/>
+          </p:cNvSpPr>
+          <p:nvPr>
+            <p:ph type="sldImg" idx="2"/>
+          </p:nvPr>
+        </p:nvSpPr>
+        <p:spPr>
+          <a:xfrm>
+            <a:off x="1371600" y="1143000"/>
+            <a:ext cx="4114800" cy="3086100"/>
+          </a:xfrm>
+          <a:custGeom>
+            <a:avLst/>
+            <a:gdLst/>
+            <a:ahLst/>
+            <a:cxnLst/>
+            <a:rect l="l" t="t" r="r" b="b"/>
+            <a:pathLst>
+              <a:path w="120000" h="120000" extrusionOk="0">
+                <a:moveTo>
+                  <a:pt x="0" y="0"/>
+                </a:moveTo>
+                <a:lnTo>
+                  <a:pt x="120000" y="0"/>
+                </a:lnTo>
+                <a:lnTo>
+                  <a:pt x="120000" y="120000"/>
+                </a:lnTo>
+                <a:lnTo>
+                  <a:pt x="0" y="120000"/>
+                </a:lnTo>
+                <a:close/>
+              </a:path>
+            </a:pathLst>
+          </a:custGeom>
+        </p:spPr>
+      </p:sp>
+      <p:sp>
+        <p:nvSpPr>
+          <p:cNvPr id="184" name="Google Shape;184;g3ce602f12df2b9a9_36:notes"/>
+          <p:cNvSpPr txBox="1">
+            <a:spLocks noGrp="1"/>
+          </p:cNvSpPr>
+          <p:nvPr>
+            <p:ph type="body" idx="1"/>
+          </p:nvPr>
+        </p:nvSpPr>
+        <p:spPr>
+          <a:xfrm>
+            <a:off x="685800" y="4400550"/>
+            <a:ext cx="5486400" cy="3600600"/>
+          </a:xfrm>
+          <a:prstGeom prst="rect">
+            <a:avLst/>
+          </a:prstGeom>
+        </p:spPr>
+        <p:txBody>
+          <a:bodyPr spcFirstLastPara="1" wrap="square" lIns="91425" tIns="45700" rIns="91425" bIns="45700" anchor="t" anchorCtr="0">
+            <a:noAutofit/>
+          </a:bodyPr>
+          <a:lstStyle/>
+          <a:p>
+            <a:pPr marL="0" lvl="0" indent="0" algn="l" rtl="0">
+              <a:spcBef>
+                <a:spcPts val="0"/>
+              </a:spcBef>
+              <a:spcAft>
+                <a:spcPts val="0"/>
+              </a:spcAft>
+              <a:buNone/>
+            </a:pPr>
+            <a:r>
+              <a:rPr lang="en-US"/>
+              <a:t>Link: https://sorry.vse.cz/~berka/challenge/PAST/</a:t>
+            </a:r>
+            <a:endParaRPr/>
+          </a:p>
+        </p:txBody>
+      </p:sp>
+      <p:sp>
+        <p:nvSpPr>
+          <p:cNvPr id="185" name="Google Shape;185;g3ce602f12df2b9a9_36:notes"/>
+          <p:cNvSpPr txBox="1">
+            <a:spLocks noGrp="1"/>
+          </p:cNvSpPr>
+          <p:nvPr>
+            <p:ph type="sldNum" idx="12"/>
+          </p:nvPr>
+        </p:nvSpPr>
+        <p:spPr>
+          <a:xfrm>
+            <a:off x="3884613" y="8685213"/>
+            <a:ext cx="2971800" cy="458700"/>
+          </a:xfrm>
+          <a:prstGeom prst="rect">
+            <a:avLst/>
+          </a:prstGeom>
+        </p:spPr>
+        <p:txBody>
+          <a:bodyPr spcFirstLastPara="1" wrap="square" lIns="91425" tIns="45700" rIns="91425" bIns="45700" anchor="b" anchorCtr="0">
+            <a:noAutofit/>
+          </a:bodyPr>
+          <a:lstStyle/>
+          <a:p>
+            <a:pPr marL="0" lvl="0" indent="0" algn="r" rtl="0">
+              <a:spcBef>
+                <a:spcPts val="0"/>
+              </a:spcBef>
+              <a:spcAft>
+                <a:spcPts val="0"/>
+              </a:spcAft>
+              <a:buClr>
+                <a:srgbClr val="000000"/>
+              </a:buClr>
+              <a:buSzPts val="1200"/>
+              <a:buFont typeface="Arial"/>
+              <a:buNone/>
+            </a:pPr>
+            <a:fld id="{00000000-1234-1234-1234-123412341234}" type="slidenum">
+              <a:rPr lang="en-US"/>
+              <a:t>22</a:t>
+            </a:fld>
+            <a:endParaRPr/>
+          </a:p>
+        </p:txBody>
+      </p:sp>
+    </p:spTree>
+  </p:cSld>
+  <p:clrMapOvr>
+    <a:masterClrMapping/>
+  </p:clrMapOvr>
+</p:notes>
+</file>
+
+<file path=ppt/notesSlides/notesSlide23.xml><?xml version="1.0" encoding="utf-8"?>
+<p:notes xmlns:a="http://schemas.openxmlformats.org/drawingml/2006/main" xmlns:r="http://schemas.openxmlformats.org/officeDocument/2006/relationships" xmlns:p="http://schemas.openxmlformats.org/presentationml/2006/main" showMasterSp="0" showMasterPhAnim="0">
+  <p:cSld>
+    <p:spTree>
+      <p:nvGrpSpPr>
+        <p:cNvPr id="1" name="Shape 210"/>
+        <p:cNvGrpSpPr/>
+        <p:nvPr/>
+      </p:nvGrpSpPr>
+      <p:grpSpPr>
+        <a:xfrm>
+          <a:off x="0" y="0"/>
+          <a:ext cx="0" cy="0"/>
+          <a:chOff x="0" y="0"/>
+          <a:chExt cx="0" cy="0"/>
+        </a:xfrm>
+      </p:grpSpPr>
+      <p:sp>
+        <p:nvSpPr>
+          <p:cNvPr id="211" name="Google Shape;211;g30c19dbd783_0_60:notes"/>
+          <p:cNvSpPr>
+            <a:spLocks noGrp="1" noRot="1" noChangeAspect="1"/>
+          </p:cNvSpPr>
+          <p:nvPr>
+            <p:ph type="sldImg" idx="2"/>
+          </p:nvPr>
+        </p:nvSpPr>
+        <p:spPr>
+          <a:xfrm>
+            <a:off x="1371600" y="1143000"/>
+            <a:ext cx="4114800" cy="3086100"/>
+          </a:xfrm>
+          <a:custGeom>
+            <a:avLst/>
+            <a:gdLst/>
+            <a:ahLst/>
+            <a:cxnLst/>
+            <a:rect l="l" t="t" r="r" b="b"/>
+            <a:pathLst>
+              <a:path w="120000" h="120000" extrusionOk="0">
+                <a:moveTo>
+                  <a:pt x="0" y="0"/>
+                </a:moveTo>
+                <a:lnTo>
+                  <a:pt x="120000" y="0"/>
+                </a:lnTo>
+                <a:lnTo>
+                  <a:pt x="120000" y="120000"/>
+                </a:lnTo>
+                <a:lnTo>
+                  <a:pt x="0" y="120000"/>
+                </a:lnTo>
+                <a:close/>
+              </a:path>
+            </a:pathLst>
+          </a:custGeom>
+        </p:spPr>
+      </p:sp>
+      <p:sp>
+        <p:nvSpPr>
+          <p:cNvPr id="212" name="Google Shape;212;g30c19dbd783_0_60:notes"/>
+          <p:cNvSpPr txBox="1">
+            <a:spLocks noGrp="1"/>
+          </p:cNvSpPr>
+          <p:nvPr>
+            <p:ph type="body" idx="1"/>
+          </p:nvPr>
+        </p:nvSpPr>
+        <p:spPr>
+          <a:xfrm>
+            <a:off x="685800" y="4400550"/>
+            <a:ext cx="5486400" cy="3600600"/>
+          </a:xfrm>
+          <a:prstGeom prst="rect">
+            <a:avLst/>
+          </a:prstGeom>
+        </p:spPr>
+        <p:txBody>
+          <a:bodyPr spcFirstLastPara="1" wrap="square" lIns="91425" tIns="45700" rIns="91425" bIns="45700" anchor="t" anchorCtr="0">
+            <a:noAutofit/>
+          </a:bodyPr>
+          <a:lstStyle/>
+          <a:p>
+            <a:pPr marL="0" lvl="0" indent="0" algn="l" rtl="0">
+              <a:spcBef>
+                <a:spcPts val="0"/>
+              </a:spcBef>
+              <a:spcAft>
+                <a:spcPts val="0"/>
+              </a:spcAft>
+              <a:buNone/>
+            </a:pPr>
+            <a:endParaRPr/>
+          </a:p>
+        </p:txBody>
+      </p:sp>
+      <p:sp>
+        <p:nvSpPr>
+          <p:cNvPr id="213" name="Google Shape;213;g30c19dbd783_0_60:notes"/>
+          <p:cNvSpPr txBox="1">
+            <a:spLocks noGrp="1"/>
+          </p:cNvSpPr>
+          <p:nvPr>
+            <p:ph type="sldNum" idx="12"/>
+          </p:nvPr>
+        </p:nvSpPr>
+        <p:spPr>
+          <a:xfrm>
+            <a:off x="3884613" y="8685213"/>
+            <a:ext cx="2971800" cy="458700"/>
+          </a:xfrm>
+          <a:prstGeom prst="rect">
+            <a:avLst/>
+          </a:prstGeom>
+        </p:spPr>
+        <p:txBody>
+          <a:bodyPr spcFirstLastPara="1" wrap="square" lIns="91425" tIns="45700" rIns="91425" bIns="45700" anchor="b" anchorCtr="0">
+            <a:noAutofit/>
+          </a:bodyPr>
+          <a:lstStyle/>
+          <a:p>
+            <a:pPr marL="0" lvl="0" indent="0" algn="r" rtl="0">
+              <a:spcBef>
+                <a:spcPts val="0"/>
+              </a:spcBef>
+              <a:spcAft>
+                <a:spcPts val="0"/>
+              </a:spcAft>
+              <a:buClr>
+                <a:srgbClr val="000000"/>
+              </a:buClr>
+              <a:buSzPts val="1200"/>
+              <a:buFont typeface="Arial"/>
+              <a:buNone/>
+            </a:pPr>
+            <a:fld id="{00000000-1234-1234-1234-123412341234}" type="slidenum">
+              <a:rPr lang="en-US"/>
+              <a:t>23</a:t>
+            </a:fld>
+            <a:endParaRPr/>
+          </a:p>
+        </p:txBody>
+      </p:sp>
+    </p:spTree>
+  </p:cSld>
+  <p:clrMapOvr>
+    <a:masterClrMapping/>
+  </p:clrMapOvr>
+</p:notes>
+</file>
+
+<file path=ppt/notesSlides/notesSlide24.xml><?xml version="1.0" encoding="utf-8"?>
+<p:notes xmlns:a="http://schemas.openxmlformats.org/drawingml/2006/main" xmlns:r="http://schemas.openxmlformats.org/officeDocument/2006/relationships" xmlns:p="http://schemas.openxmlformats.org/presentationml/2006/main" showMasterSp="0" showMasterPhAnim="0">
+  <p:cSld>
+    <p:spTree>
+      <p:nvGrpSpPr>
+        <p:cNvPr id="1" name="Shape 217"/>
+        <p:cNvGrpSpPr/>
+        <p:nvPr/>
+      </p:nvGrpSpPr>
+      <p:grpSpPr>
+        <a:xfrm>
+          <a:off x="0" y="0"/>
+          <a:ext cx="0" cy="0"/>
+          <a:chOff x="0" y="0"/>
+          <a:chExt cx="0" cy="0"/>
+        </a:xfrm>
+      </p:grpSpPr>
+      <p:sp>
+        <p:nvSpPr>
+          <p:cNvPr id="218" name="Google Shape;218;g3ce602f12df2b9a9_60:notes"/>
+          <p:cNvSpPr>
+            <a:spLocks noGrp="1" noRot="1" noChangeAspect="1"/>
+          </p:cNvSpPr>
+          <p:nvPr>
+            <p:ph type="sldImg" idx="2"/>
+          </p:nvPr>
+        </p:nvSpPr>
+        <p:spPr>
+          <a:xfrm>
+            <a:off x="1371600" y="1143000"/>
+            <a:ext cx="4114800" cy="3086100"/>
+          </a:xfrm>
+          <a:custGeom>
+            <a:avLst/>
+            <a:gdLst/>
+            <a:ahLst/>
+            <a:cxnLst/>
+            <a:rect l="l" t="t" r="r" b="b"/>
+            <a:pathLst>
+              <a:path w="120000" h="120000" extrusionOk="0">
+                <a:moveTo>
+                  <a:pt x="0" y="0"/>
+                </a:moveTo>
+                <a:lnTo>
+                  <a:pt x="120000" y="0"/>
+                </a:lnTo>
+                <a:lnTo>
+                  <a:pt x="120000" y="120000"/>
+                </a:lnTo>
+                <a:lnTo>
+                  <a:pt x="0" y="120000"/>
+                </a:lnTo>
+                <a:close/>
+              </a:path>
+            </a:pathLst>
+          </a:custGeom>
+        </p:spPr>
+      </p:sp>
+      <p:sp>
+        <p:nvSpPr>
+          <p:cNvPr id="219" name="Google Shape;219;g3ce602f12df2b9a9_60:notes"/>
+          <p:cNvSpPr txBox="1">
+            <a:spLocks noGrp="1"/>
+          </p:cNvSpPr>
+          <p:nvPr>
+            <p:ph type="body" idx="1"/>
+          </p:nvPr>
+        </p:nvSpPr>
+        <p:spPr>
+          <a:xfrm>
+            <a:off x="685800" y="4400550"/>
+            <a:ext cx="5486400" cy="3600600"/>
+          </a:xfrm>
+          <a:prstGeom prst="rect">
+            <a:avLst/>
+          </a:prstGeom>
+        </p:spPr>
+        <p:txBody>
+          <a:bodyPr spcFirstLastPara="1" wrap="square" lIns="91425" tIns="45700" rIns="91425" bIns="45700" anchor="t" anchorCtr="0">
+            <a:noAutofit/>
+          </a:bodyPr>
+          <a:lstStyle/>
+          <a:p>
+            <a:pPr marL="0" lvl="0" indent="0" algn="l" rtl="0">
+              <a:spcBef>
+                <a:spcPts val="0"/>
+              </a:spcBef>
+              <a:spcAft>
+                <a:spcPts val="0"/>
+              </a:spcAft>
+              <a:buNone/>
+            </a:pPr>
+            <a:endParaRPr/>
+          </a:p>
+        </p:txBody>
+      </p:sp>
+      <p:sp>
+        <p:nvSpPr>
+          <p:cNvPr id="220" name="Google Shape;220;g3ce602f12df2b9a9_60:notes"/>
+          <p:cNvSpPr txBox="1">
+            <a:spLocks noGrp="1"/>
+          </p:cNvSpPr>
+          <p:nvPr>
+            <p:ph type="sldNum" idx="12"/>
+          </p:nvPr>
+        </p:nvSpPr>
+        <p:spPr>
+          <a:xfrm>
+            <a:off x="3884613" y="8685213"/>
+            <a:ext cx="2971800" cy="458700"/>
+          </a:xfrm>
+          <a:prstGeom prst="rect">
+            <a:avLst/>
+          </a:prstGeom>
+        </p:spPr>
+        <p:txBody>
+          <a:bodyPr spcFirstLastPara="1" wrap="square" lIns="91425" tIns="45700" rIns="91425" bIns="45700" anchor="b" anchorCtr="0">
+            <a:noAutofit/>
+          </a:bodyPr>
+          <a:lstStyle/>
+          <a:p>
+            <a:pPr marL="0" lvl="0" indent="0" algn="r" rtl="0">
+              <a:spcBef>
+                <a:spcPts val="0"/>
+              </a:spcBef>
+              <a:spcAft>
+                <a:spcPts val="0"/>
+              </a:spcAft>
+              <a:buClr>
+                <a:srgbClr val="000000"/>
+              </a:buClr>
+              <a:buSzPts val="1200"/>
+              <a:buFont typeface="Arial"/>
+              <a:buNone/>
+            </a:pPr>
+            <a:fld id="{00000000-1234-1234-1234-123412341234}" type="slidenum">
+              <a:rPr lang="en-US"/>
+              <a:t>24</a:t>
             </a:fld>
             <a:endParaRPr/>
           </a:p>
@@ -3621,24 +5167,7 @@
               </a:spcAft>
               <a:buNone/>
             </a:pPr>
-            <a:r>
-              <a:rPr lang="en-US"/>
-              <a:t>The dataset can be found </a:t>
-            </a:r>
-            <a:r>
-              <a:rPr lang="en-US" u="sng">
-                <a:solidFill>
-                  <a:schemeClr val="hlink"/>
-                </a:solidFill>
-                <a:hlinkClick r:id="rId3"/>
-              </a:rPr>
-              <a:t>here</a:t>
-            </a:r>
-            <a:r>
-              <a:rPr lang="en-US"/>
-              <a:t>.</a:t>
-            </a:r>
-            <a:endParaRPr/>
+            <a:endParaRPr dirty="0"/>
           </a:p>
         </p:txBody>
       </p:sp>
@@ -3780,33 +5309,136 @@
           </a:bodyPr>
           <a:lstStyle/>
           <a:p>
-            <a:pPr marL="0" lvl="0" indent="0" algn="l" rtl="0">
-              <a:spcBef>
-                <a:spcPts val="0"/>
-              </a:spcBef>
-              <a:spcAft>
-                <a:spcPts val="0"/>
-              </a:spcAft>
-              <a:buNone/>
-            </a:pPr>
+            <a:pPr algn="l" fontAlgn="base"/>
             <a:r>
-              <a:rPr lang="en-US"/>
-              <a:t>The dataset can be found </a:t>
+              <a:rPr lang="en-US" b="1" i="0" u="none" strike="noStrike" dirty="0" err="1">
+                <a:solidFill>
+                  <a:srgbClr val="3B3946"/>
+                </a:solidFill>
+                <a:effectLst/>
+                <a:latin typeface="+mj-lt"/>
+              </a:rPr>
+              <a:t>Tyrer-Cuzick</a:t>
             </a:r>
             <a:r>
-              <a:rPr lang="en-US" u="sng">
-                <a:solidFill>
-                  <a:schemeClr val="hlink"/>
-                </a:solidFill>
-                <a:hlinkClick r:id="rId3"/>
+              <a:rPr lang="en-US" b="1" i="0" u="none" strike="noStrike" dirty="0">
+                <a:solidFill>
+                  <a:srgbClr val="3B3946"/>
+                </a:solidFill>
+                <a:effectLst/>
+                <a:latin typeface="+mj-lt"/>
               </a:rPr>
-              <a:t>here</a:t>
+              <a:t> Risk Assessment: </a:t>
             </a:r>
             <a:r>
-              <a:rPr lang="en-US"/>
-              <a:t>.</a:t>
+              <a:rPr lang="en-US" b="0" i="0" u="none" strike="noStrike" dirty="0">
+                <a:solidFill>
+                  <a:srgbClr val="3B3946"/>
+                </a:solidFill>
+                <a:effectLst/>
+                <a:latin typeface="+mj-lt"/>
+              </a:rPr>
+              <a:t>This risk calculator asks questions about your personal and family history to determine your lifetime risk probability of developing breast cancer compared with the age adjusted U.S. population average probability of developing breast cancer.</a:t>
             </a:r>
-            <a:endParaRPr/>
+          </a:p>
+          <a:p>
+            <a:pPr algn="l" fontAlgn="base"/>
+            <a:endParaRPr lang="en-US" b="0" i="0" u="none" strike="noStrike" dirty="0">
+              <a:solidFill>
+                <a:srgbClr val="3B3946"/>
+              </a:solidFill>
+              <a:effectLst/>
+              <a:latin typeface="+mj-lt"/>
+            </a:endParaRPr>
+          </a:p>
+          <a:p>
+            <a:pPr algn="l" fontAlgn="base"/>
+            <a:r>
+              <a:rPr lang="en-US" b="1" i="0" u="none" strike="noStrike" dirty="0">
+                <a:solidFill>
+                  <a:srgbClr val="3B3946"/>
+                </a:solidFill>
+                <a:effectLst/>
+                <a:latin typeface="+mj-lt"/>
+              </a:rPr>
+              <a:t>The Gail Model</a:t>
+            </a:r>
+          </a:p>
+          <a:p>
+            <a:pPr algn="l" fontAlgn="base"/>
+            <a:r>
+              <a:rPr lang="en-US" b="0" i="0" u="none" strike="noStrike" dirty="0">
+                <a:solidFill>
+                  <a:srgbClr val="3B3946"/>
+                </a:solidFill>
+                <a:effectLst/>
+                <a:latin typeface="+mj-lt"/>
+              </a:rPr>
+              <a:t>The Breast Cancer Risk Assessment Tool (BCRAT), also known as The Gail Model, allows health professionals to estimate a woman's risk of developing invasive breast cancer over the next five years and up to age 90 (lifetime risk).</a:t>
+            </a:r>
+          </a:p>
+          <a:p>
+            <a:pPr algn="l" fontAlgn="base"/>
+            <a:endParaRPr lang="en-US" b="0" i="0" u="none" strike="noStrike" dirty="0">
+              <a:solidFill>
+                <a:srgbClr val="3B3946"/>
+              </a:solidFill>
+              <a:effectLst/>
+              <a:latin typeface="+mj-lt"/>
+            </a:endParaRPr>
+          </a:p>
+          <a:p>
+            <a:pPr algn="l" fontAlgn="base"/>
+            <a:r>
+              <a:rPr lang="en-US" b="0" i="0" u="none" strike="noStrike" dirty="0">
+                <a:solidFill>
+                  <a:srgbClr val="3B3946"/>
+                </a:solidFill>
+                <a:effectLst/>
+                <a:latin typeface="+mj-lt"/>
+              </a:rPr>
+              <a:t>The tool uses a woman's personal medical and reproductive history and the history of breast cancer among her first-degree relatives (mother, sisters, daughters) to estimate absolute breast cancer risk-her chance or probability of developing invasive breast cancer in a defined age interval.</a:t>
+            </a:r>
+          </a:p>
+          <a:p>
+            <a:pPr algn="l" fontAlgn="base"/>
+            <a:endParaRPr lang="en-US" b="0" i="0" u="none" strike="noStrike" dirty="0">
+              <a:solidFill>
+                <a:srgbClr val="3B3946"/>
+              </a:solidFill>
+              <a:effectLst/>
+              <a:latin typeface="+mj-lt"/>
+            </a:endParaRPr>
+          </a:p>
+          <a:p>
+            <a:pPr algn="l" fontAlgn="base"/>
+            <a:r>
+              <a:rPr lang="en-US" sz="1600" b="1" i="0" u="none" strike="noStrike" dirty="0">
+                <a:solidFill>
+                  <a:srgbClr val="3B3946"/>
+                </a:solidFill>
+                <a:effectLst/>
+                <a:latin typeface="+mj-lt"/>
+              </a:rPr>
+              <a:t>Limitations are because we don’t take into considerations population specific characteristics like BMI, diet </a:t>
+            </a:r>
+            <a:r>
+              <a:rPr lang="en-US" sz="1600" b="1" i="0" u="none" strike="noStrike" dirty="0" err="1">
+                <a:solidFill>
+                  <a:srgbClr val="3B3946"/>
+                </a:solidFill>
+                <a:effectLst/>
+                <a:latin typeface="+mj-lt"/>
+              </a:rPr>
+              <a:t>etc</a:t>
+            </a:r>
+            <a:endParaRPr lang="en-US" sz="1600" b="1" i="0" u="none" strike="noStrike" dirty="0">
+              <a:solidFill>
+                <a:srgbClr val="3B3946"/>
+              </a:solidFill>
+              <a:effectLst/>
+              <a:latin typeface="+mj-lt"/>
+            </a:endParaRPr>
           </a:p>
         </p:txBody>
       </p:sp>
@@ -17885,7 +19517,7 @@
                 <a:cs typeface="Lato"/>
                 <a:sym typeface="Lato"/>
               </a:rPr>
-              <a:t>2. </a:t>
+              <a:t>2. Khadija Athman</a:t>
             </a:r>
             <a:endParaRPr sz="1800" b="1" dirty="0">
               <a:solidFill>
@@ -18025,7 +19657,7 @@
                 <a:cs typeface="Lato"/>
                 <a:sym typeface="Lato"/>
               </a:rPr>
-              <a:t>Eugene Munyaneza</a:t>
+              <a:t>Eugene &amp; Khadija</a:t>
             </a:r>
             <a:endParaRPr sz="1800" b="1" i="0" u="none" strike="noStrike" cap="none" dirty="0">
               <a:solidFill>
@@ -18233,7 +19865,7 @@
                 <a:spcPts val="480"/>
               </a:spcBef>
               <a:spcAft>
-                <a:spcPts val="0"/>
+                <a:spcPts val="1800"/>
               </a:spcAft>
               <a:buFont typeface="Wingdings" panose="05000000000000000000" pitchFamily="2" charset="2"/>
               <a:buChar char="q"/>
@@ -18249,7 +19881,7 @@
                 <a:spcPts val="480"/>
               </a:spcBef>
               <a:spcAft>
-                <a:spcPts val="0"/>
+                <a:spcPts val="1800"/>
               </a:spcAft>
               <a:buFont typeface="Wingdings" panose="05000000000000000000" pitchFamily="2" charset="2"/>
               <a:buChar char="q"/>
@@ -18258,7 +19890,38 @@
               <a:rPr lang="en-US" dirty="0"/>
               <a:t>US Hispanic Dataset: Breast Cancer Surveillance Consortium data for comparative validation.</a:t>
             </a:r>
-            <a:endParaRPr dirty="0"/>
+          </a:p>
+          <a:p>
+            <a:pPr marL="342900" lvl="0" indent="-342900" algn="l" rtl="0">
+              <a:spcBef>
+                <a:spcPts val="480"/>
+              </a:spcBef>
+              <a:spcAft>
+                <a:spcPts val="1800"/>
+              </a:spcAft>
+              <a:buFont typeface="Wingdings" panose="05000000000000000000" pitchFamily="2" charset="2"/>
+              <a:buChar char="q"/>
+            </a:pPr>
+            <a:r>
+              <a:rPr lang="en-US" dirty="0"/>
+              <a:t>Shape; 1697 records and 23 features.</a:t>
+            </a:r>
+          </a:p>
+          <a:p>
+            <a:pPr marL="342900" lvl="0" indent="-342900" algn="l" rtl="0">
+              <a:spcBef>
+                <a:spcPts val="480"/>
+              </a:spcBef>
+              <a:spcAft>
+                <a:spcPts val="1800"/>
+              </a:spcAft>
+              <a:buFont typeface="Wingdings" panose="05000000000000000000" pitchFamily="2" charset="2"/>
+              <a:buChar char="q"/>
+            </a:pPr>
+            <a:r>
+              <a:rPr lang="en-US" dirty="0"/>
+              <a:t>Features were of many data types; strings, numeric etc.</a:t>
+            </a:r>
           </a:p>
         </p:txBody>
       </p:sp>
@@ -18363,10 +20026,200 @@
               </a:spcAft>
               <a:buNone/>
             </a:pPr>
+            <a:endParaRPr dirty="0"/>
+          </a:p>
+          <a:p>
+            <a:pPr marL="457200" lvl="0" indent="0" algn="l" rtl="0">
+              <a:spcBef>
+                <a:spcPts val="480"/>
+              </a:spcBef>
+              <a:spcAft>
+                <a:spcPts val="0"/>
+              </a:spcAft>
+              <a:buNone/>
+            </a:pPr>
+            <a:endParaRPr dirty="0"/>
+          </a:p>
+        </p:txBody>
+      </p:sp>
+      <p:pic>
+        <p:nvPicPr>
+          <p:cNvPr id="3" name="Picture 2" descr="A screenshot of a computer&#10;&#10;Description automatically generated">
+            <a:extLst>
+              <a:ext uri="{FF2B5EF4-FFF2-40B4-BE49-F238E27FC236}">
+                <a16:creationId xmlns:a16="http://schemas.microsoft.com/office/drawing/2014/main" id="{B6D33080-3734-DB54-A655-8808BA557A47}"/>
+              </a:ext>
+            </a:extLst>
+          </p:cNvPr>
+          <p:cNvPicPr>
+            <a:picLocks noChangeAspect="1"/>
+          </p:cNvPicPr>
+          <p:nvPr/>
+        </p:nvPicPr>
+        <p:blipFill>
+          <a:blip r:embed="rId3"/>
+          <a:stretch>
+            <a:fillRect/>
+          </a:stretch>
+        </p:blipFill>
+        <p:spPr>
+          <a:xfrm>
+            <a:off x="2549639" y="1051286"/>
+            <a:ext cx="4858644" cy="5261039"/>
+          </a:xfrm>
+          <a:prstGeom prst="rect">
+            <a:avLst/>
+          </a:prstGeom>
+        </p:spPr>
+      </p:pic>
+    </p:spTree>
+  </p:cSld>
+  <p:clrMapOvr>
+    <a:masterClrMapping/>
+  </p:clrMapOvr>
+</p:sld>
+</file>
+
+<file path=ppt/slides/slide12.xml><?xml version="1.0" encoding="utf-8"?>
+<p:sld xmlns:a="http://schemas.openxmlformats.org/drawingml/2006/main" xmlns:r="http://schemas.openxmlformats.org/officeDocument/2006/relationships" xmlns:p="http://schemas.openxmlformats.org/presentationml/2006/main">
+  <p:cSld>
+    <p:spTree>
+      <p:nvGrpSpPr>
+        <p:cNvPr id="1" name="Shape 172"/>
+        <p:cNvGrpSpPr/>
+        <p:nvPr/>
+      </p:nvGrpSpPr>
+      <p:grpSpPr>
+        <a:xfrm>
+          <a:off x="0" y="0"/>
+          <a:ext cx="0" cy="0"/>
+          <a:chOff x="0" y="0"/>
+          <a:chExt cx="0" cy="0"/>
+        </a:xfrm>
+      </p:grpSpPr>
+      <p:pic>
+        <p:nvPicPr>
+          <p:cNvPr id="1026" name="Picture 2">
+            <a:extLst>
+              <a:ext uri="{FF2B5EF4-FFF2-40B4-BE49-F238E27FC236}">
+                <a16:creationId xmlns:a16="http://schemas.microsoft.com/office/drawing/2014/main" id="{1CBB175C-D21C-EB0E-9341-C19E1F5F580E}"/>
+              </a:ext>
+            </a:extLst>
+          </p:cNvPr>
+          <p:cNvPicPr>
+            <a:picLocks noChangeAspect="1" noChangeArrowheads="1"/>
+          </p:cNvPicPr>
+          <p:nvPr/>
+        </p:nvPicPr>
+        <p:blipFill>
+          <a:blip r:embed="rId3">
+            <a:extLst>
+              <a:ext uri="{28A0092B-C50C-407E-A947-70E740481C1C}">
+                <a14:useLocalDpi xmlns:a14="http://schemas.microsoft.com/office/drawing/2010/main" val="0"/>
+              </a:ext>
+            </a:extLst>
+          </a:blip>
+          <a:srcRect/>
+          <a:stretch>
+            <a:fillRect/>
+          </a:stretch>
+        </p:blipFill>
+        <p:spPr bwMode="auto">
+          <a:xfrm>
+            <a:off x="1204599" y="945972"/>
+            <a:ext cx="6947788" cy="5333056"/>
+          </a:xfrm>
+          <a:prstGeom prst="rect">
+            <a:avLst/>
+          </a:prstGeom>
+          <a:noFill/>
+          <a:extLst>
+            <a:ext uri="{909E8E84-426E-40DD-AFC4-6F175D3DCCD1}">
+              <a14:hiddenFill xmlns:a14="http://schemas.microsoft.com/office/drawing/2010/main">
+                <a:solidFill>
+                  <a:srgbClr val="FFFFFF"/>
+                </a:solidFill>
+              </a14:hiddenFill>
+            </a:ext>
+          </a:extLst>
+        </p:spPr>
+      </p:pic>
+      <p:sp>
+        <p:nvSpPr>
+          <p:cNvPr id="173" name="Google Shape;173;p24"/>
+          <p:cNvSpPr txBox="1">
+            <a:spLocks noGrp="1"/>
+          </p:cNvSpPr>
+          <p:nvPr>
+            <p:ph type="title"/>
+          </p:nvPr>
+        </p:nvSpPr>
+        <p:spPr>
+          <a:xfrm>
+            <a:off x="457200" y="381000"/>
+            <a:ext cx="8077200" cy="369900"/>
+          </a:xfrm>
+          <a:prstGeom prst="rect">
+            <a:avLst/>
+          </a:prstGeom>
+        </p:spPr>
+        <p:txBody>
+          <a:bodyPr spcFirstLastPara="1" wrap="square" lIns="91425" tIns="45700" rIns="91425" bIns="45700" anchor="ctr" anchorCtr="0">
+            <a:normAutofit fontScale="90000"/>
+          </a:bodyPr>
+          <a:lstStyle/>
+          <a:p>
+            <a:pPr marL="0" lvl="0" indent="0" algn="ctr" rtl="0">
+              <a:spcBef>
+                <a:spcPts val="0"/>
+              </a:spcBef>
+              <a:spcAft>
+                <a:spcPts val="0"/>
+              </a:spcAft>
+              <a:buNone/>
+            </a:pPr>
             <a:r>
               <a:rPr lang="en-US"/>
-              <a:t>Flow diagram of your work</a:t>
+              <a:t>Cont’</a:t>
             </a:r>
+            <a:endParaRPr/>
+          </a:p>
+        </p:txBody>
+      </p:sp>
+      <p:sp>
+        <p:nvSpPr>
+          <p:cNvPr id="174" name="Google Shape;174;p24"/>
+          <p:cNvSpPr txBox="1">
+            <a:spLocks noGrp="1"/>
+          </p:cNvSpPr>
+          <p:nvPr>
+            <p:ph type="body" idx="1"/>
+          </p:nvPr>
+        </p:nvSpPr>
+        <p:spPr>
+          <a:xfrm>
+            <a:off x="457200" y="1121900"/>
+            <a:ext cx="8229600" cy="4981200"/>
+          </a:xfrm>
+          <a:prstGeom prst="rect">
+            <a:avLst/>
+          </a:prstGeom>
+        </p:spPr>
+        <p:txBody>
+          <a:bodyPr spcFirstLastPara="1" wrap="square" lIns="91425" tIns="45700" rIns="91425" bIns="45700" anchor="t" anchorCtr="0">
+            <a:normAutofit/>
+          </a:bodyPr>
+          <a:lstStyle/>
+          <a:p>
+            <a:pPr marL="0" lvl="0" indent="0" algn="l" rtl="0">
+              <a:spcBef>
+                <a:spcPts val="480"/>
+              </a:spcBef>
+              <a:spcAft>
+                <a:spcPts val="0"/>
+              </a:spcAft>
+              <a:buNone/>
+            </a:pPr>
             <a:endParaRPr/>
           </a:p>
           <a:p>
@@ -18403,7 +20256,7 @@
 </p:sld>
 </file>
 
-<file path=ppt/slides/slide12.xml><?xml version="1.0" encoding="utf-8"?>
+<file path=ppt/slides/slide13.xml><?xml version="1.0" encoding="utf-8"?>
 <p:sld xmlns:a="http://schemas.openxmlformats.org/drawingml/2006/main" xmlns:r="http://schemas.openxmlformats.org/officeDocument/2006/relationships" xmlns:p="http://schemas.openxmlformats.org/presentationml/2006/main">
   <p:cSld>
     <p:spTree>
@@ -18524,7 +20377,59 @@
           </a:p>
         </p:txBody>
       </p:sp>
+      <p:pic>
+        <p:nvPicPr>
+          <p:cNvPr id="6146" name="Picture 2">
+            <a:extLst>
+              <a:ext uri="{FF2B5EF4-FFF2-40B4-BE49-F238E27FC236}">
+                <a16:creationId xmlns:a16="http://schemas.microsoft.com/office/drawing/2014/main" id="{2AAB5FD7-34D3-FCC0-81E5-C740EBC5F627}"/>
+              </a:ext>
+            </a:extLst>
+          </p:cNvPr>
+          <p:cNvPicPr>
+            <a:picLocks noChangeAspect="1" noChangeArrowheads="1"/>
+          </p:cNvPicPr>
+          <p:nvPr/>
+        </p:nvPicPr>
+        <p:blipFill>
+          <a:blip r:embed="rId3">
+            <a:extLst>
+              <a:ext uri="{28A0092B-C50C-407E-A947-70E740481C1C}">
+                <a14:useLocalDpi xmlns:a14="http://schemas.microsoft.com/office/drawing/2010/main" val="0"/>
+              </a:ext>
+            </a:extLst>
+          </a:blip>
+          <a:srcRect/>
+          <a:stretch>
+            <a:fillRect/>
+          </a:stretch>
+        </p:blipFill>
+        <p:spPr bwMode="auto">
+          <a:xfrm>
+            <a:off x="1010366" y="1073900"/>
+            <a:ext cx="6848475" cy="5029200"/>
+          </a:xfrm>
+          <a:prstGeom prst="rect">
+            <a:avLst/>
+          </a:prstGeom>
+          <a:noFill/>
+          <a:extLst>
+            <a:ext uri="{909E8E84-426E-40DD-AFC4-6F175D3DCCD1}">
+              <a14:hiddenFill xmlns:a14="http://schemas.microsoft.com/office/drawing/2010/main">
+                <a:solidFill>
+                  <a:srgbClr val="FFFFFF"/>
+                </a:solidFill>
+              </a14:hiddenFill>
+            </a:ext>
+          </a:extLst>
+        </p:spPr>
+      </p:pic>
     </p:spTree>
+    <p:extLst>
+      <p:ext uri="{BB962C8B-B14F-4D97-AF65-F5344CB8AC3E}">
+        <p14:creationId xmlns:p14="http://schemas.microsoft.com/office/powerpoint/2010/main" val="2491021043"/>
+      </p:ext>
+    </p:extLst>
   </p:cSld>
   <p:clrMapOvr>
     <a:masterClrMapping/>
@@ -18532,7 +20437,7 @@
 </p:sld>
 </file>
 
-<file path=ppt/slides/slide13.xml><?xml version="1.0" encoding="utf-8"?>
+<file path=ppt/slides/slide14.xml><?xml version="1.0" encoding="utf-8"?>
 <p:sld xmlns:a="http://schemas.openxmlformats.org/drawingml/2006/main" xmlns:r="http://schemas.openxmlformats.org/officeDocument/2006/relationships" xmlns:p="http://schemas.openxmlformats.org/presentationml/2006/main">
   <p:cSld>
     <p:spTree>
@@ -18589,10 +20494,10 @@
               <a:buNone/>
             </a:pPr>
             <a:r>
-              <a:rPr lang="en-US"/>
-              <a:t>Cont’</a:t>
+              <a:rPr lang="en-US" dirty="0"/>
+              <a:t>Decision Tree</a:t>
             </a:r>
-            <a:endParaRPr/>
+            <a:endParaRPr dirty="0"/>
           </a:p>
         </p:txBody>
       </p:sp>
@@ -18658,6 +20563,36 @@
           </a:p>
         </p:txBody>
       </p:sp>
+      <p:pic>
+        <p:nvPicPr>
+          <p:cNvPr id="3" name="Picture 2">
+            <a:extLst>
+              <a:ext uri="{FF2B5EF4-FFF2-40B4-BE49-F238E27FC236}">
+                <a16:creationId xmlns:a16="http://schemas.microsoft.com/office/drawing/2014/main" id="{96AAD007-513F-5F83-B63A-121685659699}"/>
+              </a:ext>
+            </a:extLst>
+          </p:cNvPr>
+          <p:cNvPicPr>
+            <a:picLocks noChangeAspect="1"/>
+          </p:cNvPicPr>
+          <p:nvPr/>
+        </p:nvPicPr>
+        <p:blipFill>
+          <a:blip r:embed="rId3"/>
+          <a:stretch>
+            <a:fillRect/>
+          </a:stretch>
+        </p:blipFill>
+        <p:spPr>
+          <a:xfrm>
+            <a:off x="0" y="1444924"/>
+            <a:ext cx="9144000" cy="3968151"/>
+          </a:xfrm>
+          <a:prstGeom prst="rect">
+            <a:avLst/>
+          </a:prstGeom>
+        </p:spPr>
+      </p:pic>
     </p:spTree>
   </p:cSld>
   <p:clrMapOvr>
@@ -18666,12 +20601,12 @@
 </p:sld>
 </file>
 
-<file path=ppt/slides/slide14.xml><?xml version="1.0" encoding="utf-8"?>
+<file path=ppt/slides/slide15.xml><?xml version="1.0" encoding="utf-8"?>
 <p:sld xmlns:a="http://schemas.openxmlformats.org/drawingml/2006/main" xmlns:r="http://schemas.openxmlformats.org/officeDocument/2006/relationships" xmlns:p="http://schemas.openxmlformats.org/presentationml/2006/main">
   <p:cSld>
     <p:spTree>
       <p:nvGrpSpPr>
-        <p:cNvPr id="1" name="Shape 186"/>
+        <p:cNvPr id="1" name="Shape 179"/>
         <p:cNvGrpSpPr/>
         <p:nvPr/>
       </p:nvGrpSpPr>
@@ -18685,7 +20620,7 @@
       </p:grpSpPr>
       <p:sp>
         <p:nvSpPr>
-          <p:cNvPr id="187" name="Google Shape;187;p26"/>
+          <p:cNvPr id="180" name="Google Shape;180;p25"/>
           <p:cNvSpPr txBox="1">
             <a:spLocks noGrp="1"/>
           </p:cNvSpPr>
@@ -18715,19 +20650,24 @@
               <a:spcAft>
                 <a:spcPts val="0"/>
               </a:spcAft>
+              <a:buClr>
+                <a:schemeClr val="dk1"/>
+              </a:buClr>
+              <a:buSzPct val="30555"/>
+              <a:buFont typeface="Arial"/>
               <a:buNone/>
             </a:pPr>
             <a:r>
-              <a:rPr lang="en-US"/>
-              <a:t>Project Results</a:t>
+              <a:rPr lang="en-US" dirty="0"/>
+              <a:t>Decision Tree</a:t>
             </a:r>
-            <a:endParaRPr/>
+            <a:endParaRPr dirty="0"/>
           </a:p>
         </p:txBody>
       </p:sp>
       <p:sp>
         <p:nvSpPr>
-          <p:cNvPr id="188" name="Google Shape;188;p26"/>
+          <p:cNvPr id="181" name="Google Shape;181;p25"/>
           <p:cNvSpPr txBox="1">
             <a:spLocks noGrp="1"/>
           </p:cNvSpPr>
@@ -18750,29 +20690,36 @@
           </a:bodyPr>
           <a:lstStyle/>
           <a:p>
-            <a:pPr marL="457200" lvl="0" indent="0" algn="just" rtl="0">
+            <a:pPr marL="0" lvl="0" indent="0" algn="l" rtl="0">
               <a:spcBef>
                 <a:spcPts val="480"/>
               </a:spcBef>
               <a:spcAft>
                 <a:spcPts val="0"/>
               </a:spcAft>
-              <a:buClr>
-                <a:schemeClr val="dk1"/>
-              </a:buClr>
-              <a:buSzPts val="1100"/>
-              <a:buFont typeface="Arial"/>
               <a:buNone/>
             </a:pPr>
-            <a:endParaRPr sz="1400"/>
+            <a:endParaRPr/>
+          </a:p>
+          <a:p>
+            <a:pPr marL="0" lvl="0" indent="0" algn="l" rtl="0">
+              <a:spcBef>
+                <a:spcPts val="480"/>
+              </a:spcBef>
+              <a:spcAft>
+                <a:spcPts val="0"/>
+              </a:spcAft>
+              <a:buNone/>
+            </a:pPr>
+            <a:endParaRPr/>
           </a:p>
           <a:p>
             <a:pPr marL="457200" lvl="0" indent="0" algn="l" rtl="0">
               <a:spcBef>
-                <a:spcPts val="1000"/>
-              </a:spcBef>
-              <a:spcAft>
-                <a:spcPts val="1000"/>
+                <a:spcPts val="480"/>
+              </a:spcBef>
+              <a:spcAft>
+                <a:spcPts val="0"/>
               </a:spcAft>
               <a:buNone/>
             </a:pPr>
@@ -18780,307 +20727,59 @@
           </a:p>
         </p:txBody>
       </p:sp>
-      <p:sp>
-        <p:nvSpPr>
-          <p:cNvPr id="2" name="Google Shape;132;p18">
+      <p:pic>
+        <p:nvPicPr>
+          <p:cNvPr id="4098" name="Picture 2">
             <a:extLst>
               <a:ext uri="{FF2B5EF4-FFF2-40B4-BE49-F238E27FC236}">
-                <a16:creationId xmlns:a16="http://schemas.microsoft.com/office/drawing/2014/main" id="{B96993A1-E439-2A01-7B08-4228C9D198E8}"/>
+                <a16:creationId xmlns:a16="http://schemas.microsoft.com/office/drawing/2014/main" id="{99688707-2932-EEB8-6EDC-B442837A63EB}"/>
               </a:ext>
             </a:extLst>
           </p:cNvPr>
-          <p:cNvSpPr txBox="1">
-            <a:spLocks/>
-          </p:cNvSpPr>
+          <p:cNvPicPr>
+            <a:picLocks noChangeAspect="1" noChangeArrowheads="1"/>
+          </p:cNvPicPr>
           <p:nvPr/>
-        </p:nvSpPr>
-        <p:spPr>
+        </p:nvPicPr>
+        <p:blipFill>
+          <a:blip r:embed="rId3">
+            <a:extLst>
+              <a:ext uri="{28A0092B-C50C-407E-A947-70E740481C1C}">
+                <a14:useLocalDpi xmlns:a14="http://schemas.microsoft.com/office/drawing/2010/main" val="0"/>
+              </a:ext>
+            </a:extLst>
+          </a:blip>
+          <a:srcRect/>
+          <a:stretch>
+            <a:fillRect/>
+          </a:stretch>
+        </p:blipFill>
+        <p:spPr bwMode="auto">
           <a:xfrm>
-            <a:off x="609600" y="1274300"/>
-            <a:ext cx="8077200" cy="4981200"/>
+            <a:off x="638175" y="890588"/>
+            <a:ext cx="7867650" cy="5076825"/>
           </a:xfrm>
           <a:prstGeom prst="rect">
             <a:avLst/>
           </a:prstGeom>
           <a:noFill/>
-          <a:ln>
-            <a:noFill/>
-          </a:ln>
+          <a:extLst>
+            <a:ext uri="{909E8E84-426E-40DD-AFC4-6F175D3DCCD1}">
+              <a14:hiddenFill xmlns:a14="http://schemas.microsoft.com/office/drawing/2010/main">
+                <a:solidFill>
+                  <a:srgbClr val="FFFFFF"/>
+                </a:solidFill>
+              </a14:hiddenFill>
+            </a:ext>
+          </a:extLst>
         </p:spPr>
-        <p:txBody>
-          <a:bodyPr spcFirstLastPara="1" wrap="square" lIns="91425" tIns="45700" rIns="91425" bIns="45700" anchor="t" anchorCtr="0">
-            <a:normAutofit/>
-          </a:bodyPr>
-          <a:lstStyle>
-            <a:defPPr marR="0" lvl="0" algn="l" rtl="0">
-              <a:lnSpc>
-                <a:spcPct val="100000"/>
-              </a:lnSpc>
-              <a:spcBef>
-                <a:spcPts val="0"/>
-              </a:spcBef>
-              <a:spcAft>
-                <a:spcPts val="0"/>
-              </a:spcAft>
-            </a:defPPr>
-            <a:lvl1pPr marL="457200" marR="0" lvl="0" indent="-381000" algn="l" rtl="0">
-              <a:lnSpc>
-                <a:spcPct val="100000"/>
-              </a:lnSpc>
-              <a:spcBef>
-                <a:spcPts val="480"/>
-              </a:spcBef>
-              <a:spcAft>
-                <a:spcPts val="0"/>
-              </a:spcAft>
-              <a:buClr>
-                <a:srgbClr val="000000"/>
-              </a:buClr>
-              <a:buSzPts val="2400"/>
-              <a:buFont typeface="Lato"/>
-              <a:buChar char="❑"/>
-              <a:defRPr sz="2400" b="0" i="0" u="none" strike="noStrike" cap="none">
-                <a:solidFill>
-                  <a:srgbClr val="000000"/>
-                </a:solidFill>
-                <a:latin typeface="Lato"/>
-                <a:ea typeface="Lato"/>
-                <a:cs typeface="Lato"/>
-                <a:sym typeface="Lato"/>
-              </a:defRPr>
-            </a:lvl1pPr>
-            <a:lvl2pPr marL="914400" marR="0" lvl="1" indent="-368300" algn="l" rtl="0">
-              <a:lnSpc>
-                <a:spcPct val="100000"/>
-              </a:lnSpc>
-              <a:spcBef>
-                <a:spcPts val="440"/>
-              </a:spcBef>
-              <a:spcAft>
-                <a:spcPts val="0"/>
-              </a:spcAft>
-              <a:buClr>
-                <a:srgbClr val="0070C0"/>
-              </a:buClr>
-              <a:buSzPts val="2200"/>
-              <a:buFont typeface="Lato"/>
-              <a:buChar char="⮚"/>
-              <a:defRPr sz="2200" b="0" i="0" u="none" strike="noStrike" cap="none">
-                <a:solidFill>
-                  <a:srgbClr val="0070C0"/>
-                </a:solidFill>
-                <a:latin typeface="Lato"/>
-                <a:ea typeface="Lato"/>
-                <a:cs typeface="Lato"/>
-                <a:sym typeface="Lato"/>
-              </a:defRPr>
-            </a:lvl2pPr>
-            <a:lvl3pPr marL="1371600" marR="0" lvl="2" indent="-355600" algn="l" rtl="0">
-              <a:lnSpc>
-                <a:spcPct val="100000"/>
-              </a:lnSpc>
-              <a:spcBef>
-                <a:spcPts val="400"/>
-              </a:spcBef>
-              <a:spcAft>
-                <a:spcPts val="0"/>
-              </a:spcAft>
-              <a:buClr>
-                <a:srgbClr val="000000"/>
-              </a:buClr>
-              <a:buSzPts val="2000"/>
-              <a:buFont typeface="Lato"/>
-              <a:buChar char="❖"/>
-              <a:defRPr sz="2000" b="0" i="0" u="none" strike="noStrike" cap="none">
-                <a:solidFill>
-                  <a:srgbClr val="000000"/>
-                </a:solidFill>
-                <a:latin typeface="Lato"/>
-                <a:ea typeface="Lato"/>
-                <a:cs typeface="Lato"/>
-                <a:sym typeface="Lato"/>
-              </a:defRPr>
-            </a:lvl3pPr>
-            <a:lvl4pPr marL="1828800" marR="0" lvl="3" indent="-330200" algn="l" rtl="0">
-              <a:lnSpc>
-                <a:spcPct val="100000"/>
-              </a:lnSpc>
-              <a:spcBef>
-                <a:spcPts val="320"/>
-              </a:spcBef>
-              <a:spcAft>
-                <a:spcPts val="0"/>
-              </a:spcAft>
-              <a:buClr>
-                <a:srgbClr val="434343"/>
-              </a:buClr>
-              <a:buSzPts val="1600"/>
-              <a:buFont typeface="Lato"/>
-              <a:buChar char="o"/>
-              <a:defRPr sz="1600" b="1" i="0" u="none" strike="noStrike" cap="none">
-                <a:solidFill>
-                  <a:srgbClr val="434343"/>
-                </a:solidFill>
-                <a:latin typeface="Lato"/>
-                <a:ea typeface="Lato"/>
-                <a:cs typeface="Lato"/>
-                <a:sym typeface="Lato"/>
-              </a:defRPr>
-            </a:lvl4pPr>
-            <a:lvl5pPr marL="2286000" marR="0" lvl="4" indent="-317500" algn="l" rtl="0">
-              <a:lnSpc>
-                <a:spcPct val="100000"/>
-              </a:lnSpc>
-              <a:spcBef>
-                <a:spcPts val="280"/>
-              </a:spcBef>
-              <a:spcAft>
-                <a:spcPts val="0"/>
-              </a:spcAft>
-              <a:buClr>
-                <a:srgbClr val="434343"/>
-              </a:buClr>
-              <a:buSzPts val="1400"/>
-              <a:buFont typeface="Lato"/>
-              <a:buChar char="»"/>
-              <a:defRPr sz="1400" b="1" i="0" u="none" strike="noStrike" cap="none">
-                <a:solidFill>
-                  <a:srgbClr val="434343"/>
-                </a:solidFill>
-                <a:latin typeface="Lato"/>
-                <a:ea typeface="Lato"/>
-                <a:cs typeface="Lato"/>
-                <a:sym typeface="Lato"/>
-              </a:defRPr>
-            </a:lvl5pPr>
-            <a:lvl6pPr marL="2743200" marR="0" lvl="5" indent="-342900" algn="l" rtl="0">
-              <a:lnSpc>
-                <a:spcPct val="100000"/>
-              </a:lnSpc>
-              <a:spcBef>
-                <a:spcPts val="360"/>
-              </a:spcBef>
-              <a:spcAft>
-                <a:spcPts val="0"/>
-              </a:spcAft>
-              <a:buClr>
-                <a:srgbClr val="434343"/>
-              </a:buClr>
-              <a:buSzPts val="1800"/>
-              <a:buFont typeface="Lato"/>
-              <a:buChar char="•"/>
-              <a:defRPr sz="2000" b="0" i="0" u="none" strike="noStrike" cap="none">
-                <a:solidFill>
-                  <a:srgbClr val="434343"/>
-                </a:solidFill>
-                <a:latin typeface="Lato"/>
-                <a:ea typeface="Lato"/>
-                <a:cs typeface="Lato"/>
-                <a:sym typeface="Lato"/>
-              </a:defRPr>
-            </a:lvl6pPr>
-            <a:lvl7pPr marL="3200400" marR="0" lvl="6" indent="-342900" algn="l" rtl="0">
-              <a:lnSpc>
-                <a:spcPct val="100000"/>
-              </a:lnSpc>
-              <a:spcBef>
-                <a:spcPts val="360"/>
-              </a:spcBef>
-              <a:spcAft>
-                <a:spcPts val="0"/>
-              </a:spcAft>
-              <a:buClr>
-                <a:srgbClr val="434343"/>
-              </a:buClr>
-              <a:buSzPts val="1800"/>
-              <a:buFont typeface="Lato"/>
-              <a:buChar char="•"/>
-              <a:defRPr sz="2000" b="0" i="0" u="none" strike="noStrike" cap="none">
-                <a:solidFill>
-                  <a:srgbClr val="434343"/>
-                </a:solidFill>
-                <a:latin typeface="Lato"/>
-                <a:ea typeface="Lato"/>
-                <a:cs typeface="Lato"/>
-                <a:sym typeface="Lato"/>
-              </a:defRPr>
-            </a:lvl7pPr>
-            <a:lvl8pPr marL="3657600" marR="0" lvl="7" indent="-342900" algn="l" rtl="0">
-              <a:lnSpc>
-                <a:spcPct val="100000"/>
-              </a:lnSpc>
-              <a:spcBef>
-                <a:spcPts val="360"/>
-              </a:spcBef>
-              <a:spcAft>
-                <a:spcPts val="0"/>
-              </a:spcAft>
-              <a:buClr>
-                <a:srgbClr val="434343"/>
-              </a:buClr>
-              <a:buSzPts val="1800"/>
-              <a:buFont typeface="Lato"/>
-              <a:buChar char="•"/>
-              <a:defRPr sz="2000" b="0" i="0" u="none" strike="noStrike" cap="none">
-                <a:solidFill>
-                  <a:srgbClr val="434343"/>
-                </a:solidFill>
-                <a:latin typeface="Lato"/>
-                <a:ea typeface="Lato"/>
-                <a:cs typeface="Lato"/>
-                <a:sym typeface="Lato"/>
-              </a:defRPr>
-            </a:lvl8pPr>
-            <a:lvl9pPr marL="4114800" marR="0" lvl="8" indent="-342900" algn="l" rtl="0">
-              <a:lnSpc>
-                <a:spcPct val="100000"/>
-              </a:lnSpc>
-              <a:spcBef>
-                <a:spcPts val="360"/>
-              </a:spcBef>
-              <a:spcAft>
-                <a:spcPts val="0"/>
-              </a:spcAft>
-              <a:buClr>
-                <a:srgbClr val="434343"/>
-              </a:buClr>
-              <a:buSzPts val="1800"/>
-              <a:buFont typeface="Lato"/>
-              <a:buChar char="•"/>
-              <a:defRPr sz="2000" b="0" i="0" u="none" strike="noStrike" cap="none">
-                <a:solidFill>
-                  <a:srgbClr val="434343"/>
-                </a:solidFill>
-                <a:latin typeface="Lato"/>
-                <a:ea typeface="Lato"/>
-                <a:cs typeface="Lato"/>
-                <a:sym typeface="Lato"/>
-              </a:defRPr>
-            </a:lvl9pPr>
-          </a:lstStyle>
-          <a:p>
-            <a:pPr marL="342900" indent="-342900">
-              <a:buFont typeface="Wingdings" panose="05000000000000000000" pitchFamily="2" charset="2"/>
-              <a:buChar char="q"/>
-            </a:pPr>
-            <a:r>
-              <a:rPr lang="en-US" dirty="0"/>
-              <a:t>Best Algorithm: Random Forest (Accuracy: 0.996, AUC: 0.997).</a:t>
-            </a:r>
-          </a:p>
-          <a:p>
-            <a:pPr marL="342900" indent="-342900">
-              <a:buFont typeface="Wingdings" panose="05000000000000000000" pitchFamily="2" charset="2"/>
-              <a:buChar char="q"/>
-            </a:pPr>
-            <a:r>
-              <a:rPr lang="en-US" dirty="0"/>
-              <a:t>Key Finding: Cuban dataset-based models outperformed models trained on US Hispanic data.</a:t>
-            </a:r>
-          </a:p>
-        </p:txBody>
-      </p:sp>
+      </p:pic>
     </p:spTree>
+    <p:extLst>
+      <p:ext uri="{BB962C8B-B14F-4D97-AF65-F5344CB8AC3E}">
+        <p14:creationId xmlns:p14="http://schemas.microsoft.com/office/powerpoint/2010/main" val="3302068238"/>
+      </p:ext>
+    </p:extLst>
   </p:cSld>
   <p:clrMapOvr>
     <a:masterClrMapping/>
@@ -19088,7 +20787,7 @@
 </p:sld>
 </file>
 
-<file path=ppt/slides/slide15.xml><?xml version="1.0" encoding="utf-8"?>
+<file path=ppt/slides/slide16.xml><?xml version="1.0" encoding="utf-8"?>
 <p:sld xmlns:a="http://schemas.openxmlformats.org/drawingml/2006/main" xmlns:r="http://schemas.openxmlformats.org/officeDocument/2006/relationships" xmlns:p="http://schemas.openxmlformats.org/presentationml/2006/main">
   <p:cSld>
     <p:spTree>
@@ -19107,113 +20806,81 @@
       </p:grpSpPr>
       <p:sp>
         <p:nvSpPr>
-          <p:cNvPr id="194" name="Google Shape;194;p27"/>
-          <p:cNvSpPr txBox="1">
+          <p:cNvPr id="3" name="Title 2">
+            <a:extLst>
+              <a:ext uri="{FF2B5EF4-FFF2-40B4-BE49-F238E27FC236}">
+                <a16:creationId xmlns:a16="http://schemas.microsoft.com/office/drawing/2014/main" id="{5152D2FC-2211-E435-DAC2-84FCA54F6687}"/>
+              </a:ext>
+            </a:extLst>
+          </p:cNvPr>
+          <p:cNvSpPr>
             <a:spLocks noGrp="1"/>
           </p:cNvSpPr>
           <p:nvPr>
             <p:ph type="title"/>
           </p:nvPr>
         </p:nvSpPr>
-        <p:spPr>
+        <p:spPr/>
+        <p:txBody>
+          <a:bodyPr>
+            <a:normAutofit fontScale="90000"/>
+          </a:bodyPr>
+          <a:lstStyle/>
+          <a:p>
+            <a:r>
+              <a:rPr lang="en-US" dirty="0"/>
+              <a:t>Decision Tree Confusion Matrix</a:t>
+            </a:r>
+          </a:p>
+        </p:txBody>
+      </p:sp>
+      <p:pic>
+        <p:nvPicPr>
+          <p:cNvPr id="2052" name="Picture 4">
+            <a:extLst>
+              <a:ext uri="{FF2B5EF4-FFF2-40B4-BE49-F238E27FC236}">
+                <a16:creationId xmlns:a16="http://schemas.microsoft.com/office/drawing/2014/main" id="{D3E49467-AA4E-7949-F117-C9F550918517}"/>
+              </a:ext>
+            </a:extLst>
+          </p:cNvPr>
+          <p:cNvPicPr>
+            <a:picLocks noChangeAspect="1" noChangeArrowheads="1"/>
+          </p:cNvPicPr>
+          <p:nvPr/>
+        </p:nvPicPr>
+        <p:blipFill>
+          <a:blip r:embed="rId3">
+            <a:extLst>
+              <a:ext uri="{28A0092B-C50C-407E-A947-70E740481C1C}">
+                <a14:useLocalDpi xmlns:a14="http://schemas.microsoft.com/office/drawing/2010/main" val="0"/>
+              </a:ext>
+            </a:extLst>
+          </a:blip>
+          <a:srcRect/>
+          <a:stretch>
+            <a:fillRect/>
+          </a:stretch>
+        </p:blipFill>
+        <p:spPr bwMode="auto">
           <a:xfrm>
-            <a:off x="609600" y="677025"/>
-            <a:ext cx="8077200" cy="369900"/>
+            <a:off x="1269711" y="1121969"/>
+            <a:ext cx="5851238" cy="4614061"/>
           </a:xfrm>
           <a:prstGeom prst="rect">
             <a:avLst/>
           </a:prstGeom>
+          <a:noFill/>
+          <a:extLst>
+            <a:ext uri="{909E8E84-426E-40DD-AFC4-6F175D3DCCD1}">
+              <a14:hiddenFill xmlns:a14="http://schemas.microsoft.com/office/drawing/2010/main">
+                <a:solidFill>
+                  <a:srgbClr val="FFFFFF"/>
+                </a:solidFill>
+              </a14:hiddenFill>
+            </a:ext>
+          </a:extLst>
         </p:spPr>
-        <p:txBody>
-          <a:bodyPr spcFirstLastPara="1" wrap="square" lIns="91425" tIns="45700" rIns="91425" bIns="45700" anchor="ctr" anchorCtr="0">
-            <a:normAutofit fontScale="90000"/>
-          </a:bodyPr>
-          <a:lstStyle/>
-          <a:p>
-            <a:pPr marL="0" lvl="0" indent="0" algn="ctr" rtl="0">
-              <a:spcBef>
-                <a:spcPts val="0"/>
-              </a:spcBef>
-              <a:spcAft>
-                <a:spcPts val="0"/>
-              </a:spcAft>
-              <a:buClr>
-                <a:schemeClr val="dk1"/>
-              </a:buClr>
-              <a:buSzPct val="30555"/>
-              <a:buFont typeface="Arial"/>
-              <a:buNone/>
-            </a:pPr>
-            <a:r>
-              <a:rPr lang="en-US"/>
-              <a:t>Cont’</a:t>
-            </a:r>
-            <a:endParaRPr/>
-          </a:p>
-          <a:p>
-            <a:pPr marL="0" lvl="0" indent="0" algn="ctr" rtl="0">
-              <a:spcBef>
-                <a:spcPts val="0"/>
-              </a:spcBef>
-              <a:spcAft>
-                <a:spcPts val="0"/>
-              </a:spcAft>
-              <a:buNone/>
-            </a:pPr>
-            <a:endParaRPr/>
-          </a:p>
-        </p:txBody>
-      </p:sp>
-      <p:sp>
-        <p:nvSpPr>
-          <p:cNvPr id="195" name="Google Shape;195;p27"/>
-          <p:cNvSpPr txBox="1">
-            <a:spLocks noGrp="1"/>
-          </p:cNvSpPr>
-          <p:nvPr>
-            <p:ph type="body" idx="1"/>
-          </p:nvPr>
-        </p:nvSpPr>
-        <p:spPr>
-          <a:xfrm>
-            <a:off x="457200" y="1121900"/>
-            <a:ext cx="8229600" cy="4981200"/>
-          </a:xfrm>
-          <a:prstGeom prst="rect">
-            <a:avLst/>
-          </a:prstGeom>
-        </p:spPr>
-        <p:txBody>
-          <a:bodyPr spcFirstLastPara="1" wrap="square" lIns="91425" tIns="45700" rIns="91425" bIns="45700" anchor="t" anchorCtr="0">
-            <a:normAutofit/>
-          </a:bodyPr>
-          <a:lstStyle/>
-          <a:p>
-            <a:pPr marL="914400" lvl="0" indent="-317500" algn="l" rtl="0">
-              <a:lnSpc>
-                <a:spcPct val="115000"/>
-              </a:lnSpc>
-              <a:spcBef>
-                <a:spcPts val="0"/>
-              </a:spcBef>
-              <a:spcAft>
-                <a:spcPts val="0"/>
-              </a:spcAft>
-              <a:buClr>
-                <a:schemeClr val="dk1"/>
-              </a:buClr>
-              <a:buSzPts val="1400"/>
-              <a:buFont typeface="Arial"/>
-              <a:buChar char="●"/>
-            </a:pPr>
-            <a:endParaRPr sz="2700">
-              <a:solidFill>
-                <a:schemeClr val="dk1"/>
-              </a:solidFill>
-            </a:endParaRPr>
-          </a:p>
-        </p:txBody>
-      </p:sp>
+      </p:pic>
     </p:spTree>
   </p:cSld>
   <p:clrMapOvr>
@@ -19222,12 +20889,12 @@
 </p:sld>
 </file>
 
-<file path=ppt/slides/slide16.xml><?xml version="1.0" encoding="utf-8"?>
+<file path=ppt/slides/slide17.xml><?xml version="1.0" encoding="utf-8"?>
 <p:sld xmlns:a="http://schemas.openxmlformats.org/drawingml/2006/main" xmlns:r="http://schemas.openxmlformats.org/officeDocument/2006/relationships" xmlns:p="http://schemas.openxmlformats.org/presentationml/2006/main">
   <p:cSld>
     <p:spTree>
       <p:nvGrpSpPr>
-        <p:cNvPr id="1" name="Shape 200"/>
+        <p:cNvPr id="1" name="Shape 179"/>
         <p:cNvGrpSpPr/>
         <p:nvPr/>
       </p:nvGrpSpPr>
@@ -19241,275 +20908,7 @@
       </p:grpSpPr>
       <p:sp>
         <p:nvSpPr>
-          <p:cNvPr id="201" name="Google Shape;201;p28"/>
-          <p:cNvSpPr txBox="1">
-            <a:spLocks noGrp="1"/>
-          </p:cNvSpPr>
-          <p:nvPr>
-            <p:ph type="title"/>
-          </p:nvPr>
-        </p:nvSpPr>
-        <p:spPr>
-          <a:xfrm>
-            <a:off x="609600" y="677025"/>
-            <a:ext cx="8077200" cy="369900"/>
-          </a:xfrm>
-          <a:prstGeom prst="rect">
-            <a:avLst/>
-          </a:prstGeom>
-        </p:spPr>
-        <p:txBody>
-          <a:bodyPr spcFirstLastPara="1" wrap="square" lIns="91425" tIns="45700" rIns="91425" bIns="45700" anchor="ctr" anchorCtr="0">
-            <a:normAutofit fontScale="90000"/>
-          </a:bodyPr>
-          <a:lstStyle/>
-          <a:p>
-            <a:pPr marL="0" lvl="0" indent="0" algn="ctr" rtl="0">
-              <a:spcBef>
-                <a:spcPts val="0"/>
-              </a:spcBef>
-              <a:spcAft>
-                <a:spcPts val="0"/>
-              </a:spcAft>
-              <a:buClr>
-                <a:schemeClr val="dk1"/>
-              </a:buClr>
-              <a:buSzPct val="30555"/>
-              <a:buFont typeface="Arial"/>
-              <a:buNone/>
-            </a:pPr>
-            <a:r>
-              <a:rPr lang="en-US"/>
-              <a:t>Cont’</a:t>
-            </a:r>
-            <a:endParaRPr/>
-          </a:p>
-          <a:p>
-            <a:pPr marL="0" lvl="0" indent="0" algn="ctr" rtl="0">
-              <a:spcBef>
-                <a:spcPts val="0"/>
-              </a:spcBef>
-              <a:spcAft>
-                <a:spcPts val="0"/>
-              </a:spcAft>
-              <a:buNone/>
-            </a:pPr>
-            <a:endParaRPr/>
-          </a:p>
-        </p:txBody>
-      </p:sp>
-      <p:sp>
-        <p:nvSpPr>
-          <p:cNvPr id="202" name="Google Shape;202;p28"/>
-          <p:cNvSpPr txBox="1">
-            <a:spLocks noGrp="1"/>
-          </p:cNvSpPr>
-          <p:nvPr>
-            <p:ph type="body" idx="1"/>
-          </p:nvPr>
-        </p:nvSpPr>
-        <p:spPr>
-          <a:xfrm>
-            <a:off x="457200" y="1121900"/>
-            <a:ext cx="8229600" cy="4981200"/>
-          </a:xfrm>
-          <a:prstGeom prst="rect">
-            <a:avLst/>
-          </a:prstGeom>
-        </p:spPr>
-        <p:txBody>
-          <a:bodyPr spcFirstLastPara="1" wrap="square" lIns="91425" tIns="45700" rIns="91425" bIns="45700" anchor="t" anchorCtr="0">
-            <a:normAutofit/>
-          </a:bodyPr>
-          <a:lstStyle/>
-          <a:p>
-            <a:pPr marL="914400" lvl="0" indent="-317500" algn="l" rtl="0">
-              <a:lnSpc>
-                <a:spcPct val="115000"/>
-              </a:lnSpc>
-              <a:spcBef>
-                <a:spcPts val="0"/>
-              </a:spcBef>
-              <a:spcAft>
-                <a:spcPts val="0"/>
-              </a:spcAft>
-              <a:buClr>
-                <a:schemeClr val="dk1"/>
-              </a:buClr>
-              <a:buSzPts val="1400"/>
-              <a:buFont typeface="Arial"/>
-              <a:buChar char="●"/>
-            </a:pPr>
-            <a:endParaRPr sz="2700">
-              <a:solidFill>
-                <a:schemeClr val="dk1"/>
-              </a:solidFill>
-            </a:endParaRPr>
-          </a:p>
-        </p:txBody>
-      </p:sp>
-    </p:spTree>
-  </p:cSld>
-  <p:clrMapOvr>
-    <a:masterClrMapping/>
-  </p:clrMapOvr>
-</p:sld>
-</file>
-
-<file path=ppt/slides/slide17.xml><?xml version="1.0" encoding="utf-8"?>
-<p:sld xmlns:a="http://schemas.openxmlformats.org/drawingml/2006/main" xmlns:r="http://schemas.openxmlformats.org/officeDocument/2006/relationships" xmlns:p="http://schemas.openxmlformats.org/presentationml/2006/main">
-  <p:cSld>
-    <p:spTree>
-      <p:nvGrpSpPr>
-        <p:cNvPr id="1" name="Shape 207"/>
-        <p:cNvGrpSpPr/>
-        <p:nvPr/>
-      </p:nvGrpSpPr>
-      <p:grpSpPr>
-        <a:xfrm>
-          <a:off x="0" y="0"/>
-          <a:ext cx="0" cy="0"/>
-          <a:chOff x="0" y="0"/>
-          <a:chExt cx="0" cy="0"/>
-        </a:xfrm>
-      </p:grpSpPr>
-      <p:sp>
-        <p:nvSpPr>
-          <p:cNvPr id="208" name="Google Shape;208;p29"/>
-          <p:cNvSpPr txBox="1">
-            <a:spLocks noGrp="1"/>
-          </p:cNvSpPr>
-          <p:nvPr>
-            <p:ph type="title"/>
-          </p:nvPr>
-        </p:nvSpPr>
-        <p:spPr>
-          <a:xfrm>
-            <a:off x="609600" y="677025"/>
-            <a:ext cx="8077200" cy="369900"/>
-          </a:xfrm>
-          <a:prstGeom prst="rect">
-            <a:avLst/>
-          </a:prstGeom>
-        </p:spPr>
-        <p:txBody>
-          <a:bodyPr spcFirstLastPara="1" wrap="square" lIns="91425" tIns="45700" rIns="91425" bIns="45700" anchor="ctr" anchorCtr="0">
-            <a:normAutofit fontScale="90000"/>
-          </a:bodyPr>
-          <a:lstStyle/>
-          <a:p>
-            <a:pPr marL="0" lvl="0" indent="0" algn="ctr" rtl="0">
-              <a:spcBef>
-                <a:spcPts val="0"/>
-              </a:spcBef>
-              <a:spcAft>
-                <a:spcPts val="0"/>
-              </a:spcAft>
-              <a:buClr>
-                <a:schemeClr val="dk1"/>
-              </a:buClr>
-              <a:buSzPct val="30555"/>
-              <a:buFont typeface="Arial"/>
-              <a:buNone/>
-            </a:pPr>
-            <a:r>
-              <a:rPr lang="en-US"/>
-              <a:t>Cont’</a:t>
-            </a:r>
-            <a:endParaRPr/>
-          </a:p>
-          <a:p>
-            <a:pPr marL="0" lvl="0" indent="0" algn="ctr" rtl="0">
-              <a:spcBef>
-                <a:spcPts val="0"/>
-              </a:spcBef>
-              <a:spcAft>
-                <a:spcPts val="0"/>
-              </a:spcAft>
-              <a:buNone/>
-            </a:pPr>
-            <a:endParaRPr/>
-          </a:p>
-        </p:txBody>
-      </p:sp>
-      <p:sp>
-        <p:nvSpPr>
-          <p:cNvPr id="209" name="Google Shape;209;p29"/>
-          <p:cNvSpPr txBox="1">
-            <a:spLocks noGrp="1"/>
-          </p:cNvSpPr>
-          <p:nvPr>
-            <p:ph type="body" idx="1"/>
-          </p:nvPr>
-        </p:nvSpPr>
-        <p:spPr>
-          <a:xfrm>
-            <a:off x="457200" y="1121900"/>
-            <a:ext cx="8229600" cy="4981200"/>
-          </a:xfrm>
-          <a:prstGeom prst="rect">
-            <a:avLst/>
-          </a:prstGeom>
-        </p:spPr>
-        <p:txBody>
-          <a:bodyPr spcFirstLastPara="1" wrap="square" lIns="91425" tIns="45700" rIns="91425" bIns="45700" anchor="t" anchorCtr="0">
-            <a:normAutofit/>
-          </a:bodyPr>
-          <a:lstStyle/>
-          <a:p>
-            <a:pPr marL="914400" lvl="0" indent="-317500" algn="l" rtl="0">
-              <a:lnSpc>
-                <a:spcPct val="115000"/>
-              </a:lnSpc>
-              <a:spcBef>
-                <a:spcPts val="0"/>
-              </a:spcBef>
-              <a:spcAft>
-                <a:spcPts val="0"/>
-              </a:spcAft>
-              <a:buClr>
-                <a:schemeClr val="dk1"/>
-              </a:buClr>
-              <a:buSzPts val="1400"/>
-              <a:buFont typeface="Arial"/>
-              <a:buChar char="●"/>
-            </a:pPr>
-            <a:endParaRPr sz="2700">
-              <a:solidFill>
-                <a:schemeClr val="dk1"/>
-              </a:solidFill>
-            </a:endParaRPr>
-          </a:p>
-        </p:txBody>
-      </p:sp>
-    </p:spTree>
-  </p:cSld>
-  <p:clrMapOvr>
-    <a:masterClrMapping/>
-  </p:clrMapOvr>
-</p:sld>
-</file>
-
-<file path=ppt/slides/slide18.xml><?xml version="1.0" encoding="utf-8"?>
-<p:sld xmlns:a="http://schemas.openxmlformats.org/drawingml/2006/main" xmlns:r="http://schemas.openxmlformats.org/officeDocument/2006/relationships" xmlns:p="http://schemas.openxmlformats.org/presentationml/2006/main">
-  <p:cSld>
-    <p:spTree>
-      <p:nvGrpSpPr>
-        <p:cNvPr id="1" name="Shape 214"/>
-        <p:cNvGrpSpPr/>
-        <p:nvPr/>
-      </p:nvGrpSpPr>
-      <p:grpSpPr>
-        <a:xfrm>
-          <a:off x="0" y="0"/>
-          <a:ext cx="0" cy="0"/>
-          <a:chOff x="0" y="0"/>
-          <a:chExt cx="0" cy="0"/>
-        </a:xfrm>
-      </p:grpSpPr>
-      <p:sp>
-        <p:nvSpPr>
-          <p:cNvPr id="215" name="Google Shape;215;p30"/>
+          <p:cNvPr id="180" name="Google Shape;180;p25"/>
           <p:cNvSpPr txBox="1">
             <a:spLocks noGrp="1"/>
           </p:cNvSpPr>
@@ -19539,76 +20938,56 @@
               <a:spcAft>
                 <a:spcPts val="0"/>
               </a:spcAft>
+              <a:buClr>
+                <a:schemeClr val="dk1"/>
+              </a:buClr>
+              <a:buSzPct val="30555"/>
+              <a:buFont typeface="Arial"/>
               <a:buNone/>
             </a:pPr>
             <a:r>
-              <a:rPr lang="en-US"/>
-              <a:t>Conclusion and Future Work</a:t>
+              <a:rPr lang="en-US" dirty="0"/>
+              <a:t>Random Forest</a:t>
             </a:r>
-            <a:endParaRPr/>
           </a:p>
         </p:txBody>
       </p:sp>
-      <p:sp>
-        <p:nvSpPr>
-          <p:cNvPr id="216" name="Google Shape;216;p30"/>
-          <p:cNvSpPr txBox="1">
-            <a:spLocks noGrp="1"/>
-          </p:cNvSpPr>
-          <p:nvPr>
-            <p:ph type="body" idx="1"/>
-          </p:nvPr>
-        </p:nvSpPr>
+      <p:pic>
+        <p:nvPicPr>
+          <p:cNvPr id="7" name="Picture 6">
+            <a:extLst>
+              <a:ext uri="{FF2B5EF4-FFF2-40B4-BE49-F238E27FC236}">
+                <a16:creationId xmlns:a16="http://schemas.microsoft.com/office/drawing/2014/main" id="{D6F6E89B-696B-8686-B01F-A03F9A279EE3}"/>
+              </a:ext>
+            </a:extLst>
+          </p:cNvPr>
+          <p:cNvPicPr>
+            <a:picLocks noChangeAspect="1"/>
+          </p:cNvPicPr>
+          <p:nvPr/>
+        </p:nvPicPr>
+        <p:blipFill>
+          <a:blip r:embed="rId3"/>
+          <a:stretch>
+            <a:fillRect/>
+          </a:stretch>
+        </p:blipFill>
         <p:spPr>
           <a:xfrm>
-            <a:off x="457200" y="1121900"/>
-            <a:ext cx="8229600" cy="4981200"/>
+            <a:off x="85281" y="895521"/>
+            <a:ext cx="8859731" cy="5267498"/>
           </a:xfrm>
           <a:prstGeom prst="rect">
             <a:avLst/>
           </a:prstGeom>
         </p:spPr>
-        <p:txBody>
-          <a:bodyPr spcFirstLastPara="1" wrap="square" lIns="91425" tIns="45700" rIns="91425" bIns="45700" anchor="t" anchorCtr="0">
-            <a:normAutofit/>
-          </a:bodyPr>
-          <a:lstStyle/>
-          <a:p>
-            <a:pPr marL="342900" lvl="0" indent="-342900" algn="l" rtl="0">
-              <a:spcBef>
-                <a:spcPts val="480"/>
-              </a:spcBef>
-              <a:spcAft>
-                <a:spcPts val="0"/>
-              </a:spcAft>
-              <a:buFont typeface="Wingdings" panose="05000000000000000000" pitchFamily="2" charset="2"/>
-              <a:buChar char="q"/>
-            </a:pPr>
-            <a:r>
-              <a:rPr lang="en-US" dirty="0"/>
-              <a:t>Conclusion: The model provides better estimates of breast cancer risk for Cuban women, with the potential for use in other developing countries.</a:t>
-            </a:r>
-          </a:p>
-          <a:p>
-            <a:pPr marL="342900" lvl="0" indent="-342900" algn="l" rtl="0">
-              <a:spcBef>
-                <a:spcPts val="480"/>
-              </a:spcBef>
-              <a:spcAft>
-                <a:spcPts val="0"/>
-              </a:spcAft>
-              <a:buFont typeface="Wingdings" panose="05000000000000000000" pitchFamily="2" charset="2"/>
-              <a:buChar char="q"/>
-            </a:pPr>
-            <a:r>
-              <a:rPr lang="en-US" dirty="0"/>
-              <a:t>Future Work: Expanding the dataset, refining feature selection, and developing clinical tools for implementation.</a:t>
-            </a:r>
-            <a:endParaRPr dirty="0"/>
-          </a:p>
-        </p:txBody>
-      </p:sp>
+      </p:pic>
     </p:spTree>
+    <p:extLst>
+      <p:ext uri="{BB962C8B-B14F-4D97-AF65-F5344CB8AC3E}">
+        <p14:creationId xmlns:p14="http://schemas.microsoft.com/office/powerpoint/2010/main" val="24504169"/>
+      </p:ext>
+    </p:extLst>
   </p:cSld>
   <p:clrMapOvr>
     <a:masterClrMapping/>
@@ -19616,12 +20995,12 @@
 </p:sld>
 </file>
 
-<file path=ppt/slides/slide19.xml><?xml version="1.0" encoding="utf-8"?>
+<file path=ppt/slides/slide18.xml><?xml version="1.0" encoding="utf-8"?>
 <p:sld xmlns:a="http://schemas.openxmlformats.org/drawingml/2006/main" xmlns:r="http://schemas.openxmlformats.org/officeDocument/2006/relationships" xmlns:p="http://schemas.openxmlformats.org/presentationml/2006/main">
   <p:cSld>
     <p:spTree>
       <p:nvGrpSpPr>
-        <p:cNvPr id="1" name="Shape 221"/>
+        <p:cNvPr id="1" name="Shape 179"/>
         <p:cNvGrpSpPr/>
         <p:nvPr/>
       </p:nvGrpSpPr>
@@ -19635,7 +21014,7 @@
       </p:grpSpPr>
       <p:sp>
         <p:nvSpPr>
-          <p:cNvPr id="222" name="Google Shape;222;p31"/>
+          <p:cNvPr id="180" name="Google Shape;180;p25"/>
           <p:cNvSpPr txBox="1">
             <a:spLocks noGrp="1"/>
           </p:cNvSpPr>
@@ -19665,55 +21044,197 @@
               <a:spcAft>
                 <a:spcPts val="0"/>
               </a:spcAft>
+              <a:buClr>
+                <a:schemeClr val="dk1"/>
+              </a:buClr>
+              <a:buSzPct val="30555"/>
+              <a:buFont typeface="Arial"/>
               <a:buNone/>
             </a:pPr>
             <a:r>
-              <a:rPr lang="en-US"/>
-              <a:t>References</a:t>
+              <a:rPr lang="en-US" dirty="0"/>
+              <a:t>Random Forest</a:t>
             </a:r>
-            <a:endParaRPr/>
           </a:p>
         </p:txBody>
       </p:sp>
+      <p:pic>
+        <p:nvPicPr>
+          <p:cNvPr id="5122" name="Picture 2">
+            <a:extLst>
+              <a:ext uri="{FF2B5EF4-FFF2-40B4-BE49-F238E27FC236}">
+                <a16:creationId xmlns:a16="http://schemas.microsoft.com/office/drawing/2014/main" id="{B974F535-BA65-153F-B5A2-63F3D9129E86}"/>
+              </a:ext>
+            </a:extLst>
+          </p:cNvPr>
+          <p:cNvPicPr>
+            <a:picLocks noChangeAspect="1" noChangeArrowheads="1"/>
+          </p:cNvPicPr>
+          <p:nvPr/>
+        </p:nvPicPr>
+        <p:blipFill>
+          <a:blip r:embed="rId3">
+            <a:extLst>
+              <a:ext uri="{28A0092B-C50C-407E-A947-70E740481C1C}">
+                <a14:useLocalDpi xmlns:a14="http://schemas.microsoft.com/office/drawing/2010/main" val="0"/>
+              </a:ext>
+            </a:extLst>
+          </a:blip>
+          <a:srcRect/>
+          <a:stretch>
+            <a:fillRect/>
+          </a:stretch>
+        </p:blipFill>
+        <p:spPr bwMode="auto">
+          <a:xfrm>
+            <a:off x="638175" y="890588"/>
+            <a:ext cx="7867650" cy="5076825"/>
+          </a:xfrm>
+          <a:prstGeom prst="rect">
+            <a:avLst/>
+          </a:prstGeom>
+          <a:noFill/>
+          <a:extLst>
+            <a:ext uri="{909E8E84-426E-40DD-AFC4-6F175D3DCCD1}">
+              <a14:hiddenFill xmlns:a14="http://schemas.microsoft.com/office/drawing/2010/main">
+                <a:solidFill>
+                  <a:srgbClr val="FFFFFF"/>
+                </a:solidFill>
+              </a14:hiddenFill>
+            </a:ext>
+          </a:extLst>
+        </p:spPr>
+      </p:pic>
+    </p:spTree>
+    <p:extLst>
+      <p:ext uri="{BB962C8B-B14F-4D97-AF65-F5344CB8AC3E}">
+        <p14:creationId xmlns:p14="http://schemas.microsoft.com/office/powerpoint/2010/main" val="601809791"/>
+      </p:ext>
+    </p:extLst>
+  </p:cSld>
+  <p:clrMapOvr>
+    <a:masterClrMapping/>
+  </p:clrMapOvr>
+</p:sld>
+</file>
+
+<file path=ppt/slides/slide19.xml><?xml version="1.0" encoding="utf-8"?>
+<p:sld xmlns:a="http://schemas.openxmlformats.org/drawingml/2006/main" xmlns:r="http://schemas.openxmlformats.org/officeDocument/2006/relationships" xmlns:p="http://schemas.openxmlformats.org/presentationml/2006/main">
+  <p:cSld>
+    <p:spTree>
+      <p:nvGrpSpPr>
+        <p:cNvPr id="1" name="Shape 179"/>
+        <p:cNvGrpSpPr/>
+        <p:nvPr/>
+      </p:nvGrpSpPr>
+      <p:grpSpPr>
+        <a:xfrm>
+          <a:off x="0" y="0"/>
+          <a:ext cx="0" cy="0"/>
+          <a:chOff x="0" y="0"/>
+          <a:chExt cx="0" cy="0"/>
+        </a:xfrm>
+      </p:grpSpPr>
       <p:sp>
         <p:nvSpPr>
-          <p:cNvPr id="223" name="Google Shape;223;p31"/>
+          <p:cNvPr id="180" name="Google Shape;180;p25"/>
           <p:cNvSpPr txBox="1">
             <a:spLocks noGrp="1"/>
           </p:cNvSpPr>
           <p:nvPr>
-            <p:ph type="body" idx="1"/>
+            <p:ph type="title"/>
           </p:nvPr>
         </p:nvSpPr>
         <p:spPr>
           <a:xfrm>
-            <a:off x="457200" y="1121900"/>
-            <a:ext cx="8229600" cy="4981200"/>
+            <a:off x="457200" y="381000"/>
+            <a:ext cx="8077200" cy="369900"/>
           </a:xfrm>
           <a:prstGeom prst="rect">
             <a:avLst/>
           </a:prstGeom>
         </p:spPr>
         <p:txBody>
-          <a:bodyPr spcFirstLastPara="1" wrap="square" lIns="91425" tIns="45700" rIns="91425" bIns="45700" anchor="t" anchorCtr="0">
-            <a:normAutofit/>
+          <a:bodyPr spcFirstLastPara="1" wrap="square" lIns="91425" tIns="45700" rIns="91425" bIns="45700" anchor="ctr" anchorCtr="0">
+            <a:normAutofit fontScale="90000"/>
           </a:bodyPr>
           <a:lstStyle/>
           <a:p>
-            <a:pPr marL="457200" lvl="0" indent="0" algn="l" rtl="0">
-              <a:spcBef>
-                <a:spcPts val="480"/>
-              </a:spcBef>
-              <a:spcAft>
-                <a:spcPts val="0"/>
-              </a:spcAft>
+            <a:pPr marL="0" lvl="0" indent="0" algn="ctr" rtl="0">
+              <a:spcBef>
+                <a:spcPts val="0"/>
+              </a:spcBef>
+              <a:spcAft>
+                <a:spcPts val="0"/>
+              </a:spcAft>
+              <a:buClr>
+                <a:schemeClr val="dk1"/>
+              </a:buClr>
+              <a:buSzPct val="30555"/>
+              <a:buFont typeface="Arial"/>
               <a:buNone/>
             </a:pPr>
-            <a:endParaRPr/>
+            <a:r>
+              <a:rPr lang="en-US" dirty="0"/>
+              <a:t>Random Forest Confusion Matrix</a:t>
+            </a:r>
+            <a:endParaRPr dirty="0"/>
           </a:p>
         </p:txBody>
       </p:sp>
+      <p:pic>
+        <p:nvPicPr>
+          <p:cNvPr id="3074" name="Picture 2">
+            <a:extLst>
+              <a:ext uri="{FF2B5EF4-FFF2-40B4-BE49-F238E27FC236}">
+                <a16:creationId xmlns:a16="http://schemas.microsoft.com/office/drawing/2014/main" id="{8994A6B3-30F0-0743-2D05-609A9E073613}"/>
+              </a:ext>
+            </a:extLst>
+          </p:cNvPr>
+          <p:cNvPicPr>
+            <a:picLocks noChangeAspect="1" noChangeArrowheads="1"/>
+          </p:cNvPicPr>
+          <p:nvPr/>
+        </p:nvPicPr>
+        <p:blipFill>
+          <a:blip r:embed="rId3">
+            <a:extLst>
+              <a:ext uri="{28A0092B-C50C-407E-A947-70E740481C1C}">
+                <a14:useLocalDpi xmlns:a14="http://schemas.microsoft.com/office/drawing/2010/main" val="0"/>
+              </a:ext>
+            </a:extLst>
+          </a:blip>
+          <a:srcRect/>
+          <a:stretch>
+            <a:fillRect/>
+          </a:stretch>
+        </p:blipFill>
+        <p:spPr bwMode="auto">
+          <a:xfrm>
+            <a:off x="971230" y="1115191"/>
+            <a:ext cx="6310806" cy="4976459"/>
+          </a:xfrm>
+          <a:prstGeom prst="rect">
+            <a:avLst/>
+          </a:prstGeom>
+          <a:noFill/>
+          <a:extLst>
+            <a:ext uri="{909E8E84-426E-40DD-AFC4-6F175D3DCCD1}">
+              <a14:hiddenFill xmlns:a14="http://schemas.microsoft.com/office/drawing/2010/main">
+                <a:solidFill>
+                  <a:srgbClr val="FFFFFF"/>
+                </a:solidFill>
+              </a14:hiddenFill>
+            </a:ext>
+          </a:extLst>
+        </p:spPr>
+      </p:pic>
     </p:spTree>
+    <p:extLst>
+      <p:ext uri="{BB962C8B-B14F-4D97-AF65-F5344CB8AC3E}">
+        <p14:creationId xmlns:p14="http://schemas.microsoft.com/office/powerpoint/2010/main" val="2077929614"/>
+      </p:ext>
+    </p:extLst>
   </p:cSld>
   <p:clrMapOvr>
     <a:masterClrMapping/>
@@ -19886,6 +21407,825 @@
 </p:sld>
 </file>
 
+<file path=ppt/slides/slide20.xml><?xml version="1.0" encoding="utf-8"?>
+<p:sld xmlns:a="http://schemas.openxmlformats.org/drawingml/2006/main" xmlns:r="http://schemas.openxmlformats.org/officeDocument/2006/relationships" xmlns:p="http://schemas.openxmlformats.org/presentationml/2006/main">
+  <p:cSld>
+    <p:spTree>
+      <p:nvGrpSpPr>
+        <p:cNvPr id="1" name="Shape 179"/>
+        <p:cNvGrpSpPr/>
+        <p:nvPr/>
+      </p:nvGrpSpPr>
+      <p:grpSpPr>
+        <a:xfrm>
+          <a:off x="0" y="0"/>
+          <a:ext cx="0" cy="0"/>
+          <a:chOff x="0" y="0"/>
+          <a:chExt cx="0" cy="0"/>
+        </a:xfrm>
+      </p:grpSpPr>
+      <p:sp>
+        <p:nvSpPr>
+          <p:cNvPr id="180" name="Google Shape;180;p25"/>
+          <p:cNvSpPr txBox="1">
+            <a:spLocks noGrp="1"/>
+          </p:cNvSpPr>
+          <p:nvPr>
+            <p:ph type="title"/>
+          </p:nvPr>
+        </p:nvSpPr>
+        <p:spPr>
+          <a:xfrm>
+            <a:off x="457200" y="381000"/>
+            <a:ext cx="8077200" cy="369900"/>
+          </a:xfrm>
+          <a:prstGeom prst="rect">
+            <a:avLst/>
+          </a:prstGeom>
+        </p:spPr>
+        <p:txBody>
+          <a:bodyPr spcFirstLastPara="1" wrap="square" lIns="91425" tIns="45700" rIns="91425" bIns="45700" anchor="ctr" anchorCtr="0">
+            <a:normAutofit fontScale="90000"/>
+          </a:bodyPr>
+          <a:lstStyle/>
+          <a:p>
+            <a:pPr marL="0" lvl="0" indent="0" algn="ctr" rtl="0">
+              <a:spcBef>
+                <a:spcPts val="0"/>
+              </a:spcBef>
+              <a:spcAft>
+                <a:spcPts val="0"/>
+              </a:spcAft>
+              <a:buClr>
+                <a:schemeClr val="dk1"/>
+              </a:buClr>
+              <a:buSzPct val="30555"/>
+              <a:buFont typeface="Arial"/>
+              <a:buNone/>
+            </a:pPr>
+            <a:r>
+              <a:rPr lang="en-US" dirty="0"/>
+              <a:t>Random Forest LIME Analysis</a:t>
+            </a:r>
+            <a:endParaRPr dirty="0"/>
+          </a:p>
+        </p:txBody>
+      </p:sp>
+    </p:spTree>
+    <p:extLst>
+      <p:ext uri="{BB962C8B-B14F-4D97-AF65-F5344CB8AC3E}">
+        <p14:creationId xmlns:p14="http://schemas.microsoft.com/office/powerpoint/2010/main" val="1816171571"/>
+      </p:ext>
+    </p:extLst>
+  </p:cSld>
+  <p:clrMapOvr>
+    <a:masterClrMapping/>
+  </p:clrMapOvr>
+</p:sld>
+</file>
+
+<file path=ppt/slides/slide21.xml><?xml version="1.0" encoding="utf-8"?>
+<p:sld xmlns:a="http://schemas.openxmlformats.org/drawingml/2006/main" xmlns:r="http://schemas.openxmlformats.org/officeDocument/2006/relationships" xmlns:p="http://schemas.openxmlformats.org/presentationml/2006/main">
+  <p:cSld>
+    <p:spTree>
+      <p:nvGrpSpPr>
+        <p:cNvPr id="1" name="Shape 179"/>
+        <p:cNvGrpSpPr/>
+        <p:nvPr/>
+      </p:nvGrpSpPr>
+      <p:grpSpPr>
+        <a:xfrm>
+          <a:off x="0" y="0"/>
+          <a:ext cx="0" cy="0"/>
+          <a:chOff x="0" y="0"/>
+          <a:chExt cx="0" cy="0"/>
+        </a:xfrm>
+      </p:grpSpPr>
+      <p:sp>
+        <p:nvSpPr>
+          <p:cNvPr id="180" name="Google Shape;180;p25"/>
+          <p:cNvSpPr txBox="1">
+            <a:spLocks noGrp="1"/>
+          </p:cNvSpPr>
+          <p:nvPr>
+            <p:ph type="title"/>
+          </p:nvPr>
+        </p:nvSpPr>
+        <p:spPr>
+          <a:xfrm>
+            <a:off x="457200" y="381000"/>
+            <a:ext cx="8077200" cy="369900"/>
+          </a:xfrm>
+          <a:prstGeom prst="rect">
+            <a:avLst/>
+          </a:prstGeom>
+        </p:spPr>
+        <p:txBody>
+          <a:bodyPr spcFirstLastPara="1" wrap="square" lIns="91425" tIns="45700" rIns="91425" bIns="45700" anchor="ctr" anchorCtr="0">
+            <a:normAutofit fontScale="90000"/>
+          </a:bodyPr>
+          <a:lstStyle/>
+          <a:p>
+            <a:pPr marL="0" lvl="0" indent="0" algn="ctr" rtl="0">
+              <a:spcBef>
+                <a:spcPts val="0"/>
+              </a:spcBef>
+              <a:spcAft>
+                <a:spcPts val="0"/>
+              </a:spcAft>
+              <a:buClr>
+                <a:schemeClr val="dk1"/>
+              </a:buClr>
+              <a:buSzPct val="30555"/>
+              <a:buFont typeface="Arial"/>
+              <a:buNone/>
+            </a:pPr>
+            <a:r>
+              <a:rPr lang="en-US" dirty="0"/>
+              <a:t>Random Forest SHAP Analysis</a:t>
+            </a:r>
+            <a:endParaRPr dirty="0"/>
+          </a:p>
+        </p:txBody>
+      </p:sp>
+    </p:spTree>
+    <p:extLst>
+      <p:ext uri="{BB962C8B-B14F-4D97-AF65-F5344CB8AC3E}">
+        <p14:creationId xmlns:p14="http://schemas.microsoft.com/office/powerpoint/2010/main" val="3682821078"/>
+      </p:ext>
+    </p:extLst>
+  </p:cSld>
+  <p:clrMapOvr>
+    <a:masterClrMapping/>
+  </p:clrMapOvr>
+</p:sld>
+</file>
+
+<file path=ppt/slides/slide22.xml><?xml version="1.0" encoding="utf-8"?>
+<p:sld xmlns:a="http://schemas.openxmlformats.org/drawingml/2006/main" xmlns:r="http://schemas.openxmlformats.org/officeDocument/2006/relationships" xmlns:p="http://schemas.openxmlformats.org/presentationml/2006/main">
+  <p:cSld>
+    <p:spTree>
+      <p:nvGrpSpPr>
+        <p:cNvPr id="1" name="Shape 186"/>
+        <p:cNvGrpSpPr/>
+        <p:nvPr/>
+      </p:nvGrpSpPr>
+      <p:grpSpPr>
+        <a:xfrm>
+          <a:off x="0" y="0"/>
+          <a:ext cx="0" cy="0"/>
+          <a:chOff x="0" y="0"/>
+          <a:chExt cx="0" cy="0"/>
+        </a:xfrm>
+      </p:grpSpPr>
+      <p:sp>
+        <p:nvSpPr>
+          <p:cNvPr id="187" name="Google Shape;187;p26"/>
+          <p:cNvSpPr txBox="1">
+            <a:spLocks noGrp="1"/>
+          </p:cNvSpPr>
+          <p:nvPr>
+            <p:ph type="title"/>
+          </p:nvPr>
+        </p:nvSpPr>
+        <p:spPr>
+          <a:xfrm>
+            <a:off x="457200" y="381000"/>
+            <a:ext cx="8077200" cy="369900"/>
+          </a:xfrm>
+          <a:prstGeom prst="rect">
+            <a:avLst/>
+          </a:prstGeom>
+        </p:spPr>
+        <p:txBody>
+          <a:bodyPr spcFirstLastPara="1" wrap="square" lIns="91425" tIns="45700" rIns="91425" bIns="45700" anchor="ctr" anchorCtr="0">
+            <a:normAutofit fontScale="90000"/>
+          </a:bodyPr>
+          <a:lstStyle/>
+          <a:p>
+            <a:pPr marL="0" lvl="0" indent="0" algn="ctr" rtl="0">
+              <a:spcBef>
+                <a:spcPts val="0"/>
+              </a:spcBef>
+              <a:spcAft>
+                <a:spcPts val="0"/>
+              </a:spcAft>
+              <a:buNone/>
+            </a:pPr>
+            <a:r>
+              <a:rPr lang="en-US"/>
+              <a:t>Project Results</a:t>
+            </a:r>
+            <a:endParaRPr/>
+          </a:p>
+        </p:txBody>
+      </p:sp>
+      <p:sp>
+        <p:nvSpPr>
+          <p:cNvPr id="188" name="Google Shape;188;p26"/>
+          <p:cNvSpPr txBox="1">
+            <a:spLocks noGrp="1"/>
+          </p:cNvSpPr>
+          <p:nvPr>
+            <p:ph type="body" idx="1"/>
+          </p:nvPr>
+        </p:nvSpPr>
+        <p:spPr>
+          <a:xfrm>
+            <a:off x="457200" y="1121900"/>
+            <a:ext cx="8229600" cy="4981200"/>
+          </a:xfrm>
+          <a:prstGeom prst="rect">
+            <a:avLst/>
+          </a:prstGeom>
+        </p:spPr>
+        <p:txBody>
+          <a:bodyPr spcFirstLastPara="1" wrap="square" lIns="91425" tIns="45700" rIns="91425" bIns="45700" anchor="t" anchorCtr="0">
+            <a:normAutofit/>
+          </a:bodyPr>
+          <a:lstStyle/>
+          <a:p>
+            <a:pPr marL="457200" lvl="0" indent="0" algn="just" rtl="0">
+              <a:spcBef>
+                <a:spcPts val="480"/>
+              </a:spcBef>
+              <a:spcAft>
+                <a:spcPts val="0"/>
+              </a:spcAft>
+              <a:buClr>
+                <a:schemeClr val="dk1"/>
+              </a:buClr>
+              <a:buSzPts val="1100"/>
+              <a:buFont typeface="Arial"/>
+              <a:buNone/>
+            </a:pPr>
+            <a:endParaRPr sz="1400"/>
+          </a:p>
+          <a:p>
+            <a:pPr marL="457200" lvl="0" indent="0" algn="l" rtl="0">
+              <a:spcBef>
+                <a:spcPts val="1000"/>
+              </a:spcBef>
+              <a:spcAft>
+                <a:spcPts val="1000"/>
+              </a:spcAft>
+              <a:buNone/>
+            </a:pPr>
+            <a:endParaRPr/>
+          </a:p>
+        </p:txBody>
+      </p:sp>
+      <p:sp>
+        <p:nvSpPr>
+          <p:cNvPr id="2" name="Google Shape;132;p18">
+            <a:extLst>
+              <a:ext uri="{FF2B5EF4-FFF2-40B4-BE49-F238E27FC236}">
+                <a16:creationId xmlns:a16="http://schemas.microsoft.com/office/drawing/2014/main" id="{B96993A1-E439-2A01-7B08-4228C9D198E8}"/>
+              </a:ext>
+            </a:extLst>
+          </p:cNvPr>
+          <p:cNvSpPr txBox="1">
+            <a:spLocks/>
+          </p:cNvSpPr>
+          <p:nvPr/>
+        </p:nvSpPr>
+        <p:spPr>
+          <a:xfrm>
+            <a:off x="609600" y="1274300"/>
+            <a:ext cx="8077200" cy="4981200"/>
+          </a:xfrm>
+          <a:prstGeom prst="rect">
+            <a:avLst/>
+          </a:prstGeom>
+          <a:noFill/>
+          <a:ln>
+            <a:noFill/>
+          </a:ln>
+        </p:spPr>
+        <p:txBody>
+          <a:bodyPr spcFirstLastPara="1" wrap="square" lIns="91425" tIns="45700" rIns="91425" bIns="45700" anchor="t" anchorCtr="0">
+            <a:normAutofit/>
+          </a:bodyPr>
+          <a:lstStyle>
+            <a:defPPr marR="0" lvl="0" algn="l" rtl="0">
+              <a:lnSpc>
+                <a:spcPct val="100000"/>
+              </a:lnSpc>
+              <a:spcBef>
+                <a:spcPts val="0"/>
+              </a:spcBef>
+              <a:spcAft>
+                <a:spcPts val="0"/>
+              </a:spcAft>
+            </a:defPPr>
+            <a:lvl1pPr marL="457200" marR="0" lvl="0" indent="-381000" algn="l" rtl="0">
+              <a:lnSpc>
+                <a:spcPct val="100000"/>
+              </a:lnSpc>
+              <a:spcBef>
+                <a:spcPts val="480"/>
+              </a:spcBef>
+              <a:spcAft>
+                <a:spcPts val="0"/>
+              </a:spcAft>
+              <a:buClr>
+                <a:srgbClr val="000000"/>
+              </a:buClr>
+              <a:buSzPts val="2400"/>
+              <a:buFont typeface="Lato"/>
+              <a:buChar char="❑"/>
+              <a:defRPr sz="2400" b="0" i="0" u="none" strike="noStrike" cap="none">
+                <a:solidFill>
+                  <a:srgbClr val="000000"/>
+                </a:solidFill>
+                <a:latin typeface="Lato"/>
+                <a:ea typeface="Lato"/>
+                <a:cs typeface="Lato"/>
+                <a:sym typeface="Lato"/>
+              </a:defRPr>
+            </a:lvl1pPr>
+            <a:lvl2pPr marL="914400" marR="0" lvl="1" indent="-368300" algn="l" rtl="0">
+              <a:lnSpc>
+                <a:spcPct val="100000"/>
+              </a:lnSpc>
+              <a:spcBef>
+                <a:spcPts val="440"/>
+              </a:spcBef>
+              <a:spcAft>
+                <a:spcPts val="0"/>
+              </a:spcAft>
+              <a:buClr>
+                <a:srgbClr val="0070C0"/>
+              </a:buClr>
+              <a:buSzPts val="2200"/>
+              <a:buFont typeface="Lato"/>
+              <a:buChar char="⮚"/>
+              <a:defRPr sz="2200" b="0" i="0" u="none" strike="noStrike" cap="none">
+                <a:solidFill>
+                  <a:srgbClr val="0070C0"/>
+                </a:solidFill>
+                <a:latin typeface="Lato"/>
+                <a:ea typeface="Lato"/>
+                <a:cs typeface="Lato"/>
+                <a:sym typeface="Lato"/>
+              </a:defRPr>
+            </a:lvl2pPr>
+            <a:lvl3pPr marL="1371600" marR="0" lvl="2" indent="-355600" algn="l" rtl="0">
+              <a:lnSpc>
+                <a:spcPct val="100000"/>
+              </a:lnSpc>
+              <a:spcBef>
+                <a:spcPts val="400"/>
+              </a:spcBef>
+              <a:spcAft>
+                <a:spcPts val="0"/>
+              </a:spcAft>
+              <a:buClr>
+                <a:srgbClr val="000000"/>
+              </a:buClr>
+              <a:buSzPts val="2000"/>
+              <a:buFont typeface="Lato"/>
+              <a:buChar char="❖"/>
+              <a:defRPr sz="2000" b="0" i="0" u="none" strike="noStrike" cap="none">
+                <a:solidFill>
+                  <a:srgbClr val="000000"/>
+                </a:solidFill>
+                <a:latin typeface="Lato"/>
+                <a:ea typeface="Lato"/>
+                <a:cs typeface="Lato"/>
+                <a:sym typeface="Lato"/>
+              </a:defRPr>
+            </a:lvl3pPr>
+            <a:lvl4pPr marL="1828800" marR="0" lvl="3" indent="-330200" algn="l" rtl="0">
+              <a:lnSpc>
+                <a:spcPct val="100000"/>
+              </a:lnSpc>
+              <a:spcBef>
+                <a:spcPts val="320"/>
+              </a:spcBef>
+              <a:spcAft>
+                <a:spcPts val="0"/>
+              </a:spcAft>
+              <a:buClr>
+                <a:srgbClr val="434343"/>
+              </a:buClr>
+              <a:buSzPts val="1600"/>
+              <a:buFont typeface="Lato"/>
+              <a:buChar char="o"/>
+              <a:defRPr sz="1600" b="1" i="0" u="none" strike="noStrike" cap="none">
+                <a:solidFill>
+                  <a:srgbClr val="434343"/>
+                </a:solidFill>
+                <a:latin typeface="Lato"/>
+                <a:ea typeface="Lato"/>
+                <a:cs typeface="Lato"/>
+                <a:sym typeface="Lato"/>
+              </a:defRPr>
+            </a:lvl4pPr>
+            <a:lvl5pPr marL="2286000" marR="0" lvl="4" indent="-317500" algn="l" rtl="0">
+              <a:lnSpc>
+                <a:spcPct val="100000"/>
+              </a:lnSpc>
+              <a:spcBef>
+                <a:spcPts val="280"/>
+              </a:spcBef>
+              <a:spcAft>
+                <a:spcPts val="0"/>
+              </a:spcAft>
+              <a:buClr>
+                <a:srgbClr val="434343"/>
+              </a:buClr>
+              <a:buSzPts val="1400"/>
+              <a:buFont typeface="Lato"/>
+              <a:buChar char="»"/>
+              <a:defRPr sz="1400" b="1" i="0" u="none" strike="noStrike" cap="none">
+                <a:solidFill>
+                  <a:srgbClr val="434343"/>
+                </a:solidFill>
+                <a:latin typeface="Lato"/>
+                <a:ea typeface="Lato"/>
+                <a:cs typeface="Lato"/>
+                <a:sym typeface="Lato"/>
+              </a:defRPr>
+            </a:lvl5pPr>
+            <a:lvl6pPr marL="2743200" marR="0" lvl="5" indent="-342900" algn="l" rtl="0">
+              <a:lnSpc>
+                <a:spcPct val="100000"/>
+              </a:lnSpc>
+              <a:spcBef>
+                <a:spcPts val="360"/>
+              </a:spcBef>
+              <a:spcAft>
+                <a:spcPts val="0"/>
+              </a:spcAft>
+              <a:buClr>
+                <a:srgbClr val="434343"/>
+              </a:buClr>
+              <a:buSzPts val="1800"/>
+              <a:buFont typeface="Lato"/>
+              <a:buChar char="•"/>
+              <a:defRPr sz="2000" b="0" i="0" u="none" strike="noStrike" cap="none">
+                <a:solidFill>
+                  <a:srgbClr val="434343"/>
+                </a:solidFill>
+                <a:latin typeface="Lato"/>
+                <a:ea typeface="Lato"/>
+                <a:cs typeface="Lato"/>
+                <a:sym typeface="Lato"/>
+              </a:defRPr>
+            </a:lvl6pPr>
+            <a:lvl7pPr marL="3200400" marR="0" lvl="6" indent="-342900" algn="l" rtl="0">
+              <a:lnSpc>
+                <a:spcPct val="100000"/>
+              </a:lnSpc>
+              <a:spcBef>
+                <a:spcPts val="360"/>
+              </a:spcBef>
+              <a:spcAft>
+                <a:spcPts val="0"/>
+              </a:spcAft>
+              <a:buClr>
+                <a:srgbClr val="434343"/>
+              </a:buClr>
+              <a:buSzPts val="1800"/>
+              <a:buFont typeface="Lato"/>
+              <a:buChar char="•"/>
+              <a:defRPr sz="2000" b="0" i="0" u="none" strike="noStrike" cap="none">
+                <a:solidFill>
+                  <a:srgbClr val="434343"/>
+                </a:solidFill>
+                <a:latin typeface="Lato"/>
+                <a:ea typeface="Lato"/>
+                <a:cs typeface="Lato"/>
+                <a:sym typeface="Lato"/>
+              </a:defRPr>
+            </a:lvl7pPr>
+            <a:lvl8pPr marL="3657600" marR="0" lvl="7" indent="-342900" algn="l" rtl="0">
+              <a:lnSpc>
+                <a:spcPct val="100000"/>
+              </a:lnSpc>
+              <a:spcBef>
+                <a:spcPts val="360"/>
+              </a:spcBef>
+              <a:spcAft>
+                <a:spcPts val="0"/>
+              </a:spcAft>
+              <a:buClr>
+                <a:srgbClr val="434343"/>
+              </a:buClr>
+              <a:buSzPts val="1800"/>
+              <a:buFont typeface="Lato"/>
+              <a:buChar char="•"/>
+              <a:defRPr sz="2000" b="0" i="0" u="none" strike="noStrike" cap="none">
+                <a:solidFill>
+                  <a:srgbClr val="434343"/>
+                </a:solidFill>
+                <a:latin typeface="Lato"/>
+                <a:ea typeface="Lato"/>
+                <a:cs typeface="Lato"/>
+                <a:sym typeface="Lato"/>
+              </a:defRPr>
+            </a:lvl8pPr>
+            <a:lvl9pPr marL="4114800" marR="0" lvl="8" indent="-342900" algn="l" rtl="0">
+              <a:lnSpc>
+                <a:spcPct val="100000"/>
+              </a:lnSpc>
+              <a:spcBef>
+                <a:spcPts val="360"/>
+              </a:spcBef>
+              <a:spcAft>
+                <a:spcPts val="0"/>
+              </a:spcAft>
+              <a:buClr>
+                <a:srgbClr val="434343"/>
+              </a:buClr>
+              <a:buSzPts val="1800"/>
+              <a:buFont typeface="Lato"/>
+              <a:buChar char="•"/>
+              <a:defRPr sz="2000" b="0" i="0" u="none" strike="noStrike" cap="none">
+                <a:solidFill>
+                  <a:srgbClr val="434343"/>
+                </a:solidFill>
+                <a:latin typeface="Lato"/>
+                <a:ea typeface="Lato"/>
+                <a:cs typeface="Lato"/>
+                <a:sym typeface="Lato"/>
+              </a:defRPr>
+            </a:lvl9pPr>
+          </a:lstStyle>
+          <a:p>
+            <a:pPr marL="342900" indent="-342900">
+              <a:spcAft>
+                <a:spcPts val="1200"/>
+              </a:spcAft>
+              <a:buFont typeface="Wingdings" panose="05000000000000000000" pitchFamily="2" charset="2"/>
+              <a:buChar char="q"/>
+            </a:pPr>
+            <a:r>
+              <a:rPr lang="en-US" dirty="0"/>
+              <a:t>Best Algorithm: Random Forest (Accuracy: 0.996).</a:t>
+            </a:r>
+          </a:p>
+          <a:p>
+            <a:pPr marL="342900" indent="-342900">
+              <a:spcAft>
+                <a:spcPts val="1200"/>
+              </a:spcAft>
+              <a:buFont typeface="Wingdings" panose="05000000000000000000" pitchFamily="2" charset="2"/>
+              <a:buChar char="q"/>
+            </a:pPr>
+            <a:r>
+              <a:rPr lang="en-US" dirty="0"/>
+              <a:t>Key Finding: Cuban dataset-based models outperformed models trained on US Hispanic data.</a:t>
+            </a:r>
+          </a:p>
+        </p:txBody>
+      </p:sp>
+    </p:spTree>
+  </p:cSld>
+  <p:clrMapOvr>
+    <a:masterClrMapping/>
+  </p:clrMapOvr>
+</p:sld>
+</file>
+
+<file path=ppt/slides/slide23.xml><?xml version="1.0" encoding="utf-8"?>
+<p:sld xmlns:a="http://schemas.openxmlformats.org/drawingml/2006/main" xmlns:r="http://schemas.openxmlformats.org/officeDocument/2006/relationships" xmlns:p="http://schemas.openxmlformats.org/presentationml/2006/main">
+  <p:cSld>
+    <p:spTree>
+      <p:nvGrpSpPr>
+        <p:cNvPr id="1" name="Shape 214"/>
+        <p:cNvGrpSpPr/>
+        <p:nvPr/>
+      </p:nvGrpSpPr>
+      <p:grpSpPr>
+        <a:xfrm>
+          <a:off x="0" y="0"/>
+          <a:ext cx="0" cy="0"/>
+          <a:chOff x="0" y="0"/>
+          <a:chExt cx="0" cy="0"/>
+        </a:xfrm>
+      </p:grpSpPr>
+      <p:sp>
+        <p:nvSpPr>
+          <p:cNvPr id="215" name="Google Shape;215;p30"/>
+          <p:cNvSpPr txBox="1">
+            <a:spLocks noGrp="1"/>
+          </p:cNvSpPr>
+          <p:nvPr>
+            <p:ph type="title"/>
+          </p:nvPr>
+        </p:nvSpPr>
+        <p:spPr>
+          <a:xfrm>
+            <a:off x="457200" y="381000"/>
+            <a:ext cx="8077200" cy="369900"/>
+          </a:xfrm>
+          <a:prstGeom prst="rect">
+            <a:avLst/>
+          </a:prstGeom>
+        </p:spPr>
+        <p:txBody>
+          <a:bodyPr spcFirstLastPara="1" wrap="square" lIns="91425" tIns="45700" rIns="91425" bIns="45700" anchor="ctr" anchorCtr="0">
+            <a:normAutofit fontScale="90000"/>
+          </a:bodyPr>
+          <a:lstStyle/>
+          <a:p>
+            <a:pPr marL="0" lvl="0" indent="0" algn="ctr" rtl="0">
+              <a:spcBef>
+                <a:spcPts val="0"/>
+              </a:spcBef>
+              <a:spcAft>
+                <a:spcPts val="0"/>
+              </a:spcAft>
+              <a:buNone/>
+            </a:pPr>
+            <a:r>
+              <a:rPr lang="en-US"/>
+              <a:t>Conclusion and Future Work</a:t>
+            </a:r>
+            <a:endParaRPr/>
+          </a:p>
+        </p:txBody>
+      </p:sp>
+      <p:sp>
+        <p:nvSpPr>
+          <p:cNvPr id="216" name="Google Shape;216;p30"/>
+          <p:cNvSpPr txBox="1">
+            <a:spLocks noGrp="1"/>
+          </p:cNvSpPr>
+          <p:nvPr>
+            <p:ph type="body" idx="1"/>
+          </p:nvPr>
+        </p:nvSpPr>
+        <p:spPr>
+          <a:xfrm>
+            <a:off x="457200" y="1121900"/>
+            <a:ext cx="8229600" cy="4981200"/>
+          </a:xfrm>
+          <a:prstGeom prst="rect">
+            <a:avLst/>
+          </a:prstGeom>
+        </p:spPr>
+        <p:txBody>
+          <a:bodyPr spcFirstLastPara="1" wrap="square" lIns="91425" tIns="45700" rIns="91425" bIns="45700" anchor="t" anchorCtr="0">
+            <a:normAutofit/>
+          </a:bodyPr>
+          <a:lstStyle/>
+          <a:p>
+            <a:pPr marL="342900" lvl="0" indent="-342900" algn="l" rtl="0">
+              <a:lnSpc>
+                <a:spcPct val="150000"/>
+              </a:lnSpc>
+              <a:spcBef>
+                <a:spcPts val="480"/>
+              </a:spcBef>
+              <a:spcAft>
+                <a:spcPts val="0"/>
+              </a:spcAft>
+              <a:buFont typeface="Wingdings" panose="05000000000000000000" pitchFamily="2" charset="2"/>
+              <a:buChar char="q"/>
+            </a:pPr>
+            <a:r>
+              <a:rPr lang="en-US" dirty="0"/>
+              <a:t>Conclusion: The model provides better estimates of breast cancer risk for Cuban women, with the potential for use in other developing countries.</a:t>
+            </a:r>
+          </a:p>
+          <a:p>
+            <a:pPr marL="342900" lvl="0" indent="-342900" algn="l" rtl="0">
+              <a:lnSpc>
+                <a:spcPct val="150000"/>
+              </a:lnSpc>
+              <a:spcBef>
+                <a:spcPts val="480"/>
+              </a:spcBef>
+              <a:spcAft>
+                <a:spcPts val="0"/>
+              </a:spcAft>
+              <a:buFont typeface="Wingdings" panose="05000000000000000000" pitchFamily="2" charset="2"/>
+              <a:buChar char="q"/>
+            </a:pPr>
+            <a:r>
+              <a:rPr lang="en-US" dirty="0"/>
+              <a:t>Future Work: Expanding the dataset, refining feature selection, and developing clinical tools for implementation.</a:t>
+            </a:r>
+            <a:endParaRPr dirty="0"/>
+          </a:p>
+        </p:txBody>
+      </p:sp>
+    </p:spTree>
+  </p:cSld>
+  <p:clrMapOvr>
+    <a:masterClrMapping/>
+  </p:clrMapOvr>
+</p:sld>
+</file>
+
+<file path=ppt/slides/slide24.xml><?xml version="1.0" encoding="utf-8"?>
+<p:sld xmlns:a="http://schemas.openxmlformats.org/drawingml/2006/main" xmlns:r="http://schemas.openxmlformats.org/officeDocument/2006/relationships" xmlns:p="http://schemas.openxmlformats.org/presentationml/2006/main">
+  <p:cSld>
+    <p:spTree>
+      <p:nvGrpSpPr>
+        <p:cNvPr id="1" name="Shape 221"/>
+        <p:cNvGrpSpPr/>
+        <p:nvPr/>
+      </p:nvGrpSpPr>
+      <p:grpSpPr>
+        <a:xfrm>
+          <a:off x="0" y="0"/>
+          <a:ext cx="0" cy="0"/>
+          <a:chOff x="0" y="0"/>
+          <a:chExt cx="0" cy="0"/>
+        </a:xfrm>
+      </p:grpSpPr>
+      <p:sp>
+        <p:nvSpPr>
+          <p:cNvPr id="222" name="Google Shape;222;p31"/>
+          <p:cNvSpPr txBox="1">
+            <a:spLocks noGrp="1"/>
+          </p:cNvSpPr>
+          <p:nvPr>
+            <p:ph type="title"/>
+          </p:nvPr>
+        </p:nvSpPr>
+        <p:spPr>
+          <a:xfrm>
+            <a:off x="457200" y="381000"/>
+            <a:ext cx="8077200" cy="369900"/>
+          </a:xfrm>
+          <a:prstGeom prst="rect">
+            <a:avLst/>
+          </a:prstGeom>
+        </p:spPr>
+        <p:txBody>
+          <a:bodyPr spcFirstLastPara="1" wrap="square" lIns="91425" tIns="45700" rIns="91425" bIns="45700" anchor="ctr" anchorCtr="0">
+            <a:normAutofit fontScale="90000"/>
+          </a:bodyPr>
+          <a:lstStyle/>
+          <a:p>
+            <a:pPr marL="0" lvl="0" indent="0" algn="ctr" rtl="0">
+              <a:spcBef>
+                <a:spcPts val="0"/>
+              </a:spcBef>
+              <a:spcAft>
+                <a:spcPts val="0"/>
+              </a:spcAft>
+              <a:buNone/>
+            </a:pPr>
+            <a:r>
+              <a:rPr lang="en-US"/>
+              <a:t>References</a:t>
+            </a:r>
+            <a:endParaRPr/>
+          </a:p>
+        </p:txBody>
+      </p:sp>
+      <p:sp>
+        <p:nvSpPr>
+          <p:cNvPr id="223" name="Google Shape;223;p31"/>
+          <p:cNvSpPr txBox="1">
+            <a:spLocks noGrp="1"/>
+          </p:cNvSpPr>
+          <p:nvPr>
+            <p:ph type="body" idx="1"/>
+          </p:nvPr>
+        </p:nvSpPr>
+        <p:spPr>
+          <a:xfrm>
+            <a:off x="457200" y="1121900"/>
+            <a:ext cx="8229600" cy="4981200"/>
+          </a:xfrm>
+          <a:prstGeom prst="rect">
+            <a:avLst/>
+          </a:prstGeom>
+        </p:spPr>
+        <p:txBody>
+          <a:bodyPr spcFirstLastPara="1" wrap="square" lIns="91425" tIns="45700" rIns="91425" bIns="45700" anchor="t" anchorCtr="0">
+            <a:normAutofit/>
+          </a:bodyPr>
+          <a:lstStyle/>
+          <a:p>
+            <a:pPr marL="457200" lvl="0" indent="0" algn="l" rtl="0">
+              <a:spcBef>
+                <a:spcPts val="480"/>
+              </a:spcBef>
+              <a:spcAft>
+                <a:spcPts val="0"/>
+              </a:spcAft>
+              <a:buNone/>
+            </a:pPr>
+            <a:endParaRPr/>
+          </a:p>
+        </p:txBody>
+      </p:sp>
+    </p:spTree>
+  </p:cSld>
+  <p:clrMapOvr>
+    <a:masterClrMapping/>
+  </p:clrMapOvr>
+</p:sld>
+</file>
+
 <file path=ppt/slides/slide3.xml><?xml version="1.0" encoding="utf-8"?>
 <p:sld xmlns:a="http://schemas.openxmlformats.org/drawingml/2006/main" xmlns:r="http://schemas.openxmlformats.org/officeDocument/2006/relationships" xmlns:p="http://schemas.openxmlformats.org/presentationml/2006/main">
   <p:cSld>
@@ -19970,12 +22310,22 @@
           </a:bodyPr>
           <a:lstStyle/>
           <a:p>
+            <a:pPr>
+              <a:spcAft>
+                <a:spcPts val="1200"/>
+              </a:spcAft>
+            </a:pPr>
             <a:r>
               <a:rPr lang="en-US" dirty="0"/>
               <a:t>Breast cancer: leading cause of mortality among women globally.</a:t>
             </a:r>
           </a:p>
           <a:p>
+            <a:pPr>
+              <a:spcAft>
+                <a:spcPts val="1200"/>
+              </a:spcAft>
+            </a:pPr>
             <a:r>
               <a:rPr lang="en-US" dirty="0"/>
               <a:t>In Cuba, high mortality is linked to late detection and limited access to quality treatment.</a:t>
@@ -20084,8 +22434,8 @@
         </p:nvSpPr>
         <p:spPr bwMode="auto">
           <a:xfrm>
-            <a:off x="457200" y="2735193"/>
-            <a:ext cx="8112369" cy="1754326"/>
+            <a:off x="515815" y="1567687"/>
+            <a:ext cx="8112369" cy="2862322"/>
           </a:xfrm>
           <a:prstGeom prst="rect">
             <a:avLst/>
@@ -20147,7 +22497,7 @@
               <a:buSzTx/>
             </a:pPr>
             <a:r>
-              <a:rPr kumimoji="0" lang="en-US" altLang="en-US" sz="1800" b="1" i="0" u="none" strike="noStrike" cap="none" normalizeH="0" baseline="0" dirty="0">
+              <a:rPr kumimoji="0" lang="en-US" altLang="en-US" b="1" i="0" u="none" strike="noStrike" cap="none" normalizeH="0" baseline="0" dirty="0">
                 <a:ln>
                   <a:noFill/>
                 </a:ln>
@@ -20155,12 +22505,14 @@
                   <a:schemeClr val="tx1"/>
                 </a:solidFill>
                 <a:effectLst/>
-                <a:latin typeface="Arial" panose="020B0604020202020204" pitchFamily="34" charset="0"/>
+                <a:latin typeface="Lato" panose="020F0502020204030203" pitchFamily="34" charset="0"/>
+                <a:ea typeface="Lato" panose="020F0502020204030203" pitchFamily="34" charset="0"/>
+                <a:cs typeface="Lato" panose="020F0502020204030203" pitchFamily="34" charset="0"/>
               </a:rPr>
               <a:t>Traditional Models</a:t>
             </a:r>
             <a:r>
-              <a:rPr kumimoji="0" lang="en-US" altLang="en-US" sz="1800" b="0" i="0" u="none" strike="noStrike" cap="none" normalizeH="0" baseline="0" dirty="0">
+              <a:rPr kumimoji="0" lang="en-US" altLang="en-US" b="0" i="0" u="none" strike="noStrike" cap="none" normalizeH="0" baseline="0" dirty="0">
                 <a:ln>
                   <a:noFill/>
                 </a:ln>
@@ -20168,12 +22520,14 @@
                   <a:schemeClr val="tx1"/>
                 </a:solidFill>
                 <a:effectLst/>
-                <a:latin typeface="Arial" panose="020B0604020202020204" pitchFamily="34" charset="0"/>
+                <a:latin typeface="Lato" panose="020F0502020204030203" pitchFamily="34" charset="0"/>
+                <a:ea typeface="Lato" panose="020F0502020204030203" pitchFamily="34" charset="0"/>
+                <a:cs typeface="Lato" panose="020F0502020204030203" pitchFamily="34" charset="0"/>
               </a:rPr>
               <a:t>: Gail model, Barlow, </a:t>
             </a:r>
             <a:r>
-              <a:rPr kumimoji="0" lang="en-US" altLang="en-US" sz="1800" b="0" i="0" u="none" strike="noStrike" cap="none" normalizeH="0" baseline="0" dirty="0" err="1">
+              <a:rPr kumimoji="0" lang="en-US" altLang="en-US" b="0" i="0" u="none" strike="noStrike" cap="none" normalizeH="0" baseline="0" dirty="0" err="1">
                 <a:ln>
                   <a:noFill/>
                 </a:ln>
@@ -20181,12 +22535,14 @@
                   <a:schemeClr val="tx1"/>
                 </a:solidFill>
                 <a:effectLst/>
-                <a:latin typeface="Arial" panose="020B0604020202020204" pitchFamily="34" charset="0"/>
+                <a:latin typeface="Lato" panose="020F0502020204030203" pitchFamily="34" charset="0"/>
+                <a:ea typeface="Lato" panose="020F0502020204030203" pitchFamily="34" charset="0"/>
+                <a:cs typeface="Lato" panose="020F0502020204030203" pitchFamily="34" charset="0"/>
               </a:rPr>
               <a:t>Tyrer-Cuzick</a:t>
             </a:r>
             <a:r>
-              <a:rPr kumimoji="0" lang="en-US" altLang="en-US" sz="1800" b="0" i="0" u="none" strike="noStrike" cap="none" normalizeH="0" baseline="0" dirty="0">
+              <a:rPr kumimoji="0" lang="en-US" altLang="en-US" b="0" i="0" u="none" strike="noStrike" cap="none" normalizeH="0" baseline="0" dirty="0">
                 <a:ln>
                   <a:noFill/>
                 </a:ln>
@@ -20194,7 +22550,9 @@
                   <a:schemeClr val="tx1"/>
                 </a:solidFill>
                 <a:effectLst/>
-                <a:latin typeface="Arial" panose="020B0604020202020204" pitchFamily="34" charset="0"/>
+                <a:latin typeface="Lato" panose="020F0502020204030203" pitchFamily="34" charset="0"/>
+                <a:ea typeface="Lato" panose="020F0502020204030203" pitchFamily="34" charset="0"/>
+                <a:cs typeface="Lato" panose="020F0502020204030203" pitchFamily="34" charset="0"/>
               </a:rPr>
               <a:t> (IBIS).</a:t>
             </a:r>
@@ -20214,7 +22572,7 @@
               <a:buSzTx/>
             </a:pPr>
             <a:r>
-              <a:rPr kumimoji="0" lang="en-US" altLang="en-US" sz="1800" b="1" i="0" u="none" strike="noStrike" cap="none" normalizeH="0" baseline="0" dirty="0">
+              <a:rPr kumimoji="0" lang="en-US" altLang="en-US" b="1" i="0" u="none" strike="noStrike" cap="none" normalizeH="0" baseline="0" dirty="0">
                 <a:ln>
                   <a:noFill/>
                 </a:ln>
@@ -20222,12 +22580,14 @@
                   <a:schemeClr val="tx1"/>
                 </a:solidFill>
                 <a:effectLst/>
-                <a:latin typeface="Arial" panose="020B0604020202020204" pitchFamily="34" charset="0"/>
+                <a:latin typeface="Lato" panose="020F0502020204030203" pitchFamily="34" charset="0"/>
+                <a:ea typeface="Lato" panose="020F0502020204030203" pitchFamily="34" charset="0"/>
+                <a:cs typeface="Lato" panose="020F0502020204030203" pitchFamily="34" charset="0"/>
               </a:rPr>
               <a:t>Limitations</a:t>
             </a:r>
             <a:r>
-              <a:rPr kumimoji="0" lang="en-US" altLang="en-US" sz="1800" b="0" i="0" u="none" strike="noStrike" cap="none" normalizeH="0" baseline="0" dirty="0">
+              <a:rPr kumimoji="0" lang="en-US" altLang="en-US" b="0" i="0" u="none" strike="noStrike" cap="none" normalizeH="0" baseline="0" dirty="0">
                 <a:ln>
                   <a:noFill/>
                 </a:ln>
@@ -20235,7 +22595,9 @@
                   <a:schemeClr val="tx1"/>
                 </a:solidFill>
                 <a:effectLst/>
-                <a:latin typeface="Arial" panose="020B0604020202020204" pitchFamily="34" charset="0"/>
+                <a:latin typeface="Lato" panose="020F0502020204030203" pitchFamily="34" charset="0"/>
+                <a:ea typeface="Lato" panose="020F0502020204030203" pitchFamily="34" charset="0"/>
+                <a:cs typeface="Lato" panose="020F0502020204030203" pitchFamily="34" charset="0"/>
               </a:rPr>
               <a:t>: Ineffective in predicting risks for non-Western populations like Cuban women.</a:t>
             </a:r>
@@ -20255,31 +22617,28 @@
               <a:buSzTx/>
             </a:pPr>
             <a:r>
-              <a:rPr kumimoji="0" lang="en-US" altLang="en-US" sz="1800" b="1" i="0" u="none" strike="noStrike" cap="none" normalizeH="0" baseline="0" dirty="0">
-                <a:ln>
-                  <a:noFill/>
-                </a:ln>
+              <a:rPr lang="en-US" altLang="en-US" b="1" dirty="0">
                 <a:solidFill>
                   <a:schemeClr val="tx1"/>
                 </a:solidFill>
-                <a:effectLst/>
-                <a:latin typeface="Arial" panose="020B0604020202020204" pitchFamily="34" charset="0"/>
+                <a:latin typeface="Lato" panose="020F0502020204030203" pitchFamily="34" charset="0"/>
+                <a:ea typeface="Lato" panose="020F0502020204030203" pitchFamily="34" charset="0"/>
+                <a:cs typeface="Lato" panose="020F0502020204030203" pitchFamily="34" charset="0"/>
               </a:rPr>
-              <a:t>Advances</a:t>
+              <a:t>The need for population specific models:</a:t>
             </a:r>
-            <a:r>
-              <a:rPr kumimoji="0" lang="en-US" altLang="en-US" sz="1800" b="0" i="0" u="none" strike="noStrike" cap="none" normalizeH="0" baseline="0" dirty="0">
-                <a:ln>
-                  <a:noFill/>
-                </a:ln>
-                <a:solidFill>
-                  <a:schemeClr val="tx1"/>
-                </a:solidFill>
-                <a:effectLst/>
-                <a:latin typeface="Arial" panose="020B0604020202020204" pitchFamily="34" charset="0"/>
-              </a:rPr>
-              <a:t>: Use of machine learning models for personalized predictions. </a:t>
-            </a:r>
+            <a:endParaRPr kumimoji="0" lang="en-US" altLang="en-US" b="1" i="0" u="none" strike="noStrike" cap="none" normalizeH="0" baseline="0" dirty="0">
+              <a:ln>
+                <a:noFill/>
+              </a:ln>
+              <a:solidFill>
+                <a:schemeClr val="tx1"/>
+              </a:solidFill>
+              <a:effectLst/>
+              <a:latin typeface="Lato" panose="020F0502020204030203" pitchFamily="34" charset="0"/>
+              <a:ea typeface="Lato" panose="020F0502020204030203" pitchFamily="34" charset="0"/>
+              <a:cs typeface="Lato" panose="020F0502020204030203" pitchFamily="34" charset="0"/>
+            </a:endParaRPr>
           </a:p>
         </p:txBody>
       </p:sp>
@@ -20675,7 +23034,7 @@
                 <a:spcPts val="480"/>
               </a:spcBef>
               <a:spcAft>
-                <a:spcPts val="0"/>
+                <a:spcPts val="1200"/>
               </a:spcAft>
               <a:buFont typeface="Wingdings" panose="05000000000000000000" pitchFamily="2" charset="2"/>
               <a:buChar char="q"/>
@@ -20691,7 +23050,7 @@
                 <a:spcPts val="480"/>
               </a:spcBef>
               <a:spcAft>
-                <a:spcPts val="0"/>
+                <a:spcPts val="1200"/>
               </a:spcAft>
               <a:buFont typeface="Wingdings" panose="05000000000000000000" pitchFamily="2" charset="2"/>
               <a:buChar char="q"/>
@@ -21125,6 +23484,9 @@
           </a:lstStyle>
           <a:p>
             <a:pPr marL="342900" indent="-342900">
+              <a:spcAft>
+                <a:spcPts val="1200"/>
+              </a:spcAft>
               <a:buFont typeface="Wingdings" panose="05000000000000000000" pitchFamily="2" charset="2"/>
               <a:buChar char="q"/>
             </a:pPr>
@@ -21135,6 +23497,9 @@
           </a:p>
           <a:p>
             <a:pPr marL="342900" indent="-342900">
+              <a:spcAft>
+                <a:spcPts val="1200"/>
+              </a:spcAft>
               <a:buFont typeface="Wingdings" panose="05000000000000000000" pitchFamily="2" charset="2"/>
               <a:buChar char="q"/>
             </a:pPr>
@@ -21307,7 +23672,7 @@
         <p:spPr>
           <a:xfrm>
             <a:off x="609600" y="1274300"/>
-            <a:ext cx="8077200" cy="4981200"/>
+            <a:ext cx="8077200" cy="3310952"/>
           </a:xfrm>
           <a:prstGeom prst="rect">
             <a:avLst/>
@@ -21570,6 +23935,9 @@
           </a:lstStyle>
           <a:p>
             <a:pPr marL="342900" indent="-342900">
+              <a:spcAft>
+                <a:spcPts val="1200"/>
+              </a:spcAft>
               <a:buFont typeface="Wingdings" panose="05000000000000000000" pitchFamily="2" charset="2"/>
               <a:buChar char="q"/>
             </a:pPr>
@@ -21580,12 +23948,28 @@
           </a:p>
           <a:p>
             <a:pPr marL="342900" indent="-342900">
+              <a:spcAft>
+                <a:spcPts val="1200"/>
+              </a:spcAft>
               <a:buFont typeface="Wingdings" panose="05000000000000000000" pitchFamily="2" charset="2"/>
               <a:buChar char="q"/>
             </a:pPr>
             <a:r>
               <a:rPr lang="en-US" dirty="0"/>
               <a:t>Which algorithm provides the highest accuracy and interpretability for this demographic?</a:t>
+            </a:r>
+          </a:p>
+          <a:p>
+            <a:pPr marL="342900" indent="-342900">
+              <a:spcAft>
+                <a:spcPts val="1200"/>
+              </a:spcAft>
+              <a:buFont typeface="Wingdings" panose="05000000000000000000" pitchFamily="2" charset="2"/>
+              <a:buChar char="q"/>
+            </a:pPr>
+            <a:r>
+              <a:rPr lang="en-US" dirty="0"/>
+              <a:t>Can this model be generalized to other Latin populations?</a:t>
             </a:r>
           </a:p>
         </p:txBody>

--- a/MCS7103-MachineLearning/Presentation.pptx
+++ b/MCS7103-MachineLearning/Presentation.pptx
@@ -5,7 +5,7 @@
     <p:sldMasterId id="2147483659" r:id="rId1"/>
   </p:sldMasterIdLst>
   <p:notesMasterIdLst>
-    <p:notesMasterId r:id="rId26"/>
+    <p:notesMasterId r:id="rId21"/>
   </p:notesMasterIdLst>
   <p:sldIdLst>
     <p:sldId id="256" r:id="rId2"/>
@@ -20,35 +20,23 @@
     <p:sldId id="265" r:id="rId11"/>
     <p:sldId id="266" r:id="rId12"/>
     <p:sldId id="267" r:id="rId13"/>
-    <p:sldId id="280" r:id="rId14"/>
-    <p:sldId id="268" r:id="rId15"/>
-    <p:sldId id="278" r:id="rId16"/>
-    <p:sldId id="270" r:id="rId17"/>
-    <p:sldId id="275" r:id="rId18"/>
-    <p:sldId id="279" r:id="rId19"/>
-    <p:sldId id="277" r:id="rId20"/>
-    <p:sldId id="281" r:id="rId21"/>
-    <p:sldId id="282" r:id="rId22"/>
-    <p:sldId id="269" r:id="rId23"/>
-    <p:sldId id="273" r:id="rId24"/>
-    <p:sldId id="274" r:id="rId25"/>
+    <p:sldId id="268" r:id="rId14"/>
+    <p:sldId id="269" r:id="rId15"/>
+    <p:sldId id="270" r:id="rId16"/>
+    <p:sldId id="271" r:id="rId17"/>
+    <p:sldId id="272" r:id="rId18"/>
+    <p:sldId id="273" r:id="rId19"/>
+    <p:sldId id="274" r:id="rId20"/>
   </p:sldIdLst>
   <p:sldSz cx="9144000" cy="6858000" type="screen4x3"/>
   <p:notesSz cx="6858000" cy="9144000"/>
   <p:embeddedFontLst>
     <p:embeddedFont>
       <p:font typeface="Lato" panose="020F0502020204030203" pitchFamily="34" charset="0"/>
-      <p:regular r:id="rId27"/>
-      <p:bold r:id="rId28"/>
-      <p:italic r:id="rId29"/>
-      <p:boldItalic r:id="rId30"/>
-    </p:embeddedFont>
-    <p:embeddedFont>
-      <p:font typeface="Roboto" panose="02000000000000000000" pitchFamily="2" charset="0"/>
-      <p:regular r:id="rId31"/>
-      <p:bold r:id="rId32"/>
-      <p:italic r:id="rId33"/>
-      <p:boldItalic r:id="rId34"/>
+      <p:regular r:id="rId22"/>
+      <p:bold r:id="rId23"/>
+      <p:italic r:id="rId24"/>
+      <p:boldItalic r:id="rId25"/>
     </p:embeddedFont>
   </p:embeddedFontLst>
   <p:defaultTextStyle>
@@ -1957,778 +1945,16 @@
           </a:bodyPr>
           <a:lstStyle/>
           <a:p>
-            <a:pPr algn="l"/>
-            <a:r>
-              <a:rPr lang="en-US" b="1" i="0" dirty="0">
-                <a:solidFill>
-                  <a:srgbClr val="212121"/>
-                </a:solidFill>
-                <a:effectLst/>
-                <a:highlight>
-                  <a:srgbClr val="FFFFFF"/>
-                </a:highlight>
-                <a:latin typeface="Roboto" panose="02000000000000000000" pitchFamily="2" charset="0"/>
-              </a:rPr>
-              <a:t>Risk factor</a:t>
-            </a:r>
-            <a:r>
-              <a:rPr lang="en-US" b="0" i="0" dirty="0">
-                <a:solidFill>
-                  <a:srgbClr val="212121"/>
-                </a:solidFill>
-                <a:effectLst/>
-                <a:highlight>
-                  <a:srgbClr val="FFFFFF"/>
-                </a:highlight>
-                <a:latin typeface="Roboto" panose="02000000000000000000" pitchFamily="2" charset="0"/>
-              </a:rPr>
-              <a:t>: Description - Data type (Values)</a:t>
-            </a:r>
-          </a:p>
-          <a:p>
-            <a:pPr algn="l">
-              <a:buFont typeface="+mj-lt"/>
-              <a:buAutoNum type="arabicPeriod"/>
+            <a:pPr marL="0" lvl="0" indent="0" algn="l" rtl="0">
+              <a:spcBef>
+                <a:spcPts val="0"/>
+              </a:spcBef>
+              <a:spcAft>
+                <a:spcPts val="0"/>
+              </a:spcAft>
+              <a:buNone/>
             </a:pPr>
-            <a:r>
-              <a:rPr lang="en-US" b="1" i="0" dirty="0">
-                <a:solidFill>
-                  <a:srgbClr val="212121"/>
-                </a:solidFill>
-                <a:effectLst/>
-                <a:highlight>
-                  <a:srgbClr val="FFFFFF"/>
-                </a:highlight>
-                <a:latin typeface="Roboto" panose="02000000000000000000" pitchFamily="2" charset="0"/>
-              </a:rPr>
-              <a:t>age</a:t>
-            </a:r>
-            <a:r>
-              <a:rPr lang="en-US" b="0" i="0" dirty="0">
-                <a:solidFill>
-                  <a:srgbClr val="212121"/>
-                </a:solidFill>
-                <a:effectLst/>
-                <a:highlight>
-                  <a:srgbClr val="FFFFFF"/>
-                </a:highlight>
-                <a:latin typeface="Roboto" panose="02000000000000000000" pitchFamily="2" charset="0"/>
-              </a:rPr>
-              <a:t>: Patient's age - Quantitative ( 20 - 90)</a:t>
-            </a:r>
-          </a:p>
-          <a:p>
-            <a:pPr algn="l">
-              <a:buFont typeface="+mj-lt"/>
-              <a:buAutoNum type="arabicPeriod"/>
-            </a:pPr>
-            <a:r>
-              <a:rPr lang="en-US" b="1" i="0" dirty="0">
-                <a:solidFill>
-                  <a:srgbClr val="212121"/>
-                </a:solidFill>
-                <a:effectLst/>
-                <a:highlight>
-                  <a:srgbClr val="FFFFFF"/>
-                </a:highlight>
-                <a:latin typeface="Roboto" panose="02000000000000000000" pitchFamily="2" charset="0"/>
-              </a:rPr>
-              <a:t>menarche</a:t>
-            </a:r>
-            <a:r>
-              <a:rPr lang="en-US" b="0" i="0" dirty="0">
-                <a:solidFill>
-                  <a:srgbClr val="212121"/>
-                </a:solidFill>
-                <a:effectLst/>
-                <a:highlight>
-                  <a:srgbClr val="FFFFFF"/>
-                </a:highlight>
-                <a:latin typeface="Roboto" panose="02000000000000000000" pitchFamily="2" charset="0"/>
-              </a:rPr>
-              <a:t>: Age of menarche - Quantitative ( 8 - 17)</a:t>
-            </a:r>
-          </a:p>
-          <a:p>
-            <a:pPr algn="l">
-              <a:buFont typeface="+mj-lt"/>
-              <a:buAutoNum type="arabicPeriod"/>
-            </a:pPr>
-            <a:r>
-              <a:rPr lang="en-US" b="1" i="0" dirty="0">
-                <a:solidFill>
-                  <a:srgbClr val="212121"/>
-                </a:solidFill>
-                <a:effectLst/>
-                <a:highlight>
-                  <a:srgbClr val="FFFFFF"/>
-                </a:highlight>
-                <a:latin typeface="Roboto" panose="02000000000000000000" pitchFamily="2" charset="0"/>
-              </a:rPr>
-              <a:t>menopause</a:t>
-            </a:r>
-            <a:r>
-              <a:rPr lang="en-US" b="0" i="0" dirty="0">
-                <a:solidFill>
-                  <a:srgbClr val="212121"/>
-                </a:solidFill>
-                <a:effectLst/>
-                <a:highlight>
-                  <a:srgbClr val="FFFFFF"/>
-                </a:highlight>
-                <a:latin typeface="Roboto" panose="02000000000000000000" pitchFamily="2" charset="0"/>
-              </a:rPr>
-              <a:t>: Age of menopause - Quantitative ( 0, 30 - 60)</a:t>
-            </a:r>
-          </a:p>
-          <a:p>
-            <a:pPr algn="l">
-              <a:buFont typeface="+mj-lt"/>
-              <a:buAutoNum type="arabicPeriod"/>
-            </a:pPr>
-            <a:r>
-              <a:rPr lang="en-US" b="1" i="0" dirty="0" err="1">
-                <a:solidFill>
-                  <a:srgbClr val="212121"/>
-                </a:solidFill>
-                <a:effectLst/>
-                <a:highlight>
-                  <a:srgbClr val="FFFFFF"/>
-                </a:highlight>
-                <a:latin typeface="Roboto" panose="02000000000000000000" pitchFamily="2" charset="0"/>
-              </a:rPr>
-              <a:t>agefirst</a:t>
-            </a:r>
-            <a:r>
-              <a:rPr lang="en-US" b="0" i="0" dirty="0">
-                <a:solidFill>
-                  <a:srgbClr val="212121"/>
-                </a:solidFill>
-                <a:effectLst/>
-                <a:highlight>
-                  <a:srgbClr val="FFFFFF"/>
-                </a:highlight>
-                <a:latin typeface="Roboto" panose="02000000000000000000" pitchFamily="2" charset="0"/>
-              </a:rPr>
-              <a:t>: Age at first successful delivery - Quantitative ( 0, 9 - 46)</a:t>
-            </a:r>
-          </a:p>
-          <a:p>
-            <a:pPr algn="l">
-              <a:buFont typeface="+mj-lt"/>
-              <a:buAutoNum type="arabicPeriod"/>
-            </a:pPr>
-            <a:r>
-              <a:rPr lang="en-US" b="1" i="0" dirty="0">
-                <a:solidFill>
-                  <a:srgbClr val="212121"/>
-                </a:solidFill>
-                <a:effectLst/>
-                <a:highlight>
-                  <a:srgbClr val="FFFFFF"/>
-                </a:highlight>
-                <a:latin typeface="Roboto" panose="02000000000000000000" pitchFamily="2" charset="0"/>
-              </a:rPr>
-              <a:t>children</a:t>
-            </a:r>
-            <a:r>
-              <a:rPr lang="en-US" b="0" i="0" dirty="0">
-                <a:solidFill>
-                  <a:srgbClr val="212121"/>
-                </a:solidFill>
-                <a:effectLst/>
-                <a:highlight>
-                  <a:srgbClr val="FFFFFF"/>
-                </a:highlight>
-                <a:latin typeface="Roboto" panose="02000000000000000000" pitchFamily="2" charset="0"/>
-              </a:rPr>
-              <a:t>: Number of children born alive - ( 0 - 6)</a:t>
-            </a:r>
-          </a:p>
-          <a:p>
-            <a:pPr algn="l">
-              <a:buFont typeface="+mj-lt"/>
-              <a:buAutoNum type="arabicPeriod"/>
-            </a:pPr>
-            <a:r>
-              <a:rPr lang="en-US" b="1" i="0" dirty="0">
-                <a:solidFill>
-                  <a:srgbClr val="212121"/>
-                </a:solidFill>
-                <a:effectLst/>
-                <a:highlight>
-                  <a:srgbClr val="FFFFFF"/>
-                </a:highlight>
-                <a:latin typeface="Roboto" panose="02000000000000000000" pitchFamily="2" charset="0"/>
-              </a:rPr>
-              <a:t>breastfeeding</a:t>
-            </a:r>
-            <a:r>
-              <a:rPr lang="en-US" b="0" i="0" dirty="0">
-                <a:solidFill>
-                  <a:srgbClr val="212121"/>
-                </a:solidFill>
-                <a:effectLst/>
-                <a:highlight>
-                  <a:srgbClr val="FFFFFF"/>
-                </a:highlight>
-                <a:latin typeface="Roboto" panose="02000000000000000000" pitchFamily="2" charset="0"/>
-              </a:rPr>
-              <a:t>: Time breastfed in months - Quantitative ( 0 - 72(months))</a:t>
-            </a:r>
-          </a:p>
-          <a:p>
-            <a:pPr algn="l">
-              <a:buFont typeface="+mj-lt"/>
-              <a:buAutoNum type="arabicPeriod"/>
-            </a:pPr>
-            <a:r>
-              <a:rPr lang="en-US" b="1" i="0" dirty="0" err="1">
-                <a:solidFill>
-                  <a:srgbClr val="212121"/>
-                </a:solidFill>
-                <a:effectLst/>
-                <a:highlight>
-                  <a:srgbClr val="FFFFFF"/>
-                </a:highlight>
-                <a:latin typeface="Roboto" panose="02000000000000000000" pitchFamily="2" charset="0"/>
-              </a:rPr>
-              <a:t>nrelbc</a:t>
-            </a:r>
-            <a:r>
-              <a:rPr lang="en-US" b="0" i="0" dirty="0">
-                <a:solidFill>
-                  <a:srgbClr val="212121"/>
-                </a:solidFill>
-                <a:effectLst/>
-                <a:highlight>
-                  <a:srgbClr val="FFFFFF"/>
-                </a:highlight>
-                <a:latin typeface="Roboto" panose="02000000000000000000" pitchFamily="2" charset="0"/>
-              </a:rPr>
-              <a:t>: Number of first-degree relatives with breast cancer - Quantitative ( 0 - 2)</a:t>
-            </a:r>
-          </a:p>
-          <a:p>
-            <a:pPr algn="l">
-              <a:buFont typeface="+mj-lt"/>
-              <a:buAutoNum type="arabicPeriod"/>
-            </a:pPr>
-            <a:r>
-              <a:rPr lang="en-US" b="1" i="0" dirty="0">
-                <a:solidFill>
-                  <a:srgbClr val="212121"/>
-                </a:solidFill>
-                <a:effectLst/>
-                <a:highlight>
-                  <a:srgbClr val="FFFFFF"/>
-                </a:highlight>
-                <a:latin typeface="Roboto" panose="02000000000000000000" pitchFamily="2" charset="0"/>
-              </a:rPr>
-              <a:t>biopsies</a:t>
-            </a:r>
-            <a:r>
-              <a:rPr lang="en-US" b="0" i="0" dirty="0">
-                <a:solidFill>
-                  <a:srgbClr val="212121"/>
-                </a:solidFill>
-                <a:effectLst/>
-                <a:highlight>
-                  <a:srgbClr val="FFFFFF"/>
-                </a:highlight>
-                <a:latin typeface="Roboto" panose="02000000000000000000" pitchFamily="2" charset="0"/>
-              </a:rPr>
-              <a:t>: Number of breast biopsies - Quantitative ( 0 - 5)</a:t>
-            </a:r>
-          </a:p>
-          <a:p>
-            <a:pPr algn="l">
-              <a:buFont typeface="+mj-lt"/>
-              <a:buAutoNum type="arabicPeriod"/>
-            </a:pPr>
-            <a:r>
-              <a:rPr lang="en-US" b="1" i="0" dirty="0">
-                <a:solidFill>
-                  <a:srgbClr val="212121"/>
-                </a:solidFill>
-                <a:effectLst/>
-                <a:highlight>
-                  <a:srgbClr val="FFFFFF"/>
-                </a:highlight>
-                <a:latin typeface="Roboto" panose="02000000000000000000" pitchFamily="2" charset="0"/>
-              </a:rPr>
-              <a:t>hyperplasia</a:t>
-            </a:r>
-            <a:r>
-              <a:rPr lang="en-US" b="0" i="0" dirty="0">
-                <a:solidFill>
-                  <a:srgbClr val="212121"/>
-                </a:solidFill>
-                <a:effectLst/>
-                <a:highlight>
-                  <a:srgbClr val="FFFFFF"/>
-                </a:highlight>
-                <a:latin typeface="Roboto" panose="02000000000000000000" pitchFamily="2" charset="0"/>
-              </a:rPr>
-              <a:t>: Atypical hyperplasia - Qualitative ( no, yes)</a:t>
-            </a:r>
-          </a:p>
-          <a:p>
-            <a:pPr algn="l">
-              <a:buFont typeface="+mj-lt"/>
-              <a:buAutoNum type="arabicPeriod"/>
-            </a:pPr>
-            <a:r>
-              <a:rPr lang="en-US" b="1" i="0" dirty="0">
-                <a:solidFill>
-                  <a:srgbClr val="212121"/>
-                </a:solidFill>
-                <a:effectLst/>
-                <a:highlight>
-                  <a:srgbClr val="FFFFFF"/>
-                </a:highlight>
-                <a:latin typeface="Roboto" panose="02000000000000000000" pitchFamily="2" charset="0"/>
-              </a:rPr>
-              <a:t>race</a:t>
-            </a:r>
-            <a:r>
-              <a:rPr lang="en-US" b="0" i="0" dirty="0">
-                <a:solidFill>
-                  <a:srgbClr val="212121"/>
-                </a:solidFill>
-                <a:effectLst/>
-                <a:highlight>
-                  <a:srgbClr val="FFFFFF"/>
-                </a:highlight>
-                <a:latin typeface="Roboto" panose="02000000000000000000" pitchFamily="2" charset="0"/>
-              </a:rPr>
-              <a:t>: Race - Quantitative ( white, mixed, black)</a:t>
-            </a:r>
-          </a:p>
-          <a:p>
-            <a:pPr algn="l">
-              <a:buFont typeface="+mj-lt"/>
-              <a:buAutoNum type="arabicPeriod"/>
-            </a:pPr>
-            <a:r>
-              <a:rPr lang="en-US" b="1" i="0" dirty="0">
-                <a:solidFill>
-                  <a:srgbClr val="212121"/>
-                </a:solidFill>
-                <a:effectLst/>
-                <a:highlight>
-                  <a:srgbClr val="FFFFFF"/>
-                </a:highlight>
-                <a:latin typeface="Roboto" panose="02000000000000000000" pitchFamily="2" charset="0"/>
-              </a:rPr>
-              <a:t>year</a:t>
-            </a:r>
-            <a:r>
-              <a:rPr lang="en-US" b="0" i="0" dirty="0">
-                <a:solidFill>
-                  <a:srgbClr val="212121"/>
-                </a:solidFill>
-                <a:effectLst/>
-                <a:highlight>
-                  <a:srgbClr val="FFFFFF"/>
-                </a:highlight>
-                <a:latin typeface="Roboto" panose="02000000000000000000" pitchFamily="2" charset="0"/>
-              </a:rPr>
-              <a:t>:</a:t>
-            </a:r>
-          </a:p>
-          <a:p>
-            <a:pPr algn="l">
-              <a:buFont typeface="+mj-lt"/>
-              <a:buAutoNum type="arabicPeriod"/>
-            </a:pPr>
-            <a:r>
-              <a:rPr lang="en-US" b="1" i="0" dirty="0" err="1">
-                <a:solidFill>
-                  <a:srgbClr val="212121"/>
-                </a:solidFill>
-                <a:effectLst/>
-                <a:highlight>
-                  <a:srgbClr val="FFFFFF"/>
-                </a:highlight>
-                <a:latin typeface="Roboto" panose="02000000000000000000" pitchFamily="2" charset="0"/>
-              </a:rPr>
-              <a:t>imc</a:t>
-            </a:r>
-            <a:r>
-              <a:rPr lang="en-US" b="0" i="0" dirty="0">
-                <a:solidFill>
-                  <a:srgbClr val="212121"/>
-                </a:solidFill>
-                <a:effectLst/>
-                <a:highlight>
-                  <a:srgbClr val="FFFFFF"/>
-                </a:highlight>
-                <a:latin typeface="Roboto" panose="02000000000000000000" pitchFamily="2" charset="0"/>
-              </a:rPr>
-              <a:t>:</a:t>
-            </a:r>
-          </a:p>
-          <a:p>
-            <a:pPr algn="l">
-              <a:buFont typeface="+mj-lt"/>
-              <a:buAutoNum type="arabicPeriod"/>
-            </a:pPr>
-            <a:r>
-              <a:rPr lang="en-US" b="1" i="0" dirty="0">
-                <a:solidFill>
-                  <a:srgbClr val="212121"/>
-                </a:solidFill>
-                <a:effectLst/>
-                <a:highlight>
-                  <a:srgbClr val="FFFFFF"/>
-                </a:highlight>
-                <a:latin typeface="Roboto" panose="02000000000000000000" pitchFamily="2" charset="0"/>
-              </a:rPr>
-              <a:t>weight</a:t>
-            </a:r>
-            <a:r>
-              <a:rPr lang="en-US" b="0" i="0" dirty="0">
-                <a:solidFill>
-                  <a:srgbClr val="212121"/>
-                </a:solidFill>
-                <a:effectLst/>
-                <a:highlight>
-                  <a:srgbClr val="FFFFFF"/>
-                </a:highlight>
-                <a:latin typeface="Roboto" panose="02000000000000000000" pitchFamily="2" charset="0"/>
-              </a:rPr>
-              <a:t>: Patients weight at screening - Quantitative - Kgs</a:t>
-            </a:r>
-          </a:p>
-          <a:p>
-            <a:pPr algn="l">
-              <a:buFont typeface="+mj-lt"/>
-              <a:buAutoNum type="arabicPeriod"/>
-            </a:pPr>
-            <a:r>
-              <a:rPr lang="en-US" b="1" i="0" dirty="0">
-                <a:solidFill>
-                  <a:srgbClr val="212121"/>
-                </a:solidFill>
-                <a:effectLst/>
-                <a:highlight>
-                  <a:srgbClr val="FFFFFF"/>
-                </a:highlight>
-                <a:latin typeface="Roboto" panose="02000000000000000000" pitchFamily="2" charset="0"/>
-              </a:rPr>
-              <a:t>exercise</a:t>
-            </a:r>
-            <a:r>
-              <a:rPr lang="en-US" b="0" i="0" dirty="0">
-                <a:solidFill>
-                  <a:srgbClr val="212121"/>
-                </a:solidFill>
-                <a:effectLst/>
-                <a:highlight>
-                  <a:srgbClr val="FFFFFF"/>
-                </a:highlight>
-                <a:latin typeface="Roboto" panose="02000000000000000000" pitchFamily="2" charset="0"/>
-              </a:rPr>
-              <a:t>: Weekly physical activity - Quantitative ( 0 - 7)</a:t>
-            </a:r>
-          </a:p>
-          <a:p>
-            <a:pPr algn="l">
-              <a:buFont typeface="+mj-lt"/>
-              <a:buAutoNum type="arabicPeriod"/>
-            </a:pPr>
-            <a:r>
-              <a:rPr lang="en-US" b="1" i="0" dirty="0">
-                <a:solidFill>
-                  <a:srgbClr val="212121"/>
-                </a:solidFill>
-                <a:effectLst/>
-                <a:highlight>
-                  <a:srgbClr val="FFFFFF"/>
-                </a:highlight>
-                <a:latin typeface="Roboto" panose="02000000000000000000" pitchFamily="2" charset="0"/>
-              </a:rPr>
-              <a:t>alcohol</a:t>
-            </a:r>
-            <a:r>
-              <a:rPr lang="en-US" b="0" i="0" dirty="0">
-                <a:solidFill>
-                  <a:srgbClr val="212121"/>
-                </a:solidFill>
-                <a:effectLst/>
-                <a:highlight>
-                  <a:srgbClr val="FFFFFF"/>
-                </a:highlight>
-                <a:latin typeface="Roboto" panose="02000000000000000000" pitchFamily="2" charset="0"/>
-              </a:rPr>
-              <a:t>: Alcohol consumption - Qualitative ( no, yes)</a:t>
-            </a:r>
-          </a:p>
-          <a:p>
-            <a:pPr algn="l">
-              <a:buFont typeface="+mj-lt"/>
-              <a:buAutoNum type="arabicPeriod"/>
-            </a:pPr>
-            <a:r>
-              <a:rPr lang="en-US" b="1" i="0" dirty="0">
-                <a:solidFill>
-                  <a:srgbClr val="212121"/>
-                </a:solidFill>
-                <a:effectLst/>
-                <a:highlight>
-                  <a:srgbClr val="FFFFFF"/>
-                </a:highlight>
-                <a:latin typeface="Roboto" panose="02000000000000000000" pitchFamily="2" charset="0"/>
-              </a:rPr>
-              <a:t>tobacco</a:t>
-            </a:r>
-            <a:r>
-              <a:rPr lang="en-US" b="0" i="0" dirty="0">
-                <a:solidFill>
-                  <a:srgbClr val="212121"/>
-                </a:solidFill>
-                <a:effectLst/>
-                <a:highlight>
-                  <a:srgbClr val="FFFFFF"/>
-                </a:highlight>
-                <a:latin typeface="Roboto" panose="02000000000000000000" pitchFamily="2" charset="0"/>
-              </a:rPr>
-              <a:t>: Tobacco consumption - Qualitative ( no, yes)</a:t>
-            </a:r>
-          </a:p>
-          <a:p>
-            <a:pPr algn="l">
-              <a:buFont typeface="+mj-lt"/>
-              <a:buAutoNum type="arabicPeriod"/>
-            </a:pPr>
-            <a:r>
-              <a:rPr lang="en-US" b="1" i="0" dirty="0">
-                <a:solidFill>
-                  <a:srgbClr val="212121"/>
-                </a:solidFill>
-                <a:effectLst/>
-                <a:highlight>
-                  <a:srgbClr val="FFFFFF"/>
-                </a:highlight>
-                <a:latin typeface="Roboto" panose="02000000000000000000" pitchFamily="2" charset="0"/>
-              </a:rPr>
-              <a:t>allergies</a:t>
-            </a:r>
-            <a:r>
-              <a:rPr lang="en-US" b="0" i="0" dirty="0">
-                <a:solidFill>
-                  <a:srgbClr val="212121"/>
-                </a:solidFill>
-                <a:effectLst/>
-                <a:highlight>
-                  <a:srgbClr val="FFFFFF"/>
-                </a:highlight>
-                <a:latin typeface="Roboto" panose="02000000000000000000" pitchFamily="2" charset="0"/>
-              </a:rPr>
-              <a:t>: Number of allergies suffered - Qualitative ( no, dermatitis, laryngitis, medications, other)</a:t>
-            </a:r>
-          </a:p>
-          <a:p>
-            <a:pPr algn="l">
-              <a:buFont typeface="+mj-lt"/>
-              <a:buAutoNum type="arabicPeriod"/>
-            </a:pPr>
-            <a:r>
-              <a:rPr lang="en-US" b="1" i="0" dirty="0">
-                <a:solidFill>
-                  <a:srgbClr val="212121"/>
-                </a:solidFill>
-                <a:effectLst/>
-                <a:highlight>
-                  <a:srgbClr val="FFFFFF"/>
-                </a:highlight>
-                <a:latin typeface="Roboto" panose="02000000000000000000" pitchFamily="2" charset="0"/>
-              </a:rPr>
-              <a:t>emotional</a:t>
-            </a:r>
-            <a:r>
-              <a:rPr lang="en-US" b="0" i="0" dirty="0">
-                <a:solidFill>
-                  <a:srgbClr val="212121"/>
-                </a:solidFill>
-                <a:effectLst/>
-                <a:highlight>
-                  <a:srgbClr val="FFFFFF"/>
-                </a:highlight>
-                <a:latin typeface="Roboto" panose="02000000000000000000" pitchFamily="2" charset="0"/>
-              </a:rPr>
-              <a:t>:</a:t>
-            </a:r>
-          </a:p>
-          <a:p>
-            <a:pPr algn="l">
-              <a:buFont typeface="+mj-lt"/>
-              <a:buAutoNum type="arabicPeriod"/>
-            </a:pPr>
-            <a:r>
-              <a:rPr lang="en-US" b="1" i="0" dirty="0">
-                <a:solidFill>
-                  <a:srgbClr val="212121"/>
-                </a:solidFill>
-                <a:effectLst/>
-                <a:highlight>
-                  <a:srgbClr val="FFFFFF"/>
-                </a:highlight>
-                <a:latin typeface="Roboto" panose="02000000000000000000" pitchFamily="2" charset="0"/>
-              </a:rPr>
-              <a:t>depressive</a:t>
-            </a:r>
-            <a:r>
-              <a:rPr lang="en-US" b="0" i="0" dirty="0">
-                <a:solidFill>
-                  <a:srgbClr val="212121"/>
-                </a:solidFill>
-                <a:effectLst/>
-                <a:highlight>
-                  <a:srgbClr val="FFFFFF"/>
-                </a:highlight>
-                <a:latin typeface="Roboto" panose="02000000000000000000" pitchFamily="2" charset="0"/>
-              </a:rPr>
-              <a:t>: Whether a patient is depressed or not - </a:t>
-            </a:r>
-            <a:r>
-              <a:rPr lang="en-US" b="0" i="0" dirty="0" err="1">
-                <a:solidFill>
-                  <a:srgbClr val="212121"/>
-                </a:solidFill>
-                <a:effectLst/>
-                <a:highlight>
-                  <a:srgbClr val="FFFFFF"/>
-                </a:highlight>
-                <a:latin typeface="Roboto" panose="02000000000000000000" pitchFamily="2" charset="0"/>
-              </a:rPr>
-              <a:t>Qaulitative</a:t>
-            </a:r>
-            <a:r>
-              <a:rPr lang="en-US" b="0" i="0" dirty="0">
-                <a:solidFill>
-                  <a:srgbClr val="212121"/>
-                </a:solidFill>
-                <a:effectLst/>
-                <a:highlight>
-                  <a:srgbClr val="FFFFFF"/>
-                </a:highlight>
-                <a:latin typeface="Roboto" panose="02000000000000000000" pitchFamily="2" charset="0"/>
-              </a:rPr>
-              <a:t> (yes, no)</a:t>
-            </a:r>
-          </a:p>
-          <a:p>
-            <a:pPr algn="l">
-              <a:buFont typeface="+mj-lt"/>
-              <a:buAutoNum type="arabicPeriod"/>
-            </a:pPr>
-            <a:r>
-              <a:rPr lang="en-US" b="1" i="0" dirty="0" err="1">
-                <a:solidFill>
-                  <a:srgbClr val="212121"/>
-                </a:solidFill>
-                <a:effectLst/>
-                <a:highlight>
-                  <a:srgbClr val="FFFFFF"/>
-                </a:highlight>
-                <a:latin typeface="Roboto" panose="02000000000000000000" pitchFamily="2" charset="0"/>
-              </a:rPr>
-              <a:t>histologicalclass</a:t>
-            </a:r>
-            <a:r>
-              <a:rPr lang="en-US" b="0" i="0" dirty="0">
-                <a:solidFill>
-                  <a:srgbClr val="212121"/>
-                </a:solidFill>
-                <a:effectLst/>
-                <a:highlight>
-                  <a:srgbClr val="FFFFFF"/>
-                </a:highlight>
-                <a:latin typeface="Roboto" panose="02000000000000000000" pitchFamily="2" charset="0"/>
-              </a:rPr>
-              <a:t>:</a:t>
-            </a:r>
-          </a:p>
-          <a:p>
-            <a:pPr algn="l">
-              <a:buFont typeface="+mj-lt"/>
-              <a:buAutoNum type="arabicPeriod"/>
-            </a:pPr>
-            <a:r>
-              <a:rPr lang="en-US" b="1" i="0" dirty="0" err="1">
-                <a:solidFill>
-                  <a:srgbClr val="212121"/>
-                </a:solidFill>
-                <a:effectLst/>
-                <a:highlight>
-                  <a:srgbClr val="FFFFFF"/>
-                </a:highlight>
-                <a:latin typeface="Roboto" panose="02000000000000000000" pitchFamily="2" charset="0"/>
-              </a:rPr>
-              <a:t>birads</a:t>
-            </a:r>
-            <a:r>
-              <a:rPr lang="en-US" b="0" i="0" dirty="0">
-                <a:solidFill>
-                  <a:srgbClr val="212121"/>
-                </a:solidFill>
-                <a:effectLst/>
-                <a:highlight>
-                  <a:srgbClr val="FFFFFF"/>
-                </a:highlight>
-                <a:latin typeface="Roboto" panose="02000000000000000000" pitchFamily="2" charset="0"/>
-              </a:rPr>
-              <a:t>: Breast Imaging-Reporting and Data System (BI-RADS) (0,1,2,3,4,5,6 broken into A,B and C)</a:t>
-            </a:r>
-          </a:p>
-          <a:p>
-            <a:pPr algn="l">
-              <a:buFont typeface="+mj-lt"/>
-              <a:buAutoNum type="arabicPeriod"/>
-            </a:pPr>
-            <a:r>
-              <a:rPr lang="en-US" b="1" i="0" dirty="0">
-                <a:solidFill>
-                  <a:srgbClr val="212121"/>
-                </a:solidFill>
-                <a:effectLst/>
-                <a:highlight>
-                  <a:srgbClr val="FFFFFF"/>
-                </a:highlight>
-                <a:latin typeface="Roboto" panose="02000000000000000000" pitchFamily="2" charset="0"/>
-              </a:rPr>
-              <a:t>cancer</a:t>
-            </a:r>
-            <a:r>
-              <a:rPr lang="en-US" b="0" i="0" dirty="0">
-                <a:solidFill>
-                  <a:srgbClr val="212121"/>
-                </a:solidFill>
-                <a:effectLst/>
-                <a:highlight>
-                  <a:srgbClr val="FFFFFF"/>
-                </a:highlight>
-                <a:latin typeface="Roboto" panose="02000000000000000000" pitchFamily="2" charset="0"/>
-              </a:rPr>
-              <a:t>: Breast cancer diagnosis - Qualitative ( no, yes)</a:t>
-            </a:r>
-          </a:p>
-          <a:p>
-            <a:endParaRPr lang="en-US" dirty="0"/>
-          </a:p>
-          <a:p>
-            <a:pPr marL="0" lvl="0" indent="0" algn="l" rtl="0">
-              <a:spcBef>
-                <a:spcPts val="0"/>
-              </a:spcBef>
-              <a:spcAft>
-                <a:spcPts val="0"/>
-              </a:spcAft>
-              <a:buNone/>
-            </a:pPr>
-            <a:endParaRPr dirty="0"/>
+            <a:endParaRPr/>
           </a:p>
         </p:txBody>
       </p:sp>
@@ -3030,7 +2256,7 @@
               </a:spcAft>
               <a:buNone/>
             </a:pPr>
-            <a:endParaRPr dirty="0"/>
+            <a:endParaRPr/>
           </a:p>
         </p:txBody>
       </p:sp>
@@ -3085,157 +2311,6 @@
 </file>
 
 <file path=ppt/notesSlides/notesSlide13.xml><?xml version="1.0" encoding="utf-8"?>
-<p:notes xmlns:a="http://schemas.openxmlformats.org/drawingml/2006/main" xmlns:r="http://schemas.openxmlformats.org/officeDocument/2006/relationships" xmlns:p="http://schemas.openxmlformats.org/presentationml/2006/main" showMasterSp="0" showMasterPhAnim="0">
-  <p:cSld>
-    <p:spTree>
-      <p:nvGrpSpPr>
-        <p:cNvPr id="1" name="Shape 168"/>
-        <p:cNvGrpSpPr/>
-        <p:nvPr/>
-      </p:nvGrpSpPr>
-      <p:grpSpPr>
-        <a:xfrm>
-          <a:off x="0" y="0"/>
-          <a:ext cx="0" cy="0"/>
-          <a:chOff x="0" y="0"/>
-          <a:chExt cx="0" cy="0"/>
-        </a:xfrm>
-      </p:grpSpPr>
-      <p:sp>
-        <p:nvSpPr>
-          <p:cNvPr id="169" name="Google Shape;169;g30c19dbd783_0_36:notes"/>
-          <p:cNvSpPr>
-            <a:spLocks noGrp="1" noRot="1" noChangeAspect="1"/>
-          </p:cNvSpPr>
-          <p:nvPr>
-            <p:ph type="sldImg" idx="2"/>
-          </p:nvPr>
-        </p:nvSpPr>
-        <p:spPr>
-          <a:xfrm>
-            <a:off x="1371600" y="1143000"/>
-            <a:ext cx="4114800" cy="3086100"/>
-          </a:xfrm>
-          <a:custGeom>
-            <a:avLst/>
-            <a:gdLst/>
-            <a:ahLst/>
-            <a:cxnLst/>
-            <a:rect l="l" t="t" r="r" b="b"/>
-            <a:pathLst>
-              <a:path w="120000" h="120000" extrusionOk="0">
-                <a:moveTo>
-                  <a:pt x="0" y="0"/>
-                </a:moveTo>
-                <a:lnTo>
-                  <a:pt x="120000" y="0"/>
-                </a:lnTo>
-                <a:lnTo>
-                  <a:pt x="120000" y="120000"/>
-                </a:lnTo>
-                <a:lnTo>
-                  <a:pt x="0" y="120000"/>
-                </a:lnTo>
-                <a:close/>
-              </a:path>
-            </a:pathLst>
-          </a:custGeom>
-        </p:spPr>
-      </p:sp>
-      <p:sp>
-        <p:nvSpPr>
-          <p:cNvPr id="170" name="Google Shape;170;g30c19dbd783_0_36:notes"/>
-          <p:cNvSpPr txBox="1">
-            <a:spLocks noGrp="1"/>
-          </p:cNvSpPr>
-          <p:nvPr>
-            <p:ph type="body" idx="1"/>
-          </p:nvPr>
-        </p:nvSpPr>
-        <p:spPr>
-          <a:xfrm>
-            <a:off x="685800" y="4400550"/>
-            <a:ext cx="5486400" cy="3600600"/>
-          </a:xfrm>
-          <a:prstGeom prst="rect">
-            <a:avLst/>
-          </a:prstGeom>
-        </p:spPr>
-        <p:txBody>
-          <a:bodyPr spcFirstLastPara="1" wrap="square" lIns="91425" tIns="45700" rIns="91425" bIns="45700" anchor="t" anchorCtr="0">
-            <a:noAutofit/>
-          </a:bodyPr>
-          <a:lstStyle/>
-          <a:p>
-            <a:pPr marL="0" lvl="0" indent="0" algn="l" rtl="0">
-              <a:spcBef>
-                <a:spcPts val="0"/>
-              </a:spcBef>
-              <a:spcAft>
-                <a:spcPts val="0"/>
-              </a:spcAft>
-              <a:buNone/>
-            </a:pPr>
-            <a:endParaRPr dirty="0"/>
-          </a:p>
-        </p:txBody>
-      </p:sp>
-      <p:sp>
-        <p:nvSpPr>
-          <p:cNvPr id="171" name="Google Shape;171;g30c19dbd783_0_36:notes"/>
-          <p:cNvSpPr txBox="1">
-            <a:spLocks noGrp="1"/>
-          </p:cNvSpPr>
-          <p:nvPr>
-            <p:ph type="sldNum" idx="12"/>
-          </p:nvPr>
-        </p:nvSpPr>
-        <p:spPr>
-          <a:xfrm>
-            <a:off x="3884613" y="8685213"/>
-            <a:ext cx="2971800" cy="458700"/>
-          </a:xfrm>
-          <a:prstGeom prst="rect">
-            <a:avLst/>
-          </a:prstGeom>
-        </p:spPr>
-        <p:txBody>
-          <a:bodyPr spcFirstLastPara="1" wrap="square" lIns="91425" tIns="45700" rIns="91425" bIns="45700" anchor="b" anchorCtr="0">
-            <a:noAutofit/>
-          </a:bodyPr>
-          <a:lstStyle/>
-          <a:p>
-            <a:pPr marL="0" lvl="0" indent="0" algn="r" rtl="0">
-              <a:spcBef>
-                <a:spcPts val="0"/>
-              </a:spcBef>
-              <a:spcAft>
-                <a:spcPts val="0"/>
-              </a:spcAft>
-              <a:buNone/>
-            </a:pPr>
-            <a:fld id="{00000000-1234-1234-1234-123412341234}" type="slidenum">
-              <a:rPr lang="en-US"/>
-              <a:t>13</a:t>
-            </a:fld>
-            <a:endParaRPr/>
-          </a:p>
-        </p:txBody>
-      </p:sp>
-    </p:spTree>
-    <p:extLst>
-      <p:ext uri="{BB962C8B-B14F-4D97-AF65-F5344CB8AC3E}">
-        <p14:creationId xmlns:p14="http://schemas.microsoft.com/office/powerpoint/2010/main" val="1939014232"/>
-      </p:ext>
-    </p:extLst>
-  </p:cSld>
-  <p:clrMapOvr>
-    <a:masterClrMapping/>
-  </p:clrMapOvr>
-</p:notes>
-</file>
-
-<file path=ppt/notesSlides/notesSlide14.xml><?xml version="1.0" encoding="utf-8"?>
 <p:notes xmlns:a="http://schemas.openxmlformats.org/drawingml/2006/main" xmlns:r="http://schemas.openxmlformats.org/officeDocument/2006/relationships" xmlns:p="http://schemas.openxmlformats.org/presentationml/2006/main" showMasterSp="0" showMasterPhAnim="0">
   <p:cSld>
     <p:spTree>
@@ -3367,7 +2442,7 @@
             </a:pPr>
             <a:fld id="{00000000-1234-1234-1234-123412341234}" type="slidenum">
               <a:rPr lang="en-US"/>
-              <a:t>14</a:t>
+              <a:t>13</a:t>
             </a:fld>
             <a:endParaRPr/>
           </a:p>
@@ -3381,12 +2456,12 @@
 </p:notes>
 </file>
 
-<file path=ppt/notesSlides/notesSlide15.xml><?xml version="1.0" encoding="utf-8"?>
+<file path=ppt/notesSlides/notesSlide14.xml><?xml version="1.0" encoding="utf-8"?>
 <p:notes xmlns:a="http://schemas.openxmlformats.org/drawingml/2006/main" xmlns:r="http://schemas.openxmlformats.org/officeDocument/2006/relationships" xmlns:p="http://schemas.openxmlformats.org/presentationml/2006/main" showMasterSp="0" showMasterPhAnim="0">
   <p:cSld>
     <p:spTree>
       <p:nvGrpSpPr>
-        <p:cNvPr id="1" name="Shape 175"/>
+        <p:cNvPr id="1" name="Shape 182"/>
         <p:cNvGrpSpPr/>
         <p:nvPr/>
       </p:nvGrpSpPr>
@@ -3400,7 +2475,7 @@
       </p:grpSpPr>
       <p:sp>
         <p:nvSpPr>
-          <p:cNvPr id="176" name="Google Shape;176;g30c19dbd783_0_42:notes"/>
+          <p:cNvPr id="183" name="Google Shape;183;g3ce602f12df2b9a9_36:notes"/>
           <p:cNvSpPr>
             <a:spLocks noGrp="1" noRot="1" noChangeAspect="1"/>
           </p:cNvSpPr>
@@ -3441,7 +2516,7 @@
       </p:sp>
       <p:sp>
         <p:nvSpPr>
-          <p:cNvPr id="177" name="Google Shape;177;g30c19dbd783_0_42:notes"/>
+          <p:cNvPr id="184" name="Google Shape;184;g3ce602f12df2b9a9_36:notes"/>
           <p:cNvSpPr txBox="1">
             <a:spLocks noGrp="1"/>
           </p:cNvSpPr>
@@ -3473,13 +2548,17 @@
               </a:spcAft>
               <a:buNone/>
             </a:pPr>
+            <a:r>
+              <a:rPr lang="en-US"/>
+              <a:t>Link: https://sorry.vse.cz/~berka/challenge/PAST/</a:t>
+            </a:r>
             <a:endParaRPr/>
           </a:p>
         </p:txBody>
       </p:sp>
       <p:sp>
         <p:nvSpPr>
-          <p:cNvPr id="178" name="Google Shape;178;g30c19dbd783_0_42:notes"/>
+          <p:cNvPr id="185" name="Google Shape;185;g3ce602f12df2b9a9_36:notes"/>
           <p:cNvSpPr txBox="1">
             <a:spLocks noGrp="1"/>
           </p:cNvSpPr>
@@ -3509,22 +2588,22 @@
               <a:spcAft>
                 <a:spcPts val="0"/>
               </a:spcAft>
+              <a:buClr>
+                <a:srgbClr val="000000"/>
+              </a:buClr>
+              <a:buSzPts val="1200"/>
+              <a:buFont typeface="Arial"/>
               <a:buNone/>
             </a:pPr>
             <a:fld id="{00000000-1234-1234-1234-123412341234}" type="slidenum">
               <a:rPr lang="en-US"/>
-              <a:t>15</a:t>
+              <a:t>14</a:t>
             </a:fld>
             <a:endParaRPr/>
           </a:p>
         </p:txBody>
       </p:sp>
     </p:spTree>
-    <p:extLst>
-      <p:ext uri="{BB962C8B-B14F-4D97-AF65-F5344CB8AC3E}">
-        <p14:creationId xmlns:p14="http://schemas.microsoft.com/office/powerpoint/2010/main" val="247994536"/>
-      </p:ext>
-    </p:extLst>
   </p:cSld>
   <p:clrMapOvr>
     <a:masterClrMapping/>
@@ -3532,7 +2611,7 @@
 </p:notes>
 </file>
 
-<file path=ppt/notesSlides/notesSlide16.xml><?xml version="1.0" encoding="utf-8"?>
+<file path=ppt/notesSlides/notesSlide15.xml><?xml version="1.0" encoding="utf-8"?>
 <p:notes xmlns:a="http://schemas.openxmlformats.org/drawingml/2006/main" xmlns:r="http://schemas.openxmlformats.org/officeDocument/2006/relationships" xmlns:p="http://schemas.openxmlformats.org/presentationml/2006/main" showMasterSp="0" showMasterPhAnim="0">
   <p:cSld>
     <p:spTree>
@@ -3625,10 +2704,10 @@
               <a:buNone/>
             </a:pPr>
             <a:r>
-              <a:rPr lang="en-US" dirty="0"/>
+              <a:rPr lang="en-US"/>
               <a:t>Link: https://www.kaggle.com/datasets/santoshd3/bank-customers</a:t>
             </a:r>
-            <a:endParaRPr dirty="0"/>
+            <a:endParaRPr/>
           </a:p>
         </p:txBody>
       </p:sp>
@@ -3673,7 +2752,7 @@
             </a:pPr>
             <a:fld id="{00000000-1234-1234-1234-123412341234}" type="slidenum">
               <a:rPr lang="en-US"/>
-              <a:t>16</a:t>
+              <a:t>15</a:t>
             </a:fld>
             <a:endParaRPr/>
           </a:p>
@@ -3687,12 +2766,12 @@
 </p:notes>
 </file>
 
-<file path=ppt/notesSlides/notesSlide17.xml><?xml version="1.0" encoding="utf-8"?>
+<file path=ppt/notesSlides/notesSlide16.xml><?xml version="1.0" encoding="utf-8"?>
 <p:notes xmlns:a="http://schemas.openxmlformats.org/drawingml/2006/main" xmlns:r="http://schemas.openxmlformats.org/officeDocument/2006/relationships" xmlns:p="http://schemas.openxmlformats.org/presentationml/2006/main" showMasterSp="0" showMasterPhAnim="0">
   <p:cSld>
     <p:spTree>
       <p:nvGrpSpPr>
-        <p:cNvPr id="1" name="Shape 175"/>
+        <p:cNvPr id="1" name="Shape 196"/>
         <p:cNvGrpSpPr/>
         <p:nvPr/>
       </p:nvGrpSpPr>
@@ -3706,7 +2785,7 @@
       </p:grpSpPr>
       <p:sp>
         <p:nvSpPr>
-          <p:cNvPr id="176" name="Google Shape;176;g30c19dbd783_0_42:notes"/>
+          <p:cNvPr id="197" name="Google Shape;197;g30c19dbd783_0_48:notes"/>
           <p:cNvSpPr>
             <a:spLocks noGrp="1" noRot="1" noChangeAspect="1"/>
           </p:cNvSpPr>
@@ -3747,7 +2826,7 @@
       </p:sp>
       <p:sp>
         <p:nvSpPr>
-          <p:cNvPr id="177" name="Google Shape;177;g30c19dbd783_0_42:notes"/>
+          <p:cNvPr id="198" name="Google Shape;198;g30c19dbd783_0_48:notes"/>
           <p:cNvSpPr txBox="1">
             <a:spLocks noGrp="1"/>
           </p:cNvSpPr>
@@ -3779,13 +2858,17 @@
               </a:spcAft>
               <a:buNone/>
             </a:pPr>
+            <a:r>
+              <a:rPr lang="en-US"/>
+              <a:t>Link: https://www.kaggle.com/datasets/santoshd3/bank-customers</a:t>
+            </a:r>
             <a:endParaRPr/>
           </a:p>
         </p:txBody>
       </p:sp>
       <p:sp>
         <p:nvSpPr>
-          <p:cNvPr id="178" name="Google Shape;178;g30c19dbd783_0_42:notes"/>
+          <p:cNvPr id="199" name="Google Shape;199;g30c19dbd783_0_48:notes"/>
           <p:cNvSpPr txBox="1">
             <a:spLocks noGrp="1"/>
           </p:cNvSpPr>
@@ -3815,22 +2898,22 @@
               <a:spcAft>
                 <a:spcPts val="0"/>
               </a:spcAft>
+              <a:buClr>
+                <a:srgbClr val="000000"/>
+              </a:buClr>
+              <a:buSzPts val="1200"/>
+              <a:buFont typeface="Arial"/>
               <a:buNone/>
             </a:pPr>
             <a:fld id="{00000000-1234-1234-1234-123412341234}" type="slidenum">
               <a:rPr lang="en-US"/>
-              <a:t>17</a:t>
+              <a:t>16</a:t>
             </a:fld>
             <a:endParaRPr/>
           </a:p>
         </p:txBody>
       </p:sp>
     </p:spTree>
-    <p:extLst>
-      <p:ext uri="{BB962C8B-B14F-4D97-AF65-F5344CB8AC3E}">
-        <p14:creationId xmlns:p14="http://schemas.microsoft.com/office/powerpoint/2010/main" val="2949851421"/>
-      </p:ext>
-    </p:extLst>
   </p:cSld>
   <p:clrMapOvr>
     <a:masterClrMapping/>
@@ -3838,12 +2921,12 @@
 </p:notes>
 </file>
 
-<file path=ppt/notesSlides/notesSlide18.xml><?xml version="1.0" encoding="utf-8"?>
+<file path=ppt/notesSlides/notesSlide17.xml><?xml version="1.0" encoding="utf-8"?>
 <p:notes xmlns:a="http://schemas.openxmlformats.org/drawingml/2006/main" xmlns:r="http://schemas.openxmlformats.org/officeDocument/2006/relationships" xmlns:p="http://schemas.openxmlformats.org/presentationml/2006/main" showMasterSp="0" showMasterPhAnim="0">
   <p:cSld>
     <p:spTree>
       <p:nvGrpSpPr>
-        <p:cNvPr id="1" name="Shape 175"/>
+        <p:cNvPr id="1" name="Shape 203"/>
         <p:cNvGrpSpPr/>
         <p:nvPr/>
       </p:nvGrpSpPr>
@@ -3857,7 +2940,7 @@
       </p:grpSpPr>
       <p:sp>
         <p:nvSpPr>
-          <p:cNvPr id="176" name="Google Shape;176;g30c19dbd783_0_42:notes"/>
+          <p:cNvPr id="204" name="Google Shape;204;g30c19dbd783_0_54:notes"/>
           <p:cNvSpPr>
             <a:spLocks noGrp="1" noRot="1" noChangeAspect="1"/>
           </p:cNvSpPr>
@@ -3898,7 +2981,7 @@
       </p:sp>
       <p:sp>
         <p:nvSpPr>
-          <p:cNvPr id="177" name="Google Shape;177;g30c19dbd783_0_42:notes"/>
+          <p:cNvPr id="205" name="Google Shape;205;g30c19dbd783_0_54:notes"/>
           <p:cNvSpPr txBox="1">
             <a:spLocks noGrp="1"/>
           </p:cNvSpPr>
@@ -3930,13 +3013,17 @@
               </a:spcAft>
               <a:buNone/>
             </a:pPr>
+            <a:r>
+              <a:rPr lang="en-US"/>
+              <a:t>Link: https://www.kaggle.com/datasets/santoshd3/bank-customers</a:t>
+            </a:r>
             <a:endParaRPr/>
           </a:p>
         </p:txBody>
       </p:sp>
       <p:sp>
         <p:nvSpPr>
-          <p:cNvPr id="178" name="Google Shape;178;g30c19dbd783_0_42:notes"/>
+          <p:cNvPr id="206" name="Google Shape;206;g30c19dbd783_0_54:notes"/>
           <p:cNvSpPr txBox="1">
             <a:spLocks noGrp="1"/>
           </p:cNvSpPr>
@@ -3966,22 +3053,22 @@
               <a:spcAft>
                 <a:spcPts val="0"/>
               </a:spcAft>
+              <a:buClr>
+                <a:srgbClr val="000000"/>
+              </a:buClr>
+              <a:buSzPts val="1200"/>
+              <a:buFont typeface="Arial"/>
               <a:buNone/>
             </a:pPr>
             <a:fld id="{00000000-1234-1234-1234-123412341234}" type="slidenum">
               <a:rPr lang="en-US"/>
-              <a:t>18</a:t>
+              <a:t>17</a:t>
             </a:fld>
             <a:endParaRPr/>
           </a:p>
         </p:txBody>
       </p:sp>
     </p:spTree>
-    <p:extLst>
-      <p:ext uri="{BB962C8B-B14F-4D97-AF65-F5344CB8AC3E}">
-        <p14:creationId xmlns:p14="http://schemas.microsoft.com/office/powerpoint/2010/main" val="2706288835"/>
-      </p:ext>
-    </p:extLst>
   </p:cSld>
   <p:clrMapOvr>
     <a:masterClrMapping/>
@@ -3989,12 +3076,12 @@
 </p:notes>
 </file>
 
-<file path=ppt/notesSlides/notesSlide19.xml><?xml version="1.0" encoding="utf-8"?>
+<file path=ppt/notesSlides/notesSlide18.xml><?xml version="1.0" encoding="utf-8"?>
 <p:notes xmlns:a="http://schemas.openxmlformats.org/drawingml/2006/main" xmlns:r="http://schemas.openxmlformats.org/officeDocument/2006/relationships" xmlns:p="http://schemas.openxmlformats.org/presentationml/2006/main" showMasterSp="0" showMasterPhAnim="0">
   <p:cSld>
     <p:spTree>
       <p:nvGrpSpPr>
-        <p:cNvPr id="1" name="Shape 175"/>
+        <p:cNvPr id="1" name="Shape 210"/>
         <p:cNvGrpSpPr/>
         <p:nvPr/>
       </p:nvGrpSpPr>
@@ -4008,7 +3095,7 @@
       </p:grpSpPr>
       <p:sp>
         <p:nvSpPr>
-          <p:cNvPr id="176" name="Google Shape;176;g30c19dbd783_0_42:notes"/>
+          <p:cNvPr id="211" name="Google Shape;211;g30c19dbd783_0_60:notes"/>
           <p:cNvSpPr>
             <a:spLocks noGrp="1" noRot="1" noChangeAspect="1"/>
           </p:cNvSpPr>
@@ -4049,7 +3136,7 @@
       </p:sp>
       <p:sp>
         <p:nvSpPr>
-          <p:cNvPr id="177" name="Google Shape;177;g30c19dbd783_0_42:notes"/>
+          <p:cNvPr id="212" name="Google Shape;212;g30c19dbd783_0_60:notes"/>
           <p:cNvSpPr txBox="1">
             <a:spLocks noGrp="1"/>
           </p:cNvSpPr>
@@ -4087,7 +3174,7 @@
       </p:sp>
       <p:sp>
         <p:nvSpPr>
-          <p:cNvPr id="178" name="Google Shape;178;g30c19dbd783_0_42:notes"/>
+          <p:cNvPr id="213" name="Google Shape;213;g30c19dbd783_0_60:notes"/>
           <p:cNvSpPr txBox="1">
             <a:spLocks noGrp="1"/>
           </p:cNvSpPr>
@@ -4117,6 +3204,162 @@
               <a:spcAft>
                 <a:spcPts val="0"/>
               </a:spcAft>
+              <a:buClr>
+                <a:srgbClr val="000000"/>
+              </a:buClr>
+              <a:buSzPts val="1200"/>
+              <a:buFont typeface="Arial"/>
+              <a:buNone/>
+            </a:pPr>
+            <a:fld id="{00000000-1234-1234-1234-123412341234}" type="slidenum">
+              <a:rPr lang="en-US"/>
+              <a:t>18</a:t>
+            </a:fld>
+            <a:endParaRPr/>
+          </a:p>
+        </p:txBody>
+      </p:sp>
+    </p:spTree>
+  </p:cSld>
+  <p:clrMapOvr>
+    <a:masterClrMapping/>
+  </p:clrMapOvr>
+</p:notes>
+</file>
+
+<file path=ppt/notesSlides/notesSlide19.xml><?xml version="1.0" encoding="utf-8"?>
+<p:notes xmlns:a="http://schemas.openxmlformats.org/drawingml/2006/main" xmlns:r="http://schemas.openxmlformats.org/officeDocument/2006/relationships" xmlns:p="http://schemas.openxmlformats.org/presentationml/2006/main" showMasterSp="0" showMasterPhAnim="0">
+  <p:cSld>
+    <p:spTree>
+      <p:nvGrpSpPr>
+        <p:cNvPr id="1" name="Shape 217"/>
+        <p:cNvGrpSpPr/>
+        <p:nvPr/>
+      </p:nvGrpSpPr>
+      <p:grpSpPr>
+        <a:xfrm>
+          <a:off x="0" y="0"/>
+          <a:ext cx="0" cy="0"/>
+          <a:chOff x="0" y="0"/>
+          <a:chExt cx="0" cy="0"/>
+        </a:xfrm>
+      </p:grpSpPr>
+      <p:sp>
+        <p:nvSpPr>
+          <p:cNvPr id="218" name="Google Shape;218;g3ce602f12df2b9a9_60:notes"/>
+          <p:cNvSpPr>
+            <a:spLocks noGrp="1" noRot="1" noChangeAspect="1"/>
+          </p:cNvSpPr>
+          <p:nvPr>
+            <p:ph type="sldImg" idx="2"/>
+          </p:nvPr>
+        </p:nvSpPr>
+        <p:spPr>
+          <a:xfrm>
+            <a:off x="1371600" y="1143000"/>
+            <a:ext cx="4114800" cy="3086100"/>
+          </a:xfrm>
+          <a:custGeom>
+            <a:avLst/>
+            <a:gdLst/>
+            <a:ahLst/>
+            <a:cxnLst/>
+            <a:rect l="l" t="t" r="r" b="b"/>
+            <a:pathLst>
+              <a:path w="120000" h="120000" extrusionOk="0">
+                <a:moveTo>
+                  <a:pt x="0" y="0"/>
+                </a:moveTo>
+                <a:lnTo>
+                  <a:pt x="120000" y="0"/>
+                </a:lnTo>
+                <a:lnTo>
+                  <a:pt x="120000" y="120000"/>
+                </a:lnTo>
+                <a:lnTo>
+                  <a:pt x="0" y="120000"/>
+                </a:lnTo>
+                <a:close/>
+              </a:path>
+            </a:pathLst>
+          </a:custGeom>
+        </p:spPr>
+      </p:sp>
+      <p:sp>
+        <p:nvSpPr>
+          <p:cNvPr id="219" name="Google Shape;219;g3ce602f12df2b9a9_60:notes"/>
+          <p:cNvSpPr txBox="1">
+            <a:spLocks noGrp="1"/>
+          </p:cNvSpPr>
+          <p:nvPr>
+            <p:ph type="body" idx="1"/>
+          </p:nvPr>
+        </p:nvSpPr>
+        <p:spPr>
+          <a:xfrm>
+            <a:off x="685800" y="4400550"/>
+            <a:ext cx="5486400" cy="3600600"/>
+          </a:xfrm>
+          <a:prstGeom prst="rect">
+            <a:avLst/>
+          </a:prstGeom>
+        </p:spPr>
+        <p:txBody>
+          <a:bodyPr spcFirstLastPara="1" wrap="square" lIns="91425" tIns="45700" rIns="91425" bIns="45700" anchor="t" anchorCtr="0">
+            <a:noAutofit/>
+          </a:bodyPr>
+          <a:lstStyle/>
+          <a:p>
+            <a:pPr marL="0" lvl="0" indent="0" algn="l" rtl="0">
+              <a:spcBef>
+                <a:spcPts val="0"/>
+              </a:spcBef>
+              <a:spcAft>
+                <a:spcPts val="0"/>
+              </a:spcAft>
+              <a:buNone/>
+            </a:pPr>
+            <a:endParaRPr/>
+          </a:p>
+        </p:txBody>
+      </p:sp>
+      <p:sp>
+        <p:nvSpPr>
+          <p:cNvPr id="220" name="Google Shape;220;g3ce602f12df2b9a9_60:notes"/>
+          <p:cNvSpPr txBox="1">
+            <a:spLocks noGrp="1"/>
+          </p:cNvSpPr>
+          <p:nvPr>
+            <p:ph type="sldNum" idx="12"/>
+          </p:nvPr>
+        </p:nvSpPr>
+        <p:spPr>
+          <a:xfrm>
+            <a:off x="3884613" y="8685213"/>
+            <a:ext cx="2971800" cy="458700"/>
+          </a:xfrm>
+          <a:prstGeom prst="rect">
+            <a:avLst/>
+          </a:prstGeom>
+        </p:spPr>
+        <p:txBody>
+          <a:bodyPr spcFirstLastPara="1" wrap="square" lIns="91425" tIns="45700" rIns="91425" bIns="45700" anchor="b" anchorCtr="0">
+            <a:noAutofit/>
+          </a:bodyPr>
+          <a:lstStyle/>
+          <a:p>
+            <a:pPr marL="0" lvl="0" indent="0" algn="r" rtl="0">
+              <a:spcBef>
+                <a:spcPts val="0"/>
+              </a:spcBef>
+              <a:spcAft>
+                <a:spcPts val="0"/>
+              </a:spcAft>
+              <a:buClr>
+                <a:srgbClr val="000000"/>
+              </a:buClr>
+              <a:buSzPts val="1200"/>
+              <a:buFont typeface="Arial"/>
               <a:buNone/>
             </a:pPr>
             <a:fld id="{00000000-1234-1234-1234-123412341234}" type="slidenum">
@@ -4128,11 +3371,6 @@
         </p:txBody>
       </p:sp>
     </p:spTree>
-    <p:extLst>
-      <p:ext uri="{BB962C8B-B14F-4D97-AF65-F5344CB8AC3E}">
-        <p14:creationId xmlns:p14="http://schemas.microsoft.com/office/powerpoint/2010/main" val="3388002304"/>
-      </p:ext>
-    </p:extLst>
   </p:cSld>
   <p:clrMapOvr>
     <a:masterClrMapping/>
@@ -4223,41 +3461,16 @@
           </a:bodyPr>
           <a:lstStyle/>
           <a:p>
-            <a:pPr marL="0" marR="0" lvl="0" indent="0" algn="l" defTabSz="914400" rtl="0" eaLnBrk="1" fontAlgn="auto" latinLnBrk="0" hangingPunct="1">
-              <a:lnSpc>
-                <a:spcPct val="100000"/>
-              </a:lnSpc>
-              <a:spcBef>
-                <a:spcPts val="0"/>
-              </a:spcBef>
-              <a:spcAft>
-                <a:spcPts val="0"/>
-              </a:spcAft>
-              <a:buClr>
-                <a:srgbClr val="000000"/>
-              </a:buClr>
-              <a:buSzPts val="1400"/>
-              <a:buFont typeface="Arial"/>
-              <a:buNone/>
-              <a:tabLst/>
-              <a:defRPr/>
+            <a:pPr marL="0" lvl="0" indent="0" algn="l" rtl="0">
+              <a:spcBef>
+                <a:spcPts val="0"/>
+              </a:spcBef>
+              <a:spcAft>
+                <a:spcPts val="0"/>
+              </a:spcAft>
+              <a:buNone/>
             </a:pPr>
-            <a:r>
-              <a:rPr lang="en-US" dirty="0"/>
-              <a:t>This report presents an analysis of breast cancer risk factors in Cuban women, employing machine learning algorithms to improve early detection and treatment planning. </a:t>
-            </a:r>
-          </a:p>
-          <a:p>
-            <a:pPr marL="0" lvl="0" indent="0" algn="l" rtl="0">
-              <a:spcBef>
-                <a:spcPts val="0"/>
-              </a:spcBef>
-              <a:spcAft>
-                <a:spcPts val="0"/>
-              </a:spcAft>
-              <a:buNone/>
-            </a:pPr>
-            <a:endParaRPr lang="en-US" dirty="0"/>
+            <a:endParaRPr/>
           </a:p>
         </p:txBody>
       </p:sp>
@@ -4303,765 +3516,6 @@
             <a:fld id="{00000000-1234-1234-1234-123412341234}" type="slidenum">
               <a:rPr lang="en-US"/>
               <a:t>2</a:t>
-            </a:fld>
-            <a:endParaRPr/>
-          </a:p>
-        </p:txBody>
-      </p:sp>
-    </p:spTree>
-  </p:cSld>
-  <p:clrMapOvr>
-    <a:masterClrMapping/>
-  </p:clrMapOvr>
-</p:notes>
-</file>
-
-<file path=ppt/notesSlides/notesSlide20.xml><?xml version="1.0" encoding="utf-8"?>
-<p:notes xmlns:a="http://schemas.openxmlformats.org/drawingml/2006/main" xmlns:r="http://schemas.openxmlformats.org/officeDocument/2006/relationships" xmlns:p="http://schemas.openxmlformats.org/presentationml/2006/main" showMasterSp="0" showMasterPhAnim="0">
-  <p:cSld>
-    <p:spTree>
-      <p:nvGrpSpPr>
-        <p:cNvPr id="1" name="Shape 175"/>
-        <p:cNvGrpSpPr/>
-        <p:nvPr/>
-      </p:nvGrpSpPr>
-      <p:grpSpPr>
-        <a:xfrm>
-          <a:off x="0" y="0"/>
-          <a:ext cx="0" cy="0"/>
-          <a:chOff x="0" y="0"/>
-          <a:chExt cx="0" cy="0"/>
-        </a:xfrm>
-      </p:grpSpPr>
-      <p:sp>
-        <p:nvSpPr>
-          <p:cNvPr id="176" name="Google Shape;176;g30c19dbd783_0_42:notes"/>
-          <p:cNvSpPr>
-            <a:spLocks noGrp="1" noRot="1" noChangeAspect="1"/>
-          </p:cNvSpPr>
-          <p:nvPr>
-            <p:ph type="sldImg" idx="2"/>
-          </p:nvPr>
-        </p:nvSpPr>
-        <p:spPr>
-          <a:xfrm>
-            <a:off x="1371600" y="1143000"/>
-            <a:ext cx="4114800" cy="3086100"/>
-          </a:xfrm>
-          <a:custGeom>
-            <a:avLst/>
-            <a:gdLst/>
-            <a:ahLst/>
-            <a:cxnLst/>
-            <a:rect l="l" t="t" r="r" b="b"/>
-            <a:pathLst>
-              <a:path w="120000" h="120000" extrusionOk="0">
-                <a:moveTo>
-                  <a:pt x="0" y="0"/>
-                </a:moveTo>
-                <a:lnTo>
-                  <a:pt x="120000" y="0"/>
-                </a:lnTo>
-                <a:lnTo>
-                  <a:pt x="120000" y="120000"/>
-                </a:lnTo>
-                <a:lnTo>
-                  <a:pt x="0" y="120000"/>
-                </a:lnTo>
-                <a:close/>
-              </a:path>
-            </a:pathLst>
-          </a:custGeom>
-        </p:spPr>
-      </p:sp>
-      <p:sp>
-        <p:nvSpPr>
-          <p:cNvPr id="177" name="Google Shape;177;g30c19dbd783_0_42:notes"/>
-          <p:cNvSpPr txBox="1">
-            <a:spLocks noGrp="1"/>
-          </p:cNvSpPr>
-          <p:nvPr>
-            <p:ph type="body" idx="1"/>
-          </p:nvPr>
-        </p:nvSpPr>
-        <p:spPr>
-          <a:xfrm>
-            <a:off x="685800" y="4400550"/>
-            <a:ext cx="5486400" cy="3600600"/>
-          </a:xfrm>
-          <a:prstGeom prst="rect">
-            <a:avLst/>
-          </a:prstGeom>
-        </p:spPr>
-        <p:txBody>
-          <a:bodyPr spcFirstLastPara="1" wrap="square" lIns="91425" tIns="45700" rIns="91425" bIns="45700" anchor="t" anchorCtr="0">
-            <a:noAutofit/>
-          </a:bodyPr>
-          <a:lstStyle/>
-          <a:p>
-            <a:pPr marL="0" lvl="0" indent="0" algn="l" rtl="0">
-              <a:spcBef>
-                <a:spcPts val="0"/>
-              </a:spcBef>
-              <a:spcAft>
-                <a:spcPts val="0"/>
-              </a:spcAft>
-              <a:buNone/>
-            </a:pPr>
-            <a:endParaRPr/>
-          </a:p>
-        </p:txBody>
-      </p:sp>
-      <p:sp>
-        <p:nvSpPr>
-          <p:cNvPr id="178" name="Google Shape;178;g30c19dbd783_0_42:notes"/>
-          <p:cNvSpPr txBox="1">
-            <a:spLocks noGrp="1"/>
-          </p:cNvSpPr>
-          <p:nvPr>
-            <p:ph type="sldNum" idx="12"/>
-          </p:nvPr>
-        </p:nvSpPr>
-        <p:spPr>
-          <a:xfrm>
-            <a:off x="3884613" y="8685213"/>
-            <a:ext cx="2971800" cy="458700"/>
-          </a:xfrm>
-          <a:prstGeom prst="rect">
-            <a:avLst/>
-          </a:prstGeom>
-        </p:spPr>
-        <p:txBody>
-          <a:bodyPr spcFirstLastPara="1" wrap="square" lIns="91425" tIns="45700" rIns="91425" bIns="45700" anchor="b" anchorCtr="0">
-            <a:noAutofit/>
-          </a:bodyPr>
-          <a:lstStyle/>
-          <a:p>
-            <a:pPr marL="0" lvl="0" indent="0" algn="r" rtl="0">
-              <a:spcBef>
-                <a:spcPts val="0"/>
-              </a:spcBef>
-              <a:spcAft>
-                <a:spcPts val="0"/>
-              </a:spcAft>
-              <a:buNone/>
-            </a:pPr>
-            <a:fld id="{00000000-1234-1234-1234-123412341234}" type="slidenum">
-              <a:rPr lang="en-US"/>
-              <a:t>20</a:t>
-            </a:fld>
-            <a:endParaRPr/>
-          </a:p>
-        </p:txBody>
-      </p:sp>
-    </p:spTree>
-    <p:extLst>
-      <p:ext uri="{BB962C8B-B14F-4D97-AF65-F5344CB8AC3E}">
-        <p14:creationId xmlns:p14="http://schemas.microsoft.com/office/powerpoint/2010/main" val="3757344368"/>
-      </p:ext>
-    </p:extLst>
-  </p:cSld>
-  <p:clrMapOvr>
-    <a:masterClrMapping/>
-  </p:clrMapOvr>
-</p:notes>
-</file>
-
-<file path=ppt/notesSlides/notesSlide21.xml><?xml version="1.0" encoding="utf-8"?>
-<p:notes xmlns:a="http://schemas.openxmlformats.org/drawingml/2006/main" xmlns:r="http://schemas.openxmlformats.org/officeDocument/2006/relationships" xmlns:p="http://schemas.openxmlformats.org/presentationml/2006/main" showMasterSp="0" showMasterPhAnim="0">
-  <p:cSld>
-    <p:spTree>
-      <p:nvGrpSpPr>
-        <p:cNvPr id="1" name="Shape 175"/>
-        <p:cNvGrpSpPr/>
-        <p:nvPr/>
-      </p:nvGrpSpPr>
-      <p:grpSpPr>
-        <a:xfrm>
-          <a:off x="0" y="0"/>
-          <a:ext cx="0" cy="0"/>
-          <a:chOff x="0" y="0"/>
-          <a:chExt cx="0" cy="0"/>
-        </a:xfrm>
-      </p:grpSpPr>
-      <p:sp>
-        <p:nvSpPr>
-          <p:cNvPr id="176" name="Google Shape;176;g30c19dbd783_0_42:notes"/>
-          <p:cNvSpPr>
-            <a:spLocks noGrp="1" noRot="1" noChangeAspect="1"/>
-          </p:cNvSpPr>
-          <p:nvPr>
-            <p:ph type="sldImg" idx="2"/>
-          </p:nvPr>
-        </p:nvSpPr>
-        <p:spPr>
-          <a:xfrm>
-            <a:off x="1371600" y="1143000"/>
-            <a:ext cx="4114800" cy="3086100"/>
-          </a:xfrm>
-          <a:custGeom>
-            <a:avLst/>
-            <a:gdLst/>
-            <a:ahLst/>
-            <a:cxnLst/>
-            <a:rect l="l" t="t" r="r" b="b"/>
-            <a:pathLst>
-              <a:path w="120000" h="120000" extrusionOk="0">
-                <a:moveTo>
-                  <a:pt x="0" y="0"/>
-                </a:moveTo>
-                <a:lnTo>
-                  <a:pt x="120000" y="0"/>
-                </a:lnTo>
-                <a:lnTo>
-                  <a:pt x="120000" y="120000"/>
-                </a:lnTo>
-                <a:lnTo>
-                  <a:pt x="0" y="120000"/>
-                </a:lnTo>
-                <a:close/>
-              </a:path>
-            </a:pathLst>
-          </a:custGeom>
-        </p:spPr>
-      </p:sp>
-      <p:sp>
-        <p:nvSpPr>
-          <p:cNvPr id="177" name="Google Shape;177;g30c19dbd783_0_42:notes"/>
-          <p:cNvSpPr txBox="1">
-            <a:spLocks noGrp="1"/>
-          </p:cNvSpPr>
-          <p:nvPr>
-            <p:ph type="body" idx="1"/>
-          </p:nvPr>
-        </p:nvSpPr>
-        <p:spPr>
-          <a:xfrm>
-            <a:off x="685800" y="4400550"/>
-            <a:ext cx="5486400" cy="3600600"/>
-          </a:xfrm>
-          <a:prstGeom prst="rect">
-            <a:avLst/>
-          </a:prstGeom>
-        </p:spPr>
-        <p:txBody>
-          <a:bodyPr spcFirstLastPara="1" wrap="square" lIns="91425" tIns="45700" rIns="91425" bIns="45700" anchor="t" anchorCtr="0">
-            <a:noAutofit/>
-          </a:bodyPr>
-          <a:lstStyle/>
-          <a:p>
-            <a:pPr marL="0" lvl="0" indent="0" algn="l" rtl="0">
-              <a:spcBef>
-                <a:spcPts val="0"/>
-              </a:spcBef>
-              <a:spcAft>
-                <a:spcPts val="0"/>
-              </a:spcAft>
-              <a:buNone/>
-            </a:pPr>
-            <a:endParaRPr/>
-          </a:p>
-        </p:txBody>
-      </p:sp>
-      <p:sp>
-        <p:nvSpPr>
-          <p:cNvPr id="178" name="Google Shape;178;g30c19dbd783_0_42:notes"/>
-          <p:cNvSpPr txBox="1">
-            <a:spLocks noGrp="1"/>
-          </p:cNvSpPr>
-          <p:nvPr>
-            <p:ph type="sldNum" idx="12"/>
-          </p:nvPr>
-        </p:nvSpPr>
-        <p:spPr>
-          <a:xfrm>
-            <a:off x="3884613" y="8685213"/>
-            <a:ext cx="2971800" cy="458700"/>
-          </a:xfrm>
-          <a:prstGeom prst="rect">
-            <a:avLst/>
-          </a:prstGeom>
-        </p:spPr>
-        <p:txBody>
-          <a:bodyPr spcFirstLastPara="1" wrap="square" lIns="91425" tIns="45700" rIns="91425" bIns="45700" anchor="b" anchorCtr="0">
-            <a:noAutofit/>
-          </a:bodyPr>
-          <a:lstStyle/>
-          <a:p>
-            <a:pPr marL="0" lvl="0" indent="0" algn="r" rtl="0">
-              <a:spcBef>
-                <a:spcPts val="0"/>
-              </a:spcBef>
-              <a:spcAft>
-                <a:spcPts val="0"/>
-              </a:spcAft>
-              <a:buNone/>
-            </a:pPr>
-            <a:fld id="{00000000-1234-1234-1234-123412341234}" type="slidenum">
-              <a:rPr lang="en-US"/>
-              <a:t>21</a:t>
-            </a:fld>
-            <a:endParaRPr/>
-          </a:p>
-        </p:txBody>
-      </p:sp>
-    </p:spTree>
-    <p:extLst>
-      <p:ext uri="{BB962C8B-B14F-4D97-AF65-F5344CB8AC3E}">
-        <p14:creationId xmlns:p14="http://schemas.microsoft.com/office/powerpoint/2010/main" val="2959792057"/>
-      </p:ext>
-    </p:extLst>
-  </p:cSld>
-  <p:clrMapOvr>
-    <a:masterClrMapping/>
-  </p:clrMapOvr>
-</p:notes>
-</file>
-
-<file path=ppt/notesSlides/notesSlide22.xml><?xml version="1.0" encoding="utf-8"?>
-<p:notes xmlns:a="http://schemas.openxmlformats.org/drawingml/2006/main" xmlns:r="http://schemas.openxmlformats.org/officeDocument/2006/relationships" xmlns:p="http://schemas.openxmlformats.org/presentationml/2006/main" showMasterSp="0" showMasterPhAnim="0">
-  <p:cSld>
-    <p:spTree>
-      <p:nvGrpSpPr>
-        <p:cNvPr id="1" name="Shape 182"/>
-        <p:cNvGrpSpPr/>
-        <p:nvPr/>
-      </p:nvGrpSpPr>
-      <p:grpSpPr>
-        <a:xfrm>
-          <a:off x="0" y="0"/>
-          <a:ext cx="0" cy="0"/>
-          <a:chOff x="0" y="0"/>
-          <a:chExt cx="0" cy="0"/>
-        </a:xfrm>
-      </p:grpSpPr>
-      <p:sp>
-        <p:nvSpPr>
-          <p:cNvPr id="183" name="Google Shape;183;g3ce602f12df2b9a9_36:notes"/>
-          <p:cNvSpPr>
-            <a:spLocks noGrp="1" noRot="1" noChangeAspect="1"/>
-          </p:cNvSpPr>
-          <p:nvPr>
-            <p:ph type="sldImg" idx="2"/>
-          </p:nvPr>
-        </p:nvSpPr>
-        <p:spPr>
-          <a:xfrm>
-            <a:off x="1371600" y="1143000"/>
-            <a:ext cx="4114800" cy="3086100"/>
-          </a:xfrm>
-          <a:custGeom>
-            <a:avLst/>
-            <a:gdLst/>
-            <a:ahLst/>
-            <a:cxnLst/>
-            <a:rect l="l" t="t" r="r" b="b"/>
-            <a:pathLst>
-              <a:path w="120000" h="120000" extrusionOk="0">
-                <a:moveTo>
-                  <a:pt x="0" y="0"/>
-                </a:moveTo>
-                <a:lnTo>
-                  <a:pt x="120000" y="0"/>
-                </a:lnTo>
-                <a:lnTo>
-                  <a:pt x="120000" y="120000"/>
-                </a:lnTo>
-                <a:lnTo>
-                  <a:pt x="0" y="120000"/>
-                </a:lnTo>
-                <a:close/>
-              </a:path>
-            </a:pathLst>
-          </a:custGeom>
-        </p:spPr>
-      </p:sp>
-      <p:sp>
-        <p:nvSpPr>
-          <p:cNvPr id="184" name="Google Shape;184;g3ce602f12df2b9a9_36:notes"/>
-          <p:cNvSpPr txBox="1">
-            <a:spLocks noGrp="1"/>
-          </p:cNvSpPr>
-          <p:nvPr>
-            <p:ph type="body" idx="1"/>
-          </p:nvPr>
-        </p:nvSpPr>
-        <p:spPr>
-          <a:xfrm>
-            <a:off x="685800" y="4400550"/>
-            <a:ext cx="5486400" cy="3600600"/>
-          </a:xfrm>
-          <a:prstGeom prst="rect">
-            <a:avLst/>
-          </a:prstGeom>
-        </p:spPr>
-        <p:txBody>
-          <a:bodyPr spcFirstLastPara="1" wrap="square" lIns="91425" tIns="45700" rIns="91425" bIns="45700" anchor="t" anchorCtr="0">
-            <a:noAutofit/>
-          </a:bodyPr>
-          <a:lstStyle/>
-          <a:p>
-            <a:pPr marL="0" lvl="0" indent="0" algn="l" rtl="0">
-              <a:spcBef>
-                <a:spcPts val="0"/>
-              </a:spcBef>
-              <a:spcAft>
-                <a:spcPts val="0"/>
-              </a:spcAft>
-              <a:buNone/>
-            </a:pPr>
-            <a:r>
-              <a:rPr lang="en-US"/>
-              <a:t>Link: https://sorry.vse.cz/~berka/challenge/PAST/</a:t>
-            </a:r>
-            <a:endParaRPr/>
-          </a:p>
-        </p:txBody>
-      </p:sp>
-      <p:sp>
-        <p:nvSpPr>
-          <p:cNvPr id="185" name="Google Shape;185;g3ce602f12df2b9a9_36:notes"/>
-          <p:cNvSpPr txBox="1">
-            <a:spLocks noGrp="1"/>
-          </p:cNvSpPr>
-          <p:nvPr>
-            <p:ph type="sldNum" idx="12"/>
-          </p:nvPr>
-        </p:nvSpPr>
-        <p:spPr>
-          <a:xfrm>
-            <a:off x="3884613" y="8685213"/>
-            <a:ext cx="2971800" cy="458700"/>
-          </a:xfrm>
-          <a:prstGeom prst="rect">
-            <a:avLst/>
-          </a:prstGeom>
-        </p:spPr>
-        <p:txBody>
-          <a:bodyPr spcFirstLastPara="1" wrap="square" lIns="91425" tIns="45700" rIns="91425" bIns="45700" anchor="b" anchorCtr="0">
-            <a:noAutofit/>
-          </a:bodyPr>
-          <a:lstStyle/>
-          <a:p>
-            <a:pPr marL="0" lvl="0" indent="0" algn="r" rtl="0">
-              <a:spcBef>
-                <a:spcPts val="0"/>
-              </a:spcBef>
-              <a:spcAft>
-                <a:spcPts val="0"/>
-              </a:spcAft>
-              <a:buClr>
-                <a:srgbClr val="000000"/>
-              </a:buClr>
-              <a:buSzPts val="1200"/>
-              <a:buFont typeface="Arial"/>
-              <a:buNone/>
-            </a:pPr>
-            <a:fld id="{00000000-1234-1234-1234-123412341234}" type="slidenum">
-              <a:rPr lang="en-US"/>
-              <a:t>22</a:t>
-            </a:fld>
-            <a:endParaRPr/>
-          </a:p>
-        </p:txBody>
-      </p:sp>
-    </p:spTree>
-  </p:cSld>
-  <p:clrMapOvr>
-    <a:masterClrMapping/>
-  </p:clrMapOvr>
-</p:notes>
-</file>
-
-<file path=ppt/notesSlides/notesSlide23.xml><?xml version="1.0" encoding="utf-8"?>
-<p:notes xmlns:a="http://schemas.openxmlformats.org/drawingml/2006/main" xmlns:r="http://schemas.openxmlformats.org/officeDocument/2006/relationships" xmlns:p="http://schemas.openxmlformats.org/presentationml/2006/main" showMasterSp="0" showMasterPhAnim="0">
-  <p:cSld>
-    <p:spTree>
-      <p:nvGrpSpPr>
-        <p:cNvPr id="1" name="Shape 210"/>
-        <p:cNvGrpSpPr/>
-        <p:nvPr/>
-      </p:nvGrpSpPr>
-      <p:grpSpPr>
-        <a:xfrm>
-          <a:off x="0" y="0"/>
-          <a:ext cx="0" cy="0"/>
-          <a:chOff x="0" y="0"/>
-          <a:chExt cx="0" cy="0"/>
-        </a:xfrm>
-      </p:grpSpPr>
-      <p:sp>
-        <p:nvSpPr>
-          <p:cNvPr id="211" name="Google Shape;211;g30c19dbd783_0_60:notes"/>
-          <p:cNvSpPr>
-            <a:spLocks noGrp="1" noRot="1" noChangeAspect="1"/>
-          </p:cNvSpPr>
-          <p:nvPr>
-            <p:ph type="sldImg" idx="2"/>
-          </p:nvPr>
-        </p:nvSpPr>
-        <p:spPr>
-          <a:xfrm>
-            <a:off x="1371600" y="1143000"/>
-            <a:ext cx="4114800" cy="3086100"/>
-          </a:xfrm>
-          <a:custGeom>
-            <a:avLst/>
-            <a:gdLst/>
-            <a:ahLst/>
-            <a:cxnLst/>
-            <a:rect l="l" t="t" r="r" b="b"/>
-            <a:pathLst>
-              <a:path w="120000" h="120000" extrusionOk="0">
-                <a:moveTo>
-                  <a:pt x="0" y="0"/>
-                </a:moveTo>
-                <a:lnTo>
-                  <a:pt x="120000" y="0"/>
-                </a:lnTo>
-                <a:lnTo>
-                  <a:pt x="120000" y="120000"/>
-                </a:lnTo>
-                <a:lnTo>
-                  <a:pt x="0" y="120000"/>
-                </a:lnTo>
-                <a:close/>
-              </a:path>
-            </a:pathLst>
-          </a:custGeom>
-        </p:spPr>
-      </p:sp>
-      <p:sp>
-        <p:nvSpPr>
-          <p:cNvPr id="212" name="Google Shape;212;g30c19dbd783_0_60:notes"/>
-          <p:cNvSpPr txBox="1">
-            <a:spLocks noGrp="1"/>
-          </p:cNvSpPr>
-          <p:nvPr>
-            <p:ph type="body" idx="1"/>
-          </p:nvPr>
-        </p:nvSpPr>
-        <p:spPr>
-          <a:xfrm>
-            <a:off x="685800" y="4400550"/>
-            <a:ext cx="5486400" cy="3600600"/>
-          </a:xfrm>
-          <a:prstGeom prst="rect">
-            <a:avLst/>
-          </a:prstGeom>
-        </p:spPr>
-        <p:txBody>
-          <a:bodyPr spcFirstLastPara="1" wrap="square" lIns="91425" tIns="45700" rIns="91425" bIns="45700" anchor="t" anchorCtr="0">
-            <a:noAutofit/>
-          </a:bodyPr>
-          <a:lstStyle/>
-          <a:p>
-            <a:pPr marL="0" lvl="0" indent="0" algn="l" rtl="0">
-              <a:spcBef>
-                <a:spcPts val="0"/>
-              </a:spcBef>
-              <a:spcAft>
-                <a:spcPts val="0"/>
-              </a:spcAft>
-              <a:buNone/>
-            </a:pPr>
-            <a:endParaRPr/>
-          </a:p>
-        </p:txBody>
-      </p:sp>
-      <p:sp>
-        <p:nvSpPr>
-          <p:cNvPr id="213" name="Google Shape;213;g30c19dbd783_0_60:notes"/>
-          <p:cNvSpPr txBox="1">
-            <a:spLocks noGrp="1"/>
-          </p:cNvSpPr>
-          <p:nvPr>
-            <p:ph type="sldNum" idx="12"/>
-          </p:nvPr>
-        </p:nvSpPr>
-        <p:spPr>
-          <a:xfrm>
-            <a:off x="3884613" y="8685213"/>
-            <a:ext cx="2971800" cy="458700"/>
-          </a:xfrm>
-          <a:prstGeom prst="rect">
-            <a:avLst/>
-          </a:prstGeom>
-        </p:spPr>
-        <p:txBody>
-          <a:bodyPr spcFirstLastPara="1" wrap="square" lIns="91425" tIns="45700" rIns="91425" bIns="45700" anchor="b" anchorCtr="0">
-            <a:noAutofit/>
-          </a:bodyPr>
-          <a:lstStyle/>
-          <a:p>
-            <a:pPr marL="0" lvl="0" indent="0" algn="r" rtl="0">
-              <a:spcBef>
-                <a:spcPts val="0"/>
-              </a:spcBef>
-              <a:spcAft>
-                <a:spcPts val="0"/>
-              </a:spcAft>
-              <a:buClr>
-                <a:srgbClr val="000000"/>
-              </a:buClr>
-              <a:buSzPts val="1200"/>
-              <a:buFont typeface="Arial"/>
-              <a:buNone/>
-            </a:pPr>
-            <a:fld id="{00000000-1234-1234-1234-123412341234}" type="slidenum">
-              <a:rPr lang="en-US"/>
-              <a:t>23</a:t>
-            </a:fld>
-            <a:endParaRPr/>
-          </a:p>
-        </p:txBody>
-      </p:sp>
-    </p:spTree>
-  </p:cSld>
-  <p:clrMapOvr>
-    <a:masterClrMapping/>
-  </p:clrMapOvr>
-</p:notes>
-</file>
-
-<file path=ppt/notesSlides/notesSlide24.xml><?xml version="1.0" encoding="utf-8"?>
-<p:notes xmlns:a="http://schemas.openxmlformats.org/drawingml/2006/main" xmlns:r="http://schemas.openxmlformats.org/officeDocument/2006/relationships" xmlns:p="http://schemas.openxmlformats.org/presentationml/2006/main" showMasterSp="0" showMasterPhAnim="0">
-  <p:cSld>
-    <p:spTree>
-      <p:nvGrpSpPr>
-        <p:cNvPr id="1" name="Shape 217"/>
-        <p:cNvGrpSpPr/>
-        <p:nvPr/>
-      </p:nvGrpSpPr>
-      <p:grpSpPr>
-        <a:xfrm>
-          <a:off x="0" y="0"/>
-          <a:ext cx="0" cy="0"/>
-          <a:chOff x="0" y="0"/>
-          <a:chExt cx="0" cy="0"/>
-        </a:xfrm>
-      </p:grpSpPr>
-      <p:sp>
-        <p:nvSpPr>
-          <p:cNvPr id="218" name="Google Shape;218;g3ce602f12df2b9a9_60:notes"/>
-          <p:cNvSpPr>
-            <a:spLocks noGrp="1" noRot="1" noChangeAspect="1"/>
-          </p:cNvSpPr>
-          <p:nvPr>
-            <p:ph type="sldImg" idx="2"/>
-          </p:nvPr>
-        </p:nvSpPr>
-        <p:spPr>
-          <a:xfrm>
-            <a:off x="1371600" y="1143000"/>
-            <a:ext cx="4114800" cy="3086100"/>
-          </a:xfrm>
-          <a:custGeom>
-            <a:avLst/>
-            <a:gdLst/>
-            <a:ahLst/>
-            <a:cxnLst/>
-            <a:rect l="l" t="t" r="r" b="b"/>
-            <a:pathLst>
-              <a:path w="120000" h="120000" extrusionOk="0">
-                <a:moveTo>
-                  <a:pt x="0" y="0"/>
-                </a:moveTo>
-                <a:lnTo>
-                  <a:pt x="120000" y="0"/>
-                </a:lnTo>
-                <a:lnTo>
-                  <a:pt x="120000" y="120000"/>
-                </a:lnTo>
-                <a:lnTo>
-                  <a:pt x="0" y="120000"/>
-                </a:lnTo>
-                <a:close/>
-              </a:path>
-            </a:pathLst>
-          </a:custGeom>
-        </p:spPr>
-      </p:sp>
-      <p:sp>
-        <p:nvSpPr>
-          <p:cNvPr id="219" name="Google Shape;219;g3ce602f12df2b9a9_60:notes"/>
-          <p:cNvSpPr txBox="1">
-            <a:spLocks noGrp="1"/>
-          </p:cNvSpPr>
-          <p:nvPr>
-            <p:ph type="body" idx="1"/>
-          </p:nvPr>
-        </p:nvSpPr>
-        <p:spPr>
-          <a:xfrm>
-            <a:off x="685800" y="4400550"/>
-            <a:ext cx="5486400" cy="3600600"/>
-          </a:xfrm>
-          <a:prstGeom prst="rect">
-            <a:avLst/>
-          </a:prstGeom>
-        </p:spPr>
-        <p:txBody>
-          <a:bodyPr spcFirstLastPara="1" wrap="square" lIns="91425" tIns="45700" rIns="91425" bIns="45700" anchor="t" anchorCtr="0">
-            <a:noAutofit/>
-          </a:bodyPr>
-          <a:lstStyle/>
-          <a:p>
-            <a:pPr marL="0" lvl="0" indent="0" algn="l" rtl="0">
-              <a:spcBef>
-                <a:spcPts val="0"/>
-              </a:spcBef>
-              <a:spcAft>
-                <a:spcPts val="0"/>
-              </a:spcAft>
-              <a:buNone/>
-            </a:pPr>
-            <a:endParaRPr/>
-          </a:p>
-        </p:txBody>
-      </p:sp>
-      <p:sp>
-        <p:nvSpPr>
-          <p:cNvPr id="220" name="Google Shape;220;g3ce602f12df2b9a9_60:notes"/>
-          <p:cNvSpPr txBox="1">
-            <a:spLocks noGrp="1"/>
-          </p:cNvSpPr>
-          <p:nvPr>
-            <p:ph type="sldNum" idx="12"/>
-          </p:nvPr>
-        </p:nvSpPr>
-        <p:spPr>
-          <a:xfrm>
-            <a:off x="3884613" y="8685213"/>
-            <a:ext cx="2971800" cy="458700"/>
-          </a:xfrm>
-          <a:prstGeom prst="rect">
-            <a:avLst/>
-          </a:prstGeom>
-        </p:spPr>
-        <p:txBody>
-          <a:bodyPr spcFirstLastPara="1" wrap="square" lIns="91425" tIns="45700" rIns="91425" bIns="45700" anchor="b" anchorCtr="0">
-            <a:noAutofit/>
-          </a:bodyPr>
-          <a:lstStyle/>
-          <a:p>
-            <a:pPr marL="0" lvl="0" indent="0" algn="r" rtl="0">
-              <a:spcBef>
-                <a:spcPts val="0"/>
-              </a:spcBef>
-              <a:spcAft>
-                <a:spcPts val="0"/>
-              </a:spcAft>
-              <a:buClr>
-                <a:srgbClr val="000000"/>
-              </a:buClr>
-              <a:buSzPts val="1200"/>
-              <a:buFont typeface="Arial"/>
-              <a:buNone/>
-            </a:pPr>
-            <a:fld id="{00000000-1234-1234-1234-123412341234}" type="slidenum">
-              <a:rPr lang="en-US"/>
-              <a:t>24</a:t>
             </a:fld>
             <a:endParaRPr/>
           </a:p>
@@ -5167,7 +3621,24 @@
               </a:spcAft>
               <a:buNone/>
             </a:pPr>
-            <a:endParaRPr dirty="0"/>
+            <a:r>
+              <a:rPr lang="en-US"/>
+              <a:t>The dataset can be found </a:t>
+            </a:r>
+            <a:r>
+              <a:rPr lang="en-US" u="sng">
+                <a:solidFill>
+                  <a:schemeClr val="hlink"/>
+                </a:solidFill>
+                <a:hlinkClick r:id="rId3"/>
+              </a:rPr>
+              <a:t>here</a:t>
+            </a:r>
+            <a:r>
+              <a:rPr lang="en-US"/>
+              <a:t>.</a:t>
+            </a:r>
+            <a:endParaRPr/>
           </a:p>
         </p:txBody>
       </p:sp>
@@ -5309,136 +3780,33 @@
           </a:bodyPr>
           <a:lstStyle/>
           <a:p>
-            <a:pPr algn="l" fontAlgn="base"/>
+            <a:pPr marL="0" lvl="0" indent="0" algn="l" rtl="0">
+              <a:spcBef>
+                <a:spcPts val="0"/>
+              </a:spcBef>
+              <a:spcAft>
+                <a:spcPts val="0"/>
+              </a:spcAft>
+              <a:buNone/>
+            </a:pPr>
             <a:r>
-              <a:rPr lang="en-US" b="1" i="0" u="none" strike="noStrike" dirty="0" err="1">
-                <a:solidFill>
-                  <a:srgbClr val="3B3946"/>
-                </a:solidFill>
-                <a:effectLst/>
-                <a:latin typeface="+mj-lt"/>
-              </a:rPr>
-              <a:t>Tyrer-Cuzick</a:t>
+              <a:rPr lang="en-US"/>
+              <a:t>The dataset can be found </a:t>
             </a:r>
             <a:r>
-              <a:rPr lang="en-US" b="1" i="0" u="none" strike="noStrike" dirty="0">
-                <a:solidFill>
-                  <a:srgbClr val="3B3946"/>
-                </a:solidFill>
-                <a:effectLst/>
-                <a:latin typeface="+mj-lt"/>
+              <a:rPr lang="en-US" u="sng">
+                <a:solidFill>
+                  <a:schemeClr val="hlink"/>
+                </a:solidFill>
+                <a:hlinkClick r:id="rId3"/>
               </a:rPr>
-              <a:t> Risk Assessment: </a:t>
+              <a:t>here</a:t>
             </a:r>
             <a:r>
-              <a:rPr lang="en-US" b="0" i="0" u="none" strike="noStrike" dirty="0">
-                <a:solidFill>
-                  <a:srgbClr val="3B3946"/>
-                </a:solidFill>
-                <a:effectLst/>
-                <a:latin typeface="+mj-lt"/>
-              </a:rPr>
-              <a:t>This risk calculator asks questions about your personal and family history to determine your lifetime risk probability of developing breast cancer compared with the age adjusted U.S. population average probability of developing breast cancer.</a:t>
+              <a:rPr lang="en-US"/>
+              <a:t>.</a:t>
             </a:r>
-          </a:p>
-          <a:p>
-            <a:pPr algn="l" fontAlgn="base"/>
-            <a:endParaRPr lang="en-US" b="0" i="0" u="none" strike="noStrike" dirty="0">
-              <a:solidFill>
-                <a:srgbClr val="3B3946"/>
-              </a:solidFill>
-              <a:effectLst/>
-              <a:latin typeface="+mj-lt"/>
-            </a:endParaRPr>
-          </a:p>
-          <a:p>
-            <a:pPr algn="l" fontAlgn="base"/>
-            <a:r>
-              <a:rPr lang="en-US" b="1" i="0" u="none" strike="noStrike" dirty="0">
-                <a:solidFill>
-                  <a:srgbClr val="3B3946"/>
-                </a:solidFill>
-                <a:effectLst/>
-                <a:latin typeface="+mj-lt"/>
-              </a:rPr>
-              <a:t>The Gail Model</a:t>
-            </a:r>
-          </a:p>
-          <a:p>
-            <a:pPr algn="l" fontAlgn="base"/>
-            <a:r>
-              <a:rPr lang="en-US" b="0" i="0" u="none" strike="noStrike" dirty="0">
-                <a:solidFill>
-                  <a:srgbClr val="3B3946"/>
-                </a:solidFill>
-                <a:effectLst/>
-                <a:latin typeface="+mj-lt"/>
-              </a:rPr>
-              <a:t>The Breast Cancer Risk Assessment Tool (BCRAT), also known as The Gail Model, allows health professionals to estimate a woman's risk of developing invasive breast cancer over the next five years and up to age 90 (lifetime risk).</a:t>
-            </a:r>
-          </a:p>
-          <a:p>
-            <a:pPr algn="l" fontAlgn="base"/>
-            <a:endParaRPr lang="en-US" b="0" i="0" u="none" strike="noStrike" dirty="0">
-              <a:solidFill>
-                <a:srgbClr val="3B3946"/>
-              </a:solidFill>
-              <a:effectLst/>
-              <a:latin typeface="+mj-lt"/>
-            </a:endParaRPr>
-          </a:p>
-          <a:p>
-            <a:pPr algn="l" fontAlgn="base"/>
-            <a:r>
-              <a:rPr lang="en-US" b="0" i="0" u="none" strike="noStrike" dirty="0">
-                <a:solidFill>
-                  <a:srgbClr val="3B3946"/>
-                </a:solidFill>
-                <a:effectLst/>
-                <a:latin typeface="+mj-lt"/>
-              </a:rPr>
-              <a:t>The tool uses a woman's personal medical and reproductive history and the history of breast cancer among her first-degree relatives (mother, sisters, daughters) to estimate absolute breast cancer risk-her chance or probability of developing invasive breast cancer in a defined age interval.</a:t>
-            </a:r>
-          </a:p>
-          <a:p>
-            <a:pPr algn="l" fontAlgn="base"/>
-            <a:endParaRPr lang="en-US" b="0" i="0" u="none" strike="noStrike" dirty="0">
-              <a:solidFill>
-                <a:srgbClr val="3B3946"/>
-              </a:solidFill>
-              <a:effectLst/>
-              <a:latin typeface="+mj-lt"/>
-            </a:endParaRPr>
-          </a:p>
-          <a:p>
-            <a:pPr algn="l" fontAlgn="base"/>
-            <a:r>
-              <a:rPr lang="en-US" sz="1600" b="1" i="0" u="none" strike="noStrike" dirty="0">
-                <a:solidFill>
-                  <a:srgbClr val="3B3946"/>
-                </a:solidFill>
-                <a:effectLst/>
-                <a:latin typeface="+mj-lt"/>
-              </a:rPr>
-              <a:t>Limitations are because we don’t take into considerations population specific characteristics like BMI, diet </a:t>
-            </a:r>
-            <a:r>
-              <a:rPr lang="en-US" sz="1600" b="1" i="0" u="none" strike="noStrike" dirty="0" err="1">
-                <a:solidFill>
-                  <a:srgbClr val="3B3946"/>
-                </a:solidFill>
-                <a:effectLst/>
-                <a:latin typeface="+mj-lt"/>
-              </a:rPr>
-              <a:t>etc</a:t>
-            </a:r>
-            <a:endParaRPr lang="en-US" sz="1600" b="1" i="0" u="none" strike="noStrike" dirty="0">
-              <a:solidFill>
-                <a:srgbClr val="3B3946"/>
-              </a:solidFill>
-              <a:effectLst/>
-              <a:latin typeface="+mj-lt"/>
-            </a:endParaRPr>
+            <a:endParaRPr/>
           </a:p>
         </p:txBody>
       </p:sp>
@@ -19517,7 +17885,19 @@
                 <a:cs typeface="Lato"/>
                 <a:sym typeface="Lato"/>
               </a:rPr>
-              <a:t>2. Khadija Athman</a:t>
+              <a:t>2. </a:t>
+            </a:r>
+            <a:r>
+              <a:rPr lang="en-US" sz="1800" b="1">
+                <a:solidFill>
+                  <a:schemeClr val="dk1"/>
+                </a:solidFill>
+                <a:latin typeface="Lato"/>
+                <a:ea typeface="Lato"/>
+                <a:cs typeface="Lato"/>
+                <a:sym typeface="Lato"/>
+              </a:rPr>
+              <a:t>Khadija Athman</a:t>
             </a:r>
             <a:endParaRPr sz="1800" b="1" dirty="0">
               <a:solidFill>
@@ -19648,16 +18028,7 @@
                 <a:cs typeface="Lato"/>
                 <a:sym typeface="Lato"/>
               </a:rPr>
-              <a:t> </a:t>
-            </a:r>
-            <a:r>
-              <a:rPr lang="en-US" sz="1800" b="1">
-                <a:latin typeface="Lato"/>
-                <a:ea typeface="Lato"/>
-                <a:cs typeface="Lato"/>
-                <a:sym typeface="Lato"/>
-              </a:rPr>
-              <a:t>Eugene &amp; Khadija</a:t>
+              <a:t> Eugene &amp; Khadija</a:t>
             </a:r>
             <a:endParaRPr sz="1800" b="1" i="0" u="none" strike="noStrike" cap="none" dirty="0">
               <a:solidFill>
@@ -19865,7 +18236,7 @@
                 <a:spcPts val="480"/>
               </a:spcBef>
               <a:spcAft>
-                <a:spcPts val="1800"/>
+                <a:spcPts val="0"/>
               </a:spcAft>
               <a:buFont typeface="Wingdings" panose="05000000000000000000" pitchFamily="2" charset="2"/>
               <a:buChar char="q"/>
@@ -19881,7 +18252,7 @@
                 <a:spcPts val="480"/>
               </a:spcBef>
               <a:spcAft>
-                <a:spcPts val="1800"/>
+                <a:spcPts val="0"/>
               </a:spcAft>
               <a:buFont typeface="Wingdings" panose="05000000000000000000" pitchFamily="2" charset="2"/>
               <a:buChar char="q"/>
@@ -19890,38 +18261,7 @@
               <a:rPr lang="en-US" dirty="0"/>
               <a:t>US Hispanic Dataset: Breast Cancer Surveillance Consortium data for comparative validation.</a:t>
             </a:r>
-          </a:p>
-          <a:p>
-            <a:pPr marL="342900" lvl="0" indent="-342900" algn="l" rtl="0">
-              <a:spcBef>
-                <a:spcPts val="480"/>
-              </a:spcBef>
-              <a:spcAft>
-                <a:spcPts val="1800"/>
-              </a:spcAft>
-              <a:buFont typeface="Wingdings" panose="05000000000000000000" pitchFamily="2" charset="2"/>
-              <a:buChar char="q"/>
-            </a:pPr>
-            <a:r>
-              <a:rPr lang="en-US" dirty="0"/>
-              <a:t>Shape; 1697 records and 23 features.</a:t>
-            </a:r>
-          </a:p>
-          <a:p>
-            <a:pPr marL="342900" lvl="0" indent="-342900" algn="l" rtl="0">
-              <a:spcBef>
-                <a:spcPts val="480"/>
-              </a:spcBef>
-              <a:spcAft>
-                <a:spcPts val="1800"/>
-              </a:spcAft>
-              <a:buFont typeface="Wingdings" panose="05000000000000000000" pitchFamily="2" charset="2"/>
-              <a:buChar char="q"/>
-            </a:pPr>
-            <a:r>
-              <a:rPr lang="en-US" dirty="0"/>
-              <a:t>Features were of many data types; strings, numeric etc.</a:t>
-            </a:r>
+            <a:endParaRPr dirty="0"/>
           </a:p>
         </p:txBody>
       </p:sp>
@@ -20017,234 +18357,62 @@
           </a:bodyPr>
           <a:lstStyle/>
           <a:p>
-            <a:pPr marL="0" lvl="0" indent="0" algn="l" rtl="0">
-              <a:spcBef>
-                <a:spcPts val="480"/>
-              </a:spcBef>
-              <a:spcAft>
-                <a:spcPts val="0"/>
-              </a:spcAft>
-              <a:buNone/>
+            <a:pPr>
+              <a:buFont typeface="+mj-lt"/>
+              <a:buAutoNum type="arabicPeriod"/>
             </a:pPr>
-            <a:endParaRPr dirty="0"/>
+            <a:r>
+              <a:rPr lang="en-US" dirty="0"/>
+              <a:t>Data Preprocessing: Cleaning, normalization, and handling missing values.</a:t>
+            </a:r>
           </a:p>
           <a:p>
-            <a:pPr marL="457200" lvl="0" indent="0" algn="l" rtl="0">
-              <a:spcBef>
-                <a:spcPts val="480"/>
-              </a:spcBef>
-              <a:spcAft>
-                <a:spcPts val="0"/>
-              </a:spcAft>
-              <a:buNone/>
-            </a:pPr>
-            <a:endParaRPr dirty="0"/>
-          </a:p>
-        </p:txBody>
-      </p:sp>
-      <p:pic>
-        <p:nvPicPr>
-          <p:cNvPr id="3" name="Picture 2" descr="A screenshot of a computer&#10;&#10;Description automatically generated">
-            <a:extLst>
-              <a:ext uri="{FF2B5EF4-FFF2-40B4-BE49-F238E27FC236}">
-                <a16:creationId xmlns:a16="http://schemas.microsoft.com/office/drawing/2014/main" id="{B6D33080-3734-DB54-A655-8808BA557A47}"/>
-              </a:ext>
-            </a:extLst>
-          </p:cNvPr>
-          <p:cNvPicPr>
-            <a:picLocks noChangeAspect="1"/>
-          </p:cNvPicPr>
-          <p:nvPr/>
-        </p:nvPicPr>
-        <p:blipFill>
-          <a:blip r:embed="rId3"/>
-          <a:stretch>
-            <a:fillRect/>
-          </a:stretch>
-        </p:blipFill>
-        <p:spPr>
-          <a:xfrm>
-            <a:off x="2549639" y="1051286"/>
-            <a:ext cx="4858644" cy="5261039"/>
-          </a:xfrm>
-          <a:prstGeom prst="rect">
-            <a:avLst/>
-          </a:prstGeom>
-        </p:spPr>
-      </p:pic>
-    </p:spTree>
-  </p:cSld>
-  <p:clrMapOvr>
-    <a:masterClrMapping/>
-  </p:clrMapOvr>
-</p:sld>
-</file>
-
-<file path=ppt/slides/slide12.xml><?xml version="1.0" encoding="utf-8"?>
-<p:sld xmlns:a="http://schemas.openxmlformats.org/drawingml/2006/main" xmlns:r="http://schemas.openxmlformats.org/officeDocument/2006/relationships" xmlns:p="http://schemas.openxmlformats.org/presentationml/2006/main">
-  <p:cSld>
-    <p:spTree>
-      <p:nvGrpSpPr>
-        <p:cNvPr id="1" name="Shape 172"/>
-        <p:cNvGrpSpPr/>
-        <p:nvPr/>
-      </p:nvGrpSpPr>
-      <p:grpSpPr>
-        <a:xfrm>
-          <a:off x="0" y="0"/>
-          <a:ext cx="0" cy="0"/>
-          <a:chOff x="0" y="0"/>
-          <a:chExt cx="0" cy="0"/>
-        </a:xfrm>
-      </p:grpSpPr>
-      <p:pic>
-        <p:nvPicPr>
-          <p:cNvPr id="1026" name="Picture 2">
-            <a:extLst>
-              <a:ext uri="{FF2B5EF4-FFF2-40B4-BE49-F238E27FC236}">
-                <a16:creationId xmlns:a16="http://schemas.microsoft.com/office/drawing/2014/main" id="{1CBB175C-D21C-EB0E-9341-C19E1F5F580E}"/>
-              </a:ext>
-            </a:extLst>
-          </p:cNvPr>
-          <p:cNvPicPr>
-            <a:picLocks noChangeAspect="1" noChangeArrowheads="1"/>
-          </p:cNvPicPr>
-          <p:nvPr/>
-        </p:nvPicPr>
-        <p:blipFill>
-          <a:blip r:embed="rId3">
-            <a:extLst>
-              <a:ext uri="{28A0092B-C50C-407E-A947-70E740481C1C}">
-                <a14:useLocalDpi xmlns:a14="http://schemas.microsoft.com/office/drawing/2010/main" val="0"/>
-              </a:ext>
-            </a:extLst>
-          </a:blip>
-          <a:srcRect/>
-          <a:stretch>
-            <a:fillRect/>
-          </a:stretch>
-        </p:blipFill>
-        <p:spPr bwMode="auto">
-          <a:xfrm>
-            <a:off x="1204599" y="945972"/>
-            <a:ext cx="6947788" cy="5333056"/>
-          </a:xfrm>
-          <a:prstGeom prst="rect">
-            <a:avLst/>
-          </a:prstGeom>
-          <a:noFill/>
-          <a:extLst>
-            <a:ext uri="{909E8E84-426E-40DD-AFC4-6F175D3DCCD1}">
-              <a14:hiddenFill xmlns:a14="http://schemas.microsoft.com/office/drawing/2010/main">
-                <a:solidFill>
-                  <a:srgbClr val="FFFFFF"/>
-                </a:solidFill>
-              </a14:hiddenFill>
-            </a:ext>
-          </a:extLst>
-        </p:spPr>
-      </p:pic>
-      <p:sp>
-        <p:nvSpPr>
-          <p:cNvPr id="173" name="Google Shape;173;p24"/>
-          <p:cNvSpPr txBox="1">
-            <a:spLocks noGrp="1"/>
-          </p:cNvSpPr>
-          <p:nvPr>
-            <p:ph type="title"/>
-          </p:nvPr>
-        </p:nvSpPr>
-        <p:spPr>
-          <a:xfrm>
-            <a:off x="457200" y="381000"/>
-            <a:ext cx="8077200" cy="369900"/>
-          </a:xfrm>
-          <a:prstGeom prst="rect">
-            <a:avLst/>
-          </a:prstGeom>
-        </p:spPr>
-        <p:txBody>
-          <a:bodyPr spcFirstLastPara="1" wrap="square" lIns="91425" tIns="45700" rIns="91425" bIns="45700" anchor="ctr" anchorCtr="0">
-            <a:normAutofit fontScale="90000"/>
-          </a:bodyPr>
-          <a:lstStyle/>
-          <a:p>
-            <a:pPr marL="0" lvl="0" indent="0" algn="ctr" rtl="0">
-              <a:spcBef>
-                <a:spcPts val="0"/>
-              </a:spcBef>
-              <a:spcAft>
-                <a:spcPts val="0"/>
-              </a:spcAft>
-              <a:buNone/>
+            <a:pPr>
+              <a:buFont typeface="+mj-lt"/>
+              <a:buAutoNum type="arabicPeriod"/>
             </a:pPr>
             <a:r>
-              <a:rPr lang="en-US"/>
-              <a:t>Cont’</a:t>
+              <a:rPr lang="en-US" dirty="0"/>
+              <a:t>Feature Selection: Identifying key predictors (e.g., BMI, family history).</a:t>
             </a:r>
-            <a:endParaRPr/>
-          </a:p>
-        </p:txBody>
-      </p:sp>
-      <p:sp>
-        <p:nvSpPr>
-          <p:cNvPr id="174" name="Google Shape;174;p24"/>
-          <p:cNvSpPr txBox="1">
-            <a:spLocks noGrp="1"/>
-          </p:cNvSpPr>
-          <p:nvPr>
-            <p:ph type="body" idx="1"/>
-          </p:nvPr>
-        </p:nvSpPr>
-        <p:spPr>
-          <a:xfrm>
-            <a:off x="457200" y="1121900"/>
-            <a:ext cx="8229600" cy="4981200"/>
-          </a:xfrm>
-          <a:prstGeom prst="rect">
-            <a:avLst/>
-          </a:prstGeom>
-        </p:spPr>
-        <p:txBody>
-          <a:bodyPr spcFirstLastPara="1" wrap="square" lIns="91425" tIns="45700" rIns="91425" bIns="45700" anchor="t" anchorCtr="0">
-            <a:normAutofit/>
-          </a:bodyPr>
-          <a:lstStyle/>
-          <a:p>
-            <a:pPr marL="0" lvl="0" indent="0" algn="l" rtl="0">
-              <a:spcBef>
-                <a:spcPts val="480"/>
-              </a:spcBef>
-              <a:spcAft>
-                <a:spcPts val="0"/>
-              </a:spcAft>
-              <a:buNone/>
-            </a:pPr>
-            <a:endParaRPr/>
           </a:p>
           <a:p>
-            <a:pPr marL="0" lvl="0" indent="0" algn="l" rtl="0">
-              <a:spcBef>
-                <a:spcPts val="480"/>
-              </a:spcBef>
-              <a:spcAft>
-                <a:spcPts val="0"/>
-              </a:spcAft>
-              <a:buNone/>
+            <a:pPr>
+              <a:buFont typeface="+mj-lt"/>
+              <a:buAutoNum type="arabicPeriod"/>
             </a:pPr>
-            <a:endParaRPr/>
+            <a:r>
+              <a:rPr lang="en-US" dirty="0"/>
+              <a:t>Model Training: Using Decision Trees, SVM, and Random Forest.</a:t>
+            </a:r>
           </a:p>
           <a:p>
-            <a:pPr marL="457200" lvl="0" indent="0" algn="l" rtl="0">
-              <a:spcBef>
-                <a:spcPts val="480"/>
-              </a:spcBef>
-              <a:spcAft>
-                <a:spcPts val="0"/>
-              </a:spcAft>
-              <a:buNone/>
+            <a:pPr>
+              <a:buFont typeface="+mj-lt"/>
+              <a:buAutoNum type="arabicPeriod"/>
             </a:pPr>
-            <a:endParaRPr/>
+            <a:r>
+              <a:rPr lang="en-US" dirty="0"/>
+              <a:t>Hyperparameter Tuning: Optimizing parameters like max depth (DT), kernel (SVM), and </a:t>
+            </a:r>
+            <a:r>
+              <a:rPr lang="en-US" dirty="0" err="1"/>
+              <a:t>n_estimators</a:t>
+            </a:r>
+            <a:r>
+              <a:rPr lang="en-US" dirty="0"/>
+              <a:t> (RF).</a:t>
+            </a:r>
+          </a:p>
+          <a:p>
+            <a:pPr>
+              <a:buFont typeface="+mj-lt"/>
+              <a:buAutoNum type="arabicPeriod"/>
+            </a:pPr>
+            <a:r>
+              <a:rPr lang="en-US" dirty="0"/>
+              <a:t>Validation: Evaluating model performance with metrics like AUC and accuracy.</a:t>
+            </a:r>
           </a:p>
         </p:txBody>
       </p:sp>
@@ -20256,7 +18424,7 @@
 </p:sld>
 </file>
 
-<file path=ppt/slides/slide13.xml><?xml version="1.0" encoding="utf-8"?>
+<file path=ppt/slides/slide12.xml><?xml version="1.0" encoding="utf-8"?>
 <p:sld xmlns:a="http://schemas.openxmlformats.org/drawingml/2006/main" xmlns:r="http://schemas.openxmlformats.org/officeDocument/2006/relationships" xmlns:p="http://schemas.openxmlformats.org/presentationml/2006/main">
   <p:cSld>
     <p:spTree>
@@ -20379,57 +18547,35 @@
       </p:sp>
       <p:pic>
         <p:nvPicPr>
-          <p:cNvPr id="6146" name="Picture 2">
+          <p:cNvPr id="3" name="Picture 2" descr="A blue squares with white text&#10;&#10;Description automatically generated">
             <a:extLst>
               <a:ext uri="{FF2B5EF4-FFF2-40B4-BE49-F238E27FC236}">
-                <a16:creationId xmlns:a16="http://schemas.microsoft.com/office/drawing/2014/main" id="{2AAB5FD7-34D3-FCC0-81E5-C740EBC5F627}"/>
+                <a16:creationId xmlns:a16="http://schemas.microsoft.com/office/drawing/2014/main" id="{7E315018-027A-3311-DFF6-393E0027134F}"/>
               </a:ext>
             </a:extLst>
           </p:cNvPr>
           <p:cNvPicPr>
-            <a:picLocks noChangeAspect="1" noChangeArrowheads="1"/>
+            <a:picLocks noChangeAspect="1"/>
           </p:cNvPicPr>
           <p:nvPr/>
         </p:nvPicPr>
         <p:blipFill>
-          <a:blip r:embed="rId3">
-            <a:extLst>
-              <a:ext uri="{28A0092B-C50C-407E-A947-70E740481C1C}">
-                <a14:useLocalDpi xmlns:a14="http://schemas.microsoft.com/office/drawing/2010/main" val="0"/>
-              </a:ext>
-            </a:extLst>
-          </a:blip>
-          <a:srcRect/>
+          <a:blip r:embed="rId3"/>
           <a:stretch>
             <a:fillRect/>
           </a:stretch>
         </p:blipFill>
-        <p:spPr bwMode="auto">
+        <p:spPr>
           <a:xfrm>
-            <a:off x="1010366" y="1073900"/>
-            <a:ext cx="6848475" cy="5029200"/>
+            <a:off x="1933951" y="1348736"/>
+            <a:ext cx="5276098" cy="4160528"/>
           </a:xfrm>
           <a:prstGeom prst="rect">
             <a:avLst/>
           </a:prstGeom>
-          <a:noFill/>
-          <a:extLst>
-            <a:ext uri="{909E8E84-426E-40DD-AFC4-6F175D3DCCD1}">
-              <a14:hiddenFill xmlns:a14="http://schemas.microsoft.com/office/drawing/2010/main">
-                <a:solidFill>
-                  <a:srgbClr val="FFFFFF"/>
-                </a:solidFill>
-              </a14:hiddenFill>
-            </a:ext>
-          </a:extLst>
         </p:spPr>
       </p:pic>
     </p:spTree>
-    <p:extLst>
-      <p:ext uri="{BB962C8B-B14F-4D97-AF65-F5344CB8AC3E}">
-        <p14:creationId xmlns:p14="http://schemas.microsoft.com/office/powerpoint/2010/main" val="2491021043"/>
-      </p:ext>
-    </p:extLst>
   </p:cSld>
   <p:clrMapOvr>
     <a:masterClrMapping/>
@@ -20437,7 +18583,7 @@
 </p:sld>
 </file>
 
-<file path=ppt/slides/slide14.xml><?xml version="1.0" encoding="utf-8"?>
+<file path=ppt/slides/slide13.xml><?xml version="1.0" encoding="utf-8"?>
 <p:sld xmlns:a="http://schemas.openxmlformats.org/drawingml/2006/main" xmlns:r="http://schemas.openxmlformats.org/officeDocument/2006/relationships" xmlns:p="http://schemas.openxmlformats.org/presentationml/2006/main">
   <p:cSld>
     <p:spTree>
@@ -20494,10 +18640,10 @@
               <a:buNone/>
             </a:pPr>
             <a:r>
-              <a:rPr lang="en-US" dirty="0"/>
-              <a:t>Decision Tree</a:t>
+              <a:rPr lang="en-US"/>
+              <a:t>Cont’</a:t>
             </a:r>
-            <a:endParaRPr dirty="0"/>
+            <a:endParaRPr/>
           </a:p>
         </p:txBody>
       </p:sp>
@@ -20565,10 +18711,10 @@
       </p:sp>
       <p:pic>
         <p:nvPicPr>
-          <p:cNvPr id="3" name="Picture 2">
+          <p:cNvPr id="3" name="Picture 2" descr="A graph of a forest&#10;&#10;Description automatically generated">
             <a:extLst>
               <a:ext uri="{FF2B5EF4-FFF2-40B4-BE49-F238E27FC236}">
-                <a16:creationId xmlns:a16="http://schemas.microsoft.com/office/drawing/2014/main" id="{96AAD007-513F-5F83-B63A-121685659699}"/>
+                <a16:creationId xmlns:a16="http://schemas.microsoft.com/office/drawing/2014/main" id="{3404C4D3-4A4C-5AAC-44FA-AB01597A9D65}"/>
               </a:ext>
             </a:extLst>
           </p:cNvPr>
@@ -20585,8 +18731,8 @@
         </p:blipFill>
         <p:spPr>
           <a:xfrm>
-            <a:off x="0" y="1444924"/>
-            <a:ext cx="9144000" cy="3968151"/>
+            <a:off x="1769358" y="1280155"/>
+            <a:ext cx="5605283" cy="4297689"/>
           </a:xfrm>
           <a:prstGeom prst="rect">
             <a:avLst/>
@@ -20601,12 +18747,12 @@
 </p:sld>
 </file>
 
-<file path=ppt/slides/slide15.xml><?xml version="1.0" encoding="utf-8"?>
+<file path=ppt/slides/slide14.xml><?xml version="1.0" encoding="utf-8"?>
 <p:sld xmlns:a="http://schemas.openxmlformats.org/drawingml/2006/main" xmlns:r="http://schemas.openxmlformats.org/officeDocument/2006/relationships" xmlns:p="http://schemas.openxmlformats.org/presentationml/2006/main">
   <p:cSld>
     <p:spTree>
       <p:nvGrpSpPr>
-        <p:cNvPr id="1" name="Shape 179"/>
+        <p:cNvPr id="1" name="Shape 186"/>
         <p:cNvGrpSpPr/>
         <p:nvPr/>
       </p:nvGrpSpPr>
@@ -20620,7 +18766,7 @@
       </p:grpSpPr>
       <p:sp>
         <p:nvSpPr>
-          <p:cNvPr id="180" name="Google Shape;180;p25"/>
+          <p:cNvPr id="187" name="Google Shape;187;p26"/>
           <p:cNvSpPr txBox="1">
             <a:spLocks noGrp="1"/>
           </p:cNvSpPr>
@@ -20650,24 +18796,19 @@
               <a:spcAft>
                 <a:spcPts val="0"/>
               </a:spcAft>
-              <a:buClr>
-                <a:schemeClr val="dk1"/>
-              </a:buClr>
-              <a:buSzPct val="30555"/>
-              <a:buFont typeface="Arial"/>
               <a:buNone/>
             </a:pPr>
             <a:r>
-              <a:rPr lang="en-US" dirty="0"/>
-              <a:t>Decision Tree</a:t>
+              <a:rPr lang="en-US"/>
+              <a:t>Project Results</a:t>
             </a:r>
-            <a:endParaRPr dirty="0"/>
+            <a:endParaRPr/>
           </a:p>
         </p:txBody>
       </p:sp>
       <p:sp>
         <p:nvSpPr>
-          <p:cNvPr id="181" name="Google Shape;181;p25"/>
+          <p:cNvPr id="188" name="Google Shape;188;p26"/>
           <p:cNvSpPr txBox="1">
             <a:spLocks noGrp="1"/>
           </p:cNvSpPr>
@@ -20690,36 +18831,29 @@
           </a:bodyPr>
           <a:lstStyle/>
           <a:p>
-            <a:pPr marL="0" lvl="0" indent="0" algn="l" rtl="0">
+            <a:pPr marL="457200" lvl="0" indent="0" algn="just" rtl="0">
               <a:spcBef>
                 <a:spcPts val="480"/>
               </a:spcBef>
               <a:spcAft>
                 <a:spcPts val="0"/>
               </a:spcAft>
+              <a:buClr>
+                <a:schemeClr val="dk1"/>
+              </a:buClr>
+              <a:buSzPts val="1100"/>
+              <a:buFont typeface="Arial"/>
               <a:buNone/>
             </a:pPr>
-            <a:endParaRPr/>
-          </a:p>
-          <a:p>
-            <a:pPr marL="0" lvl="0" indent="0" algn="l" rtl="0">
-              <a:spcBef>
-                <a:spcPts val="480"/>
-              </a:spcBef>
-              <a:spcAft>
-                <a:spcPts val="0"/>
-              </a:spcAft>
-              <a:buNone/>
-            </a:pPr>
-            <a:endParaRPr/>
+            <a:endParaRPr sz="1400"/>
           </a:p>
           <a:p>
             <a:pPr marL="457200" lvl="0" indent="0" algn="l" rtl="0">
               <a:spcBef>
-                <a:spcPts val="480"/>
-              </a:spcBef>
-              <a:spcAft>
-                <a:spcPts val="0"/>
+                <a:spcPts val="1000"/>
+              </a:spcBef>
+              <a:spcAft>
+                <a:spcPts val="1000"/>
               </a:spcAft>
               <a:buNone/>
             </a:pPr>
@@ -20727,59 +18861,307 @@
           </a:p>
         </p:txBody>
       </p:sp>
-      <p:pic>
-        <p:nvPicPr>
-          <p:cNvPr id="4098" name="Picture 2">
+      <p:sp>
+        <p:nvSpPr>
+          <p:cNvPr id="2" name="Google Shape;132;p18">
             <a:extLst>
               <a:ext uri="{FF2B5EF4-FFF2-40B4-BE49-F238E27FC236}">
-                <a16:creationId xmlns:a16="http://schemas.microsoft.com/office/drawing/2014/main" id="{99688707-2932-EEB8-6EDC-B442837A63EB}"/>
+                <a16:creationId xmlns:a16="http://schemas.microsoft.com/office/drawing/2014/main" id="{B96993A1-E439-2A01-7B08-4228C9D198E8}"/>
               </a:ext>
             </a:extLst>
           </p:cNvPr>
-          <p:cNvPicPr>
-            <a:picLocks noChangeAspect="1" noChangeArrowheads="1"/>
-          </p:cNvPicPr>
+          <p:cNvSpPr txBox="1">
+            <a:spLocks/>
+          </p:cNvSpPr>
           <p:nvPr/>
-        </p:nvPicPr>
-        <p:blipFill>
-          <a:blip r:embed="rId3">
-            <a:extLst>
-              <a:ext uri="{28A0092B-C50C-407E-A947-70E740481C1C}">
-                <a14:useLocalDpi xmlns:a14="http://schemas.microsoft.com/office/drawing/2010/main" val="0"/>
-              </a:ext>
-            </a:extLst>
-          </a:blip>
-          <a:srcRect/>
-          <a:stretch>
-            <a:fillRect/>
-          </a:stretch>
-        </p:blipFill>
-        <p:spPr bwMode="auto">
+        </p:nvSpPr>
+        <p:spPr>
           <a:xfrm>
-            <a:off x="638175" y="890588"/>
-            <a:ext cx="7867650" cy="5076825"/>
+            <a:off x="609600" y="1274300"/>
+            <a:ext cx="8077200" cy="4981200"/>
           </a:xfrm>
           <a:prstGeom prst="rect">
             <a:avLst/>
           </a:prstGeom>
           <a:noFill/>
-          <a:extLst>
-            <a:ext uri="{909E8E84-426E-40DD-AFC4-6F175D3DCCD1}">
-              <a14:hiddenFill xmlns:a14="http://schemas.microsoft.com/office/drawing/2010/main">
-                <a:solidFill>
-                  <a:srgbClr val="FFFFFF"/>
-                </a:solidFill>
-              </a14:hiddenFill>
-            </a:ext>
-          </a:extLst>
+          <a:ln>
+            <a:noFill/>
+          </a:ln>
         </p:spPr>
-      </p:pic>
+        <p:txBody>
+          <a:bodyPr spcFirstLastPara="1" wrap="square" lIns="91425" tIns="45700" rIns="91425" bIns="45700" anchor="t" anchorCtr="0">
+            <a:normAutofit/>
+          </a:bodyPr>
+          <a:lstStyle>
+            <a:defPPr marR="0" lvl="0" algn="l" rtl="0">
+              <a:lnSpc>
+                <a:spcPct val="100000"/>
+              </a:lnSpc>
+              <a:spcBef>
+                <a:spcPts val="0"/>
+              </a:spcBef>
+              <a:spcAft>
+                <a:spcPts val="0"/>
+              </a:spcAft>
+            </a:defPPr>
+            <a:lvl1pPr marL="457200" marR="0" lvl="0" indent="-381000" algn="l" rtl="0">
+              <a:lnSpc>
+                <a:spcPct val="100000"/>
+              </a:lnSpc>
+              <a:spcBef>
+                <a:spcPts val="480"/>
+              </a:spcBef>
+              <a:spcAft>
+                <a:spcPts val="0"/>
+              </a:spcAft>
+              <a:buClr>
+                <a:srgbClr val="000000"/>
+              </a:buClr>
+              <a:buSzPts val="2400"/>
+              <a:buFont typeface="Lato"/>
+              <a:buChar char="❑"/>
+              <a:defRPr sz="2400" b="0" i="0" u="none" strike="noStrike" cap="none">
+                <a:solidFill>
+                  <a:srgbClr val="000000"/>
+                </a:solidFill>
+                <a:latin typeface="Lato"/>
+                <a:ea typeface="Lato"/>
+                <a:cs typeface="Lato"/>
+                <a:sym typeface="Lato"/>
+              </a:defRPr>
+            </a:lvl1pPr>
+            <a:lvl2pPr marL="914400" marR="0" lvl="1" indent="-368300" algn="l" rtl="0">
+              <a:lnSpc>
+                <a:spcPct val="100000"/>
+              </a:lnSpc>
+              <a:spcBef>
+                <a:spcPts val="440"/>
+              </a:spcBef>
+              <a:spcAft>
+                <a:spcPts val="0"/>
+              </a:spcAft>
+              <a:buClr>
+                <a:srgbClr val="0070C0"/>
+              </a:buClr>
+              <a:buSzPts val="2200"/>
+              <a:buFont typeface="Lato"/>
+              <a:buChar char="⮚"/>
+              <a:defRPr sz="2200" b="0" i="0" u="none" strike="noStrike" cap="none">
+                <a:solidFill>
+                  <a:srgbClr val="0070C0"/>
+                </a:solidFill>
+                <a:latin typeface="Lato"/>
+                <a:ea typeface="Lato"/>
+                <a:cs typeface="Lato"/>
+                <a:sym typeface="Lato"/>
+              </a:defRPr>
+            </a:lvl2pPr>
+            <a:lvl3pPr marL="1371600" marR="0" lvl="2" indent="-355600" algn="l" rtl="0">
+              <a:lnSpc>
+                <a:spcPct val="100000"/>
+              </a:lnSpc>
+              <a:spcBef>
+                <a:spcPts val="400"/>
+              </a:spcBef>
+              <a:spcAft>
+                <a:spcPts val="0"/>
+              </a:spcAft>
+              <a:buClr>
+                <a:srgbClr val="000000"/>
+              </a:buClr>
+              <a:buSzPts val="2000"/>
+              <a:buFont typeface="Lato"/>
+              <a:buChar char="❖"/>
+              <a:defRPr sz="2000" b="0" i="0" u="none" strike="noStrike" cap="none">
+                <a:solidFill>
+                  <a:srgbClr val="000000"/>
+                </a:solidFill>
+                <a:latin typeface="Lato"/>
+                <a:ea typeface="Lato"/>
+                <a:cs typeface="Lato"/>
+                <a:sym typeface="Lato"/>
+              </a:defRPr>
+            </a:lvl3pPr>
+            <a:lvl4pPr marL="1828800" marR="0" lvl="3" indent="-330200" algn="l" rtl="0">
+              <a:lnSpc>
+                <a:spcPct val="100000"/>
+              </a:lnSpc>
+              <a:spcBef>
+                <a:spcPts val="320"/>
+              </a:spcBef>
+              <a:spcAft>
+                <a:spcPts val="0"/>
+              </a:spcAft>
+              <a:buClr>
+                <a:srgbClr val="434343"/>
+              </a:buClr>
+              <a:buSzPts val="1600"/>
+              <a:buFont typeface="Lato"/>
+              <a:buChar char="o"/>
+              <a:defRPr sz="1600" b="1" i="0" u="none" strike="noStrike" cap="none">
+                <a:solidFill>
+                  <a:srgbClr val="434343"/>
+                </a:solidFill>
+                <a:latin typeface="Lato"/>
+                <a:ea typeface="Lato"/>
+                <a:cs typeface="Lato"/>
+                <a:sym typeface="Lato"/>
+              </a:defRPr>
+            </a:lvl4pPr>
+            <a:lvl5pPr marL="2286000" marR="0" lvl="4" indent="-317500" algn="l" rtl="0">
+              <a:lnSpc>
+                <a:spcPct val="100000"/>
+              </a:lnSpc>
+              <a:spcBef>
+                <a:spcPts val="280"/>
+              </a:spcBef>
+              <a:spcAft>
+                <a:spcPts val="0"/>
+              </a:spcAft>
+              <a:buClr>
+                <a:srgbClr val="434343"/>
+              </a:buClr>
+              <a:buSzPts val="1400"/>
+              <a:buFont typeface="Lato"/>
+              <a:buChar char="»"/>
+              <a:defRPr sz="1400" b="1" i="0" u="none" strike="noStrike" cap="none">
+                <a:solidFill>
+                  <a:srgbClr val="434343"/>
+                </a:solidFill>
+                <a:latin typeface="Lato"/>
+                <a:ea typeface="Lato"/>
+                <a:cs typeface="Lato"/>
+                <a:sym typeface="Lato"/>
+              </a:defRPr>
+            </a:lvl5pPr>
+            <a:lvl6pPr marL="2743200" marR="0" lvl="5" indent="-342900" algn="l" rtl="0">
+              <a:lnSpc>
+                <a:spcPct val="100000"/>
+              </a:lnSpc>
+              <a:spcBef>
+                <a:spcPts val="360"/>
+              </a:spcBef>
+              <a:spcAft>
+                <a:spcPts val="0"/>
+              </a:spcAft>
+              <a:buClr>
+                <a:srgbClr val="434343"/>
+              </a:buClr>
+              <a:buSzPts val="1800"/>
+              <a:buFont typeface="Lato"/>
+              <a:buChar char="•"/>
+              <a:defRPr sz="2000" b="0" i="0" u="none" strike="noStrike" cap="none">
+                <a:solidFill>
+                  <a:srgbClr val="434343"/>
+                </a:solidFill>
+                <a:latin typeface="Lato"/>
+                <a:ea typeface="Lato"/>
+                <a:cs typeface="Lato"/>
+                <a:sym typeface="Lato"/>
+              </a:defRPr>
+            </a:lvl6pPr>
+            <a:lvl7pPr marL="3200400" marR="0" lvl="6" indent="-342900" algn="l" rtl="0">
+              <a:lnSpc>
+                <a:spcPct val="100000"/>
+              </a:lnSpc>
+              <a:spcBef>
+                <a:spcPts val="360"/>
+              </a:spcBef>
+              <a:spcAft>
+                <a:spcPts val="0"/>
+              </a:spcAft>
+              <a:buClr>
+                <a:srgbClr val="434343"/>
+              </a:buClr>
+              <a:buSzPts val="1800"/>
+              <a:buFont typeface="Lato"/>
+              <a:buChar char="•"/>
+              <a:defRPr sz="2000" b="0" i="0" u="none" strike="noStrike" cap="none">
+                <a:solidFill>
+                  <a:srgbClr val="434343"/>
+                </a:solidFill>
+                <a:latin typeface="Lato"/>
+                <a:ea typeface="Lato"/>
+                <a:cs typeface="Lato"/>
+                <a:sym typeface="Lato"/>
+              </a:defRPr>
+            </a:lvl7pPr>
+            <a:lvl8pPr marL="3657600" marR="0" lvl="7" indent="-342900" algn="l" rtl="0">
+              <a:lnSpc>
+                <a:spcPct val="100000"/>
+              </a:lnSpc>
+              <a:spcBef>
+                <a:spcPts val="360"/>
+              </a:spcBef>
+              <a:spcAft>
+                <a:spcPts val="0"/>
+              </a:spcAft>
+              <a:buClr>
+                <a:srgbClr val="434343"/>
+              </a:buClr>
+              <a:buSzPts val="1800"/>
+              <a:buFont typeface="Lato"/>
+              <a:buChar char="•"/>
+              <a:defRPr sz="2000" b="0" i="0" u="none" strike="noStrike" cap="none">
+                <a:solidFill>
+                  <a:srgbClr val="434343"/>
+                </a:solidFill>
+                <a:latin typeface="Lato"/>
+                <a:ea typeface="Lato"/>
+                <a:cs typeface="Lato"/>
+                <a:sym typeface="Lato"/>
+              </a:defRPr>
+            </a:lvl8pPr>
+            <a:lvl9pPr marL="4114800" marR="0" lvl="8" indent="-342900" algn="l" rtl="0">
+              <a:lnSpc>
+                <a:spcPct val="100000"/>
+              </a:lnSpc>
+              <a:spcBef>
+                <a:spcPts val="360"/>
+              </a:spcBef>
+              <a:spcAft>
+                <a:spcPts val="0"/>
+              </a:spcAft>
+              <a:buClr>
+                <a:srgbClr val="434343"/>
+              </a:buClr>
+              <a:buSzPts val="1800"/>
+              <a:buFont typeface="Lato"/>
+              <a:buChar char="•"/>
+              <a:defRPr sz="2000" b="0" i="0" u="none" strike="noStrike" cap="none">
+                <a:solidFill>
+                  <a:srgbClr val="434343"/>
+                </a:solidFill>
+                <a:latin typeface="Lato"/>
+                <a:ea typeface="Lato"/>
+                <a:cs typeface="Lato"/>
+                <a:sym typeface="Lato"/>
+              </a:defRPr>
+            </a:lvl9pPr>
+          </a:lstStyle>
+          <a:p>
+            <a:pPr marL="342900" indent="-342900">
+              <a:buFont typeface="Wingdings" panose="05000000000000000000" pitchFamily="2" charset="2"/>
+              <a:buChar char="q"/>
+            </a:pPr>
+            <a:r>
+              <a:rPr lang="en-US" dirty="0"/>
+              <a:t>Best Algorithm: Random Forest (Accuracy: 0.99, AUC: 1).</a:t>
+            </a:r>
+          </a:p>
+          <a:p>
+            <a:pPr marL="342900" indent="-342900">
+              <a:buFont typeface="Wingdings" panose="05000000000000000000" pitchFamily="2" charset="2"/>
+              <a:buChar char="q"/>
+            </a:pPr>
+            <a:r>
+              <a:rPr lang="en-US" dirty="0"/>
+              <a:t>Key Finding: Cuban dataset-based models outperformed models trained on US Hispanic data.</a:t>
+            </a:r>
+          </a:p>
+        </p:txBody>
+      </p:sp>
     </p:spTree>
-    <p:extLst>
-      <p:ext uri="{BB962C8B-B14F-4D97-AF65-F5344CB8AC3E}">
-        <p14:creationId xmlns:p14="http://schemas.microsoft.com/office/powerpoint/2010/main" val="3302068238"/>
-      </p:ext>
-    </p:extLst>
   </p:cSld>
   <p:clrMapOvr>
     <a:masterClrMapping/>
@@ -20787,7 +19169,7 @@
 </p:sld>
 </file>
 
-<file path=ppt/slides/slide16.xml><?xml version="1.0" encoding="utf-8"?>
+<file path=ppt/slides/slide15.xml><?xml version="1.0" encoding="utf-8"?>
 <p:sld xmlns:a="http://schemas.openxmlformats.org/drawingml/2006/main" xmlns:r="http://schemas.openxmlformats.org/officeDocument/2006/relationships" xmlns:p="http://schemas.openxmlformats.org/presentationml/2006/main">
   <p:cSld>
     <p:spTree>
@@ -20806,79 +19188,361 @@
       </p:grpSpPr>
       <p:sp>
         <p:nvSpPr>
-          <p:cNvPr id="3" name="Title 2">
-            <a:extLst>
-              <a:ext uri="{FF2B5EF4-FFF2-40B4-BE49-F238E27FC236}">
-                <a16:creationId xmlns:a16="http://schemas.microsoft.com/office/drawing/2014/main" id="{5152D2FC-2211-E435-DAC2-84FCA54F6687}"/>
-              </a:ext>
-            </a:extLst>
-          </p:cNvPr>
-          <p:cNvSpPr>
+          <p:cNvPr id="194" name="Google Shape;194;p27"/>
+          <p:cNvSpPr txBox="1">
             <a:spLocks noGrp="1"/>
           </p:cNvSpPr>
           <p:nvPr>
             <p:ph type="title"/>
           </p:nvPr>
         </p:nvSpPr>
-        <p:spPr/>
+        <p:spPr>
+          <a:xfrm>
+            <a:off x="609600" y="677025"/>
+            <a:ext cx="8077200" cy="369900"/>
+          </a:xfrm>
+          <a:prstGeom prst="rect">
+            <a:avLst/>
+          </a:prstGeom>
+        </p:spPr>
         <p:txBody>
-          <a:bodyPr>
+          <a:bodyPr spcFirstLastPara="1" wrap="square" lIns="91425" tIns="45700" rIns="91425" bIns="45700" anchor="ctr" anchorCtr="0">
             <a:normAutofit fontScale="90000"/>
           </a:bodyPr>
           <a:lstStyle/>
           <a:p>
+            <a:pPr marL="0" lvl="0" indent="0" algn="ctr" rtl="0">
+              <a:spcBef>
+                <a:spcPts val="0"/>
+              </a:spcBef>
+              <a:spcAft>
+                <a:spcPts val="0"/>
+              </a:spcAft>
+              <a:buClr>
+                <a:schemeClr val="dk1"/>
+              </a:buClr>
+              <a:buSzPct val="30555"/>
+              <a:buFont typeface="Arial"/>
+              <a:buNone/>
+            </a:pPr>
             <a:r>
               <a:rPr lang="en-US" dirty="0"/>
-              <a:t>Decision Tree Confusion Matrix</a:t>
+              <a:t>Explainability</a:t>
             </a:r>
+            <a:endParaRPr dirty="0"/>
+          </a:p>
+          <a:p>
+            <a:pPr marL="0" lvl="0" indent="0" algn="ctr" rtl="0">
+              <a:spcBef>
+                <a:spcPts val="0"/>
+              </a:spcBef>
+              <a:spcAft>
+                <a:spcPts val="0"/>
+              </a:spcAft>
+              <a:buNone/>
+            </a:pPr>
+            <a:endParaRPr dirty="0"/>
+          </a:p>
+        </p:txBody>
+      </p:sp>
+      <p:sp>
+        <p:nvSpPr>
+          <p:cNvPr id="195" name="Google Shape;195;p27"/>
+          <p:cNvSpPr txBox="1">
+            <a:spLocks noGrp="1"/>
+          </p:cNvSpPr>
+          <p:nvPr>
+            <p:ph type="body" idx="1"/>
+          </p:nvPr>
+        </p:nvSpPr>
+        <p:spPr>
+          <a:xfrm>
+            <a:off x="457200" y="1121900"/>
+            <a:ext cx="8229600" cy="4981200"/>
+          </a:xfrm>
+          <a:prstGeom prst="rect">
+            <a:avLst/>
+          </a:prstGeom>
+        </p:spPr>
+        <p:txBody>
+          <a:bodyPr spcFirstLastPara="1" wrap="square" lIns="91425" tIns="45700" rIns="91425" bIns="45700" anchor="t" anchorCtr="0">
+            <a:normAutofit/>
+          </a:bodyPr>
+          <a:lstStyle/>
+          <a:p>
+            <a:pPr marL="914400" lvl="0" indent="-317500" algn="l" rtl="0">
+              <a:lnSpc>
+                <a:spcPct val="115000"/>
+              </a:lnSpc>
+              <a:spcBef>
+                <a:spcPts val="0"/>
+              </a:spcBef>
+              <a:spcAft>
+                <a:spcPts val="0"/>
+              </a:spcAft>
+              <a:buClr>
+                <a:schemeClr val="dk1"/>
+              </a:buClr>
+              <a:buSzPts val="1400"/>
+              <a:buFont typeface="Arial"/>
+              <a:buChar char="●"/>
+            </a:pPr>
+            <a:r>
+              <a:rPr lang="en-US" sz="2700" dirty="0">
+                <a:solidFill>
+                  <a:schemeClr val="dk1"/>
+                </a:solidFill>
+              </a:rPr>
+              <a:t>LIME</a:t>
+            </a:r>
+          </a:p>
+          <a:p>
+            <a:pPr marL="914400" lvl="0" indent="-317500" algn="l" rtl="0">
+              <a:lnSpc>
+                <a:spcPct val="115000"/>
+              </a:lnSpc>
+              <a:spcBef>
+                <a:spcPts val="0"/>
+              </a:spcBef>
+              <a:spcAft>
+                <a:spcPts val="0"/>
+              </a:spcAft>
+              <a:buClr>
+                <a:schemeClr val="dk1"/>
+              </a:buClr>
+              <a:buSzPts val="1400"/>
+              <a:buFont typeface="Arial"/>
+              <a:buChar char="●"/>
+            </a:pPr>
+            <a:r>
+              <a:rPr lang="en-US" sz="2700" dirty="0">
+                <a:solidFill>
+                  <a:schemeClr val="dk1"/>
+                </a:solidFill>
+              </a:rPr>
+              <a:t>SHAP</a:t>
+            </a:r>
+          </a:p>
+          <a:p>
+            <a:pPr marL="914400" lvl="0" indent="-317500" algn="l" rtl="0">
+              <a:lnSpc>
+                <a:spcPct val="115000"/>
+              </a:lnSpc>
+              <a:spcBef>
+                <a:spcPts val="0"/>
+              </a:spcBef>
+              <a:spcAft>
+                <a:spcPts val="0"/>
+              </a:spcAft>
+              <a:buClr>
+                <a:schemeClr val="dk1"/>
+              </a:buClr>
+              <a:buSzPts val="1400"/>
+              <a:buFont typeface="Arial"/>
+              <a:buChar char="●"/>
+            </a:pPr>
+            <a:endParaRPr lang="en-US" sz="2700" dirty="0">
+              <a:solidFill>
+                <a:schemeClr val="dk1"/>
+              </a:solidFill>
+            </a:endParaRPr>
+          </a:p>
+          <a:p>
+            <a:pPr marL="914400" lvl="0" indent="-317500" algn="l" rtl="0">
+              <a:lnSpc>
+                <a:spcPct val="115000"/>
+              </a:lnSpc>
+              <a:spcBef>
+                <a:spcPts val="0"/>
+              </a:spcBef>
+              <a:spcAft>
+                <a:spcPts val="0"/>
+              </a:spcAft>
+              <a:buClr>
+                <a:schemeClr val="dk1"/>
+              </a:buClr>
+              <a:buSzPts val="1400"/>
+              <a:buFont typeface="Arial"/>
+              <a:buChar char="●"/>
+            </a:pPr>
+            <a:r>
+              <a:rPr lang="en-US" sz="2700" dirty="0">
+                <a:solidFill>
+                  <a:schemeClr val="dk1"/>
+                </a:solidFill>
+              </a:rPr>
+              <a:t>SHAP was chosen</a:t>
+            </a:r>
+            <a:endParaRPr sz="2700" dirty="0">
+              <a:solidFill>
+                <a:schemeClr val="dk1"/>
+              </a:solidFill>
+            </a:endParaRPr>
+          </a:p>
+        </p:txBody>
+      </p:sp>
+    </p:spTree>
+  </p:cSld>
+  <p:clrMapOvr>
+    <a:masterClrMapping/>
+  </p:clrMapOvr>
+</p:sld>
+</file>
+
+<file path=ppt/slides/slide16.xml><?xml version="1.0" encoding="utf-8"?>
+<p:sld xmlns:a="http://schemas.openxmlformats.org/drawingml/2006/main" xmlns:r="http://schemas.openxmlformats.org/officeDocument/2006/relationships" xmlns:p="http://schemas.openxmlformats.org/presentationml/2006/main">
+  <p:cSld>
+    <p:spTree>
+      <p:nvGrpSpPr>
+        <p:cNvPr id="1" name="Shape 200"/>
+        <p:cNvGrpSpPr/>
+        <p:nvPr/>
+      </p:nvGrpSpPr>
+      <p:grpSpPr>
+        <a:xfrm>
+          <a:off x="0" y="0"/>
+          <a:ext cx="0" cy="0"/>
+          <a:chOff x="0" y="0"/>
+          <a:chExt cx="0" cy="0"/>
+        </a:xfrm>
+      </p:grpSpPr>
+      <p:sp>
+        <p:nvSpPr>
+          <p:cNvPr id="201" name="Google Shape;201;p28"/>
+          <p:cNvSpPr txBox="1">
+            <a:spLocks noGrp="1"/>
+          </p:cNvSpPr>
+          <p:nvPr>
+            <p:ph type="title"/>
+          </p:nvPr>
+        </p:nvSpPr>
+        <p:spPr>
+          <a:xfrm>
+            <a:off x="609600" y="677025"/>
+            <a:ext cx="8077200" cy="369900"/>
+          </a:xfrm>
+          <a:prstGeom prst="rect">
+            <a:avLst/>
+          </a:prstGeom>
+        </p:spPr>
+        <p:txBody>
+          <a:bodyPr spcFirstLastPara="1" wrap="square" lIns="91425" tIns="45700" rIns="91425" bIns="45700" anchor="ctr" anchorCtr="0">
+            <a:normAutofit fontScale="90000"/>
+          </a:bodyPr>
+          <a:lstStyle/>
+          <a:p>
+            <a:pPr marL="0" lvl="0" indent="0" algn="ctr" rtl="0">
+              <a:spcBef>
+                <a:spcPts val="0"/>
+              </a:spcBef>
+              <a:spcAft>
+                <a:spcPts val="0"/>
+              </a:spcAft>
+              <a:buClr>
+                <a:schemeClr val="dk1"/>
+              </a:buClr>
+              <a:buSzPct val="30555"/>
+              <a:buFont typeface="Arial"/>
+              <a:buNone/>
+            </a:pPr>
+            <a:r>
+              <a:rPr lang="en-US"/>
+              <a:t>Cont’</a:t>
+            </a:r>
+            <a:endParaRPr/>
+          </a:p>
+          <a:p>
+            <a:pPr marL="0" lvl="0" indent="0" algn="ctr" rtl="0">
+              <a:spcBef>
+                <a:spcPts val="0"/>
+              </a:spcBef>
+              <a:spcAft>
+                <a:spcPts val="0"/>
+              </a:spcAft>
+              <a:buNone/>
+            </a:pPr>
+            <a:endParaRPr/>
+          </a:p>
+        </p:txBody>
+      </p:sp>
+      <p:sp>
+        <p:nvSpPr>
+          <p:cNvPr id="202" name="Google Shape;202;p28"/>
+          <p:cNvSpPr txBox="1">
+            <a:spLocks noGrp="1"/>
+          </p:cNvSpPr>
+          <p:nvPr>
+            <p:ph type="body" idx="1"/>
+          </p:nvPr>
+        </p:nvSpPr>
+        <p:spPr>
+          <a:xfrm>
+            <a:off x="457200" y="1121900"/>
+            <a:ext cx="8229600" cy="4981200"/>
+          </a:xfrm>
+          <a:prstGeom prst="rect">
+            <a:avLst/>
+          </a:prstGeom>
+        </p:spPr>
+        <p:txBody>
+          <a:bodyPr spcFirstLastPara="1" wrap="square" lIns="91425" tIns="45700" rIns="91425" bIns="45700" anchor="t" anchorCtr="0">
+            <a:normAutofit/>
+          </a:bodyPr>
+          <a:lstStyle/>
+          <a:p>
+            <a:pPr marL="914400" lvl="0" indent="-317500" algn="l" rtl="0">
+              <a:lnSpc>
+                <a:spcPct val="115000"/>
+              </a:lnSpc>
+              <a:spcBef>
+                <a:spcPts val="0"/>
+              </a:spcBef>
+              <a:spcAft>
+                <a:spcPts val="0"/>
+              </a:spcAft>
+              <a:buClr>
+                <a:schemeClr val="dk1"/>
+              </a:buClr>
+              <a:buSzPts val="1400"/>
+              <a:buFont typeface="Arial"/>
+              <a:buChar char="●"/>
+            </a:pPr>
+            <a:endParaRPr sz="2700">
+              <a:solidFill>
+                <a:schemeClr val="dk1"/>
+              </a:solidFill>
+            </a:endParaRPr>
           </a:p>
         </p:txBody>
       </p:sp>
       <p:pic>
         <p:nvPicPr>
-          <p:cNvPr id="2052" name="Picture 4">
+          <p:cNvPr id="3" name="Picture 2" descr="A graph with red and blue squares&#10;&#10;Description automatically generated">
             <a:extLst>
               <a:ext uri="{FF2B5EF4-FFF2-40B4-BE49-F238E27FC236}">
-                <a16:creationId xmlns:a16="http://schemas.microsoft.com/office/drawing/2014/main" id="{D3E49467-AA4E-7949-F117-C9F550918517}"/>
+                <a16:creationId xmlns:a16="http://schemas.microsoft.com/office/drawing/2014/main" id="{91B453CC-8FBB-8129-6DCA-BEB2D62377D1}"/>
               </a:ext>
             </a:extLst>
           </p:cNvPr>
           <p:cNvPicPr>
-            <a:picLocks noChangeAspect="1" noChangeArrowheads="1"/>
+            <a:picLocks noChangeAspect="1"/>
           </p:cNvPicPr>
           <p:nvPr/>
         </p:nvPicPr>
         <p:blipFill>
-          <a:blip r:embed="rId3">
-            <a:extLst>
-              <a:ext uri="{28A0092B-C50C-407E-A947-70E740481C1C}">
-                <a14:useLocalDpi xmlns:a14="http://schemas.microsoft.com/office/drawing/2010/main" val="0"/>
-              </a:ext>
-            </a:extLst>
-          </a:blip>
-          <a:srcRect/>
+          <a:blip r:embed="rId3"/>
           <a:stretch>
             <a:fillRect/>
           </a:stretch>
         </p:blipFill>
-        <p:spPr bwMode="auto">
+        <p:spPr>
           <a:xfrm>
-            <a:off x="1269711" y="1121969"/>
-            <a:ext cx="5851238" cy="4614061"/>
+            <a:off x="639192" y="1125935"/>
+            <a:ext cx="6667130" cy="4854706"/>
           </a:xfrm>
           <a:prstGeom prst="rect">
             <a:avLst/>
           </a:prstGeom>
-          <a:noFill/>
-          <a:extLst>
-            <a:ext uri="{909E8E84-426E-40DD-AFC4-6F175D3DCCD1}">
-              <a14:hiddenFill xmlns:a14="http://schemas.microsoft.com/office/drawing/2010/main">
-                <a:solidFill>
-                  <a:srgbClr val="FFFFFF"/>
-                </a:solidFill>
-              </a14:hiddenFill>
-            </a:ext>
-          </a:extLst>
         </p:spPr>
       </p:pic>
     </p:spTree>
@@ -20894,7 +19558,7 @@
   <p:cSld>
     <p:spTree>
       <p:nvGrpSpPr>
-        <p:cNvPr id="1" name="Shape 179"/>
+        <p:cNvPr id="1" name="Shape 207"/>
         <p:cNvGrpSpPr/>
         <p:nvPr/>
       </p:nvGrpSpPr>
@@ -20908,7 +19572,171 @@
       </p:grpSpPr>
       <p:sp>
         <p:nvSpPr>
-          <p:cNvPr id="180" name="Google Shape;180;p25"/>
+          <p:cNvPr id="208" name="Google Shape;208;p29"/>
+          <p:cNvSpPr txBox="1">
+            <a:spLocks noGrp="1"/>
+          </p:cNvSpPr>
+          <p:nvPr>
+            <p:ph type="title"/>
+          </p:nvPr>
+        </p:nvSpPr>
+        <p:spPr>
+          <a:xfrm>
+            <a:off x="609600" y="677025"/>
+            <a:ext cx="8077200" cy="369900"/>
+          </a:xfrm>
+          <a:prstGeom prst="rect">
+            <a:avLst/>
+          </a:prstGeom>
+        </p:spPr>
+        <p:txBody>
+          <a:bodyPr spcFirstLastPara="1" wrap="square" lIns="91425" tIns="45700" rIns="91425" bIns="45700" anchor="ctr" anchorCtr="0">
+            <a:normAutofit fontScale="90000"/>
+          </a:bodyPr>
+          <a:lstStyle/>
+          <a:p>
+            <a:pPr marL="0" lvl="0" indent="0" algn="ctr" rtl="0">
+              <a:spcBef>
+                <a:spcPts val="0"/>
+              </a:spcBef>
+              <a:spcAft>
+                <a:spcPts val="0"/>
+              </a:spcAft>
+              <a:buClr>
+                <a:schemeClr val="dk1"/>
+              </a:buClr>
+              <a:buSzPct val="30555"/>
+              <a:buFont typeface="Arial"/>
+              <a:buNone/>
+            </a:pPr>
+            <a:r>
+              <a:rPr lang="en-US"/>
+              <a:t>Cont’</a:t>
+            </a:r>
+            <a:endParaRPr/>
+          </a:p>
+          <a:p>
+            <a:pPr marL="0" lvl="0" indent="0" algn="ctr" rtl="0">
+              <a:spcBef>
+                <a:spcPts val="0"/>
+              </a:spcBef>
+              <a:spcAft>
+                <a:spcPts val="0"/>
+              </a:spcAft>
+              <a:buNone/>
+            </a:pPr>
+            <a:endParaRPr/>
+          </a:p>
+        </p:txBody>
+      </p:sp>
+      <p:sp>
+        <p:nvSpPr>
+          <p:cNvPr id="209" name="Google Shape;209;p29"/>
+          <p:cNvSpPr txBox="1">
+            <a:spLocks noGrp="1"/>
+          </p:cNvSpPr>
+          <p:nvPr>
+            <p:ph type="body" idx="1"/>
+          </p:nvPr>
+        </p:nvSpPr>
+        <p:spPr>
+          <a:xfrm>
+            <a:off x="457200" y="1121900"/>
+            <a:ext cx="8229600" cy="4981200"/>
+          </a:xfrm>
+          <a:prstGeom prst="rect">
+            <a:avLst/>
+          </a:prstGeom>
+        </p:spPr>
+        <p:txBody>
+          <a:bodyPr spcFirstLastPara="1" wrap="square" lIns="91425" tIns="45700" rIns="91425" bIns="45700" anchor="t" anchorCtr="0">
+            <a:normAutofit/>
+          </a:bodyPr>
+          <a:lstStyle/>
+          <a:p>
+            <a:pPr marL="914400" lvl="0" indent="-317500" algn="l" rtl="0">
+              <a:lnSpc>
+                <a:spcPct val="115000"/>
+              </a:lnSpc>
+              <a:spcBef>
+                <a:spcPts val="0"/>
+              </a:spcBef>
+              <a:spcAft>
+                <a:spcPts val="0"/>
+              </a:spcAft>
+              <a:buClr>
+                <a:schemeClr val="dk1"/>
+              </a:buClr>
+              <a:buSzPts val="1400"/>
+              <a:buFont typeface="Arial"/>
+              <a:buChar char="●"/>
+            </a:pPr>
+            <a:endParaRPr sz="2700">
+              <a:solidFill>
+                <a:schemeClr val="dk1"/>
+              </a:solidFill>
+            </a:endParaRPr>
+          </a:p>
+        </p:txBody>
+      </p:sp>
+      <p:pic>
+        <p:nvPicPr>
+          <p:cNvPr id="3" name="Picture 2" descr="A graph of numbers and symbols&#10;&#10;Description automatically generated with medium confidence">
+            <a:extLst>
+              <a:ext uri="{FF2B5EF4-FFF2-40B4-BE49-F238E27FC236}">
+                <a16:creationId xmlns:a16="http://schemas.microsoft.com/office/drawing/2014/main" id="{130B66C4-B623-5CD4-B1F4-59BD0509DE10}"/>
+              </a:ext>
+            </a:extLst>
+          </p:cNvPr>
+          <p:cNvPicPr>
+            <a:picLocks noChangeAspect="1"/>
+          </p:cNvPicPr>
+          <p:nvPr/>
+        </p:nvPicPr>
+        <p:blipFill>
+          <a:blip r:embed="rId3"/>
+          <a:stretch>
+            <a:fillRect/>
+          </a:stretch>
+        </p:blipFill>
+        <p:spPr>
+          <a:xfrm>
+            <a:off x="551895" y="1121900"/>
+            <a:ext cx="7555592" cy="4967102"/>
+          </a:xfrm>
+          <a:prstGeom prst="rect">
+            <a:avLst/>
+          </a:prstGeom>
+        </p:spPr>
+      </p:pic>
+    </p:spTree>
+  </p:cSld>
+  <p:clrMapOvr>
+    <a:masterClrMapping/>
+  </p:clrMapOvr>
+</p:sld>
+</file>
+
+<file path=ppt/slides/slide18.xml><?xml version="1.0" encoding="utf-8"?>
+<p:sld xmlns:a="http://schemas.openxmlformats.org/drawingml/2006/main" xmlns:r="http://schemas.openxmlformats.org/officeDocument/2006/relationships" xmlns:p="http://schemas.openxmlformats.org/presentationml/2006/main">
+  <p:cSld>
+    <p:spTree>
+      <p:nvGrpSpPr>
+        <p:cNvPr id="1" name="Shape 214"/>
+        <p:cNvGrpSpPr/>
+        <p:nvPr/>
+      </p:nvGrpSpPr>
+      <p:grpSpPr>
+        <a:xfrm>
+          <a:off x="0" y="0"/>
+          <a:ext cx="0" cy="0"/>
+          <a:chOff x="0" y="0"/>
+          <a:chExt cx="0" cy="0"/>
+        </a:xfrm>
+      </p:grpSpPr>
+      <p:sp>
+        <p:nvSpPr>
+          <p:cNvPr id="215" name="Google Shape;215;p30"/>
           <p:cNvSpPr txBox="1">
             <a:spLocks noGrp="1"/>
           </p:cNvSpPr>
@@ -20938,56 +19766,76 @@
               <a:spcAft>
                 <a:spcPts val="0"/>
               </a:spcAft>
-              <a:buClr>
-                <a:schemeClr val="dk1"/>
-              </a:buClr>
-              <a:buSzPct val="30555"/>
-              <a:buFont typeface="Arial"/>
               <a:buNone/>
             </a:pPr>
             <a:r>
-              <a:rPr lang="en-US" dirty="0"/>
-              <a:t>Random Forest</a:t>
+              <a:rPr lang="en-US"/>
+              <a:t>Conclusion and Future Work</a:t>
             </a:r>
+            <a:endParaRPr/>
           </a:p>
         </p:txBody>
       </p:sp>
-      <p:pic>
-        <p:nvPicPr>
-          <p:cNvPr id="7" name="Picture 6">
-            <a:extLst>
-              <a:ext uri="{FF2B5EF4-FFF2-40B4-BE49-F238E27FC236}">
-                <a16:creationId xmlns:a16="http://schemas.microsoft.com/office/drawing/2014/main" id="{D6F6E89B-696B-8686-B01F-A03F9A279EE3}"/>
-              </a:ext>
-            </a:extLst>
-          </p:cNvPr>
-          <p:cNvPicPr>
-            <a:picLocks noChangeAspect="1"/>
-          </p:cNvPicPr>
-          <p:nvPr/>
-        </p:nvPicPr>
-        <p:blipFill>
-          <a:blip r:embed="rId3"/>
-          <a:stretch>
-            <a:fillRect/>
-          </a:stretch>
-        </p:blipFill>
+      <p:sp>
+        <p:nvSpPr>
+          <p:cNvPr id="216" name="Google Shape;216;p30"/>
+          <p:cNvSpPr txBox="1">
+            <a:spLocks noGrp="1"/>
+          </p:cNvSpPr>
+          <p:nvPr>
+            <p:ph type="body" idx="1"/>
+          </p:nvPr>
+        </p:nvSpPr>
         <p:spPr>
           <a:xfrm>
-            <a:off x="85281" y="895521"/>
-            <a:ext cx="8859731" cy="5267498"/>
+            <a:off x="457200" y="1121900"/>
+            <a:ext cx="8229600" cy="4981200"/>
           </a:xfrm>
           <a:prstGeom prst="rect">
             <a:avLst/>
           </a:prstGeom>
         </p:spPr>
-      </p:pic>
+        <p:txBody>
+          <a:bodyPr spcFirstLastPara="1" wrap="square" lIns="91425" tIns="45700" rIns="91425" bIns="45700" anchor="t" anchorCtr="0">
+            <a:normAutofit/>
+          </a:bodyPr>
+          <a:lstStyle/>
+          <a:p>
+            <a:pPr marL="342900" lvl="0" indent="-342900" algn="l" rtl="0">
+              <a:spcBef>
+                <a:spcPts val="480"/>
+              </a:spcBef>
+              <a:spcAft>
+                <a:spcPts val="0"/>
+              </a:spcAft>
+              <a:buFont typeface="Wingdings" panose="05000000000000000000" pitchFamily="2" charset="2"/>
+              <a:buChar char="q"/>
+            </a:pPr>
+            <a:r>
+              <a:rPr lang="en-US" dirty="0"/>
+              <a:t>Conclusion: The model provides better estimates of breast cancer risk for Cuban women, with the potential for use in other developing countries.</a:t>
+            </a:r>
+          </a:p>
+          <a:p>
+            <a:pPr marL="342900" lvl="0" indent="-342900" algn="l" rtl="0">
+              <a:spcBef>
+                <a:spcPts val="480"/>
+              </a:spcBef>
+              <a:spcAft>
+                <a:spcPts val="0"/>
+              </a:spcAft>
+              <a:buFont typeface="Wingdings" panose="05000000000000000000" pitchFamily="2" charset="2"/>
+              <a:buChar char="q"/>
+            </a:pPr>
+            <a:r>
+              <a:rPr lang="en-US" dirty="0"/>
+              <a:t>Future Work: Expanding the dataset, refining feature selection, and developing clinical tools for implementation.</a:t>
+            </a:r>
+            <a:endParaRPr dirty="0"/>
+          </a:p>
+        </p:txBody>
+      </p:sp>
     </p:spTree>
-    <p:extLst>
-      <p:ext uri="{BB962C8B-B14F-4D97-AF65-F5344CB8AC3E}">
-        <p14:creationId xmlns:p14="http://schemas.microsoft.com/office/powerpoint/2010/main" val="24504169"/>
-      </p:ext>
-    </p:extLst>
   </p:cSld>
   <p:clrMapOvr>
     <a:masterClrMapping/>
@@ -20995,12 +19843,12 @@
 </p:sld>
 </file>
 
-<file path=ppt/slides/slide18.xml><?xml version="1.0" encoding="utf-8"?>
+<file path=ppt/slides/slide19.xml><?xml version="1.0" encoding="utf-8"?>
 <p:sld xmlns:a="http://schemas.openxmlformats.org/drawingml/2006/main" xmlns:r="http://schemas.openxmlformats.org/officeDocument/2006/relationships" xmlns:p="http://schemas.openxmlformats.org/presentationml/2006/main">
   <p:cSld>
     <p:spTree>
       <p:nvGrpSpPr>
-        <p:cNvPr id="1" name="Shape 179"/>
+        <p:cNvPr id="1" name="Shape 221"/>
         <p:cNvGrpSpPr/>
         <p:nvPr/>
       </p:nvGrpSpPr>
@@ -21014,7 +19862,7 @@
       </p:grpSpPr>
       <p:sp>
         <p:nvSpPr>
-          <p:cNvPr id="180" name="Google Shape;180;p25"/>
+          <p:cNvPr id="222" name="Google Shape;222;p31"/>
           <p:cNvSpPr txBox="1">
             <a:spLocks noGrp="1"/>
           </p:cNvSpPr>
@@ -21044,197 +19892,879 @@
               <a:spcAft>
                 <a:spcPts val="0"/>
               </a:spcAft>
-              <a:buClr>
-                <a:schemeClr val="dk1"/>
-              </a:buClr>
-              <a:buSzPct val="30555"/>
-              <a:buFont typeface="Arial"/>
               <a:buNone/>
             </a:pPr>
             <a:r>
-              <a:rPr lang="en-US" dirty="0"/>
-              <a:t>Random Forest</a:t>
+              <a:rPr lang="en-US"/>
+              <a:t>References</a:t>
             </a:r>
+            <a:endParaRPr/>
           </a:p>
         </p:txBody>
       </p:sp>
-      <p:pic>
-        <p:nvPicPr>
-          <p:cNvPr id="5122" name="Picture 2">
-            <a:extLst>
-              <a:ext uri="{FF2B5EF4-FFF2-40B4-BE49-F238E27FC236}">
-                <a16:creationId xmlns:a16="http://schemas.microsoft.com/office/drawing/2014/main" id="{B974F535-BA65-153F-B5A2-63F3D9129E86}"/>
-              </a:ext>
-            </a:extLst>
-          </p:cNvPr>
-          <p:cNvPicPr>
-            <a:picLocks noChangeAspect="1" noChangeArrowheads="1"/>
-          </p:cNvPicPr>
-          <p:nvPr/>
-        </p:nvPicPr>
-        <p:blipFill>
-          <a:blip r:embed="rId3">
-            <a:extLst>
-              <a:ext uri="{28A0092B-C50C-407E-A947-70E740481C1C}">
-                <a14:useLocalDpi xmlns:a14="http://schemas.microsoft.com/office/drawing/2010/main" val="0"/>
-              </a:ext>
-            </a:extLst>
-          </a:blip>
-          <a:srcRect/>
-          <a:stretch>
-            <a:fillRect/>
-          </a:stretch>
-        </p:blipFill>
-        <p:spPr bwMode="auto">
-          <a:xfrm>
-            <a:off x="638175" y="890588"/>
-            <a:ext cx="7867650" cy="5076825"/>
-          </a:xfrm>
-          <a:prstGeom prst="rect">
-            <a:avLst/>
-          </a:prstGeom>
-          <a:noFill/>
-          <a:extLst>
-            <a:ext uri="{909E8E84-426E-40DD-AFC4-6F175D3DCCD1}">
-              <a14:hiddenFill xmlns:a14="http://schemas.microsoft.com/office/drawing/2010/main">
-                <a:solidFill>
-                  <a:srgbClr val="FFFFFF"/>
-                </a:solidFill>
-              </a14:hiddenFill>
-            </a:ext>
-          </a:extLst>
-        </p:spPr>
-      </p:pic>
-    </p:spTree>
-    <p:extLst>
-      <p:ext uri="{BB962C8B-B14F-4D97-AF65-F5344CB8AC3E}">
-        <p14:creationId xmlns:p14="http://schemas.microsoft.com/office/powerpoint/2010/main" val="601809791"/>
-      </p:ext>
-    </p:extLst>
-  </p:cSld>
-  <p:clrMapOvr>
-    <a:masterClrMapping/>
-  </p:clrMapOvr>
-</p:sld>
-</file>
-
-<file path=ppt/slides/slide19.xml><?xml version="1.0" encoding="utf-8"?>
-<p:sld xmlns:a="http://schemas.openxmlformats.org/drawingml/2006/main" xmlns:r="http://schemas.openxmlformats.org/officeDocument/2006/relationships" xmlns:p="http://schemas.openxmlformats.org/presentationml/2006/main">
-  <p:cSld>
-    <p:spTree>
-      <p:nvGrpSpPr>
-        <p:cNvPr id="1" name="Shape 179"/>
-        <p:cNvGrpSpPr/>
-        <p:nvPr/>
-      </p:nvGrpSpPr>
-      <p:grpSpPr>
-        <a:xfrm>
-          <a:off x="0" y="0"/>
-          <a:ext cx="0" cy="0"/>
-          <a:chOff x="0" y="0"/>
-          <a:chExt cx="0" cy="0"/>
-        </a:xfrm>
-      </p:grpSpPr>
       <p:sp>
         <p:nvSpPr>
-          <p:cNvPr id="180" name="Google Shape;180;p25"/>
+          <p:cNvPr id="223" name="Google Shape;223;p31"/>
           <p:cNvSpPr txBox="1">
             <a:spLocks noGrp="1"/>
           </p:cNvSpPr>
           <p:nvPr>
-            <p:ph type="title"/>
+            <p:ph type="body" idx="1"/>
           </p:nvPr>
         </p:nvSpPr>
         <p:spPr>
           <a:xfrm>
-            <a:off x="457200" y="381000"/>
-            <a:ext cx="8077200" cy="369900"/>
+            <a:off x="457200" y="1121900"/>
+            <a:ext cx="8229600" cy="4981200"/>
           </a:xfrm>
           <a:prstGeom prst="rect">
             <a:avLst/>
           </a:prstGeom>
         </p:spPr>
         <p:txBody>
-          <a:bodyPr spcFirstLastPara="1" wrap="square" lIns="91425" tIns="45700" rIns="91425" bIns="45700" anchor="ctr" anchorCtr="0">
-            <a:normAutofit fontScale="90000"/>
+          <a:bodyPr spcFirstLastPara="1" wrap="square" lIns="91425" tIns="45700" rIns="91425" bIns="45700" anchor="t" anchorCtr="0">
+            <a:normAutofit fontScale="70000" lnSpcReduction="20000"/>
           </a:bodyPr>
           <a:lstStyle/>
           <a:p>
-            <a:pPr marL="0" lvl="0" indent="0" algn="ctr" rtl="0">
-              <a:spcBef>
-                <a:spcPts val="0"/>
-              </a:spcBef>
-              <a:spcAft>
-                <a:spcPts val="0"/>
-              </a:spcAft>
-              <a:buClr>
-                <a:schemeClr val="dk1"/>
-              </a:buClr>
-              <a:buSzPct val="30555"/>
-              <a:buFont typeface="Arial"/>
-              <a:buNone/>
-            </a:pPr>
             <a:r>
-              <a:rPr lang="en-US" dirty="0"/>
-              <a:t>Random Forest Confusion Matrix</a:t>
+              <a:rPr lang="en-US" sz="1800" b="0" i="0" dirty="0">
+                <a:solidFill>
+                  <a:srgbClr val="000000"/>
+                </a:solidFill>
+                <a:effectLst/>
+                <a:latin typeface="NimbusRomNo9L-Regu"/>
+              </a:rPr>
+              <a:t>[1] Richard Allman, Yi Mu, Gillian S </a:t>
             </a:r>
-            <a:endParaRPr dirty="0"/>
+            <a:r>
+              <a:rPr lang="en-US" sz="1800" b="0" i="0" dirty="0" err="1">
+                <a:solidFill>
+                  <a:srgbClr val="000000"/>
+                </a:solidFill>
+                <a:effectLst/>
+                <a:latin typeface="NimbusRomNo9L-Regu"/>
+              </a:rPr>
+              <a:t>Dite</a:t>
+            </a:r>
+            <a:r>
+              <a:rPr lang="en-US" sz="1800" b="0" i="0" dirty="0">
+                <a:solidFill>
+                  <a:srgbClr val="000000"/>
+                </a:solidFill>
+                <a:effectLst/>
+                <a:latin typeface="NimbusRomNo9L-Regu"/>
+              </a:rPr>
+              <a:t>, Erika Spaeth, John L Hopper, and</a:t>
+            </a:r>
+          </a:p>
+          <a:p>
+            <a:r>
+              <a:rPr lang="en-US" sz="1800" b="0" i="0" dirty="0">
+                <a:solidFill>
+                  <a:srgbClr val="000000"/>
+                </a:solidFill>
+                <a:effectLst/>
+                <a:latin typeface="NimbusRomNo9L-Regu"/>
+              </a:rPr>
+              <a:t>Bernard A Rosner. Validation of a breast cancer risk prediction model based on the key risk factors: family history, mammographic density and polygenic risk. </a:t>
+            </a:r>
+            <a:r>
+              <a:rPr lang="en-US" sz="1800" b="0" i="1" dirty="0">
+                <a:solidFill>
+                  <a:srgbClr val="000000"/>
+                </a:solidFill>
+                <a:effectLst/>
+                <a:latin typeface="NimbusRomNo9L-ReguItal"/>
+              </a:rPr>
+              <a:t>Breast Cancer Research and Treatment</a:t>
+            </a:r>
+            <a:r>
+              <a:rPr lang="en-US" sz="1800" b="0" i="0" dirty="0">
+                <a:solidFill>
+                  <a:srgbClr val="000000"/>
+                </a:solidFill>
+                <a:effectLst/>
+                <a:latin typeface="NimbusRomNo9L-Regu"/>
+              </a:rPr>
+              <a:t>, 198(2):335–347, 2023.</a:t>
+            </a:r>
+          </a:p>
+          <a:p>
+            <a:r>
+              <a:rPr lang="en-US" sz="1800" b="0" i="0" dirty="0">
+                <a:solidFill>
+                  <a:srgbClr val="000000"/>
+                </a:solidFill>
+                <a:effectLst/>
+                <a:latin typeface="NimbusRomNo9L-Regu"/>
+              </a:rPr>
+              <a:t>[2] William E Barlow, Emily White, Rachel Ballard-</a:t>
+            </a:r>
+            <a:r>
+              <a:rPr lang="en-US" sz="1800" b="0" i="0" dirty="0" err="1">
+                <a:solidFill>
+                  <a:srgbClr val="000000"/>
+                </a:solidFill>
+                <a:effectLst/>
+                <a:latin typeface="NimbusRomNo9L-Regu"/>
+              </a:rPr>
+              <a:t>Barbash</a:t>
+            </a:r>
+            <a:r>
+              <a:rPr lang="en-US" sz="1800" b="0" i="0" dirty="0">
+                <a:solidFill>
+                  <a:srgbClr val="000000"/>
+                </a:solidFill>
+                <a:effectLst/>
+                <a:latin typeface="NimbusRomNo9L-Regu"/>
+              </a:rPr>
+              <a:t>, Pamela M</a:t>
+            </a:r>
+          </a:p>
+          <a:p>
+            <a:r>
+              <a:rPr lang="en-US" sz="1800" b="0" i="0" dirty="0" err="1">
+                <a:solidFill>
+                  <a:srgbClr val="000000"/>
+                </a:solidFill>
+                <a:effectLst/>
+                <a:latin typeface="NimbusRomNo9L-Regu"/>
+              </a:rPr>
+              <a:t>Vacek</a:t>
+            </a:r>
+            <a:r>
+              <a:rPr lang="en-US" sz="1800" b="0" i="0" dirty="0">
+                <a:solidFill>
+                  <a:srgbClr val="000000"/>
+                </a:solidFill>
+                <a:effectLst/>
+                <a:latin typeface="NimbusRomNo9L-Regu"/>
+              </a:rPr>
+              <a:t>, Linda Titus-</a:t>
+            </a:r>
+            <a:r>
+              <a:rPr lang="en-US" sz="1800" b="0" i="0" dirty="0" err="1">
+                <a:solidFill>
+                  <a:srgbClr val="000000"/>
+                </a:solidFill>
+                <a:effectLst/>
+                <a:latin typeface="NimbusRomNo9L-Regu"/>
+              </a:rPr>
+              <a:t>Ernstoff</a:t>
+            </a:r>
+            <a:r>
+              <a:rPr lang="en-US" sz="1800" b="0" i="0" dirty="0">
+                <a:solidFill>
+                  <a:srgbClr val="000000"/>
+                </a:solidFill>
+                <a:effectLst/>
+                <a:latin typeface="NimbusRomNo9L-Regu"/>
+              </a:rPr>
+              <a:t>, Patricia A Carney, Jeffrey A Tice, Diana SM </a:t>
+            </a:r>
+            <a:r>
+              <a:rPr lang="en-US" sz="1800" b="0" i="0" dirty="0" err="1">
+                <a:solidFill>
+                  <a:srgbClr val="000000"/>
+                </a:solidFill>
+                <a:effectLst/>
+                <a:latin typeface="NimbusRomNo9L-Regu"/>
+              </a:rPr>
+              <a:t>Buist</a:t>
+            </a:r>
+            <a:r>
+              <a:rPr lang="en-US" sz="1800" b="0" i="0" dirty="0">
+                <a:solidFill>
+                  <a:srgbClr val="000000"/>
+                </a:solidFill>
+                <a:effectLst/>
+                <a:latin typeface="NimbusRomNo9L-Regu"/>
+              </a:rPr>
+              <a:t>, Berta M Geller, Robert Rosenberg, et al. Prospective breast cancer risk prediction model for women undergoing screening mammography. </a:t>
+            </a:r>
+            <a:r>
+              <a:rPr lang="en-US" sz="1800" b="0" i="1" dirty="0">
+                <a:solidFill>
+                  <a:srgbClr val="000000"/>
+                </a:solidFill>
+                <a:effectLst/>
+                <a:latin typeface="NimbusRomNo9L-ReguItal"/>
+              </a:rPr>
+              <a:t>Journal of the National Cancer Institute</a:t>
+            </a:r>
+            <a:r>
+              <a:rPr lang="en-US" sz="1800" b="0" i="0" dirty="0">
+                <a:solidFill>
+                  <a:srgbClr val="000000"/>
+                </a:solidFill>
+                <a:effectLst/>
+                <a:latin typeface="NimbusRomNo9L-Regu"/>
+              </a:rPr>
+              <a:t>, 98(17):1204–1214, 2006.</a:t>
+            </a:r>
+          </a:p>
+          <a:p>
+            <a:r>
+              <a:rPr lang="en-US" sz="1800" b="0" i="0" dirty="0">
+                <a:solidFill>
+                  <a:srgbClr val="000000"/>
+                </a:solidFill>
+                <a:effectLst/>
+                <a:latin typeface="NimbusRomNo9L-Regu"/>
+              </a:rPr>
+              <a:t>[3] Laura </a:t>
+            </a:r>
+            <a:r>
+              <a:rPr lang="en-US" sz="1800" b="0" i="0" dirty="0" err="1">
+                <a:solidFill>
+                  <a:srgbClr val="000000"/>
+                </a:solidFill>
+                <a:effectLst/>
+                <a:latin typeface="NimbusRomNo9L-Regu"/>
+              </a:rPr>
+              <a:t>Fejerman</a:t>
+            </a:r>
+            <a:r>
+              <a:rPr lang="en-US" sz="1800" b="0" i="0" dirty="0">
+                <a:solidFill>
+                  <a:srgbClr val="000000"/>
+                </a:solidFill>
+                <a:effectLst/>
+                <a:latin typeface="NimbusRomNo9L-Regu"/>
+              </a:rPr>
+              <a:t>, Amelie G Ramirez, Anna </a:t>
+            </a:r>
+            <a:r>
+              <a:rPr lang="en-US" sz="1800" b="0" i="0" dirty="0" err="1">
+                <a:solidFill>
+                  <a:srgbClr val="000000"/>
+                </a:solidFill>
+                <a:effectLst/>
+                <a:latin typeface="NimbusRomNo9L-Regu"/>
+              </a:rPr>
+              <a:t>Mar´ıa</a:t>
+            </a:r>
+            <a:r>
+              <a:rPr lang="en-US" sz="1800" b="0" i="0" dirty="0">
+                <a:solidFill>
+                  <a:srgbClr val="000000"/>
+                </a:solidFill>
+                <a:effectLst/>
+                <a:latin typeface="NimbusRomNo9L-Regu"/>
+              </a:rPr>
+              <a:t> </a:t>
+            </a:r>
+            <a:r>
+              <a:rPr lang="en-US" sz="1800" b="0" i="0" dirty="0" err="1">
+                <a:solidFill>
+                  <a:srgbClr val="000000"/>
+                </a:solidFill>
+                <a:effectLst/>
+                <a:latin typeface="NimbusRomNo9L-Regu"/>
+              </a:rPr>
+              <a:t>Napoles</a:t>
+            </a:r>
+            <a:r>
+              <a:rPr lang="en-US" sz="1800" b="0" i="0" dirty="0">
+                <a:solidFill>
+                  <a:srgbClr val="000000"/>
+                </a:solidFill>
+                <a:effectLst/>
+                <a:latin typeface="NimbusRomNo9L-Regu"/>
+              </a:rPr>
+              <a:t>, Scarlett Lin ´ Gomez, and Mariana C Stern. Cancer epidemiology in </a:t>
+            </a:r>
+            <a:r>
+              <a:rPr lang="en-US" sz="1800" b="0" i="0" dirty="0" err="1">
+                <a:solidFill>
+                  <a:srgbClr val="000000"/>
+                </a:solidFill>
+                <a:effectLst/>
+                <a:latin typeface="NimbusRomNo9L-Regu"/>
+              </a:rPr>
+              <a:t>hispanic</a:t>
+            </a:r>
+            <a:r>
+              <a:rPr lang="en-US" sz="1800" b="0" i="0" dirty="0">
+                <a:solidFill>
+                  <a:srgbClr val="000000"/>
+                </a:solidFill>
+                <a:effectLst/>
+                <a:latin typeface="NimbusRomNo9L-Regu"/>
+              </a:rPr>
+              <a:t> populations: what have we learned and where do we need to make progress? </a:t>
+            </a:r>
+            <a:r>
+              <a:rPr lang="en-US" sz="1800" b="0" i="1" dirty="0">
+                <a:solidFill>
+                  <a:srgbClr val="000000"/>
+                </a:solidFill>
+                <a:effectLst/>
+                <a:latin typeface="NimbusRomNo9L-ReguItal"/>
+              </a:rPr>
+              <a:t>Cancer Epidemiology, Biomarkers &amp; Prevention</a:t>
+            </a:r>
+            <a:r>
+              <a:rPr lang="en-US" sz="1800" b="0" i="0" dirty="0">
+                <a:solidFill>
+                  <a:srgbClr val="000000"/>
+                </a:solidFill>
+                <a:effectLst/>
+                <a:latin typeface="NimbusRomNo9L-Regu"/>
+              </a:rPr>
+              <a:t>, 31(5):932–941, 2022.</a:t>
+            </a:r>
+          </a:p>
+          <a:p>
+            <a:r>
+              <a:rPr lang="en-US" sz="1800" b="0" i="0" dirty="0">
+                <a:solidFill>
+                  <a:srgbClr val="000000"/>
+                </a:solidFill>
+                <a:effectLst/>
+                <a:latin typeface="NimbusRomNo9L-Regu"/>
+              </a:rPr>
+              <a:t>[4] </a:t>
+            </a:r>
+            <a:r>
+              <a:rPr lang="en-US" sz="1800" b="0" i="0" dirty="0" err="1">
+                <a:solidFill>
+                  <a:srgbClr val="000000"/>
+                </a:solidFill>
+                <a:effectLst/>
+                <a:latin typeface="NimbusRomNo9L-Regu"/>
+              </a:rPr>
+              <a:t>Pantelis</a:t>
+            </a:r>
+            <a:r>
+              <a:rPr lang="en-US" sz="1800" b="0" i="0" dirty="0">
+                <a:solidFill>
+                  <a:srgbClr val="000000"/>
+                </a:solidFill>
+                <a:effectLst/>
+                <a:latin typeface="NimbusRomNo9L-Regu"/>
+              </a:rPr>
+              <a:t> </a:t>
+            </a:r>
+            <a:r>
+              <a:rPr lang="en-US" sz="1800" b="0" i="0" dirty="0" err="1">
+                <a:solidFill>
+                  <a:srgbClr val="000000"/>
+                </a:solidFill>
+                <a:effectLst/>
+                <a:latin typeface="NimbusRomNo9L-Regu"/>
+              </a:rPr>
+              <a:t>Linardatos</a:t>
+            </a:r>
+            <a:r>
+              <a:rPr lang="en-US" sz="1800" b="0" i="0" dirty="0">
+                <a:solidFill>
+                  <a:srgbClr val="000000"/>
+                </a:solidFill>
+                <a:effectLst/>
+                <a:latin typeface="NimbusRomNo9L-Regu"/>
+              </a:rPr>
+              <a:t>, Vasilis </a:t>
+            </a:r>
+            <a:r>
+              <a:rPr lang="en-US" sz="1800" b="0" i="0" dirty="0" err="1">
+                <a:solidFill>
+                  <a:srgbClr val="000000"/>
+                </a:solidFill>
+                <a:effectLst/>
+                <a:latin typeface="NimbusRomNo9L-Regu"/>
+              </a:rPr>
+              <a:t>Papastefanopoulos</a:t>
+            </a:r>
+            <a:r>
+              <a:rPr lang="en-US" sz="1800" b="0" i="0" dirty="0">
+                <a:solidFill>
+                  <a:srgbClr val="000000"/>
+                </a:solidFill>
+                <a:effectLst/>
+                <a:latin typeface="NimbusRomNo9L-Regu"/>
+              </a:rPr>
+              <a:t>, and Sotiris </a:t>
+            </a:r>
+            <a:r>
+              <a:rPr lang="en-US" sz="1800" b="0" i="0" dirty="0" err="1">
+                <a:solidFill>
+                  <a:srgbClr val="000000"/>
+                </a:solidFill>
+                <a:effectLst/>
+                <a:latin typeface="NimbusRomNo9L-Regu"/>
+              </a:rPr>
+              <a:t>Kotsiantis</a:t>
+            </a:r>
+            <a:r>
+              <a:rPr lang="en-US" sz="1800" b="0" i="0" dirty="0">
+                <a:solidFill>
+                  <a:srgbClr val="000000"/>
+                </a:solidFill>
+                <a:effectLst/>
+                <a:latin typeface="NimbusRomNo9L-Regu"/>
+              </a:rPr>
+              <a:t>.</a:t>
+            </a:r>
+          </a:p>
+          <a:p>
+            <a:r>
+              <a:rPr lang="en-US" sz="1800" b="0" i="0" dirty="0">
+                <a:solidFill>
+                  <a:srgbClr val="000000"/>
+                </a:solidFill>
+                <a:effectLst/>
+                <a:latin typeface="NimbusRomNo9L-Regu"/>
+              </a:rPr>
+              <a:t>Explainable ai: A review of machine learning interpretability methods. </a:t>
+            </a:r>
+            <a:r>
+              <a:rPr lang="en-US" sz="1800" b="0" i="1" dirty="0">
+                <a:solidFill>
+                  <a:srgbClr val="000000"/>
+                </a:solidFill>
+                <a:effectLst/>
+                <a:latin typeface="NimbusRomNo9L-ReguItal"/>
+              </a:rPr>
+              <a:t>Entropy</a:t>
+            </a:r>
+            <a:r>
+              <a:rPr lang="en-US" sz="1800" b="0" i="0" dirty="0">
+                <a:solidFill>
+                  <a:srgbClr val="000000"/>
+                </a:solidFill>
+                <a:effectLst/>
+                <a:latin typeface="NimbusRomNo9L-Regu"/>
+              </a:rPr>
+              <a:t>, 23(1):18, 2020.</a:t>
+            </a:r>
+          </a:p>
+          <a:p>
+            <a:r>
+              <a:rPr lang="en-US" sz="1800" b="0" i="0" dirty="0">
+                <a:solidFill>
+                  <a:srgbClr val="000000"/>
+                </a:solidFill>
+                <a:effectLst/>
+                <a:latin typeface="NimbusRomNo9L-Regu"/>
+              </a:rPr>
+              <a:t>[5] </a:t>
+            </a:r>
+            <a:r>
+              <a:rPr lang="en-US" sz="1800" b="0" i="0" dirty="0" err="1">
+                <a:solidFill>
+                  <a:srgbClr val="000000"/>
+                </a:solidFill>
+                <a:effectLst/>
+                <a:latin typeface="NimbusRomNo9L-Regu"/>
+              </a:rPr>
+              <a:t>Edoardo</a:t>
+            </a:r>
+            <a:r>
+              <a:rPr lang="en-US" sz="1800" b="0" i="0" dirty="0">
+                <a:solidFill>
+                  <a:srgbClr val="000000"/>
+                </a:solidFill>
+                <a:effectLst/>
+                <a:latin typeface="NimbusRomNo9L-Regu"/>
+              </a:rPr>
+              <a:t> </a:t>
+            </a:r>
+            <a:r>
+              <a:rPr lang="en-US" sz="1800" b="0" i="0" dirty="0" err="1">
+                <a:solidFill>
+                  <a:srgbClr val="000000"/>
+                </a:solidFill>
+                <a:effectLst/>
+                <a:latin typeface="NimbusRomNo9L-Regu"/>
+              </a:rPr>
+              <a:t>Mosca</a:t>
+            </a:r>
+            <a:r>
+              <a:rPr lang="en-US" sz="1800" b="0" i="0" dirty="0">
+                <a:solidFill>
+                  <a:srgbClr val="000000"/>
+                </a:solidFill>
+                <a:effectLst/>
+                <a:latin typeface="NimbusRomNo9L-Regu"/>
+              </a:rPr>
+              <a:t>, Ferenc Szigeti, Stella </a:t>
+            </a:r>
+            <a:r>
+              <a:rPr lang="en-US" sz="1800" b="0" i="0" dirty="0" err="1">
+                <a:solidFill>
+                  <a:srgbClr val="000000"/>
+                </a:solidFill>
+                <a:effectLst/>
+                <a:latin typeface="NimbusRomNo9L-Regu"/>
+              </a:rPr>
+              <a:t>Tragianni</a:t>
+            </a:r>
+            <a:r>
+              <a:rPr lang="en-US" sz="1800" b="0" i="0" dirty="0">
+                <a:solidFill>
+                  <a:srgbClr val="000000"/>
+                </a:solidFill>
+                <a:effectLst/>
+                <a:latin typeface="NimbusRomNo9L-Regu"/>
+              </a:rPr>
+              <a:t>, Daniel Gallagher,</a:t>
+            </a:r>
+          </a:p>
+          <a:p>
+            <a:r>
+              <a:rPr lang="en-US" sz="1800" b="0" i="0" dirty="0">
+                <a:solidFill>
+                  <a:srgbClr val="000000"/>
+                </a:solidFill>
+                <a:effectLst/>
+                <a:latin typeface="NimbusRomNo9L-Regu"/>
+              </a:rPr>
+              <a:t>and Georg Groh. </a:t>
+            </a:r>
+            <a:r>
+              <a:rPr lang="en-US" sz="1800" b="0" i="0" dirty="0" err="1">
+                <a:solidFill>
+                  <a:srgbClr val="000000"/>
+                </a:solidFill>
+                <a:effectLst/>
+                <a:latin typeface="NimbusRomNo9L-Regu"/>
+              </a:rPr>
+              <a:t>Shap</a:t>
+            </a:r>
+            <a:r>
+              <a:rPr lang="en-US" sz="1800" b="0" i="0" dirty="0">
+                <a:solidFill>
+                  <a:srgbClr val="000000"/>
+                </a:solidFill>
+                <a:effectLst/>
+                <a:latin typeface="NimbusRomNo9L-Regu"/>
+              </a:rPr>
+              <a:t>-based explanation methods: a review for </a:t>
+            </a:r>
+            <a:r>
+              <a:rPr lang="en-US" sz="1800" b="0" i="0" dirty="0" err="1">
+                <a:solidFill>
+                  <a:srgbClr val="000000"/>
+                </a:solidFill>
+                <a:effectLst/>
+                <a:latin typeface="NimbusRomNo9L-Regu"/>
+              </a:rPr>
+              <a:t>nlp</a:t>
+            </a:r>
+            <a:r>
+              <a:rPr lang="en-US" sz="1800" b="0" i="0" dirty="0">
+                <a:solidFill>
+                  <a:srgbClr val="000000"/>
+                </a:solidFill>
+                <a:effectLst/>
+                <a:latin typeface="NimbusRomNo9L-Regu"/>
+              </a:rPr>
+              <a:t> interpretability. In </a:t>
+            </a:r>
+            <a:r>
+              <a:rPr lang="en-US" sz="1800" b="0" i="1" dirty="0">
+                <a:solidFill>
+                  <a:srgbClr val="000000"/>
+                </a:solidFill>
+                <a:effectLst/>
+                <a:latin typeface="NimbusRomNo9L-ReguItal"/>
+              </a:rPr>
+              <a:t>Proceedings of the 29th international conference on computational linguistics</a:t>
+            </a:r>
+            <a:r>
+              <a:rPr lang="en-US" sz="1800" b="0" i="0" dirty="0">
+                <a:solidFill>
+                  <a:srgbClr val="000000"/>
+                </a:solidFill>
+                <a:effectLst/>
+                <a:latin typeface="NimbusRomNo9L-Regu"/>
+              </a:rPr>
+              <a:t>, pages 4593–4603, 2022.</a:t>
+            </a:r>
+          </a:p>
+          <a:p>
+            <a:r>
+              <a:rPr lang="en-US" sz="1800" b="0" i="0" dirty="0">
+                <a:solidFill>
+                  <a:srgbClr val="000000"/>
+                </a:solidFill>
+                <a:effectLst/>
+                <a:latin typeface="NimbusRomNo9L-Regu"/>
+              </a:rPr>
+              <a:t>[6] Donna Spiegelman, Graham A Colditz, David Hunter, and Ellen </a:t>
+            </a:r>
+            <a:r>
+              <a:rPr lang="en-US" sz="1800" b="0" i="0" dirty="0" err="1">
+                <a:solidFill>
+                  <a:srgbClr val="000000"/>
+                </a:solidFill>
+                <a:effectLst/>
+                <a:latin typeface="NimbusRomNo9L-Regu"/>
+              </a:rPr>
+              <a:t>Hertzmark</a:t>
+            </a:r>
+            <a:r>
+              <a:rPr lang="en-US" sz="1800" b="0" i="0" dirty="0">
+                <a:solidFill>
+                  <a:srgbClr val="000000"/>
+                </a:solidFill>
+                <a:effectLst/>
+                <a:latin typeface="NimbusRomNo9L-Regu"/>
+              </a:rPr>
+              <a:t>. Validation of the </a:t>
+            </a:r>
+            <a:r>
+              <a:rPr lang="en-US" sz="1800" b="0" i="0" dirty="0" err="1">
+                <a:solidFill>
+                  <a:srgbClr val="000000"/>
+                </a:solidFill>
+                <a:effectLst/>
+                <a:latin typeface="NimbusRomNo9L-Regu"/>
+              </a:rPr>
+              <a:t>gail</a:t>
+            </a:r>
+            <a:r>
+              <a:rPr lang="en-US" sz="1800" b="0" i="0" dirty="0">
+                <a:solidFill>
+                  <a:srgbClr val="000000"/>
+                </a:solidFill>
+                <a:effectLst/>
+                <a:latin typeface="NimbusRomNo9L-Regu"/>
+              </a:rPr>
+              <a:t> et al. model for predicting individual breast cancer risk. </a:t>
+            </a:r>
+            <a:r>
+              <a:rPr lang="en-US" sz="1800" b="0" i="1" dirty="0">
+                <a:solidFill>
+                  <a:srgbClr val="000000"/>
+                </a:solidFill>
+                <a:effectLst/>
+                <a:latin typeface="NimbusRomNo9L-ReguItal"/>
+              </a:rPr>
+              <a:t>JNCI: Journal of the National Cancer Institute</a:t>
+            </a:r>
+            <a:r>
+              <a:rPr lang="en-US" sz="1800" b="0" i="0" dirty="0">
+                <a:solidFill>
+                  <a:srgbClr val="000000"/>
+                </a:solidFill>
+                <a:effectLst/>
+                <a:latin typeface="NimbusRomNo9L-Regu"/>
+              </a:rPr>
+              <a:t>, 86(8):600– 607, 1994.</a:t>
+            </a:r>
+          </a:p>
+          <a:p>
+            <a:r>
+              <a:rPr lang="en-US" sz="1800" b="0" i="0" dirty="0">
+                <a:solidFill>
+                  <a:srgbClr val="000000"/>
+                </a:solidFill>
+                <a:effectLst/>
+                <a:latin typeface="NimbusRomNo9L-Regu"/>
+              </a:rPr>
+              <a:t>[7] Kathryn P </a:t>
+            </a:r>
+            <a:r>
+              <a:rPr lang="en-US" sz="1800" b="0" i="0" dirty="0" err="1">
+                <a:solidFill>
+                  <a:srgbClr val="000000"/>
+                </a:solidFill>
+                <a:effectLst/>
+                <a:latin typeface="NimbusRomNo9L-Regu"/>
+              </a:rPr>
+              <a:t>Trayes</a:t>
+            </a:r>
+            <a:r>
+              <a:rPr lang="en-US" sz="1800" b="0" i="0" dirty="0">
+                <a:solidFill>
+                  <a:srgbClr val="000000"/>
+                </a:solidFill>
+                <a:effectLst/>
+                <a:latin typeface="NimbusRomNo9L-Regu"/>
+              </a:rPr>
+              <a:t> and Sarah EH </a:t>
+            </a:r>
+            <a:r>
+              <a:rPr lang="en-US" sz="1800" b="0" i="0" dirty="0" err="1">
+                <a:solidFill>
+                  <a:srgbClr val="000000"/>
+                </a:solidFill>
+                <a:effectLst/>
+                <a:latin typeface="NimbusRomNo9L-Regu"/>
+              </a:rPr>
+              <a:t>Cokenakes</a:t>
+            </a:r>
+            <a:r>
+              <a:rPr lang="en-US" sz="1800" b="0" i="0" dirty="0">
+                <a:solidFill>
+                  <a:srgbClr val="000000"/>
+                </a:solidFill>
+                <a:effectLst/>
+                <a:latin typeface="NimbusRomNo9L-Regu"/>
+              </a:rPr>
+              <a:t>. Breast cancer treatment.</a:t>
+            </a:r>
+          </a:p>
+          <a:p>
+            <a:r>
+              <a:rPr lang="en-US" sz="1800" b="0" i="1" dirty="0">
+                <a:solidFill>
+                  <a:srgbClr val="000000"/>
+                </a:solidFill>
+                <a:effectLst/>
+                <a:latin typeface="NimbusRomNo9L-ReguItal"/>
+              </a:rPr>
+              <a:t>American family physician</a:t>
+            </a:r>
+            <a:r>
+              <a:rPr lang="en-US" sz="1800" b="0" i="0" dirty="0">
+                <a:solidFill>
+                  <a:srgbClr val="000000"/>
+                </a:solidFill>
+                <a:effectLst/>
+                <a:latin typeface="NimbusRomNo9L-Regu"/>
+              </a:rPr>
+              <a:t>, 104(2):171–178, 2021.</a:t>
+            </a:r>
+          </a:p>
+          <a:p>
+            <a:r>
+              <a:rPr lang="en-US" sz="1800" b="0" i="0" dirty="0">
+                <a:solidFill>
+                  <a:srgbClr val="000000"/>
+                </a:solidFill>
+                <a:effectLst/>
+                <a:latin typeface="NimbusRomNo9L-Regu"/>
+              </a:rPr>
+              <a:t>[8] Giorgio </a:t>
+            </a:r>
+            <a:r>
+              <a:rPr lang="en-US" sz="1800" b="0" i="0" dirty="0" err="1">
+                <a:solidFill>
+                  <a:srgbClr val="000000"/>
+                </a:solidFill>
+                <a:effectLst/>
+                <a:latin typeface="NimbusRomNo9L-Regu"/>
+              </a:rPr>
+              <a:t>Visani</a:t>
+            </a:r>
+            <a:r>
+              <a:rPr lang="en-US" sz="1800" b="0" i="0" dirty="0">
+                <a:solidFill>
+                  <a:srgbClr val="000000"/>
+                </a:solidFill>
+                <a:effectLst/>
+                <a:latin typeface="NimbusRomNo9L-Regu"/>
+              </a:rPr>
+              <a:t>, Enrico Bagli, Federico </a:t>
+            </a:r>
+            <a:r>
+              <a:rPr lang="en-US" sz="1800" b="0" i="0" dirty="0" err="1">
+                <a:solidFill>
+                  <a:srgbClr val="000000"/>
+                </a:solidFill>
+                <a:effectLst/>
+                <a:latin typeface="NimbusRomNo9L-Regu"/>
+              </a:rPr>
+              <a:t>Chesani</a:t>
+            </a:r>
+            <a:r>
+              <a:rPr lang="en-US" sz="1800" b="0" i="0" dirty="0">
+                <a:solidFill>
+                  <a:srgbClr val="000000"/>
+                </a:solidFill>
+                <a:effectLst/>
+                <a:latin typeface="NimbusRomNo9L-Regu"/>
+              </a:rPr>
+              <a:t>, Alessandro </a:t>
+            </a:r>
+            <a:r>
+              <a:rPr lang="en-US" sz="1800" b="0" i="0" dirty="0" err="1">
+                <a:solidFill>
+                  <a:srgbClr val="000000"/>
+                </a:solidFill>
+                <a:effectLst/>
+                <a:latin typeface="NimbusRomNo9L-Regu"/>
+              </a:rPr>
+              <a:t>Poluzzi</a:t>
+            </a:r>
+            <a:r>
+              <a:rPr lang="en-US" sz="1800" b="0" i="0" dirty="0">
+                <a:solidFill>
+                  <a:srgbClr val="000000"/>
+                </a:solidFill>
+                <a:effectLst/>
+                <a:latin typeface="NimbusRomNo9L-Regu"/>
+              </a:rPr>
+              <a:t>, and</a:t>
+            </a:r>
+          </a:p>
+          <a:p>
+            <a:r>
+              <a:rPr lang="en-US" sz="1800" b="0" i="0" dirty="0">
+                <a:solidFill>
+                  <a:srgbClr val="000000"/>
+                </a:solidFill>
+                <a:effectLst/>
+                <a:latin typeface="NimbusRomNo9L-Regu"/>
+              </a:rPr>
+              <a:t>Davide </a:t>
+            </a:r>
+            <a:r>
+              <a:rPr lang="en-US" sz="1800" b="0" i="0" dirty="0" err="1">
+                <a:solidFill>
+                  <a:srgbClr val="000000"/>
+                </a:solidFill>
+                <a:effectLst/>
+                <a:latin typeface="NimbusRomNo9L-Regu"/>
+              </a:rPr>
+              <a:t>Capuzzo</a:t>
+            </a:r>
+            <a:r>
+              <a:rPr lang="en-US" sz="1800" b="0" i="0" dirty="0">
+                <a:solidFill>
+                  <a:srgbClr val="000000"/>
+                </a:solidFill>
+                <a:effectLst/>
+                <a:latin typeface="NimbusRomNo9L-Regu"/>
+              </a:rPr>
+              <a:t>. Statistical stability indices for lime: Obtaining reliable explanations for machine learning models. </a:t>
+            </a:r>
+            <a:r>
+              <a:rPr lang="en-US" sz="1800" b="0" i="1">
+                <a:solidFill>
+                  <a:srgbClr val="000000"/>
+                </a:solidFill>
+                <a:effectLst/>
+                <a:latin typeface="NimbusRomNo9L-ReguItal"/>
+              </a:rPr>
+              <a:t>Journal of the Operational Research Society</a:t>
+            </a:r>
+            <a:r>
+              <a:rPr lang="en-US" sz="1800" b="0" i="0">
+                <a:solidFill>
+                  <a:srgbClr val="000000"/>
+                </a:solidFill>
+                <a:effectLst/>
+                <a:latin typeface="NimbusRomNo9L-Regu"/>
+              </a:rPr>
+              <a:t>, 73(1):91–101, 2022.</a:t>
+            </a:r>
+            <a:r>
+              <a:rPr lang="en-US"/>
+              <a:t> </a:t>
+            </a:r>
+            <a:br>
+              <a:rPr lang="en-US"/>
+            </a:br>
+            <a:endParaRPr/>
           </a:p>
         </p:txBody>
       </p:sp>
-      <p:pic>
-        <p:nvPicPr>
-          <p:cNvPr id="3074" name="Picture 2">
-            <a:extLst>
-              <a:ext uri="{FF2B5EF4-FFF2-40B4-BE49-F238E27FC236}">
-                <a16:creationId xmlns:a16="http://schemas.microsoft.com/office/drawing/2014/main" id="{8994A6B3-30F0-0743-2D05-609A9E073613}"/>
-              </a:ext>
-            </a:extLst>
-          </p:cNvPr>
-          <p:cNvPicPr>
-            <a:picLocks noChangeAspect="1" noChangeArrowheads="1"/>
-          </p:cNvPicPr>
-          <p:nvPr/>
-        </p:nvPicPr>
-        <p:blipFill>
-          <a:blip r:embed="rId3">
-            <a:extLst>
-              <a:ext uri="{28A0092B-C50C-407E-A947-70E740481C1C}">
-                <a14:useLocalDpi xmlns:a14="http://schemas.microsoft.com/office/drawing/2010/main" val="0"/>
-              </a:ext>
-            </a:extLst>
-          </a:blip>
-          <a:srcRect/>
-          <a:stretch>
-            <a:fillRect/>
-          </a:stretch>
-        </p:blipFill>
-        <p:spPr bwMode="auto">
-          <a:xfrm>
-            <a:off x="971230" y="1115191"/>
-            <a:ext cx="6310806" cy="4976459"/>
-          </a:xfrm>
-          <a:prstGeom prst="rect">
-            <a:avLst/>
-          </a:prstGeom>
-          <a:noFill/>
-          <a:extLst>
-            <a:ext uri="{909E8E84-426E-40DD-AFC4-6F175D3DCCD1}">
-              <a14:hiddenFill xmlns:a14="http://schemas.microsoft.com/office/drawing/2010/main">
-                <a:solidFill>
-                  <a:srgbClr val="FFFFFF"/>
-                </a:solidFill>
-              </a14:hiddenFill>
-            </a:ext>
-          </a:extLst>
-        </p:spPr>
-      </p:pic>
     </p:spTree>
-    <p:extLst>
-      <p:ext uri="{BB962C8B-B14F-4D97-AF65-F5344CB8AC3E}">
-        <p14:creationId xmlns:p14="http://schemas.microsoft.com/office/powerpoint/2010/main" val="2077929614"/>
-      </p:ext>
-    </p:extLst>
   </p:cSld>
   <p:clrMapOvr>
     <a:masterClrMapping/>
@@ -21407,825 +20937,6 @@
 </p:sld>
 </file>
 
-<file path=ppt/slides/slide20.xml><?xml version="1.0" encoding="utf-8"?>
-<p:sld xmlns:a="http://schemas.openxmlformats.org/drawingml/2006/main" xmlns:r="http://schemas.openxmlformats.org/officeDocument/2006/relationships" xmlns:p="http://schemas.openxmlformats.org/presentationml/2006/main">
-  <p:cSld>
-    <p:spTree>
-      <p:nvGrpSpPr>
-        <p:cNvPr id="1" name="Shape 179"/>
-        <p:cNvGrpSpPr/>
-        <p:nvPr/>
-      </p:nvGrpSpPr>
-      <p:grpSpPr>
-        <a:xfrm>
-          <a:off x="0" y="0"/>
-          <a:ext cx="0" cy="0"/>
-          <a:chOff x="0" y="0"/>
-          <a:chExt cx="0" cy="0"/>
-        </a:xfrm>
-      </p:grpSpPr>
-      <p:sp>
-        <p:nvSpPr>
-          <p:cNvPr id="180" name="Google Shape;180;p25"/>
-          <p:cNvSpPr txBox="1">
-            <a:spLocks noGrp="1"/>
-          </p:cNvSpPr>
-          <p:nvPr>
-            <p:ph type="title"/>
-          </p:nvPr>
-        </p:nvSpPr>
-        <p:spPr>
-          <a:xfrm>
-            <a:off x="457200" y="381000"/>
-            <a:ext cx="8077200" cy="369900"/>
-          </a:xfrm>
-          <a:prstGeom prst="rect">
-            <a:avLst/>
-          </a:prstGeom>
-        </p:spPr>
-        <p:txBody>
-          <a:bodyPr spcFirstLastPara="1" wrap="square" lIns="91425" tIns="45700" rIns="91425" bIns="45700" anchor="ctr" anchorCtr="0">
-            <a:normAutofit fontScale="90000"/>
-          </a:bodyPr>
-          <a:lstStyle/>
-          <a:p>
-            <a:pPr marL="0" lvl="0" indent="0" algn="ctr" rtl="0">
-              <a:spcBef>
-                <a:spcPts val="0"/>
-              </a:spcBef>
-              <a:spcAft>
-                <a:spcPts val="0"/>
-              </a:spcAft>
-              <a:buClr>
-                <a:schemeClr val="dk1"/>
-              </a:buClr>
-              <a:buSzPct val="30555"/>
-              <a:buFont typeface="Arial"/>
-              <a:buNone/>
-            </a:pPr>
-            <a:r>
-              <a:rPr lang="en-US" dirty="0"/>
-              <a:t>Random Forest LIME Analysis</a:t>
-            </a:r>
-            <a:endParaRPr dirty="0"/>
-          </a:p>
-        </p:txBody>
-      </p:sp>
-    </p:spTree>
-    <p:extLst>
-      <p:ext uri="{BB962C8B-B14F-4D97-AF65-F5344CB8AC3E}">
-        <p14:creationId xmlns:p14="http://schemas.microsoft.com/office/powerpoint/2010/main" val="1816171571"/>
-      </p:ext>
-    </p:extLst>
-  </p:cSld>
-  <p:clrMapOvr>
-    <a:masterClrMapping/>
-  </p:clrMapOvr>
-</p:sld>
-</file>
-
-<file path=ppt/slides/slide21.xml><?xml version="1.0" encoding="utf-8"?>
-<p:sld xmlns:a="http://schemas.openxmlformats.org/drawingml/2006/main" xmlns:r="http://schemas.openxmlformats.org/officeDocument/2006/relationships" xmlns:p="http://schemas.openxmlformats.org/presentationml/2006/main">
-  <p:cSld>
-    <p:spTree>
-      <p:nvGrpSpPr>
-        <p:cNvPr id="1" name="Shape 179"/>
-        <p:cNvGrpSpPr/>
-        <p:nvPr/>
-      </p:nvGrpSpPr>
-      <p:grpSpPr>
-        <a:xfrm>
-          <a:off x="0" y="0"/>
-          <a:ext cx="0" cy="0"/>
-          <a:chOff x="0" y="0"/>
-          <a:chExt cx="0" cy="0"/>
-        </a:xfrm>
-      </p:grpSpPr>
-      <p:sp>
-        <p:nvSpPr>
-          <p:cNvPr id="180" name="Google Shape;180;p25"/>
-          <p:cNvSpPr txBox="1">
-            <a:spLocks noGrp="1"/>
-          </p:cNvSpPr>
-          <p:nvPr>
-            <p:ph type="title"/>
-          </p:nvPr>
-        </p:nvSpPr>
-        <p:spPr>
-          <a:xfrm>
-            <a:off x="457200" y="381000"/>
-            <a:ext cx="8077200" cy="369900"/>
-          </a:xfrm>
-          <a:prstGeom prst="rect">
-            <a:avLst/>
-          </a:prstGeom>
-        </p:spPr>
-        <p:txBody>
-          <a:bodyPr spcFirstLastPara="1" wrap="square" lIns="91425" tIns="45700" rIns="91425" bIns="45700" anchor="ctr" anchorCtr="0">
-            <a:normAutofit fontScale="90000"/>
-          </a:bodyPr>
-          <a:lstStyle/>
-          <a:p>
-            <a:pPr marL="0" lvl="0" indent="0" algn="ctr" rtl="0">
-              <a:spcBef>
-                <a:spcPts val="0"/>
-              </a:spcBef>
-              <a:spcAft>
-                <a:spcPts val="0"/>
-              </a:spcAft>
-              <a:buClr>
-                <a:schemeClr val="dk1"/>
-              </a:buClr>
-              <a:buSzPct val="30555"/>
-              <a:buFont typeface="Arial"/>
-              <a:buNone/>
-            </a:pPr>
-            <a:r>
-              <a:rPr lang="en-US" dirty="0"/>
-              <a:t>Random Forest SHAP Analysis</a:t>
-            </a:r>
-            <a:endParaRPr dirty="0"/>
-          </a:p>
-        </p:txBody>
-      </p:sp>
-    </p:spTree>
-    <p:extLst>
-      <p:ext uri="{BB962C8B-B14F-4D97-AF65-F5344CB8AC3E}">
-        <p14:creationId xmlns:p14="http://schemas.microsoft.com/office/powerpoint/2010/main" val="3682821078"/>
-      </p:ext>
-    </p:extLst>
-  </p:cSld>
-  <p:clrMapOvr>
-    <a:masterClrMapping/>
-  </p:clrMapOvr>
-</p:sld>
-</file>
-
-<file path=ppt/slides/slide22.xml><?xml version="1.0" encoding="utf-8"?>
-<p:sld xmlns:a="http://schemas.openxmlformats.org/drawingml/2006/main" xmlns:r="http://schemas.openxmlformats.org/officeDocument/2006/relationships" xmlns:p="http://schemas.openxmlformats.org/presentationml/2006/main">
-  <p:cSld>
-    <p:spTree>
-      <p:nvGrpSpPr>
-        <p:cNvPr id="1" name="Shape 186"/>
-        <p:cNvGrpSpPr/>
-        <p:nvPr/>
-      </p:nvGrpSpPr>
-      <p:grpSpPr>
-        <a:xfrm>
-          <a:off x="0" y="0"/>
-          <a:ext cx="0" cy="0"/>
-          <a:chOff x="0" y="0"/>
-          <a:chExt cx="0" cy="0"/>
-        </a:xfrm>
-      </p:grpSpPr>
-      <p:sp>
-        <p:nvSpPr>
-          <p:cNvPr id="187" name="Google Shape;187;p26"/>
-          <p:cNvSpPr txBox="1">
-            <a:spLocks noGrp="1"/>
-          </p:cNvSpPr>
-          <p:nvPr>
-            <p:ph type="title"/>
-          </p:nvPr>
-        </p:nvSpPr>
-        <p:spPr>
-          <a:xfrm>
-            <a:off x="457200" y="381000"/>
-            <a:ext cx="8077200" cy="369900"/>
-          </a:xfrm>
-          <a:prstGeom prst="rect">
-            <a:avLst/>
-          </a:prstGeom>
-        </p:spPr>
-        <p:txBody>
-          <a:bodyPr spcFirstLastPara="1" wrap="square" lIns="91425" tIns="45700" rIns="91425" bIns="45700" anchor="ctr" anchorCtr="0">
-            <a:normAutofit fontScale="90000"/>
-          </a:bodyPr>
-          <a:lstStyle/>
-          <a:p>
-            <a:pPr marL="0" lvl="0" indent="0" algn="ctr" rtl="0">
-              <a:spcBef>
-                <a:spcPts val="0"/>
-              </a:spcBef>
-              <a:spcAft>
-                <a:spcPts val="0"/>
-              </a:spcAft>
-              <a:buNone/>
-            </a:pPr>
-            <a:r>
-              <a:rPr lang="en-US"/>
-              <a:t>Project Results</a:t>
-            </a:r>
-            <a:endParaRPr/>
-          </a:p>
-        </p:txBody>
-      </p:sp>
-      <p:sp>
-        <p:nvSpPr>
-          <p:cNvPr id="188" name="Google Shape;188;p26"/>
-          <p:cNvSpPr txBox="1">
-            <a:spLocks noGrp="1"/>
-          </p:cNvSpPr>
-          <p:nvPr>
-            <p:ph type="body" idx="1"/>
-          </p:nvPr>
-        </p:nvSpPr>
-        <p:spPr>
-          <a:xfrm>
-            <a:off x="457200" y="1121900"/>
-            <a:ext cx="8229600" cy="4981200"/>
-          </a:xfrm>
-          <a:prstGeom prst="rect">
-            <a:avLst/>
-          </a:prstGeom>
-        </p:spPr>
-        <p:txBody>
-          <a:bodyPr spcFirstLastPara="1" wrap="square" lIns="91425" tIns="45700" rIns="91425" bIns="45700" anchor="t" anchorCtr="0">
-            <a:normAutofit/>
-          </a:bodyPr>
-          <a:lstStyle/>
-          <a:p>
-            <a:pPr marL="457200" lvl="0" indent="0" algn="just" rtl="0">
-              <a:spcBef>
-                <a:spcPts val="480"/>
-              </a:spcBef>
-              <a:spcAft>
-                <a:spcPts val="0"/>
-              </a:spcAft>
-              <a:buClr>
-                <a:schemeClr val="dk1"/>
-              </a:buClr>
-              <a:buSzPts val="1100"/>
-              <a:buFont typeface="Arial"/>
-              <a:buNone/>
-            </a:pPr>
-            <a:endParaRPr sz="1400"/>
-          </a:p>
-          <a:p>
-            <a:pPr marL="457200" lvl="0" indent="0" algn="l" rtl="0">
-              <a:spcBef>
-                <a:spcPts val="1000"/>
-              </a:spcBef>
-              <a:spcAft>
-                <a:spcPts val="1000"/>
-              </a:spcAft>
-              <a:buNone/>
-            </a:pPr>
-            <a:endParaRPr/>
-          </a:p>
-        </p:txBody>
-      </p:sp>
-      <p:sp>
-        <p:nvSpPr>
-          <p:cNvPr id="2" name="Google Shape;132;p18">
-            <a:extLst>
-              <a:ext uri="{FF2B5EF4-FFF2-40B4-BE49-F238E27FC236}">
-                <a16:creationId xmlns:a16="http://schemas.microsoft.com/office/drawing/2014/main" id="{B96993A1-E439-2A01-7B08-4228C9D198E8}"/>
-              </a:ext>
-            </a:extLst>
-          </p:cNvPr>
-          <p:cNvSpPr txBox="1">
-            <a:spLocks/>
-          </p:cNvSpPr>
-          <p:nvPr/>
-        </p:nvSpPr>
-        <p:spPr>
-          <a:xfrm>
-            <a:off x="609600" y="1274300"/>
-            <a:ext cx="8077200" cy="4981200"/>
-          </a:xfrm>
-          <a:prstGeom prst="rect">
-            <a:avLst/>
-          </a:prstGeom>
-          <a:noFill/>
-          <a:ln>
-            <a:noFill/>
-          </a:ln>
-        </p:spPr>
-        <p:txBody>
-          <a:bodyPr spcFirstLastPara="1" wrap="square" lIns="91425" tIns="45700" rIns="91425" bIns="45700" anchor="t" anchorCtr="0">
-            <a:normAutofit/>
-          </a:bodyPr>
-          <a:lstStyle>
-            <a:defPPr marR="0" lvl="0" algn="l" rtl="0">
-              <a:lnSpc>
-                <a:spcPct val="100000"/>
-              </a:lnSpc>
-              <a:spcBef>
-                <a:spcPts val="0"/>
-              </a:spcBef>
-              <a:spcAft>
-                <a:spcPts val="0"/>
-              </a:spcAft>
-            </a:defPPr>
-            <a:lvl1pPr marL="457200" marR="0" lvl="0" indent="-381000" algn="l" rtl="0">
-              <a:lnSpc>
-                <a:spcPct val="100000"/>
-              </a:lnSpc>
-              <a:spcBef>
-                <a:spcPts val="480"/>
-              </a:spcBef>
-              <a:spcAft>
-                <a:spcPts val="0"/>
-              </a:spcAft>
-              <a:buClr>
-                <a:srgbClr val="000000"/>
-              </a:buClr>
-              <a:buSzPts val="2400"/>
-              <a:buFont typeface="Lato"/>
-              <a:buChar char="❑"/>
-              <a:defRPr sz="2400" b="0" i="0" u="none" strike="noStrike" cap="none">
-                <a:solidFill>
-                  <a:srgbClr val="000000"/>
-                </a:solidFill>
-                <a:latin typeface="Lato"/>
-                <a:ea typeface="Lato"/>
-                <a:cs typeface="Lato"/>
-                <a:sym typeface="Lato"/>
-              </a:defRPr>
-            </a:lvl1pPr>
-            <a:lvl2pPr marL="914400" marR="0" lvl="1" indent="-368300" algn="l" rtl="0">
-              <a:lnSpc>
-                <a:spcPct val="100000"/>
-              </a:lnSpc>
-              <a:spcBef>
-                <a:spcPts val="440"/>
-              </a:spcBef>
-              <a:spcAft>
-                <a:spcPts val="0"/>
-              </a:spcAft>
-              <a:buClr>
-                <a:srgbClr val="0070C0"/>
-              </a:buClr>
-              <a:buSzPts val="2200"/>
-              <a:buFont typeface="Lato"/>
-              <a:buChar char="⮚"/>
-              <a:defRPr sz="2200" b="0" i="0" u="none" strike="noStrike" cap="none">
-                <a:solidFill>
-                  <a:srgbClr val="0070C0"/>
-                </a:solidFill>
-                <a:latin typeface="Lato"/>
-                <a:ea typeface="Lato"/>
-                <a:cs typeface="Lato"/>
-                <a:sym typeface="Lato"/>
-              </a:defRPr>
-            </a:lvl2pPr>
-            <a:lvl3pPr marL="1371600" marR="0" lvl="2" indent="-355600" algn="l" rtl="0">
-              <a:lnSpc>
-                <a:spcPct val="100000"/>
-              </a:lnSpc>
-              <a:spcBef>
-                <a:spcPts val="400"/>
-              </a:spcBef>
-              <a:spcAft>
-                <a:spcPts val="0"/>
-              </a:spcAft>
-              <a:buClr>
-                <a:srgbClr val="000000"/>
-              </a:buClr>
-              <a:buSzPts val="2000"/>
-              <a:buFont typeface="Lato"/>
-              <a:buChar char="❖"/>
-              <a:defRPr sz="2000" b="0" i="0" u="none" strike="noStrike" cap="none">
-                <a:solidFill>
-                  <a:srgbClr val="000000"/>
-                </a:solidFill>
-                <a:latin typeface="Lato"/>
-                <a:ea typeface="Lato"/>
-                <a:cs typeface="Lato"/>
-                <a:sym typeface="Lato"/>
-              </a:defRPr>
-            </a:lvl3pPr>
-            <a:lvl4pPr marL="1828800" marR="0" lvl="3" indent="-330200" algn="l" rtl="0">
-              <a:lnSpc>
-                <a:spcPct val="100000"/>
-              </a:lnSpc>
-              <a:spcBef>
-                <a:spcPts val="320"/>
-              </a:spcBef>
-              <a:spcAft>
-                <a:spcPts val="0"/>
-              </a:spcAft>
-              <a:buClr>
-                <a:srgbClr val="434343"/>
-              </a:buClr>
-              <a:buSzPts val="1600"/>
-              <a:buFont typeface="Lato"/>
-              <a:buChar char="o"/>
-              <a:defRPr sz="1600" b="1" i="0" u="none" strike="noStrike" cap="none">
-                <a:solidFill>
-                  <a:srgbClr val="434343"/>
-                </a:solidFill>
-                <a:latin typeface="Lato"/>
-                <a:ea typeface="Lato"/>
-                <a:cs typeface="Lato"/>
-                <a:sym typeface="Lato"/>
-              </a:defRPr>
-            </a:lvl4pPr>
-            <a:lvl5pPr marL="2286000" marR="0" lvl="4" indent="-317500" algn="l" rtl="0">
-              <a:lnSpc>
-                <a:spcPct val="100000"/>
-              </a:lnSpc>
-              <a:spcBef>
-                <a:spcPts val="280"/>
-              </a:spcBef>
-              <a:spcAft>
-                <a:spcPts val="0"/>
-              </a:spcAft>
-              <a:buClr>
-                <a:srgbClr val="434343"/>
-              </a:buClr>
-              <a:buSzPts val="1400"/>
-              <a:buFont typeface="Lato"/>
-              <a:buChar char="»"/>
-              <a:defRPr sz="1400" b="1" i="0" u="none" strike="noStrike" cap="none">
-                <a:solidFill>
-                  <a:srgbClr val="434343"/>
-                </a:solidFill>
-                <a:latin typeface="Lato"/>
-                <a:ea typeface="Lato"/>
-                <a:cs typeface="Lato"/>
-                <a:sym typeface="Lato"/>
-              </a:defRPr>
-            </a:lvl5pPr>
-            <a:lvl6pPr marL="2743200" marR="0" lvl="5" indent="-342900" algn="l" rtl="0">
-              <a:lnSpc>
-                <a:spcPct val="100000"/>
-              </a:lnSpc>
-              <a:spcBef>
-                <a:spcPts val="360"/>
-              </a:spcBef>
-              <a:spcAft>
-                <a:spcPts val="0"/>
-              </a:spcAft>
-              <a:buClr>
-                <a:srgbClr val="434343"/>
-              </a:buClr>
-              <a:buSzPts val="1800"/>
-              <a:buFont typeface="Lato"/>
-              <a:buChar char="•"/>
-              <a:defRPr sz="2000" b="0" i="0" u="none" strike="noStrike" cap="none">
-                <a:solidFill>
-                  <a:srgbClr val="434343"/>
-                </a:solidFill>
-                <a:latin typeface="Lato"/>
-                <a:ea typeface="Lato"/>
-                <a:cs typeface="Lato"/>
-                <a:sym typeface="Lato"/>
-              </a:defRPr>
-            </a:lvl6pPr>
-            <a:lvl7pPr marL="3200400" marR="0" lvl="6" indent="-342900" algn="l" rtl="0">
-              <a:lnSpc>
-                <a:spcPct val="100000"/>
-              </a:lnSpc>
-              <a:spcBef>
-                <a:spcPts val="360"/>
-              </a:spcBef>
-              <a:spcAft>
-                <a:spcPts val="0"/>
-              </a:spcAft>
-              <a:buClr>
-                <a:srgbClr val="434343"/>
-              </a:buClr>
-              <a:buSzPts val="1800"/>
-              <a:buFont typeface="Lato"/>
-              <a:buChar char="•"/>
-              <a:defRPr sz="2000" b="0" i="0" u="none" strike="noStrike" cap="none">
-                <a:solidFill>
-                  <a:srgbClr val="434343"/>
-                </a:solidFill>
-                <a:latin typeface="Lato"/>
-                <a:ea typeface="Lato"/>
-                <a:cs typeface="Lato"/>
-                <a:sym typeface="Lato"/>
-              </a:defRPr>
-            </a:lvl7pPr>
-            <a:lvl8pPr marL="3657600" marR="0" lvl="7" indent="-342900" algn="l" rtl="0">
-              <a:lnSpc>
-                <a:spcPct val="100000"/>
-              </a:lnSpc>
-              <a:spcBef>
-                <a:spcPts val="360"/>
-              </a:spcBef>
-              <a:spcAft>
-                <a:spcPts val="0"/>
-              </a:spcAft>
-              <a:buClr>
-                <a:srgbClr val="434343"/>
-              </a:buClr>
-              <a:buSzPts val="1800"/>
-              <a:buFont typeface="Lato"/>
-              <a:buChar char="•"/>
-              <a:defRPr sz="2000" b="0" i="0" u="none" strike="noStrike" cap="none">
-                <a:solidFill>
-                  <a:srgbClr val="434343"/>
-                </a:solidFill>
-                <a:latin typeface="Lato"/>
-                <a:ea typeface="Lato"/>
-                <a:cs typeface="Lato"/>
-                <a:sym typeface="Lato"/>
-              </a:defRPr>
-            </a:lvl8pPr>
-            <a:lvl9pPr marL="4114800" marR="0" lvl="8" indent="-342900" algn="l" rtl="0">
-              <a:lnSpc>
-                <a:spcPct val="100000"/>
-              </a:lnSpc>
-              <a:spcBef>
-                <a:spcPts val="360"/>
-              </a:spcBef>
-              <a:spcAft>
-                <a:spcPts val="0"/>
-              </a:spcAft>
-              <a:buClr>
-                <a:srgbClr val="434343"/>
-              </a:buClr>
-              <a:buSzPts val="1800"/>
-              <a:buFont typeface="Lato"/>
-              <a:buChar char="•"/>
-              <a:defRPr sz="2000" b="0" i="0" u="none" strike="noStrike" cap="none">
-                <a:solidFill>
-                  <a:srgbClr val="434343"/>
-                </a:solidFill>
-                <a:latin typeface="Lato"/>
-                <a:ea typeface="Lato"/>
-                <a:cs typeface="Lato"/>
-                <a:sym typeface="Lato"/>
-              </a:defRPr>
-            </a:lvl9pPr>
-          </a:lstStyle>
-          <a:p>
-            <a:pPr marL="342900" indent="-342900">
-              <a:spcAft>
-                <a:spcPts val="1200"/>
-              </a:spcAft>
-              <a:buFont typeface="Wingdings" panose="05000000000000000000" pitchFamily="2" charset="2"/>
-              <a:buChar char="q"/>
-            </a:pPr>
-            <a:r>
-              <a:rPr lang="en-US" dirty="0"/>
-              <a:t>Best Algorithm: Random Forest (Accuracy: 0.996).</a:t>
-            </a:r>
-          </a:p>
-          <a:p>
-            <a:pPr marL="342900" indent="-342900">
-              <a:spcAft>
-                <a:spcPts val="1200"/>
-              </a:spcAft>
-              <a:buFont typeface="Wingdings" panose="05000000000000000000" pitchFamily="2" charset="2"/>
-              <a:buChar char="q"/>
-            </a:pPr>
-            <a:r>
-              <a:rPr lang="en-US" dirty="0"/>
-              <a:t>Key Finding: Cuban dataset-based models outperformed models trained on US Hispanic data.</a:t>
-            </a:r>
-          </a:p>
-        </p:txBody>
-      </p:sp>
-    </p:spTree>
-  </p:cSld>
-  <p:clrMapOvr>
-    <a:masterClrMapping/>
-  </p:clrMapOvr>
-</p:sld>
-</file>
-
-<file path=ppt/slides/slide23.xml><?xml version="1.0" encoding="utf-8"?>
-<p:sld xmlns:a="http://schemas.openxmlformats.org/drawingml/2006/main" xmlns:r="http://schemas.openxmlformats.org/officeDocument/2006/relationships" xmlns:p="http://schemas.openxmlformats.org/presentationml/2006/main">
-  <p:cSld>
-    <p:spTree>
-      <p:nvGrpSpPr>
-        <p:cNvPr id="1" name="Shape 214"/>
-        <p:cNvGrpSpPr/>
-        <p:nvPr/>
-      </p:nvGrpSpPr>
-      <p:grpSpPr>
-        <a:xfrm>
-          <a:off x="0" y="0"/>
-          <a:ext cx="0" cy="0"/>
-          <a:chOff x="0" y="0"/>
-          <a:chExt cx="0" cy="0"/>
-        </a:xfrm>
-      </p:grpSpPr>
-      <p:sp>
-        <p:nvSpPr>
-          <p:cNvPr id="215" name="Google Shape;215;p30"/>
-          <p:cNvSpPr txBox="1">
-            <a:spLocks noGrp="1"/>
-          </p:cNvSpPr>
-          <p:nvPr>
-            <p:ph type="title"/>
-          </p:nvPr>
-        </p:nvSpPr>
-        <p:spPr>
-          <a:xfrm>
-            <a:off x="457200" y="381000"/>
-            <a:ext cx="8077200" cy="369900"/>
-          </a:xfrm>
-          <a:prstGeom prst="rect">
-            <a:avLst/>
-          </a:prstGeom>
-        </p:spPr>
-        <p:txBody>
-          <a:bodyPr spcFirstLastPara="1" wrap="square" lIns="91425" tIns="45700" rIns="91425" bIns="45700" anchor="ctr" anchorCtr="0">
-            <a:normAutofit fontScale="90000"/>
-          </a:bodyPr>
-          <a:lstStyle/>
-          <a:p>
-            <a:pPr marL="0" lvl="0" indent="0" algn="ctr" rtl="0">
-              <a:spcBef>
-                <a:spcPts val="0"/>
-              </a:spcBef>
-              <a:spcAft>
-                <a:spcPts val="0"/>
-              </a:spcAft>
-              <a:buNone/>
-            </a:pPr>
-            <a:r>
-              <a:rPr lang="en-US"/>
-              <a:t>Conclusion and Future Work</a:t>
-            </a:r>
-            <a:endParaRPr/>
-          </a:p>
-        </p:txBody>
-      </p:sp>
-      <p:sp>
-        <p:nvSpPr>
-          <p:cNvPr id="216" name="Google Shape;216;p30"/>
-          <p:cNvSpPr txBox="1">
-            <a:spLocks noGrp="1"/>
-          </p:cNvSpPr>
-          <p:nvPr>
-            <p:ph type="body" idx="1"/>
-          </p:nvPr>
-        </p:nvSpPr>
-        <p:spPr>
-          <a:xfrm>
-            <a:off x="457200" y="1121900"/>
-            <a:ext cx="8229600" cy="4981200"/>
-          </a:xfrm>
-          <a:prstGeom prst="rect">
-            <a:avLst/>
-          </a:prstGeom>
-        </p:spPr>
-        <p:txBody>
-          <a:bodyPr spcFirstLastPara="1" wrap="square" lIns="91425" tIns="45700" rIns="91425" bIns="45700" anchor="t" anchorCtr="0">
-            <a:normAutofit/>
-          </a:bodyPr>
-          <a:lstStyle/>
-          <a:p>
-            <a:pPr marL="342900" lvl="0" indent="-342900" algn="l" rtl="0">
-              <a:lnSpc>
-                <a:spcPct val="150000"/>
-              </a:lnSpc>
-              <a:spcBef>
-                <a:spcPts val="480"/>
-              </a:spcBef>
-              <a:spcAft>
-                <a:spcPts val="0"/>
-              </a:spcAft>
-              <a:buFont typeface="Wingdings" panose="05000000000000000000" pitchFamily="2" charset="2"/>
-              <a:buChar char="q"/>
-            </a:pPr>
-            <a:r>
-              <a:rPr lang="en-US" dirty="0"/>
-              <a:t>Conclusion: The model provides better estimates of breast cancer risk for Cuban women, with the potential for use in other developing countries.</a:t>
-            </a:r>
-          </a:p>
-          <a:p>
-            <a:pPr marL="342900" lvl="0" indent="-342900" algn="l" rtl="0">
-              <a:lnSpc>
-                <a:spcPct val="150000"/>
-              </a:lnSpc>
-              <a:spcBef>
-                <a:spcPts val="480"/>
-              </a:spcBef>
-              <a:spcAft>
-                <a:spcPts val="0"/>
-              </a:spcAft>
-              <a:buFont typeface="Wingdings" panose="05000000000000000000" pitchFamily="2" charset="2"/>
-              <a:buChar char="q"/>
-            </a:pPr>
-            <a:r>
-              <a:rPr lang="en-US" dirty="0"/>
-              <a:t>Future Work: Expanding the dataset, refining feature selection, and developing clinical tools for implementation.</a:t>
-            </a:r>
-            <a:endParaRPr dirty="0"/>
-          </a:p>
-        </p:txBody>
-      </p:sp>
-    </p:spTree>
-  </p:cSld>
-  <p:clrMapOvr>
-    <a:masterClrMapping/>
-  </p:clrMapOvr>
-</p:sld>
-</file>
-
-<file path=ppt/slides/slide24.xml><?xml version="1.0" encoding="utf-8"?>
-<p:sld xmlns:a="http://schemas.openxmlformats.org/drawingml/2006/main" xmlns:r="http://schemas.openxmlformats.org/officeDocument/2006/relationships" xmlns:p="http://schemas.openxmlformats.org/presentationml/2006/main">
-  <p:cSld>
-    <p:spTree>
-      <p:nvGrpSpPr>
-        <p:cNvPr id="1" name="Shape 221"/>
-        <p:cNvGrpSpPr/>
-        <p:nvPr/>
-      </p:nvGrpSpPr>
-      <p:grpSpPr>
-        <a:xfrm>
-          <a:off x="0" y="0"/>
-          <a:ext cx="0" cy="0"/>
-          <a:chOff x="0" y="0"/>
-          <a:chExt cx="0" cy="0"/>
-        </a:xfrm>
-      </p:grpSpPr>
-      <p:sp>
-        <p:nvSpPr>
-          <p:cNvPr id="222" name="Google Shape;222;p31"/>
-          <p:cNvSpPr txBox="1">
-            <a:spLocks noGrp="1"/>
-          </p:cNvSpPr>
-          <p:nvPr>
-            <p:ph type="title"/>
-          </p:nvPr>
-        </p:nvSpPr>
-        <p:spPr>
-          <a:xfrm>
-            <a:off x="457200" y="381000"/>
-            <a:ext cx="8077200" cy="369900"/>
-          </a:xfrm>
-          <a:prstGeom prst="rect">
-            <a:avLst/>
-          </a:prstGeom>
-        </p:spPr>
-        <p:txBody>
-          <a:bodyPr spcFirstLastPara="1" wrap="square" lIns="91425" tIns="45700" rIns="91425" bIns="45700" anchor="ctr" anchorCtr="0">
-            <a:normAutofit fontScale="90000"/>
-          </a:bodyPr>
-          <a:lstStyle/>
-          <a:p>
-            <a:pPr marL="0" lvl="0" indent="0" algn="ctr" rtl="0">
-              <a:spcBef>
-                <a:spcPts val="0"/>
-              </a:spcBef>
-              <a:spcAft>
-                <a:spcPts val="0"/>
-              </a:spcAft>
-              <a:buNone/>
-            </a:pPr>
-            <a:r>
-              <a:rPr lang="en-US"/>
-              <a:t>References</a:t>
-            </a:r>
-            <a:endParaRPr/>
-          </a:p>
-        </p:txBody>
-      </p:sp>
-      <p:sp>
-        <p:nvSpPr>
-          <p:cNvPr id="223" name="Google Shape;223;p31"/>
-          <p:cNvSpPr txBox="1">
-            <a:spLocks noGrp="1"/>
-          </p:cNvSpPr>
-          <p:nvPr>
-            <p:ph type="body" idx="1"/>
-          </p:nvPr>
-        </p:nvSpPr>
-        <p:spPr>
-          <a:xfrm>
-            <a:off x="457200" y="1121900"/>
-            <a:ext cx="8229600" cy="4981200"/>
-          </a:xfrm>
-          <a:prstGeom prst="rect">
-            <a:avLst/>
-          </a:prstGeom>
-        </p:spPr>
-        <p:txBody>
-          <a:bodyPr spcFirstLastPara="1" wrap="square" lIns="91425" tIns="45700" rIns="91425" bIns="45700" anchor="t" anchorCtr="0">
-            <a:normAutofit/>
-          </a:bodyPr>
-          <a:lstStyle/>
-          <a:p>
-            <a:pPr marL="457200" lvl="0" indent="0" algn="l" rtl="0">
-              <a:spcBef>
-                <a:spcPts val="480"/>
-              </a:spcBef>
-              <a:spcAft>
-                <a:spcPts val="0"/>
-              </a:spcAft>
-              <a:buNone/>
-            </a:pPr>
-            <a:endParaRPr/>
-          </a:p>
-        </p:txBody>
-      </p:sp>
-    </p:spTree>
-  </p:cSld>
-  <p:clrMapOvr>
-    <a:masterClrMapping/>
-  </p:clrMapOvr>
-</p:sld>
-</file>
-
 <file path=ppt/slides/slide3.xml><?xml version="1.0" encoding="utf-8"?>
 <p:sld xmlns:a="http://schemas.openxmlformats.org/drawingml/2006/main" xmlns:r="http://schemas.openxmlformats.org/officeDocument/2006/relationships" xmlns:p="http://schemas.openxmlformats.org/presentationml/2006/main">
   <p:cSld>
@@ -22310,22 +21021,12 @@
           </a:bodyPr>
           <a:lstStyle/>
           <a:p>
-            <a:pPr>
-              <a:spcAft>
-                <a:spcPts val="1200"/>
-              </a:spcAft>
-            </a:pPr>
             <a:r>
               <a:rPr lang="en-US" dirty="0"/>
               <a:t>Breast cancer: leading cause of mortality among women globally.</a:t>
             </a:r>
           </a:p>
           <a:p>
-            <a:pPr>
-              <a:spcAft>
-                <a:spcPts val="1200"/>
-              </a:spcAft>
-            </a:pPr>
             <a:r>
               <a:rPr lang="en-US" dirty="0"/>
               <a:t>In Cuba, high mortality is linked to late detection and limited access to quality treatment.</a:t>
@@ -22434,8 +21135,8 @@
         </p:nvSpPr>
         <p:spPr bwMode="auto">
           <a:xfrm>
-            <a:off x="515815" y="1567687"/>
-            <a:ext cx="8112369" cy="2862322"/>
+            <a:off x="457200" y="2735193"/>
+            <a:ext cx="8112369" cy="1754326"/>
           </a:xfrm>
           <a:prstGeom prst="rect">
             <a:avLst/>
@@ -22497,7 +21198,7 @@
               <a:buSzTx/>
             </a:pPr>
             <a:r>
-              <a:rPr kumimoji="0" lang="en-US" altLang="en-US" b="1" i="0" u="none" strike="noStrike" cap="none" normalizeH="0" baseline="0" dirty="0">
+              <a:rPr kumimoji="0" lang="en-US" altLang="en-US" sz="1800" b="1" i="0" u="none" strike="noStrike" cap="none" normalizeH="0" baseline="0" dirty="0">
                 <a:ln>
                   <a:noFill/>
                 </a:ln>
@@ -22505,14 +21206,12 @@
                   <a:schemeClr val="tx1"/>
                 </a:solidFill>
                 <a:effectLst/>
-                <a:latin typeface="Lato" panose="020F0502020204030203" pitchFamily="34" charset="0"/>
-                <a:ea typeface="Lato" panose="020F0502020204030203" pitchFamily="34" charset="0"/>
-                <a:cs typeface="Lato" panose="020F0502020204030203" pitchFamily="34" charset="0"/>
+                <a:latin typeface="Arial" panose="020B0604020202020204" pitchFamily="34" charset="0"/>
               </a:rPr>
               <a:t>Traditional Models</a:t>
             </a:r>
             <a:r>
-              <a:rPr kumimoji="0" lang="en-US" altLang="en-US" b="0" i="0" u="none" strike="noStrike" cap="none" normalizeH="0" baseline="0" dirty="0">
+              <a:rPr kumimoji="0" lang="en-US" altLang="en-US" sz="1800" b="0" i="0" u="none" strike="noStrike" cap="none" normalizeH="0" baseline="0" dirty="0">
                 <a:ln>
                   <a:noFill/>
                 </a:ln>
@@ -22520,14 +21219,12 @@
                   <a:schemeClr val="tx1"/>
                 </a:solidFill>
                 <a:effectLst/>
-                <a:latin typeface="Lato" panose="020F0502020204030203" pitchFamily="34" charset="0"/>
-                <a:ea typeface="Lato" panose="020F0502020204030203" pitchFamily="34" charset="0"/>
-                <a:cs typeface="Lato" panose="020F0502020204030203" pitchFamily="34" charset="0"/>
+                <a:latin typeface="Arial" panose="020B0604020202020204" pitchFamily="34" charset="0"/>
               </a:rPr>
               <a:t>: Gail model, Barlow, </a:t>
             </a:r>
             <a:r>
-              <a:rPr kumimoji="0" lang="en-US" altLang="en-US" b="0" i="0" u="none" strike="noStrike" cap="none" normalizeH="0" baseline="0" dirty="0" err="1">
+              <a:rPr kumimoji="0" lang="en-US" altLang="en-US" sz="1800" b="0" i="0" u="none" strike="noStrike" cap="none" normalizeH="0" baseline="0" dirty="0" err="1">
                 <a:ln>
                   <a:noFill/>
                 </a:ln>
@@ -22535,14 +21232,12 @@
                   <a:schemeClr val="tx1"/>
                 </a:solidFill>
                 <a:effectLst/>
-                <a:latin typeface="Lato" panose="020F0502020204030203" pitchFamily="34" charset="0"/>
-                <a:ea typeface="Lato" panose="020F0502020204030203" pitchFamily="34" charset="0"/>
-                <a:cs typeface="Lato" panose="020F0502020204030203" pitchFamily="34" charset="0"/>
+                <a:latin typeface="Arial" panose="020B0604020202020204" pitchFamily="34" charset="0"/>
               </a:rPr>
               <a:t>Tyrer-Cuzick</a:t>
             </a:r>
             <a:r>
-              <a:rPr kumimoji="0" lang="en-US" altLang="en-US" b="0" i="0" u="none" strike="noStrike" cap="none" normalizeH="0" baseline="0" dirty="0">
+              <a:rPr kumimoji="0" lang="en-US" altLang="en-US" sz="1800" b="0" i="0" u="none" strike="noStrike" cap="none" normalizeH="0" baseline="0" dirty="0">
                 <a:ln>
                   <a:noFill/>
                 </a:ln>
@@ -22550,9 +21245,7 @@
                   <a:schemeClr val="tx1"/>
                 </a:solidFill>
                 <a:effectLst/>
-                <a:latin typeface="Lato" panose="020F0502020204030203" pitchFamily="34" charset="0"/>
-                <a:ea typeface="Lato" panose="020F0502020204030203" pitchFamily="34" charset="0"/>
-                <a:cs typeface="Lato" panose="020F0502020204030203" pitchFamily="34" charset="0"/>
+                <a:latin typeface="Arial" panose="020B0604020202020204" pitchFamily="34" charset="0"/>
               </a:rPr>
               <a:t> (IBIS).</a:t>
             </a:r>
@@ -22572,7 +21265,7 @@
               <a:buSzTx/>
             </a:pPr>
             <a:r>
-              <a:rPr kumimoji="0" lang="en-US" altLang="en-US" b="1" i="0" u="none" strike="noStrike" cap="none" normalizeH="0" baseline="0" dirty="0">
+              <a:rPr kumimoji="0" lang="en-US" altLang="en-US" sz="1800" b="1" i="0" u="none" strike="noStrike" cap="none" normalizeH="0" baseline="0" dirty="0">
                 <a:ln>
                   <a:noFill/>
                 </a:ln>
@@ -22580,14 +21273,12 @@
                   <a:schemeClr val="tx1"/>
                 </a:solidFill>
                 <a:effectLst/>
-                <a:latin typeface="Lato" panose="020F0502020204030203" pitchFamily="34" charset="0"/>
-                <a:ea typeface="Lato" panose="020F0502020204030203" pitchFamily="34" charset="0"/>
-                <a:cs typeface="Lato" panose="020F0502020204030203" pitchFamily="34" charset="0"/>
+                <a:latin typeface="Arial" panose="020B0604020202020204" pitchFamily="34" charset="0"/>
               </a:rPr>
               <a:t>Limitations</a:t>
             </a:r>
             <a:r>
-              <a:rPr kumimoji="0" lang="en-US" altLang="en-US" b="0" i="0" u="none" strike="noStrike" cap="none" normalizeH="0" baseline="0" dirty="0">
+              <a:rPr kumimoji="0" lang="en-US" altLang="en-US" sz="1800" b="0" i="0" u="none" strike="noStrike" cap="none" normalizeH="0" baseline="0" dirty="0">
                 <a:ln>
                   <a:noFill/>
                 </a:ln>
@@ -22595,9 +21286,7 @@
                   <a:schemeClr val="tx1"/>
                 </a:solidFill>
                 <a:effectLst/>
-                <a:latin typeface="Lato" panose="020F0502020204030203" pitchFamily="34" charset="0"/>
-                <a:ea typeface="Lato" panose="020F0502020204030203" pitchFamily="34" charset="0"/>
-                <a:cs typeface="Lato" panose="020F0502020204030203" pitchFamily="34" charset="0"/>
+                <a:latin typeface="Arial" panose="020B0604020202020204" pitchFamily="34" charset="0"/>
               </a:rPr>
               <a:t>: Ineffective in predicting risks for non-Western populations like Cuban women.</a:t>
             </a:r>
@@ -22617,28 +21306,31 @@
               <a:buSzTx/>
             </a:pPr>
             <a:r>
-              <a:rPr lang="en-US" altLang="en-US" b="1" dirty="0">
+              <a:rPr kumimoji="0" lang="en-US" altLang="en-US" sz="1800" b="1" i="0" u="none" strike="noStrike" cap="none" normalizeH="0" baseline="0" dirty="0">
+                <a:ln>
+                  <a:noFill/>
+                </a:ln>
                 <a:solidFill>
                   <a:schemeClr val="tx1"/>
                 </a:solidFill>
-                <a:latin typeface="Lato" panose="020F0502020204030203" pitchFamily="34" charset="0"/>
-                <a:ea typeface="Lato" panose="020F0502020204030203" pitchFamily="34" charset="0"/>
-                <a:cs typeface="Lato" panose="020F0502020204030203" pitchFamily="34" charset="0"/>
+                <a:effectLst/>
+                <a:latin typeface="Arial" panose="020B0604020202020204" pitchFamily="34" charset="0"/>
               </a:rPr>
-              <a:t>The need for population specific models:</a:t>
+              <a:t>Advances</a:t>
             </a:r>
-            <a:endParaRPr kumimoji="0" lang="en-US" altLang="en-US" b="1" i="0" u="none" strike="noStrike" cap="none" normalizeH="0" baseline="0" dirty="0">
-              <a:ln>
-                <a:noFill/>
-              </a:ln>
-              <a:solidFill>
-                <a:schemeClr val="tx1"/>
-              </a:solidFill>
-              <a:effectLst/>
-              <a:latin typeface="Lato" panose="020F0502020204030203" pitchFamily="34" charset="0"/>
-              <a:ea typeface="Lato" panose="020F0502020204030203" pitchFamily="34" charset="0"/>
-              <a:cs typeface="Lato" panose="020F0502020204030203" pitchFamily="34" charset="0"/>
-            </a:endParaRPr>
+            <a:r>
+              <a:rPr kumimoji="0" lang="en-US" altLang="en-US" sz="1800" b="0" i="0" u="none" strike="noStrike" cap="none" normalizeH="0" baseline="0" dirty="0">
+                <a:ln>
+                  <a:noFill/>
+                </a:ln>
+                <a:solidFill>
+                  <a:schemeClr val="tx1"/>
+                </a:solidFill>
+                <a:effectLst/>
+                <a:latin typeface="Arial" panose="020B0604020202020204" pitchFamily="34" charset="0"/>
+              </a:rPr>
+              <a:t>: Use of machine learning models for personalized predictions. </a:t>
+            </a:r>
           </a:p>
         </p:txBody>
       </p:sp>
@@ -23034,7 +21726,7 @@
                 <a:spcPts val="480"/>
               </a:spcBef>
               <a:spcAft>
-                <a:spcPts val="1200"/>
+                <a:spcPts val="0"/>
               </a:spcAft>
               <a:buFont typeface="Wingdings" panose="05000000000000000000" pitchFamily="2" charset="2"/>
               <a:buChar char="q"/>
@@ -23050,7 +21742,7 @@
                 <a:spcPts val="480"/>
               </a:spcBef>
               <a:spcAft>
-                <a:spcPts val="1200"/>
+                <a:spcPts val="0"/>
               </a:spcAft>
               <a:buFont typeface="Wingdings" panose="05000000000000000000" pitchFamily="2" charset="2"/>
               <a:buChar char="q"/>
@@ -23484,9 +22176,6 @@
           </a:lstStyle>
           <a:p>
             <a:pPr marL="342900" indent="-342900">
-              <a:spcAft>
-                <a:spcPts val="1200"/>
-              </a:spcAft>
               <a:buFont typeface="Wingdings" panose="05000000000000000000" pitchFamily="2" charset="2"/>
               <a:buChar char="q"/>
             </a:pPr>
@@ -23497,9 +22186,6 @@
           </a:p>
           <a:p>
             <a:pPr marL="342900" indent="-342900">
-              <a:spcAft>
-                <a:spcPts val="1200"/>
-              </a:spcAft>
               <a:buFont typeface="Wingdings" panose="05000000000000000000" pitchFamily="2" charset="2"/>
               <a:buChar char="q"/>
             </a:pPr>
@@ -23672,7 +22358,7 @@
         <p:spPr>
           <a:xfrm>
             <a:off x="609600" y="1274300"/>
-            <a:ext cx="8077200" cy="3310952"/>
+            <a:ext cx="8077200" cy="4981200"/>
           </a:xfrm>
           <a:prstGeom prst="rect">
             <a:avLst/>
@@ -23935,9 +22621,6 @@
           </a:lstStyle>
           <a:p>
             <a:pPr marL="342900" indent="-342900">
-              <a:spcAft>
-                <a:spcPts val="1200"/>
-              </a:spcAft>
               <a:buFont typeface="Wingdings" panose="05000000000000000000" pitchFamily="2" charset="2"/>
               <a:buChar char="q"/>
             </a:pPr>
@@ -23948,28 +22631,12 @@
           </a:p>
           <a:p>
             <a:pPr marL="342900" indent="-342900">
-              <a:spcAft>
-                <a:spcPts val="1200"/>
-              </a:spcAft>
               <a:buFont typeface="Wingdings" panose="05000000000000000000" pitchFamily="2" charset="2"/>
               <a:buChar char="q"/>
             </a:pPr>
             <a:r>
               <a:rPr lang="en-US" dirty="0"/>
               <a:t>Which algorithm provides the highest accuracy and interpretability for this demographic?</a:t>
-            </a:r>
-          </a:p>
-          <a:p>
-            <a:pPr marL="342900" indent="-342900">
-              <a:spcAft>
-                <a:spcPts val="1200"/>
-              </a:spcAft>
-              <a:buFont typeface="Wingdings" panose="05000000000000000000" pitchFamily="2" charset="2"/>
-              <a:buChar char="q"/>
-            </a:pPr>
-            <a:r>
-              <a:rPr lang="en-US" dirty="0"/>
-              <a:t>Can this model be generalized to other Latin populations?</a:t>
             </a:r>
           </a:p>
         </p:txBody>

--- a/MCS7103-MachineLearning/Presentation.pptx
+++ b/MCS7103-MachineLearning/Presentation.pptx
@@ -17819,6 +17819,37 @@
               </a:rPr>
               <a:t>1. Eugene Munyaneza</a:t>
             </a:r>
+          </a:p>
+          <a:p>
+            <a:pPr marL="457200" marR="0" lvl="0" indent="0" algn="l" rtl="0">
+              <a:lnSpc>
+                <a:spcPct val="100000"/>
+              </a:lnSpc>
+              <a:spcBef>
+                <a:spcPts val="0"/>
+              </a:spcBef>
+              <a:spcAft>
+                <a:spcPts val="0"/>
+              </a:spcAft>
+              <a:buClr>
+                <a:srgbClr val="000000"/>
+              </a:buClr>
+              <a:buSzPts val="2200"/>
+              <a:buFont typeface="Arial"/>
+              <a:buNone/>
+            </a:pPr>
+            <a:r>
+              <a:rPr lang="en-GB" sz="1800" b="1" dirty="0">
+                <a:solidFill>
+                  <a:schemeClr val="dk1"/>
+                </a:solidFill>
+                <a:latin typeface="Lato"/>
+                <a:ea typeface="Lato"/>
+                <a:cs typeface="Lato"/>
+                <a:sym typeface="Lato"/>
+              </a:rPr>
+              <a:t>2024/HD05/21936U</a:t>
+            </a:r>
             <a:endParaRPr sz="1800" b="1" dirty="0">
               <a:solidFill>
                 <a:schemeClr val="dk1"/>
@@ -17885,10 +17916,10 @@
                 <a:cs typeface="Lato"/>
                 <a:sym typeface="Lato"/>
               </a:rPr>
-              <a:t>2. </a:t>
+              <a:t>2. Khadija </a:t>
             </a:r>
             <a:r>
-              <a:rPr lang="en-US" sz="1800" b="1">
+              <a:rPr lang="en-US" sz="1800" b="1" dirty="0" err="1">
                 <a:solidFill>
                   <a:schemeClr val="dk1"/>
                 </a:solidFill>
@@ -17897,7 +17928,47 @@
                 <a:cs typeface="Lato"/>
                 <a:sym typeface="Lato"/>
               </a:rPr>
-              <a:t>Khadija Athman</a:t>
+              <a:t>Athman</a:t>
+            </a:r>
+            <a:endParaRPr lang="en-US" sz="1800" b="1" dirty="0">
+              <a:solidFill>
+                <a:schemeClr val="dk1"/>
+              </a:solidFill>
+              <a:latin typeface="Lato"/>
+              <a:ea typeface="Lato"/>
+              <a:cs typeface="Lato"/>
+              <a:sym typeface="Lato"/>
+            </a:endParaRPr>
+          </a:p>
+          <a:p>
+            <a:pPr marL="457200" marR="0" lvl="0" indent="0" algn="l" rtl="0">
+              <a:lnSpc>
+                <a:spcPct val="100000"/>
+              </a:lnSpc>
+              <a:spcBef>
+                <a:spcPts val="0"/>
+              </a:spcBef>
+              <a:spcAft>
+                <a:spcPts val="0"/>
+              </a:spcAft>
+              <a:buClr>
+                <a:srgbClr val="000000"/>
+              </a:buClr>
+              <a:buSzPts val="2200"/>
+              <a:buFont typeface="Arial"/>
+              <a:buNone/>
+            </a:pPr>
+            <a:r>
+              <a:rPr lang="en-GB" sz="1800" b="1" dirty="0">
+                <a:solidFill>
+                  <a:schemeClr val="dk1"/>
+                </a:solidFill>
+                <a:latin typeface="Lato"/>
+                <a:ea typeface="Lato"/>
+                <a:cs typeface="Lato"/>
+                <a:sym typeface="Lato"/>
+              </a:rPr>
+              <a:t>2024/HD05/21918U</a:t>
             </a:r>
             <a:endParaRPr sz="1800" b="1" dirty="0">
               <a:solidFill>

--- a/MCS7103-MachineLearning/Presentation.pptx
+++ b/MCS7103-MachineLearning/Presentation.pptx
@@ -17711,7 +17711,7 @@
                 <a:cs typeface="Lato"/>
                 <a:sym typeface="Lato"/>
               </a:rPr>
-              <a:t>Title</a:t>
+              <a:t>Title: Breast Cancer Risk Estimation with Intelligent Algorithms for Cuban Women</a:t>
             </a:r>
             <a:endParaRPr sz="3200" i="0" u="none" strike="noStrike" cap="none">
               <a:solidFill>
